--- a/제출자료/발표자료/발표 자료_13주차_12조.pptx
+++ b/제출자료/발표자료/발표 자료_13주차_12조.pptx
@@ -5,7 +5,7 @@
     <p:sldMasterId id="2147483648" r:id="rId1"/>
   </p:sldMasterIdLst>
   <p:notesMasterIdLst>
-    <p:notesMasterId r:id="rId15"/>
+    <p:notesMasterId r:id="rId18"/>
   </p:notesMasterIdLst>
   <p:sldIdLst>
     <p:sldId id="256" r:id="rId2"/>
@@ -21,6 +21,9 @@
     <p:sldId id="268" r:id="rId12"/>
     <p:sldId id="269" r:id="rId13"/>
     <p:sldId id="270" r:id="rId14"/>
+    <p:sldId id="273" r:id="rId15"/>
+    <p:sldId id="274" r:id="rId16"/>
+    <p:sldId id="272" r:id="rId17"/>
   </p:sldIdLst>
   <p:sldSz cx="12192000" cy="6858000"/>
   <p:notesSz cx="6858000" cy="9144000"/>
@@ -16894,6 +16897,1815 @@
 </p:sld>
 </file>
 
+<file path=ppt/slides/slide14.xml><?xml version="1.0" encoding="utf-8"?>
+<p:sld xmlns:a="http://schemas.openxmlformats.org/drawingml/2006/main" xmlns:r="http://schemas.openxmlformats.org/officeDocument/2006/relationships" xmlns:p="http://schemas.openxmlformats.org/presentationml/2006/main">
+  <p:cSld>
+    <p:bg>
+      <p:bgPr>
+        <a:solidFill>
+          <a:schemeClr val="bg1"/>
+        </a:solidFill>
+        <a:effectLst/>
+      </p:bgPr>
+    </p:bg>
+    <p:spTree>
+      <p:nvGrpSpPr>
+        <p:cNvPr id="1" name=""/>
+        <p:cNvGrpSpPr/>
+        <p:nvPr/>
+      </p:nvGrpSpPr>
+      <p:grpSpPr>
+        <a:xfrm>
+          <a:off x="0" y="0"/>
+          <a:ext cx="0" cy="0"/>
+          <a:chOff x="0" y="0"/>
+          <a:chExt cx="0" cy="0"/>
+        </a:xfrm>
+      </p:grpSpPr>
+      <p:grpSp>
+        <p:nvGrpSpPr>
+          <p:cNvPr id="11" name="Group 10">
+            <a:extLst>
+              <a:ext uri="{FF2B5EF4-FFF2-40B4-BE49-F238E27FC236}">
+                <a16:creationId xmlns:a16="http://schemas.microsoft.com/office/drawing/2014/main" id="{5A992EA8-A2AE-480C-BFF9-7B134643975C}"/>
+              </a:ext>
+              <a:ext uri="{C183D7F6-B498-43B3-948B-1728B52AA6E4}">
+                <adec:decorative xmlns:adec="http://schemas.microsoft.com/office/drawing/2017/decorative" val="1"/>
+              </a:ext>
+            </a:extLst>
+          </p:cNvPr>
+          <p:cNvGrpSpPr>
+            <a:grpSpLocks noGrp="1" noUngrp="1" noRot="1" noChangeAspect="1" noMove="1" noResize="1"/>
+          </p:cNvGrpSpPr>
+          <p:nvPr>
+            <p:extLst>
+              <p:ext uri="{386F3935-93C4-4BCD-93E2-E3B085C9AB24}">
+                <p16:designElem xmlns:p16="http://schemas.microsoft.com/office/powerpoint/2015/main" val="1"/>
+              </p:ext>
+            </p:extLst>
+          </p:nvPr>
+        </p:nvGrpSpPr>
+        <p:grpSpPr>
+          <a:xfrm>
+            <a:off x="0" y="-2373"/>
+            <a:ext cx="12192000" cy="6867027"/>
+            <a:chOff x="0" y="-2373"/>
+            <a:chExt cx="12192000" cy="6867027"/>
+          </a:xfrm>
+        </p:grpSpPr>
+        <p:sp>
+          <p:nvSpPr>
+            <p:cNvPr id="12" name="Rectangle 11">
+              <a:extLst>
+                <a:ext uri="{FF2B5EF4-FFF2-40B4-BE49-F238E27FC236}">
+                  <a16:creationId xmlns:a16="http://schemas.microsoft.com/office/drawing/2014/main" id="{0F6F97DA-7406-453D-9AB4-28B0891BBFF4}"/>
+                </a:ext>
+                <a:ext uri="{C183D7F6-B498-43B3-948B-1728B52AA6E4}">
+                  <adec:decorative xmlns:adec="http://schemas.microsoft.com/office/drawing/2017/decorative" val="1"/>
+                </a:ext>
+              </a:extLst>
+            </p:cNvPr>
+            <p:cNvSpPr/>
+            <p:nvPr>
+              <p:extLst>
+                <p:ext uri="{386F3935-93C4-4BCD-93E2-E3B085C9AB24}">
+                  <p16:designElem xmlns:p16="http://schemas.microsoft.com/office/powerpoint/2015/main" val="1"/>
+                </p:ext>
+              </p:extLst>
+            </p:nvPr>
+          </p:nvSpPr>
+          <p:spPr>
+            <a:xfrm>
+              <a:off x="0" y="0"/>
+              <a:ext cx="12192000" cy="6858000"/>
+            </a:xfrm>
+            <a:prstGeom prst="rect">
+              <a:avLst/>
+            </a:prstGeom>
+            <a:blipFill>
+              <a:blip r:embed="rId2">
+                <a:duotone>
+                  <a:schemeClr val="dk2">
+                    <a:shade val="62000"/>
+                    <a:hueMod val="108000"/>
+                    <a:satMod val="164000"/>
+                    <a:lumMod val="69000"/>
+                  </a:schemeClr>
+                  <a:schemeClr val="dk2">
+                    <a:tint val="96000"/>
+                    <a:hueMod val="90000"/>
+                    <a:satMod val="130000"/>
+                    <a:lumMod val="134000"/>
+                  </a:schemeClr>
+                </a:duotone>
+              </a:blip>
+              <a:stretch>
+                <a:fillRect/>
+              </a:stretch>
+            </a:blipFill>
+            <a:ln>
+              <a:noFill/>
+            </a:ln>
+          </p:spPr>
+          <p:style>
+            <a:lnRef idx="2">
+              <a:schemeClr val="accent1">
+                <a:shade val="50000"/>
+              </a:schemeClr>
+            </a:lnRef>
+            <a:fillRef idx="1">
+              <a:schemeClr val="accent1"/>
+            </a:fillRef>
+            <a:effectRef idx="0">
+              <a:schemeClr val="accent1"/>
+            </a:effectRef>
+            <a:fontRef idx="minor">
+              <a:schemeClr val="lt1"/>
+            </a:fontRef>
+          </p:style>
+        </p:sp>
+        <p:sp>
+          <p:nvSpPr>
+            <p:cNvPr id="13" name="Oval 12">
+              <a:extLst>
+                <a:ext uri="{FF2B5EF4-FFF2-40B4-BE49-F238E27FC236}">
+                  <a16:creationId xmlns:a16="http://schemas.microsoft.com/office/drawing/2014/main" id="{31D171A9-30C8-4156-8EAF-50888EBE77EC}"/>
+                </a:ext>
+                <a:ext uri="{C183D7F6-B498-43B3-948B-1728B52AA6E4}">
+                  <adec:decorative xmlns:adec="http://schemas.microsoft.com/office/drawing/2017/decorative" val="1"/>
+                </a:ext>
+              </a:extLst>
+            </p:cNvPr>
+            <p:cNvSpPr/>
+            <p:nvPr>
+              <p:extLst>
+                <p:ext uri="{386F3935-93C4-4BCD-93E2-E3B085C9AB24}">
+                  <p16:designElem xmlns:p16="http://schemas.microsoft.com/office/powerpoint/2015/main" val="1"/>
+                </p:ext>
+              </p:extLst>
+            </p:nvPr>
+          </p:nvSpPr>
+          <p:spPr>
+            <a:xfrm>
+              <a:off x="3220" y="2667000"/>
+              <a:ext cx="4191000" cy="4191000"/>
+            </a:xfrm>
+            <a:prstGeom prst="ellipse">
+              <a:avLst/>
+            </a:prstGeom>
+            <a:gradFill flip="none" rotWithShape="1">
+              <a:gsLst>
+                <a:gs pos="0">
+                  <a:schemeClr val="bg2">
+                    <a:lumMod val="40000"/>
+                    <a:lumOff val="60000"/>
+                    <a:alpha val="11000"/>
+                  </a:schemeClr>
+                </a:gs>
+                <a:gs pos="75000">
+                  <a:schemeClr val="bg2">
+                    <a:lumMod val="40000"/>
+                    <a:lumOff val="60000"/>
+                    <a:alpha val="0"/>
+                  </a:schemeClr>
+                </a:gs>
+                <a:gs pos="36000">
+                  <a:schemeClr val="bg2">
+                    <a:lumMod val="40000"/>
+                    <a:lumOff val="60000"/>
+                    <a:alpha val="10000"/>
+                  </a:schemeClr>
+                </a:gs>
+              </a:gsLst>
+              <a:path path="circle">
+                <a:fillToRect l="50000" t="50000" r="50000" b="50000"/>
+              </a:path>
+              <a:tileRect/>
+            </a:gradFill>
+            <a:ln>
+              <a:noFill/>
+            </a:ln>
+            <a:effectLst/>
+          </p:spPr>
+          <p:style>
+            <a:lnRef idx="1">
+              <a:schemeClr val="accent1"/>
+            </a:lnRef>
+            <a:fillRef idx="3">
+              <a:schemeClr val="accent1"/>
+            </a:fillRef>
+            <a:effectRef idx="2">
+              <a:schemeClr val="accent1"/>
+            </a:effectRef>
+            <a:fontRef idx="minor">
+              <a:schemeClr val="lt1"/>
+            </a:fontRef>
+          </p:style>
+        </p:sp>
+        <p:sp>
+          <p:nvSpPr>
+            <p:cNvPr id="14" name="Oval 13">
+              <a:extLst>
+                <a:ext uri="{FF2B5EF4-FFF2-40B4-BE49-F238E27FC236}">
+                  <a16:creationId xmlns:a16="http://schemas.microsoft.com/office/drawing/2014/main" id="{C52A6C74-8DC4-4902-962C-0DAFD7F9B5E3}"/>
+                </a:ext>
+                <a:ext uri="{C183D7F6-B498-43B3-948B-1728B52AA6E4}">
+                  <adec:decorative xmlns:adec="http://schemas.microsoft.com/office/drawing/2017/decorative" val="1"/>
+                </a:ext>
+              </a:extLst>
+            </p:cNvPr>
+            <p:cNvSpPr/>
+            <p:nvPr>
+              <p:extLst>
+                <p:ext uri="{386F3935-93C4-4BCD-93E2-E3B085C9AB24}">
+                  <p16:designElem xmlns:p16="http://schemas.microsoft.com/office/powerpoint/2015/main" val="1"/>
+                </p:ext>
+              </p:extLst>
+            </p:nvPr>
+          </p:nvSpPr>
+          <p:spPr>
+            <a:xfrm>
+              <a:off x="1750" y="2895600"/>
+              <a:ext cx="2362200" cy="2362200"/>
+            </a:xfrm>
+            <a:prstGeom prst="ellipse">
+              <a:avLst/>
+            </a:prstGeom>
+            <a:gradFill flip="none" rotWithShape="1">
+              <a:gsLst>
+                <a:gs pos="0">
+                  <a:schemeClr val="bg2">
+                    <a:lumMod val="40000"/>
+                    <a:lumOff val="60000"/>
+                    <a:alpha val="8000"/>
+                  </a:schemeClr>
+                </a:gs>
+                <a:gs pos="72000">
+                  <a:schemeClr val="bg2">
+                    <a:lumMod val="40000"/>
+                    <a:lumOff val="60000"/>
+                    <a:alpha val="0"/>
+                  </a:schemeClr>
+                </a:gs>
+                <a:gs pos="36000">
+                  <a:schemeClr val="bg2">
+                    <a:lumMod val="40000"/>
+                    <a:lumOff val="60000"/>
+                    <a:alpha val="8000"/>
+                  </a:schemeClr>
+                </a:gs>
+              </a:gsLst>
+              <a:path path="circle">
+                <a:fillToRect l="50000" t="50000" r="50000" b="50000"/>
+              </a:path>
+              <a:tileRect/>
+            </a:gradFill>
+            <a:ln>
+              <a:noFill/>
+            </a:ln>
+            <a:effectLst/>
+          </p:spPr>
+          <p:style>
+            <a:lnRef idx="1">
+              <a:schemeClr val="accent1"/>
+            </a:lnRef>
+            <a:fillRef idx="3">
+              <a:schemeClr val="accent1"/>
+            </a:fillRef>
+            <a:effectRef idx="2">
+              <a:schemeClr val="accent1"/>
+            </a:effectRef>
+            <a:fontRef idx="minor">
+              <a:schemeClr val="lt1"/>
+            </a:fontRef>
+          </p:style>
+        </p:sp>
+        <p:sp>
+          <p:nvSpPr>
+            <p:cNvPr id="15" name="Oval 14">
+              <a:extLst>
+                <a:ext uri="{FF2B5EF4-FFF2-40B4-BE49-F238E27FC236}">
+                  <a16:creationId xmlns:a16="http://schemas.microsoft.com/office/drawing/2014/main" id="{D34C65DE-5132-426E-9E92-81CB9EFF8941}"/>
+                </a:ext>
+                <a:ext uri="{C183D7F6-B498-43B3-948B-1728B52AA6E4}">
+                  <adec:decorative xmlns:adec="http://schemas.microsoft.com/office/drawing/2017/decorative" val="1"/>
+                </a:ext>
+              </a:extLst>
+            </p:cNvPr>
+            <p:cNvSpPr/>
+            <p:nvPr>
+              <p:extLst>
+                <p:ext uri="{386F3935-93C4-4BCD-93E2-E3B085C9AB24}">
+                  <p16:designElem xmlns:p16="http://schemas.microsoft.com/office/powerpoint/2015/main" val="1"/>
+                </p:ext>
+              </p:extLst>
+            </p:nvPr>
+          </p:nvSpPr>
+          <p:spPr>
+            <a:xfrm>
+              <a:off x="8609012" y="1676400"/>
+              <a:ext cx="2819400" cy="2819400"/>
+            </a:xfrm>
+            <a:prstGeom prst="ellipse">
+              <a:avLst/>
+            </a:prstGeom>
+            <a:gradFill flip="none" rotWithShape="1">
+              <a:gsLst>
+                <a:gs pos="0">
+                  <a:schemeClr val="bg2">
+                    <a:lumMod val="40000"/>
+                    <a:lumOff val="60000"/>
+                    <a:alpha val="7000"/>
+                  </a:schemeClr>
+                </a:gs>
+                <a:gs pos="69000">
+                  <a:schemeClr val="bg2">
+                    <a:lumMod val="40000"/>
+                    <a:lumOff val="60000"/>
+                    <a:alpha val="0"/>
+                  </a:schemeClr>
+                </a:gs>
+                <a:gs pos="36000">
+                  <a:schemeClr val="bg2">
+                    <a:lumMod val="40000"/>
+                    <a:lumOff val="60000"/>
+                    <a:alpha val="6000"/>
+                  </a:schemeClr>
+                </a:gs>
+              </a:gsLst>
+              <a:path path="circle">
+                <a:fillToRect l="50000" t="50000" r="50000" b="50000"/>
+              </a:path>
+              <a:tileRect/>
+            </a:gradFill>
+            <a:ln>
+              <a:noFill/>
+            </a:ln>
+            <a:effectLst/>
+          </p:spPr>
+          <p:style>
+            <a:lnRef idx="1">
+              <a:schemeClr val="accent1"/>
+            </a:lnRef>
+            <a:fillRef idx="3">
+              <a:schemeClr val="accent1"/>
+            </a:fillRef>
+            <a:effectRef idx="2">
+              <a:schemeClr val="accent1"/>
+            </a:effectRef>
+            <a:fontRef idx="minor">
+              <a:schemeClr val="lt1"/>
+            </a:fontRef>
+          </p:style>
+        </p:sp>
+        <p:sp>
+          <p:nvSpPr>
+            <p:cNvPr id="16" name="Oval 15">
+              <a:extLst>
+                <a:ext uri="{FF2B5EF4-FFF2-40B4-BE49-F238E27FC236}">
+                  <a16:creationId xmlns:a16="http://schemas.microsoft.com/office/drawing/2014/main" id="{463FE9C4-150E-4C97-A21E-53B7CD261A14}"/>
+                </a:ext>
+                <a:ext uri="{C183D7F6-B498-43B3-948B-1728B52AA6E4}">
+                  <adec:decorative xmlns:adec="http://schemas.microsoft.com/office/drawing/2017/decorative" val="1"/>
+                </a:ext>
+              </a:extLst>
+            </p:cNvPr>
+            <p:cNvSpPr/>
+            <p:nvPr>
+              <p:extLst>
+                <p:ext uri="{386F3935-93C4-4BCD-93E2-E3B085C9AB24}">
+                  <p16:designElem xmlns:p16="http://schemas.microsoft.com/office/powerpoint/2015/main" val="1"/>
+                </p:ext>
+              </p:extLst>
+            </p:nvPr>
+          </p:nvSpPr>
+          <p:spPr>
+            <a:xfrm>
+              <a:off x="7999412" y="-2373"/>
+              <a:ext cx="1600200" cy="1600200"/>
+            </a:xfrm>
+            <a:prstGeom prst="ellipse">
+              <a:avLst/>
+            </a:prstGeom>
+            <a:gradFill flip="none" rotWithShape="1">
+              <a:gsLst>
+                <a:gs pos="0">
+                  <a:schemeClr val="bg2">
+                    <a:lumMod val="40000"/>
+                    <a:lumOff val="60000"/>
+                    <a:alpha val="14000"/>
+                  </a:schemeClr>
+                </a:gs>
+                <a:gs pos="73000">
+                  <a:schemeClr val="bg2">
+                    <a:lumMod val="40000"/>
+                    <a:lumOff val="60000"/>
+                    <a:alpha val="0"/>
+                  </a:schemeClr>
+                </a:gs>
+                <a:gs pos="36000">
+                  <a:schemeClr val="bg2">
+                    <a:lumMod val="40000"/>
+                    <a:lumOff val="60000"/>
+                    <a:alpha val="7000"/>
+                  </a:schemeClr>
+                </a:gs>
+              </a:gsLst>
+              <a:path path="circle">
+                <a:fillToRect l="50000" t="50000" r="50000" b="50000"/>
+              </a:path>
+              <a:tileRect/>
+            </a:gradFill>
+            <a:ln>
+              <a:noFill/>
+            </a:ln>
+            <a:effectLst/>
+          </p:spPr>
+          <p:style>
+            <a:lnRef idx="1">
+              <a:schemeClr val="accent1"/>
+            </a:lnRef>
+            <a:fillRef idx="3">
+              <a:schemeClr val="accent1"/>
+            </a:fillRef>
+            <a:effectRef idx="2">
+              <a:schemeClr val="accent1"/>
+            </a:effectRef>
+            <a:fontRef idx="minor">
+              <a:schemeClr val="lt1"/>
+            </a:fontRef>
+          </p:style>
+        </p:sp>
+        <p:sp>
+          <p:nvSpPr>
+            <p:cNvPr id="17" name="Oval 16">
+              <a:extLst>
+                <a:ext uri="{FF2B5EF4-FFF2-40B4-BE49-F238E27FC236}">
+                  <a16:creationId xmlns:a16="http://schemas.microsoft.com/office/drawing/2014/main" id="{F4DD7FA2-5B3A-4DD2-BA1A-735CC86BAA06}"/>
+                </a:ext>
+                <a:ext uri="{C183D7F6-B498-43B3-948B-1728B52AA6E4}">
+                  <adec:decorative xmlns:adec="http://schemas.microsoft.com/office/drawing/2017/decorative" val="1"/>
+                </a:ext>
+              </a:extLst>
+            </p:cNvPr>
+            <p:cNvSpPr/>
+            <p:nvPr>
+              <p:extLst>
+                <p:ext uri="{386F3935-93C4-4BCD-93E2-E3B085C9AB24}">
+                  <p16:designElem xmlns:p16="http://schemas.microsoft.com/office/powerpoint/2015/main" val="1"/>
+                </p:ext>
+              </p:extLst>
+            </p:nvPr>
+          </p:nvSpPr>
+          <p:spPr>
+            <a:xfrm>
+              <a:off x="8609012" y="5874054"/>
+              <a:ext cx="990600" cy="990600"/>
+            </a:xfrm>
+            <a:prstGeom prst="ellipse">
+              <a:avLst/>
+            </a:prstGeom>
+            <a:gradFill flip="none" rotWithShape="1">
+              <a:gsLst>
+                <a:gs pos="0">
+                  <a:schemeClr val="bg2">
+                    <a:lumMod val="40000"/>
+                    <a:lumOff val="60000"/>
+                    <a:alpha val="14000"/>
+                  </a:schemeClr>
+                </a:gs>
+                <a:gs pos="66000">
+                  <a:schemeClr val="bg2">
+                    <a:lumMod val="40000"/>
+                    <a:lumOff val="60000"/>
+                    <a:alpha val="0"/>
+                  </a:schemeClr>
+                </a:gs>
+                <a:gs pos="36000">
+                  <a:schemeClr val="bg2">
+                    <a:lumMod val="40000"/>
+                    <a:lumOff val="60000"/>
+                    <a:alpha val="7000"/>
+                  </a:schemeClr>
+                </a:gs>
+              </a:gsLst>
+              <a:path path="circle">
+                <a:fillToRect l="50000" t="50000" r="50000" b="50000"/>
+              </a:path>
+              <a:tileRect/>
+            </a:gradFill>
+            <a:ln>
+              <a:noFill/>
+            </a:ln>
+            <a:effectLst/>
+          </p:spPr>
+          <p:style>
+            <a:lnRef idx="1">
+              <a:schemeClr val="accent1"/>
+            </a:lnRef>
+            <a:fillRef idx="3">
+              <a:schemeClr val="accent1"/>
+            </a:fillRef>
+            <a:effectRef idx="2">
+              <a:schemeClr val="accent1"/>
+            </a:effectRef>
+            <a:fontRef idx="minor">
+              <a:schemeClr val="lt1"/>
+            </a:fontRef>
+          </p:style>
+        </p:sp>
+        <p:sp>
+          <p:nvSpPr>
+            <p:cNvPr id="18" name="Freeform 5">
+              <a:extLst>
+                <a:ext uri="{FF2B5EF4-FFF2-40B4-BE49-F238E27FC236}">
+                  <a16:creationId xmlns:a16="http://schemas.microsoft.com/office/drawing/2014/main" id="{B11D6824-D097-439B-9956-5436E5111A9B}"/>
+                </a:ext>
+                <a:ext uri="{C183D7F6-B498-43B3-948B-1728B52AA6E4}">
+                  <adec:decorative xmlns:adec="http://schemas.microsoft.com/office/drawing/2017/decorative" val="1"/>
+                </a:ext>
+              </a:extLst>
+            </p:cNvPr>
+            <p:cNvSpPr>
+              <a:spLocks noEditPoints="1"/>
+            </p:cNvSpPr>
+            <p:nvPr>
+              <p:extLst>
+                <p:ext uri="{386F3935-93C4-4BCD-93E2-E3B085C9AB24}">
+                  <p16:designElem xmlns:p16="http://schemas.microsoft.com/office/powerpoint/2015/main" val="1"/>
+                </p:ext>
+              </p:extLst>
+            </p:nvPr>
+          </p:nvSpPr>
+          <p:spPr bwMode="gray">
+            <a:xfrm>
+              <a:off x="0" y="1587"/>
+              <a:ext cx="12192000" cy="6856413"/>
+            </a:xfrm>
+            <a:custGeom>
+              <a:avLst/>
+              <a:gdLst/>
+              <a:ahLst/>
+              <a:cxnLst/>
+              <a:rect l="0" t="0" r="r" b="b"/>
+              <a:pathLst>
+                <a:path w="15356" h="8638">
+                  <a:moveTo>
+                    <a:pt x="0" y="0"/>
+                  </a:moveTo>
+                  <a:lnTo>
+                    <a:pt x="0" y="8638"/>
+                  </a:lnTo>
+                  <a:lnTo>
+                    <a:pt x="15356" y="8638"/>
+                  </a:lnTo>
+                  <a:lnTo>
+                    <a:pt x="15356" y="0"/>
+                  </a:lnTo>
+                  <a:lnTo>
+                    <a:pt x="0" y="0"/>
+                  </a:lnTo>
+                  <a:close/>
+                  <a:moveTo>
+                    <a:pt x="14748" y="8038"/>
+                  </a:moveTo>
+                  <a:lnTo>
+                    <a:pt x="600" y="8038"/>
+                  </a:lnTo>
+                  <a:lnTo>
+                    <a:pt x="600" y="592"/>
+                  </a:lnTo>
+                  <a:lnTo>
+                    <a:pt x="14748" y="592"/>
+                  </a:lnTo>
+                  <a:lnTo>
+                    <a:pt x="14748" y="8038"/>
+                  </a:lnTo>
+                  <a:close/>
+                </a:path>
+              </a:pathLst>
+            </a:custGeom>
+            <a:solidFill>
+              <a:schemeClr val="bg1"/>
+            </a:solidFill>
+            <a:ln>
+              <a:noFill/>
+            </a:ln>
+          </p:spPr>
+        </p:sp>
+      </p:grpSp>
+      <p:sp>
+        <p:nvSpPr>
+          <p:cNvPr id="20" name="Rectangle 19">
+            <a:extLst>
+              <a:ext uri="{FF2B5EF4-FFF2-40B4-BE49-F238E27FC236}">
+                <a16:creationId xmlns:a16="http://schemas.microsoft.com/office/drawing/2014/main" id="{5669AB50-4CAD-4D10-A09A-A0C01AF9E6F6}"/>
+              </a:ext>
+              <a:ext uri="{C183D7F6-B498-43B3-948B-1728B52AA6E4}">
+                <adec:decorative xmlns:adec="http://schemas.microsoft.com/office/drawing/2017/decorative" val="1"/>
+              </a:ext>
+            </a:extLst>
+          </p:cNvPr>
+          <p:cNvSpPr>
+            <a:spLocks noGrp="1" noRot="1" noChangeAspect="1" noMove="1" noResize="1" noEditPoints="1" noAdjustHandles="1" noChangeArrowheads="1" noChangeShapeType="1" noTextEdit="1"/>
+          </p:cNvSpPr>
+          <p:nvPr>
+            <p:extLst>
+              <p:ext uri="{386F3935-93C4-4BCD-93E2-E3B085C9AB24}">
+                <p16:designElem xmlns:p16="http://schemas.microsoft.com/office/powerpoint/2015/main" val="1"/>
+              </p:ext>
+            </p:extLst>
+          </p:nvPr>
+        </p:nvSpPr>
+        <p:spPr>
+          <a:xfrm>
+            <a:off x="10437812" y="0"/>
+            <a:ext cx="685800" cy="1143000"/>
+          </a:xfrm>
+          <a:prstGeom prst="rect">
+            <a:avLst/>
+          </a:prstGeom>
+          <a:solidFill>
+            <a:schemeClr val="accent1"/>
+          </a:solidFill>
+          <a:ln>
+            <a:noFill/>
+          </a:ln>
+        </p:spPr>
+        <p:style>
+          <a:lnRef idx="1">
+            <a:schemeClr val="accent1"/>
+          </a:lnRef>
+          <a:fillRef idx="3">
+            <a:schemeClr val="accent1"/>
+          </a:fillRef>
+          <a:effectRef idx="2">
+            <a:schemeClr val="accent1"/>
+          </a:effectRef>
+          <a:fontRef idx="minor">
+            <a:schemeClr val="lt1"/>
+          </a:fontRef>
+        </p:style>
+      </p:sp>
+      <p:sp>
+        <p:nvSpPr>
+          <p:cNvPr id="2" name="제목 1">
+            <a:extLst>
+              <a:ext uri="{FF2B5EF4-FFF2-40B4-BE49-F238E27FC236}">
+                <a16:creationId xmlns:a16="http://schemas.microsoft.com/office/drawing/2014/main" id="{7284818D-DB10-43B3-B7E4-5E313F876134}"/>
+              </a:ext>
+            </a:extLst>
+          </p:cNvPr>
+          <p:cNvSpPr>
+            <a:spLocks noGrp="1"/>
+          </p:cNvSpPr>
+          <p:nvPr>
+            <p:ph type="title"/>
+          </p:nvPr>
+        </p:nvSpPr>
+        <p:spPr>
+          <a:xfrm>
+            <a:off x="8160773" y="1113062"/>
+            <a:ext cx="3382297" cy="3281957"/>
+          </a:xfrm>
+        </p:spPr>
+        <p:txBody>
+          <a:bodyPr vert="horz" lIns="91440" tIns="45720" rIns="91440" bIns="45720" rtlCol="0" anchor="b">
+            <a:normAutofit/>
+          </a:bodyPr>
+          <a:lstStyle/>
+          <a:p>
+            <a:pPr latinLnBrk="0"/>
+            <a:r>
+              <a:rPr lang="ko-KR" altLang="en-US" sz="5400" b="0" i="0" kern="1200" dirty="0">
+                <a:solidFill>
+                  <a:schemeClr val="bg2"/>
+                </a:solidFill>
+                <a:latin typeface="+mj-lt"/>
+                <a:ea typeface="+mj-ea"/>
+                <a:cs typeface="+mj-cs"/>
+              </a:rPr>
+              <a:t>개발일정</a:t>
+            </a:r>
+          </a:p>
+        </p:txBody>
+      </p:sp>
+      <p:sp>
+        <p:nvSpPr>
+          <p:cNvPr id="4" name="슬라이드 번호 개체 틀 3">
+            <a:extLst>
+              <a:ext uri="{FF2B5EF4-FFF2-40B4-BE49-F238E27FC236}">
+                <a16:creationId xmlns:a16="http://schemas.microsoft.com/office/drawing/2014/main" id="{9CDAF672-FB45-4B6F-A0FA-D2A8596F2C6A}"/>
+              </a:ext>
+            </a:extLst>
+          </p:cNvPr>
+          <p:cNvSpPr>
+            <a:spLocks noGrp="1"/>
+          </p:cNvSpPr>
+          <p:nvPr>
+            <p:ph type="sldNum" sz="quarter" idx="12"/>
+          </p:nvPr>
+        </p:nvSpPr>
+        <p:spPr>
+          <a:xfrm>
+            <a:off x="10342708" y="295729"/>
+            <a:ext cx="838199" cy="767687"/>
+          </a:xfrm>
+        </p:spPr>
+        <p:txBody>
+          <a:bodyPr vert="horz" lIns="91440" tIns="45720" rIns="91440" bIns="45720" rtlCol="0" anchor="b">
+            <a:normAutofit/>
+          </a:bodyPr>
+          <a:lstStyle/>
+          <a:p>
+            <a:pPr defTabSz="914400">
+              <a:spcAft>
+                <a:spcPts val="600"/>
+              </a:spcAft>
+            </a:pPr>
+            <a:fld id="{D57F1E4F-1CFF-5643-939E-217C01CDF565}" type="slidenum">
+              <a:rPr lang="en-US" smtClean="0">
+                <a:latin typeface="+mj-lt"/>
+              </a:rPr>
+              <a:pPr defTabSz="914400">
+                <a:spcAft>
+                  <a:spcPts val="600"/>
+                </a:spcAft>
+              </a:pPr>
+              <a:t>14</a:t>
+            </a:fld>
+            <a:endParaRPr lang="en-US">
+              <a:latin typeface="+mj-lt"/>
+            </a:endParaRPr>
+          </a:p>
+        </p:txBody>
+      </p:sp>
+      <p:pic>
+        <p:nvPicPr>
+          <p:cNvPr id="6" name="내용 개체 틀 5">
+            <a:extLst>
+              <a:ext uri="{FF2B5EF4-FFF2-40B4-BE49-F238E27FC236}">
+                <a16:creationId xmlns:a16="http://schemas.microsoft.com/office/drawing/2014/main" id="{B8B58073-9207-4135-B1AA-F65B31E3FA80}"/>
+              </a:ext>
+            </a:extLst>
+          </p:cNvPr>
+          <p:cNvPicPr>
+            <a:picLocks noGrp="1" noChangeAspect="1"/>
+          </p:cNvPicPr>
+          <p:nvPr>
+            <p:ph idx="1"/>
+          </p:nvPr>
+        </p:nvPicPr>
+        <p:blipFill>
+          <a:blip r:embed="rId3">
+            <a:extLst>
+              <a:ext uri="{28A0092B-C50C-407E-A947-70E740481C1C}">
+                <a14:useLocalDpi xmlns:a14="http://schemas.microsoft.com/office/drawing/2010/main" val="0"/>
+              </a:ext>
+            </a:extLst>
+          </a:blip>
+          <a:stretch>
+            <a:fillRect/>
+          </a:stretch>
+        </p:blipFill>
+        <p:spPr>
+          <a:xfrm>
+            <a:off x="680025" y="1756980"/>
+            <a:ext cx="7556201" cy="4137021"/>
+          </a:xfrm>
+          <a:prstGeom prst="roundRect">
+            <a:avLst>
+              <a:gd name="adj" fmla="val 1858"/>
+            </a:avLst>
+          </a:prstGeom>
+          <a:effectLst>
+            <a:outerShdw blurRad="50800" dist="50800" dir="5400000" algn="tl" rotWithShape="0">
+              <a:srgbClr val="000000">
+                <a:alpha val="43000"/>
+              </a:srgbClr>
+            </a:outerShdw>
+          </a:effectLst>
+        </p:spPr>
+      </p:pic>
+      <p:sp>
+        <p:nvSpPr>
+          <p:cNvPr id="5" name="CustomShape 7">
+            <a:extLst>
+              <a:ext uri="{FF2B5EF4-FFF2-40B4-BE49-F238E27FC236}">
+                <a16:creationId xmlns:a16="http://schemas.microsoft.com/office/drawing/2014/main" id="{BC9B01F7-8484-4A1E-AB2B-A6C460EE2626}"/>
+              </a:ext>
+            </a:extLst>
+          </p:cNvPr>
+          <p:cNvSpPr/>
+          <p:nvPr/>
+        </p:nvSpPr>
+        <p:spPr>
+          <a:xfrm>
+            <a:off x="7288500" y="1191434"/>
+            <a:ext cx="504247" cy="558892"/>
+          </a:xfrm>
+          <a:prstGeom prst="downArrow">
+            <a:avLst>
+              <a:gd name="adj1" fmla="val 50000"/>
+              <a:gd name="adj2" fmla="val 50000"/>
+            </a:avLst>
+          </a:prstGeom>
+          <a:solidFill>
+            <a:schemeClr val="accent2"/>
+          </a:solidFill>
+          <a:ln>
+            <a:noFill/>
+          </a:ln>
+        </p:spPr>
+        <p:style>
+          <a:lnRef idx="2">
+            <a:schemeClr val="accent1">
+              <a:shade val="50000"/>
+            </a:schemeClr>
+          </a:lnRef>
+          <a:fillRef idx="1">
+            <a:schemeClr val="accent1"/>
+          </a:fillRef>
+          <a:effectRef idx="0">
+            <a:schemeClr val="accent1"/>
+          </a:effectRef>
+          <a:fontRef idx="minor"/>
+        </p:style>
+      </p:sp>
+    </p:spTree>
+    <p:extLst>
+      <p:ext uri="{BB962C8B-B14F-4D97-AF65-F5344CB8AC3E}">
+        <p14:creationId xmlns:p14="http://schemas.microsoft.com/office/powerpoint/2010/main" val="3587939667"/>
+      </p:ext>
+    </p:extLst>
+  </p:cSld>
+  <p:clrMapOvr>
+    <a:masterClrMapping/>
+  </p:clrMapOvr>
+</p:sld>
+</file>
+
+<file path=ppt/slides/slide15.xml><?xml version="1.0" encoding="utf-8"?>
+<p:sld xmlns:a="http://schemas.openxmlformats.org/drawingml/2006/main" xmlns:r="http://schemas.openxmlformats.org/officeDocument/2006/relationships" xmlns:p="http://schemas.openxmlformats.org/presentationml/2006/main">
+  <p:cSld>
+    <p:bg>
+      <p:bgPr>
+        <a:solidFill>
+          <a:schemeClr val="bg1"/>
+        </a:solidFill>
+        <a:effectLst/>
+      </p:bgPr>
+    </p:bg>
+    <p:spTree>
+      <p:nvGrpSpPr>
+        <p:cNvPr id="1" name=""/>
+        <p:cNvGrpSpPr/>
+        <p:nvPr/>
+      </p:nvGrpSpPr>
+      <p:grpSpPr>
+        <a:xfrm>
+          <a:off x="0" y="0"/>
+          <a:ext cx="0" cy="0"/>
+          <a:chOff x="0" y="0"/>
+          <a:chExt cx="0" cy="0"/>
+        </a:xfrm>
+      </p:grpSpPr>
+      <p:grpSp>
+        <p:nvGrpSpPr>
+          <p:cNvPr id="26" name="Group 25">
+            <a:extLst>
+              <a:ext uri="{FF2B5EF4-FFF2-40B4-BE49-F238E27FC236}">
+                <a16:creationId xmlns:a16="http://schemas.microsoft.com/office/drawing/2014/main" id="{5A992EA8-A2AE-480C-BFF9-7B134643975C}"/>
+              </a:ext>
+              <a:ext uri="{C183D7F6-B498-43B3-948B-1728B52AA6E4}">
+                <adec:decorative xmlns:adec="http://schemas.microsoft.com/office/drawing/2017/decorative" val="1"/>
+              </a:ext>
+            </a:extLst>
+          </p:cNvPr>
+          <p:cNvGrpSpPr>
+            <a:grpSpLocks noGrp="1" noUngrp="1" noRot="1" noChangeAspect="1" noMove="1" noResize="1"/>
+          </p:cNvGrpSpPr>
+          <p:nvPr>
+            <p:extLst>
+              <p:ext uri="{386F3935-93C4-4BCD-93E2-E3B085C9AB24}">
+                <p16:designElem xmlns:p16="http://schemas.microsoft.com/office/powerpoint/2015/main" val="1"/>
+              </p:ext>
+            </p:extLst>
+          </p:nvPr>
+        </p:nvGrpSpPr>
+        <p:grpSpPr>
+          <a:xfrm>
+            <a:off x="0" y="-2373"/>
+            <a:ext cx="12192000" cy="6867027"/>
+            <a:chOff x="0" y="-2373"/>
+            <a:chExt cx="12192000" cy="6867027"/>
+          </a:xfrm>
+        </p:grpSpPr>
+        <p:sp>
+          <p:nvSpPr>
+            <p:cNvPr id="27" name="Rectangle 26">
+              <a:extLst>
+                <a:ext uri="{FF2B5EF4-FFF2-40B4-BE49-F238E27FC236}">
+                  <a16:creationId xmlns:a16="http://schemas.microsoft.com/office/drawing/2014/main" id="{0F6F97DA-7406-453D-9AB4-28B0891BBFF4}"/>
+                </a:ext>
+                <a:ext uri="{C183D7F6-B498-43B3-948B-1728B52AA6E4}">
+                  <adec:decorative xmlns:adec="http://schemas.microsoft.com/office/drawing/2017/decorative" val="1"/>
+                </a:ext>
+              </a:extLst>
+            </p:cNvPr>
+            <p:cNvSpPr/>
+            <p:nvPr>
+              <p:extLst>
+                <p:ext uri="{386F3935-93C4-4BCD-93E2-E3B085C9AB24}">
+                  <p16:designElem xmlns:p16="http://schemas.microsoft.com/office/powerpoint/2015/main" val="1"/>
+                </p:ext>
+              </p:extLst>
+            </p:nvPr>
+          </p:nvSpPr>
+          <p:spPr>
+            <a:xfrm>
+              <a:off x="0" y="0"/>
+              <a:ext cx="12192000" cy="6858000"/>
+            </a:xfrm>
+            <a:prstGeom prst="rect">
+              <a:avLst/>
+            </a:prstGeom>
+            <a:blipFill>
+              <a:blip r:embed="rId2">
+                <a:duotone>
+                  <a:schemeClr val="dk2">
+                    <a:shade val="62000"/>
+                    <a:hueMod val="108000"/>
+                    <a:satMod val="164000"/>
+                    <a:lumMod val="69000"/>
+                  </a:schemeClr>
+                  <a:schemeClr val="dk2">
+                    <a:tint val="96000"/>
+                    <a:hueMod val="90000"/>
+                    <a:satMod val="130000"/>
+                    <a:lumMod val="134000"/>
+                  </a:schemeClr>
+                </a:duotone>
+              </a:blip>
+              <a:stretch>
+                <a:fillRect/>
+              </a:stretch>
+            </a:blipFill>
+            <a:ln>
+              <a:noFill/>
+            </a:ln>
+          </p:spPr>
+          <p:style>
+            <a:lnRef idx="2">
+              <a:schemeClr val="accent1">
+                <a:shade val="50000"/>
+              </a:schemeClr>
+            </a:lnRef>
+            <a:fillRef idx="1">
+              <a:schemeClr val="accent1"/>
+            </a:fillRef>
+            <a:effectRef idx="0">
+              <a:schemeClr val="accent1"/>
+            </a:effectRef>
+            <a:fontRef idx="minor">
+              <a:schemeClr val="lt1"/>
+            </a:fontRef>
+          </p:style>
+        </p:sp>
+        <p:sp>
+          <p:nvSpPr>
+            <p:cNvPr id="28" name="Oval 27">
+              <a:extLst>
+                <a:ext uri="{FF2B5EF4-FFF2-40B4-BE49-F238E27FC236}">
+                  <a16:creationId xmlns:a16="http://schemas.microsoft.com/office/drawing/2014/main" id="{31D171A9-30C8-4156-8EAF-50888EBE77EC}"/>
+                </a:ext>
+                <a:ext uri="{C183D7F6-B498-43B3-948B-1728B52AA6E4}">
+                  <adec:decorative xmlns:adec="http://schemas.microsoft.com/office/drawing/2017/decorative" val="1"/>
+                </a:ext>
+              </a:extLst>
+            </p:cNvPr>
+            <p:cNvSpPr/>
+            <p:nvPr>
+              <p:extLst>
+                <p:ext uri="{386F3935-93C4-4BCD-93E2-E3B085C9AB24}">
+                  <p16:designElem xmlns:p16="http://schemas.microsoft.com/office/powerpoint/2015/main" val="1"/>
+                </p:ext>
+              </p:extLst>
+            </p:nvPr>
+          </p:nvSpPr>
+          <p:spPr>
+            <a:xfrm>
+              <a:off x="3220" y="2667000"/>
+              <a:ext cx="4191000" cy="4191000"/>
+            </a:xfrm>
+            <a:prstGeom prst="ellipse">
+              <a:avLst/>
+            </a:prstGeom>
+            <a:gradFill flip="none" rotWithShape="1">
+              <a:gsLst>
+                <a:gs pos="0">
+                  <a:schemeClr val="bg2">
+                    <a:lumMod val="40000"/>
+                    <a:lumOff val="60000"/>
+                    <a:alpha val="11000"/>
+                  </a:schemeClr>
+                </a:gs>
+                <a:gs pos="75000">
+                  <a:schemeClr val="bg2">
+                    <a:lumMod val="40000"/>
+                    <a:lumOff val="60000"/>
+                    <a:alpha val="0"/>
+                  </a:schemeClr>
+                </a:gs>
+                <a:gs pos="36000">
+                  <a:schemeClr val="bg2">
+                    <a:lumMod val="40000"/>
+                    <a:lumOff val="60000"/>
+                    <a:alpha val="10000"/>
+                  </a:schemeClr>
+                </a:gs>
+              </a:gsLst>
+              <a:path path="circle">
+                <a:fillToRect l="50000" t="50000" r="50000" b="50000"/>
+              </a:path>
+              <a:tileRect/>
+            </a:gradFill>
+            <a:ln>
+              <a:noFill/>
+            </a:ln>
+            <a:effectLst/>
+          </p:spPr>
+          <p:style>
+            <a:lnRef idx="1">
+              <a:schemeClr val="accent1"/>
+            </a:lnRef>
+            <a:fillRef idx="3">
+              <a:schemeClr val="accent1"/>
+            </a:fillRef>
+            <a:effectRef idx="2">
+              <a:schemeClr val="accent1"/>
+            </a:effectRef>
+            <a:fontRef idx="minor">
+              <a:schemeClr val="lt1"/>
+            </a:fontRef>
+          </p:style>
+        </p:sp>
+        <p:sp>
+          <p:nvSpPr>
+            <p:cNvPr id="29" name="Oval 28">
+              <a:extLst>
+                <a:ext uri="{FF2B5EF4-FFF2-40B4-BE49-F238E27FC236}">
+                  <a16:creationId xmlns:a16="http://schemas.microsoft.com/office/drawing/2014/main" id="{C52A6C74-8DC4-4902-962C-0DAFD7F9B5E3}"/>
+                </a:ext>
+                <a:ext uri="{C183D7F6-B498-43B3-948B-1728B52AA6E4}">
+                  <adec:decorative xmlns:adec="http://schemas.microsoft.com/office/drawing/2017/decorative" val="1"/>
+                </a:ext>
+              </a:extLst>
+            </p:cNvPr>
+            <p:cNvSpPr/>
+            <p:nvPr>
+              <p:extLst>
+                <p:ext uri="{386F3935-93C4-4BCD-93E2-E3B085C9AB24}">
+                  <p16:designElem xmlns:p16="http://schemas.microsoft.com/office/powerpoint/2015/main" val="1"/>
+                </p:ext>
+              </p:extLst>
+            </p:nvPr>
+          </p:nvSpPr>
+          <p:spPr>
+            <a:xfrm>
+              <a:off x="1750" y="2895600"/>
+              <a:ext cx="2362200" cy="2362200"/>
+            </a:xfrm>
+            <a:prstGeom prst="ellipse">
+              <a:avLst/>
+            </a:prstGeom>
+            <a:gradFill flip="none" rotWithShape="1">
+              <a:gsLst>
+                <a:gs pos="0">
+                  <a:schemeClr val="bg2">
+                    <a:lumMod val="40000"/>
+                    <a:lumOff val="60000"/>
+                    <a:alpha val="8000"/>
+                  </a:schemeClr>
+                </a:gs>
+                <a:gs pos="72000">
+                  <a:schemeClr val="bg2">
+                    <a:lumMod val="40000"/>
+                    <a:lumOff val="60000"/>
+                    <a:alpha val="0"/>
+                  </a:schemeClr>
+                </a:gs>
+                <a:gs pos="36000">
+                  <a:schemeClr val="bg2">
+                    <a:lumMod val="40000"/>
+                    <a:lumOff val="60000"/>
+                    <a:alpha val="8000"/>
+                  </a:schemeClr>
+                </a:gs>
+              </a:gsLst>
+              <a:path path="circle">
+                <a:fillToRect l="50000" t="50000" r="50000" b="50000"/>
+              </a:path>
+              <a:tileRect/>
+            </a:gradFill>
+            <a:ln>
+              <a:noFill/>
+            </a:ln>
+            <a:effectLst/>
+          </p:spPr>
+          <p:style>
+            <a:lnRef idx="1">
+              <a:schemeClr val="accent1"/>
+            </a:lnRef>
+            <a:fillRef idx="3">
+              <a:schemeClr val="accent1"/>
+            </a:fillRef>
+            <a:effectRef idx="2">
+              <a:schemeClr val="accent1"/>
+            </a:effectRef>
+            <a:fontRef idx="minor">
+              <a:schemeClr val="lt1"/>
+            </a:fontRef>
+          </p:style>
+        </p:sp>
+        <p:sp>
+          <p:nvSpPr>
+            <p:cNvPr id="30" name="Oval 29">
+              <a:extLst>
+                <a:ext uri="{FF2B5EF4-FFF2-40B4-BE49-F238E27FC236}">
+                  <a16:creationId xmlns:a16="http://schemas.microsoft.com/office/drawing/2014/main" id="{D34C65DE-5132-426E-9E92-81CB9EFF8941}"/>
+                </a:ext>
+                <a:ext uri="{C183D7F6-B498-43B3-948B-1728B52AA6E4}">
+                  <adec:decorative xmlns:adec="http://schemas.microsoft.com/office/drawing/2017/decorative" val="1"/>
+                </a:ext>
+              </a:extLst>
+            </p:cNvPr>
+            <p:cNvSpPr/>
+            <p:nvPr>
+              <p:extLst>
+                <p:ext uri="{386F3935-93C4-4BCD-93E2-E3B085C9AB24}">
+                  <p16:designElem xmlns:p16="http://schemas.microsoft.com/office/powerpoint/2015/main" val="1"/>
+                </p:ext>
+              </p:extLst>
+            </p:nvPr>
+          </p:nvSpPr>
+          <p:spPr>
+            <a:xfrm>
+              <a:off x="8609012" y="1676400"/>
+              <a:ext cx="2819400" cy="2819400"/>
+            </a:xfrm>
+            <a:prstGeom prst="ellipse">
+              <a:avLst/>
+            </a:prstGeom>
+            <a:gradFill flip="none" rotWithShape="1">
+              <a:gsLst>
+                <a:gs pos="0">
+                  <a:schemeClr val="bg2">
+                    <a:lumMod val="40000"/>
+                    <a:lumOff val="60000"/>
+                    <a:alpha val="7000"/>
+                  </a:schemeClr>
+                </a:gs>
+                <a:gs pos="69000">
+                  <a:schemeClr val="bg2">
+                    <a:lumMod val="40000"/>
+                    <a:lumOff val="60000"/>
+                    <a:alpha val="0"/>
+                  </a:schemeClr>
+                </a:gs>
+                <a:gs pos="36000">
+                  <a:schemeClr val="bg2">
+                    <a:lumMod val="40000"/>
+                    <a:lumOff val="60000"/>
+                    <a:alpha val="6000"/>
+                  </a:schemeClr>
+                </a:gs>
+              </a:gsLst>
+              <a:path path="circle">
+                <a:fillToRect l="50000" t="50000" r="50000" b="50000"/>
+              </a:path>
+              <a:tileRect/>
+            </a:gradFill>
+            <a:ln>
+              <a:noFill/>
+            </a:ln>
+            <a:effectLst/>
+          </p:spPr>
+          <p:style>
+            <a:lnRef idx="1">
+              <a:schemeClr val="accent1"/>
+            </a:lnRef>
+            <a:fillRef idx="3">
+              <a:schemeClr val="accent1"/>
+            </a:fillRef>
+            <a:effectRef idx="2">
+              <a:schemeClr val="accent1"/>
+            </a:effectRef>
+            <a:fontRef idx="minor">
+              <a:schemeClr val="lt1"/>
+            </a:fontRef>
+          </p:style>
+        </p:sp>
+        <p:sp>
+          <p:nvSpPr>
+            <p:cNvPr id="31" name="Oval 30">
+              <a:extLst>
+                <a:ext uri="{FF2B5EF4-FFF2-40B4-BE49-F238E27FC236}">
+                  <a16:creationId xmlns:a16="http://schemas.microsoft.com/office/drawing/2014/main" id="{463FE9C4-150E-4C97-A21E-53B7CD261A14}"/>
+                </a:ext>
+                <a:ext uri="{C183D7F6-B498-43B3-948B-1728B52AA6E4}">
+                  <adec:decorative xmlns:adec="http://schemas.microsoft.com/office/drawing/2017/decorative" val="1"/>
+                </a:ext>
+              </a:extLst>
+            </p:cNvPr>
+            <p:cNvSpPr/>
+            <p:nvPr>
+              <p:extLst>
+                <p:ext uri="{386F3935-93C4-4BCD-93E2-E3B085C9AB24}">
+                  <p16:designElem xmlns:p16="http://schemas.microsoft.com/office/powerpoint/2015/main" val="1"/>
+                </p:ext>
+              </p:extLst>
+            </p:nvPr>
+          </p:nvSpPr>
+          <p:spPr>
+            <a:xfrm>
+              <a:off x="7999412" y="-2373"/>
+              <a:ext cx="1600200" cy="1600200"/>
+            </a:xfrm>
+            <a:prstGeom prst="ellipse">
+              <a:avLst/>
+            </a:prstGeom>
+            <a:gradFill flip="none" rotWithShape="1">
+              <a:gsLst>
+                <a:gs pos="0">
+                  <a:schemeClr val="bg2">
+                    <a:lumMod val="40000"/>
+                    <a:lumOff val="60000"/>
+                    <a:alpha val="14000"/>
+                  </a:schemeClr>
+                </a:gs>
+                <a:gs pos="73000">
+                  <a:schemeClr val="bg2">
+                    <a:lumMod val="40000"/>
+                    <a:lumOff val="60000"/>
+                    <a:alpha val="0"/>
+                  </a:schemeClr>
+                </a:gs>
+                <a:gs pos="36000">
+                  <a:schemeClr val="bg2">
+                    <a:lumMod val="40000"/>
+                    <a:lumOff val="60000"/>
+                    <a:alpha val="7000"/>
+                  </a:schemeClr>
+                </a:gs>
+              </a:gsLst>
+              <a:path path="circle">
+                <a:fillToRect l="50000" t="50000" r="50000" b="50000"/>
+              </a:path>
+              <a:tileRect/>
+            </a:gradFill>
+            <a:ln>
+              <a:noFill/>
+            </a:ln>
+            <a:effectLst/>
+          </p:spPr>
+          <p:style>
+            <a:lnRef idx="1">
+              <a:schemeClr val="accent1"/>
+            </a:lnRef>
+            <a:fillRef idx="3">
+              <a:schemeClr val="accent1"/>
+            </a:fillRef>
+            <a:effectRef idx="2">
+              <a:schemeClr val="accent1"/>
+            </a:effectRef>
+            <a:fontRef idx="minor">
+              <a:schemeClr val="lt1"/>
+            </a:fontRef>
+          </p:style>
+        </p:sp>
+        <p:sp>
+          <p:nvSpPr>
+            <p:cNvPr id="32" name="Oval 31">
+              <a:extLst>
+                <a:ext uri="{FF2B5EF4-FFF2-40B4-BE49-F238E27FC236}">
+                  <a16:creationId xmlns:a16="http://schemas.microsoft.com/office/drawing/2014/main" id="{F4DD7FA2-5B3A-4DD2-BA1A-735CC86BAA06}"/>
+                </a:ext>
+                <a:ext uri="{C183D7F6-B498-43B3-948B-1728B52AA6E4}">
+                  <adec:decorative xmlns:adec="http://schemas.microsoft.com/office/drawing/2017/decorative" val="1"/>
+                </a:ext>
+              </a:extLst>
+            </p:cNvPr>
+            <p:cNvSpPr/>
+            <p:nvPr>
+              <p:extLst>
+                <p:ext uri="{386F3935-93C4-4BCD-93E2-E3B085C9AB24}">
+                  <p16:designElem xmlns:p16="http://schemas.microsoft.com/office/powerpoint/2015/main" val="1"/>
+                </p:ext>
+              </p:extLst>
+            </p:nvPr>
+          </p:nvSpPr>
+          <p:spPr>
+            <a:xfrm>
+              <a:off x="8609012" y="5874054"/>
+              <a:ext cx="990600" cy="990600"/>
+            </a:xfrm>
+            <a:prstGeom prst="ellipse">
+              <a:avLst/>
+            </a:prstGeom>
+            <a:gradFill flip="none" rotWithShape="1">
+              <a:gsLst>
+                <a:gs pos="0">
+                  <a:schemeClr val="bg2">
+                    <a:lumMod val="40000"/>
+                    <a:lumOff val="60000"/>
+                    <a:alpha val="14000"/>
+                  </a:schemeClr>
+                </a:gs>
+                <a:gs pos="66000">
+                  <a:schemeClr val="bg2">
+                    <a:lumMod val="40000"/>
+                    <a:lumOff val="60000"/>
+                    <a:alpha val="0"/>
+                  </a:schemeClr>
+                </a:gs>
+                <a:gs pos="36000">
+                  <a:schemeClr val="bg2">
+                    <a:lumMod val="40000"/>
+                    <a:lumOff val="60000"/>
+                    <a:alpha val="7000"/>
+                  </a:schemeClr>
+                </a:gs>
+              </a:gsLst>
+              <a:path path="circle">
+                <a:fillToRect l="50000" t="50000" r="50000" b="50000"/>
+              </a:path>
+              <a:tileRect/>
+            </a:gradFill>
+            <a:ln>
+              <a:noFill/>
+            </a:ln>
+            <a:effectLst/>
+          </p:spPr>
+          <p:style>
+            <a:lnRef idx="1">
+              <a:schemeClr val="accent1"/>
+            </a:lnRef>
+            <a:fillRef idx="3">
+              <a:schemeClr val="accent1"/>
+            </a:fillRef>
+            <a:effectRef idx="2">
+              <a:schemeClr val="accent1"/>
+            </a:effectRef>
+            <a:fontRef idx="minor">
+              <a:schemeClr val="lt1"/>
+            </a:fontRef>
+          </p:style>
+        </p:sp>
+        <p:sp>
+          <p:nvSpPr>
+            <p:cNvPr id="33" name="Freeform 5">
+              <a:extLst>
+                <a:ext uri="{FF2B5EF4-FFF2-40B4-BE49-F238E27FC236}">
+                  <a16:creationId xmlns:a16="http://schemas.microsoft.com/office/drawing/2014/main" id="{B11D6824-D097-439B-9956-5436E5111A9B}"/>
+                </a:ext>
+                <a:ext uri="{C183D7F6-B498-43B3-948B-1728B52AA6E4}">
+                  <adec:decorative xmlns:adec="http://schemas.microsoft.com/office/drawing/2017/decorative" val="1"/>
+                </a:ext>
+              </a:extLst>
+            </p:cNvPr>
+            <p:cNvSpPr>
+              <a:spLocks noEditPoints="1"/>
+            </p:cNvSpPr>
+            <p:nvPr>
+              <p:extLst>
+                <p:ext uri="{386F3935-93C4-4BCD-93E2-E3B085C9AB24}">
+                  <p16:designElem xmlns:p16="http://schemas.microsoft.com/office/powerpoint/2015/main" val="1"/>
+                </p:ext>
+              </p:extLst>
+            </p:nvPr>
+          </p:nvSpPr>
+          <p:spPr bwMode="gray">
+            <a:xfrm>
+              <a:off x="0" y="1587"/>
+              <a:ext cx="12192000" cy="6856413"/>
+            </a:xfrm>
+            <a:custGeom>
+              <a:avLst/>
+              <a:gdLst/>
+              <a:ahLst/>
+              <a:cxnLst/>
+              <a:rect l="0" t="0" r="r" b="b"/>
+              <a:pathLst>
+                <a:path w="15356" h="8638">
+                  <a:moveTo>
+                    <a:pt x="0" y="0"/>
+                  </a:moveTo>
+                  <a:lnTo>
+                    <a:pt x="0" y="8638"/>
+                  </a:lnTo>
+                  <a:lnTo>
+                    <a:pt x="15356" y="8638"/>
+                  </a:lnTo>
+                  <a:lnTo>
+                    <a:pt x="15356" y="0"/>
+                  </a:lnTo>
+                  <a:lnTo>
+                    <a:pt x="0" y="0"/>
+                  </a:lnTo>
+                  <a:close/>
+                  <a:moveTo>
+                    <a:pt x="14748" y="8038"/>
+                  </a:moveTo>
+                  <a:lnTo>
+                    <a:pt x="600" y="8038"/>
+                  </a:lnTo>
+                  <a:lnTo>
+                    <a:pt x="600" y="592"/>
+                  </a:lnTo>
+                  <a:lnTo>
+                    <a:pt x="14748" y="592"/>
+                  </a:lnTo>
+                  <a:lnTo>
+                    <a:pt x="14748" y="8038"/>
+                  </a:lnTo>
+                  <a:close/>
+                </a:path>
+              </a:pathLst>
+            </a:custGeom>
+            <a:solidFill>
+              <a:schemeClr val="bg1"/>
+            </a:solidFill>
+            <a:ln>
+              <a:noFill/>
+            </a:ln>
+          </p:spPr>
+        </p:sp>
+      </p:grpSp>
+      <p:sp>
+        <p:nvSpPr>
+          <p:cNvPr id="35" name="Rectangle 34">
+            <a:extLst>
+              <a:ext uri="{FF2B5EF4-FFF2-40B4-BE49-F238E27FC236}">
+                <a16:creationId xmlns:a16="http://schemas.microsoft.com/office/drawing/2014/main" id="{5669AB50-4CAD-4D10-A09A-A0C01AF9E6F6}"/>
+              </a:ext>
+              <a:ext uri="{C183D7F6-B498-43B3-948B-1728B52AA6E4}">
+                <adec:decorative xmlns:adec="http://schemas.microsoft.com/office/drawing/2017/decorative" val="1"/>
+              </a:ext>
+            </a:extLst>
+          </p:cNvPr>
+          <p:cNvSpPr>
+            <a:spLocks noGrp="1" noRot="1" noChangeAspect="1" noMove="1" noResize="1" noEditPoints="1" noAdjustHandles="1" noChangeArrowheads="1" noChangeShapeType="1" noTextEdit="1"/>
+          </p:cNvSpPr>
+          <p:nvPr>
+            <p:extLst>
+              <p:ext uri="{386F3935-93C4-4BCD-93E2-E3B085C9AB24}">
+                <p16:designElem xmlns:p16="http://schemas.microsoft.com/office/powerpoint/2015/main" val="1"/>
+              </p:ext>
+            </p:extLst>
+          </p:nvPr>
+        </p:nvSpPr>
+        <p:spPr>
+          <a:xfrm>
+            <a:off x="10437812" y="0"/>
+            <a:ext cx="685800" cy="1143000"/>
+          </a:xfrm>
+          <a:prstGeom prst="rect">
+            <a:avLst/>
+          </a:prstGeom>
+          <a:solidFill>
+            <a:schemeClr val="accent1"/>
+          </a:solidFill>
+          <a:ln>
+            <a:noFill/>
+          </a:ln>
+        </p:spPr>
+        <p:style>
+          <a:lnRef idx="1">
+            <a:schemeClr val="accent1"/>
+          </a:lnRef>
+          <a:fillRef idx="3">
+            <a:schemeClr val="accent1"/>
+          </a:fillRef>
+          <a:effectRef idx="2">
+            <a:schemeClr val="accent1"/>
+          </a:effectRef>
+          <a:fontRef idx="minor">
+            <a:schemeClr val="lt1"/>
+          </a:fontRef>
+        </p:style>
+      </p:sp>
+      <p:sp>
+        <p:nvSpPr>
+          <p:cNvPr id="2" name="제목 1">
+            <a:extLst>
+              <a:ext uri="{FF2B5EF4-FFF2-40B4-BE49-F238E27FC236}">
+                <a16:creationId xmlns:a16="http://schemas.microsoft.com/office/drawing/2014/main" id="{8C6C9B06-A720-45A8-8926-A624A9143055}"/>
+              </a:ext>
+            </a:extLst>
+          </p:cNvPr>
+          <p:cNvSpPr>
+            <a:spLocks noGrp="1"/>
+          </p:cNvSpPr>
+          <p:nvPr>
+            <p:ph type="title"/>
+          </p:nvPr>
+        </p:nvSpPr>
+        <p:spPr>
+          <a:xfrm>
+            <a:off x="8160773" y="1113062"/>
+            <a:ext cx="3382297" cy="3281957"/>
+          </a:xfrm>
+        </p:spPr>
+        <p:txBody>
+          <a:bodyPr vert="horz" lIns="91440" tIns="45720" rIns="91440" bIns="45720" rtlCol="0" anchor="b">
+            <a:normAutofit/>
+          </a:bodyPr>
+          <a:lstStyle/>
+          <a:p>
+            <a:pPr latinLnBrk="0"/>
+            <a:r>
+              <a:rPr lang="ko-KR" altLang="en-US" sz="5400" b="0" i="0" kern="1200" dirty="0">
+                <a:solidFill>
+                  <a:schemeClr val="bg2"/>
+                </a:solidFill>
+                <a:latin typeface="+mj-lt"/>
+                <a:ea typeface="+mj-ea"/>
+                <a:cs typeface="+mj-cs"/>
+              </a:rPr>
+              <a:t>전체 일정</a:t>
+            </a:r>
+          </a:p>
+        </p:txBody>
+      </p:sp>
+      <p:sp>
+        <p:nvSpPr>
+          <p:cNvPr id="4" name="슬라이드 번호 개체 틀 3">
+            <a:extLst>
+              <a:ext uri="{FF2B5EF4-FFF2-40B4-BE49-F238E27FC236}">
+                <a16:creationId xmlns:a16="http://schemas.microsoft.com/office/drawing/2014/main" id="{9D1A659F-7ED5-469E-AD8C-7EF7707ED99F}"/>
+              </a:ext>
+            </a:extLst>
+          </p:cNvPr>
+          <p:cNvSpPr>
+            <a:spLocks noGrp="1"/>
+          </p:cNvSpPr>
+          <p:nvPr>
+            <p:ph type="sldNum" sz="quarter" idx="12"/>
+          </p:nvPr>
+        </p:nvSpPr>
+        <p:spPr>
+          <a:xfrm>
+            <a:off x="10342708" y="295729"/>
+            <a:ext cx="838199" cy="767687"/>
+          </a:xfrm>
+        </p:spPr>
+        <p:txBody>
+          <a:bodyPr vert="horz" lIns="91440" tIns="45720" rIns="91440" bIns="45720" rtlCol="0" anchor="b">
+            <a:normAutofit/>
+          </a:bodyPr>
+          <a:lstStyle/>
+          <a:p>
+            <a:pPr defTabSz="914400">
+              <a:spcAft>
+                <a:spcPts val="600"/>
+              </a:spcAft>
+            </a:pPr>
+            <a:fld id="{D57F1E4F-1CFF-5643-939E-217C01CDF565}" type="slidenum">
+              <a:rPr lang="en-US" smtClean="0">
+                <a:latin typeface="+mj-lt"/>
+              </a:rPr>
+              <a:pPr defTabSz="914400">
+                <a:spcAft>
+                  <a:spcPts val="600"/>
+                </a:spcAft>
+              </a:pPr>
+              <a:t>15</a:t>
+            </a:fld>
+            <a:endParaRPr lang="en-US">
+              <a:latin typeface="+mj-lt"/>
+            </a:endParaRPr>
+          </a:p>
+        </p:txBody>
+      </p:sp>
+      <p:pic>
+        <p:nvPicPr>
+          <p:cNvPr id="19" name="내용 개체 틀 18">
+            <a:extLst>
+              <a:ext uri="{FF2B5EF4-FFF2-40B4-BE49-F238E27FC236}">
+                <a16:creationId xmlns:a16="http://schemas.microsoft.com/office/drawing/2014/main" id="{59F22AF2-4031-43B8-8AC1-75612331305E}"/>
+              </a:ext>
+            </a:extLst>
+          </p:cNvPr>
+          <p:cNvPicPr>
+            <a:picLocks noGrp="1" noChangeAspect="1"/>
+          </p:cNvPicPr>
+          <p:nvPr>
+            <p:ph idx="1"/>
+          </p:nvPr>
+        </p:nvPicPr>
+        <p:blipFill>
+          <a:blip r:embed="rId3">
+            <a:extLst>
+              <a:ext uri="{28A0092B-C50C-407E-A947-70E740481C1C}">
+                <a14:useLocalDpi xmlns:a14="http://schemas.microsoft.com/office/drawing/2010/main" val="0"/>
+              </a:ext>
+            </a:extLst>
+          </a:blip>
+          <a:stretch>
+            <a:fillRect/>
+          </a:stretch>
+        </p:blipFill>
+        <p:spPr>
+          <a:xfrm>
+            <a:off x="592012" y="1868049"/>
+            <a:ext cx="7700411" cy="3638445"/>
+          </a:xfrm>
+          <a:prstGeom prst="roundRect">
+            <a:avLst>
+              <a:gd name="adj" fmla="val 1858"/>
+            </a:avLst>
+          </a:prstGeom>
+          <a:effectLst>
+            <a:outerShdw blurRad="50800" dist="50800" dir="5400000" algn="tl" rotWithShape="0">
+              <a:srgbClr val="000000">
+                <a:alpha val="43000"/>
+              </a:srgbClr>
+            </a:outerShdw>
+          </a:effectLst>
+        </p:spPr>
+      </p:pic>
+      <p:sp>
+        <p:nvSpPr>
+          <p:cNvPr id="21" name="CustomShape 7">
+            <a:extLst>
+              <a:ext uri="{FF2B5EF4-FFF2-40B4-BE49-F238E27FC236}">
+                <a16:creationId xmlns:a16="http://schemas.microsoft.com/office/drawing/2014/main" id="{543BDE29-3C0C-4D5D-9AA1-299A446ADA36}"/>
+              </a:ext>
+            </a:extLst>
+          </p:cNvPr>
+          <p:cNvSpPr/>
+          <p:nvPr/>
+        </p:nvSpPr>
+        <p:spPr>
+          <a:xfrm>
+            <a:off x="7397185" y="1302503"/>
+            <a:ext cx="504247" cy="558892"/>
+          </a:xfrm>
+          <a:prstGeom prst="downArrow">
+            <a:avLst>
+              <a:gd name="adj1" fmla="val 50000"/>
+              <a:gd name="adj2" fmla="val 50000"/>
+            </a:avLst>
+          </a:prstGeom>
+          <a:solidFill>
+            <a:schemeClr val="accent2"/>
+          </a:solidFill>
+          <a:ln>
+            <a:noFill/>
+          </a:ln>
+        </p:spPr>
+        <p:style>
+          <a:lnRef idx="2">
+            <a:schemeClr val="accent1">
+              <a:shade val="50000"/>
+            </a:schemeClr>
+          </a:lnRef>
+          <a:fillRef idx="1">
+            <a:schemeClr val="accent1"/>
+          </a:fillRef>
+          <a:effectRef idx="0">
+            <a:schemeClr val="accent1"/>
+          </a:effectRef>
+          <a:fontRef idx="minor"/>
+        </p:style>
+      </p:sp>
+    </p:spTree>
+    <p:extLst>
+      <p:ext uri="{BB962C8B-B14F-4D97-AF65-F5344CB8AC3E}">
+        <p14:creationId xmlns:p14="http://schemas.microsoft.com/office/powerpoint/2010/main" val="3478757257"/>
+      </p:ext>
+    </p:extLst>
+  </p:cSld>
+  <p:clrMapOvr>
+    <a:masterClrMapping/>
+  </p:clrMapOvr>
+</p:sld>
+</file>
+
+<file path=ppt/slides/slide16.xml><?xml version="1.0" encoding="utf-8"?>
+<p:sld xmlns:a="http://schemas.openxmlformats.org/drawingml/2006/main" xmlns:r="http://schemas.openxmlformats.org/officeDocument/2006/relationships" xmlns:p="http://schemas.openxmlformats.org/presentationml/2006/main">
+  <p:cSld>
+    <p:spTree>
+      <p:nvGrpSpPr>
+        <p:cNvPr id="1" name=""/>
+        <p:cNvGrpSpPr/>
+        <p:nvPr/>
+      </p:nvGrpSpPr>
+      <p:grpSpPr>
+        <a:xfrm>
+          <a:off x="0" y="0"/>
+          <a:ext cx="0" cy="0"/>
+          <a:chOff x="0" y="0"/>
+          <a:chExt cx="0" cy="0"/>
+        </a:xfrm>
+      </p:grpSpPr>
+      <p:sp>
+        <p:nvSpPr>
+          <p:cNvPr id="2" name="제목 1">
+            <a:extLst>
+              <a:ext uri="{FF2B5EF4-FFF2-40B4-BE49-F238E27FC236}">
+                <a16:creationId xmlns:a16="http://schemas.microsoft.com/office/drawing/2014/main" id="{45824920-0EC6-4BAF-A33C-E094CD622085}"/>
+              </a:ext>
+            </a:extLst>
+          </p:cNvPr>
+          <p:cNvSpPr>
+            <a:spLocks noGrp="1"/>
+          </p:cNvSpPr>
+          <p:nvPr>
+            <p:ph type="title"/>
+          </p:nvPr>
+        </p:nvSpPr>
+        <p:spPr/>
+        <p:txBody>
+          <a:bodyPr/>
+          <a:lstStyle/>
+          <a:p>
+            <a:r>
+              <a:rPr lang="ko-KR" altLang="en-US" dirty="0"/>
+              <a:t>질의응답</a:t>
+            </a:r>
+          </a:p>
+        </p:txBody>
+      </p:sp>
+      <p:sp>
+        <p:nvSpPr>
+          <p:cNvPr id="3" name="내용 개체 틀 2">
+            <a:extLst>
+              <a:ext uri="{FF2B5EF4-FFF2-40B4-BE49-F238E27FC236}">
+                <a16:creationId xmlns:a16="http://schemas.microsoft.com/office/drawing/2014/main" id="{F3EE0794-B04A-474D-81E1-881C07344F12}"/>
+              </a:ext>
+            </a:extLst>
+          </p:cNvPr>
+          <p:cNvSpPr>
+            <a:spLocks noGrp="1"/>
+          </p:cNvSpPr>
+          <p:nvPr>
+            <p:ph idx="1"/>
+          </p:nvPr>
+        </p:nvSpPr>
+        <p:spPr/>
+        <p:txBody>
+          <a:bodyPr/>
+          <a:lstStyle/>
+          <a:p>
+            <a:endParaRPr lang="ko-KR" altLang="en-US"/>
+          </a:p>
+        </p:txBody>
+      </p:sp>
+      <p:sp>
+        <p:nvSpPr>
+          <p:cNvPr id="4" name="슬라이드 번호 개체 틀 3">
+            <a:extLst>
+              <a:ext uri="{FF2B5EF4-FFF2-40B4-BE49-F238E27FC236}">
+                <a16:creationId xmlns:a16="http://schemas.microsoft.com/office/drawing/2014/main" id="{93A5935B-BAE9-426A-B99B-4214D79AB2C9}"/>
+              </a:ext>
+            </a:extLst>
+          </p:cNvPr>
+          <p:cNvSpPr>
+            <a:spLocks noGrp="1"/>
+          </p:cNvSpPr>
+          <p:nvPr>
+            <p:ph type="sldNum" sz="quarter" idx="12"/>
+          </p:nvPr>
+        </p:nvSpPr>
+        <p:spPr/>
+        <p:txBody>
+          <a:bodyPr/>
+          <a:lstStyle/>
+          <a:p>
+            <a:fld id="{D57F1E4F-1CFF-5643-939E-217C01CDF565}" type="slidenum">
+              <a:rPr lang="en-US" smtClean="0"/>
+              <a:pPr/>
+              <a:t>16</a:t>
+            </a:fld>
+            <a:endParaRPr lang="en-US" dirty="0"/>
+          </a:p>
+        </p:txBody>
+      </p:sp>
+    </p:spTree>
+    <p:extLst>
+      <p:ext uri="{BB962C8B-B14F-4D97-AF65-F5344CB8AC3E}">
+        <p14:creationId xmlns:p14="http://schemas.microsoft.com/office/powerpoint/2010/main" val="2120597515"/>
+      </p:ext>
+    </p:extLst>
+  </p:cSld>
+  <p:clrMapOvr>
+    <a:masterClrMapping/>
+  </p:clrMapOvr>
+</p:sld>
+</file>
+
 <file path=ppt/slides/slide2.xml><?xml version="1.0" encoding="utf-8"?>
 <p:sld xmlns:a="http://schemas.openxmlformats.org/drawingml/2006/main" xmlns:r="http://schemas.openxmlformats.org/officeDocument/2006/relationships" xmlns:p="http://schemas.openxmlformats.org/presentationml/2006/main">
   <p:cSld>
@@ -22490,6 +24302,72 @@
           </p:txBody>
         </p:sp>
       </p:grpSp>
+      <p:sp>
+        <p:nvSpPr>
+          <p:cNvPr id="32" name="TextBox 31">
+            <a:extLst>
+              <a:ext uri="{FF2B5EF4-FFF2-40B4-BE49-F238E27FC236}">
+                <a16:creationId xmlns:a16="http://schemas.microsoft.com/office/drawing/2014/main" id="{6FEF54EF-F78D-446E-BEEF-79EC3ADFC67A}"/>
+              </a:ext>
+            </a:extLst>
+          </p:cNvPr>
+          <p:cNvSpPr txBox="1"/>
+          <p:nvPr/>
+        </p:nvSpPr>
+        <p:spPr>
+          <a:xfrm>
+            <a:off x="7864774" y="3243609"/>
+            <a:ext cx="3882527" cy="1061829"/>
+          </a:xfrm>
+          <a:prstGeom prst="rect">
+            <a:avLst/>
+          </a:prstGeom>
+          <a:noFill/>
+        </p:spPr>
+        <p:txBody>
+          <a:bodyPr wrap="square" rtlCol="0">
+            <a:spAutoFit/>
+          </a:bodyPr>
+          <a:lstStyle/>
+          <a:p>
+            <a:r>
+              <a:rPr lang="en-US" altLang="ko-KR" sz="1050" dirty="0"/>
+              <a:t>[</a:t>
+            </a:r>
+          </a:p>
+          <a:p>
+            <a:r>
+              <a:rPr lang="en-US" altLang="ko-KR" sz="1050" dirty="0"/>
+              <a:t>  {“category”: “1”, “item”: “apple”, “quantity”: “12”}</a:t>
+            </a:r>
+          </a:p>
+          <a:p>
+            <a:r>
+              <a:rPr lang="en-US" altLang="ko-KR" sz="1050" dirty="0"/>
+              <a:t>  {“category”: “1”, “item”: “banana”, “quantity”: “30”}</a:t>
+            </a:r>
+          </a:p>
+          <a:p>
+            <a:r>
+              <a:rPr lang="en-US" altLang="ko-KR" sz="1050" dirty="0"/>
+              <a:t>  {“category”: “3”, “item”: “beef”, “quantity”: “22”}</a:t>
+            </a:r>
+          </a:p>
+          <a:p>
+            <a:r>
+              <a:rPr lang="en-US" altLang="ko-KR" sz="1050" dirty="0"/>
+              <a:t>  {“category”: “3”, “item”: “pork”, “quantity”: “55”}</a:t>
+            </a:r>
+          </a:p>
+          <a:p>
+            <a:r>
+              <a:rPr lang="en-US" altLang="ko-KR" sz="1050" dirty="0"/>
+              <a:t>]</a:t>
+            </a:r>
+            <a:endParaRPr lang="ko-KR" altLang="en-US" sz="1050" dirty="0"/>
+          </a:p>
+        </p:txBody>
+      </p:sp>
     </p:spTree>
     <p:extLst>
       <p:ext uri="{BB962C8B-B14F-4D97-AF65-F5344CB8AC3E}">
@@ -23925,9 +25803,10 @@
               <a:t> </a:t>
             </a:r>
             <a:r>
-              <a:rPr lang="ko-KR" altLang="en-US"/>
+              <a:rPr lang="ko-KR" altLang="en-US" dirty="0" err="1"/>
               <a:t>작업물</a:t>
             </a:r>
+            <a:endParaRPr lang="ko-KR" altLang="en-US" dirty="0"/>
           </a:p>
         </p:txBody>
       </p:sp>

--- a/제출자료/발표자료/발표 자료_13주차_12조.pptx
+++ b/제출자료/발표자료/발표 자료_13주차_12조.pptx
@@ -5,7 +5,7 @@
     <p:sldMasterId id="2147483648" r:id="rId1"/>
   </p:sldMasterIdLst>
   <p:notesMasterIdLst>
-    <p:notesMasterId r:id="rId18"/>
+    <p:notesMasterId r:id="rId19"/>
   </p:notesMasterIdLst>
   <p:sldIdLst>
     <p:sldId id="256" r:id="rId2"/>
@@ -15,15 +15,16 @@
     <p:sldId id="260" r:id="rId6"/>
     <p:sldId id="262" r:id="rId7"/>
     <p:sldId id="264" r:id="rId8"/>
-    <p:sldId id="271" r:id="rId9"/>
-    <p:sldId id="265" r:id="rId10"/>
-    <p:sldId id="267" r:id="rId11"/>
-    <p:sldId id="268" r:id="rId12"/>
-    <p:sldId id="269" r:id="rId13"/>
-    <p:sldId id="270" r:id="rId14"/>
-    <p:sldId id="273" r:id="rId15"/>
-    <p:sldId id="274" r:id="rId16"/>
-    <p:sldId id="272" r:id="rId17"/>
+    <p:sldId id="275" r:id="rId9"/>
+    <p:sldId id="271" r:id="rId10"/>
+    <p:sldId id="265" r:id="rId11"/>
+    <p:sldId id="267" r:id="rId12"/>
+    <p:sldId id="268" r:id="rId13"/>
+    <p:sldId id="269" r:id="rId14"/>
+    <p:sldId id="270" r:id="rId15"/>
+    <p:sldId id="273" r:id="rId16"/>
+    <p:sldId id="274" r:id="rId17"/>
+    <p:sldId id="272" r:id="rId18"/>
   </p:sldIdLst>
   <p:sldSz cx="12192000" cy="6858000"/>
   <p:notesSz cx="6858000" cy="9144000"/>
@@ -123,6 +124,3192 @@
     </a:lvl9pPr>
   </p:defaultTextStyle>
 </p:presentation>
+</file>
+
+<file path=ppt/diagrams/colors1.xml><?xml version="1.0" encoding="utf-8"?>
+<dgm:colorsDef xmlns:dgm="http://schemas.openxmlformats.org/drawingml/2006/diagram" xmlns:a="http://schemas.openxmlformats.org/drawingml/2006/main" uniqueId="urn:microsoft.com/office/officeart/2005/8/colors/accent1_2">
+  <dgm:title val=""/>
+  <dgm:desc val=""/>
+  <dgm:catLst>
+    <dgm:cat type="accent1" pri="11200"/>
+  </dgm:catLst>
+  <dgm:styleLbl name="node0">
+    <dgm:fillClrLst meth="repeat">
+      <a:schemeClr val="accent1"/>
+    </dgm:fillClrLst>
+    <dgm:linClrLst meth="repeat">
+      <a:schemeClr val="lt1"/>
+    </dgm:linClrLst>
+    <dgm:effectClrLst/>
+    <dgm:txLinClrLst/>
+    <dgm:txFillClrLst/>
+    <dgm:txEffectClrLst/>
+  </dgm:styleLbl>
+  <dgm:styleLbl name="alignNode1">
+    <dgm:fillClrLst meth="repeat">
+      <a:schemeClr val="accent1"/>
+    </dgm:fillClrLst>
+    <dgm:linClrLst meth="repeat">
+      <a:schemeClr val="accent1"/>
+    </dgm:linClrLst>
+    <dgm:effectClrLst/>
+    <dgm:txLinClrLst/>
+    <dgm:txFillClrLst/>
+    <dgm:txEffectClrLst/>
+  </dgm:styleLbl>
+  <dgm:styleLbl name="node1">
+    <dgm:fillClrLst meth="repeat">
+      <a:schemeClr val="accent1"/>
+    </dgm:fillClrLst>
+    <dgm:linClrLst meth="repeat">
+      <a:schemeClr val="lt1"/>
+    </dgm:linClrLst>
+    <dgm:effectClrLst/>
+    <dgm:txLinClrLst/>
+    <dgm:txFillClrLst/>
+    <dgm:txEffectClrLst/>
+  </dgm:styleLbl>
+  <dgm:styleLbl name="lnNode1">
+    <dgm:fillClrLst meth="repeat">
+      <a:schemeClr val="accent1"/>
+    </dgm:fillClrLst>
+    <dgm:linClrLst meth="repeat">
+      <a:schemeClr val="lt1"/>
+    </dgm:linClrLst>
+    <dgm:effectClrLst/>
+    <dgm:txLinClrLst/>
+    <dgm:txFillClrLst/>
+    <dgm:txEffectClrLst/>
+  </dgm:styleLbl>
+  <dgm:styleLbl name="vennNode1">
+    <dgm:fillClrLst meth="repeat">
+      <a:schemeClr val="accent1">
+        <a:alpha val="50000"/>
+      </a:schemeClr>
+    </dgm:fillClrLst>
+    <dgm:linClrLst meth="repeat">
+      <a:schemeClr val="lt1"/>
+    </dgm:linClrLst>
+    <dgm:effectClrLst/>
+    <dgm:txLinClrLst/>
+    <dgm:txFillClrLst/>
+    <dgm:txEffectClrLst/>
+  </dgm:styleLbl>
+  <dgm:styleLbl name="node2">
+    <dgm:fillClrLst meth="repeat">
+      <a:schemeClr val="accent1"/>
+    </dgm:fillClrLst>
+    <dgm:linClrLst meth="repeat">
+      <a:schemeClr val="lt1"/>
+    </dgm:linClrLst>
+    <dgm:effectClrLst/>
+    <dgm:txLinClrLst/>
+    <dgm:txFillClrLst/>
+    <dgm:txEffectClrLst/>
+  </dgm:styleLbl>
+  <dgm:styleLbl name="node3">
+    <dgm:fillClrLst meth="repeat">
+      <a:schemeClr val="accent1"/>
+    </dgm:fillClrLst>
+    <dgm:linClrLst meth="repeat">
+      <a:schemeClr val="lt1"/>
+    </dgm:linClrLst>
+    <dgm:effectClrLst/>
+    <dgm:txLinClrLst/>
+    <dgm:txFillClrLst/>
+    <dgm:txEffectClrLst/>
+  </dgm:styleLbl>
+  <dgm:styleLbl name="node4">
+    <dgm:fillClrLst meth="repeat">
+      <a:schemeClr val="accent1"/>
+    </dgm:fillClrLst>
+    <dgm:linClrLst meth="repeat">
+      <a:schemeClr val="lt1"/>
+    </dgm:linClrLst>
+    <dgm:effectClrLst/>
+    <dgm:txLinClrLst/>
+    <dgm:txFillClrLst/>
+    <dgm:txEffectClrLst/>
+  </dgm:styleLbl>
+  <dgm:styleLbl name="fgImgPlace1">
+    <dgm:fillClrLst meth="repeat">
+      <a:schemeClr val="accent1">
+        <a:tint val="50000"/>
+      </a:schemeClr>
+    </dgm:fillClrLst>
+    <dgm:linClrLst meth="repeat">
+      <a:schemeClr val="lt1"/>
+    </dgm:linClrLst>
+    <dgm:effectClrLst/>
+    <dgm:txLinClrLst/>
+    <dgm:txFillClrLst meth="repeat">
+      <a:schemeClr val="lt1"/>
+    </dgm:txFillClrLst>
+    <dgm:txEffectClrLst/>
+  </dgm:styleLbl>
+  <dgm:styleLbl name="alignImgPlace1">
+    <dgm:fillClrLst meth="repeat">
+      <a:schemeClr val="accent1">
+        <a:tint val="50000"/>
+      </a:schemeClr>
+    </dgm:fillClrLst>
+    <dgm:linClrLst meth="repeat">
+      <a:schemeClr val="lt1"/>
+    </dgm:linClrLst>
+    <dgm:effectClrLst/>
+    <dgm:txLinClrLst/>
+    <dgm:txFillClrLst meth="repeat">
+      <a:schemeClr val="lt1"/>
+    </dgm:txFillClrLst>
+    <dgm:txEffectClrLst/>
+  </dgm:styleLbl>
+  <dgm:styleLbl name="bgImgPlace1">
+    <dgm:fillClrLst meth="repeat">
+      <a:schemeClr val="accent1">
+        <a:tint val="50000"/>
+      </a:schemeClr>
+    </dgm:fillClrLst>
+    <dgm:linClrLst meth="repeat">
+      <a:schemeClr val="lt1"/>
+    </dgm:linClrLst>
+    <dgm:effectClrLst/>
+    <dgm:txLinClrLst/>
+    <dgm:txFillClrLst meth="repeat">
+      <a:schemeClr val="lt1"/>
+    </dgm:txFillClrLst>
+    <dgm:txEffectClrLst/>
+  </dgm:styleLbl>
+  <dgm:styleLbl name="sibTrans2D1">
+    <dgm:fillClrLst meth="repeat">
+      <a:schemeClr val="accent1">
+        <a:tint val="60000"/>
+      </a:schemeClr>
+    </dgm:fillClrLst>
+    <dgm:linClrLst meth="repeat">
+      <a:schemeClr val="accent1">
+        <a:tint val="60000"/>
+      </a:schemeClr>
+    </dgm:linClrLst>
+    <dgm:effectClrLst/>
+    <dgm:txLinClrLst/>
+    <dgm:txFillClrLst/>
+    <dgm:txEffectClrLst/>
+  </dgm:styleLbl>
+  <dgm:styleLbl name="fgSibTrans2D1">
+    <dgm:fillClrLst meth="repeat">
+      <a:schemeClr val="accent1">
+        <a:tint val="60000"/>
+      </a:schemeClr>
+    </dgm:fillClrLst>
+    <dgm:linClrLst meth="repeat">
+      <a:schemeClr val="accent1">
+        <a:tint val="60000"/>
+      </a:schemeClr>
+    </dgm:linClrLst>
+    <dgm:effectClrLst/>
+    <dgm:txLinClrLst/>
+    <dgm:txFillClrLst/>
+    <dgm:txEffectClrLst/>
+  </dgm:styleLbl>
+  <dgm:styleLbl name="bgSibTrans2D1">
+    <dgm:fillClrLst meth="repeat">
+      <a:schemeClr val="accent1">
+        <a:tint val="60000"/>
+      </a:schemeClr>
+    </dgm:fillClrLst>
+    <dgm:linClrLst meth="repeat">
+      <a:schemeClr val="accent1">
+        <a:tint val="60000"/>
+      </a:schemeClr>
+    </dgm:linClrLst>
+    <dgm:effectClrLst/>
+    <dgm:txLinClrLst/>
+    <dgm:txFillClrLst/>
+    <dgm:txEffectClrLst/>
+  </dgm:styleLbl>
+  <dgm:styleLbl name="sibTrans1D1">
+    <dgm:fillClrLst meth="repeat">
+      <a:schemeClr val="accent1"/>
+    </dgm:fillClrLst>
+    <dgm:linClrLst meth="repeat">
+      <a:schemeClr val="accent1"/>
+    </dgm:linClrLst>
+    <dgm:effectClrLst/>
+    <dgm:txLinClrLst/>
+    <dgm:txFillClrLst meth="repeat">
+      <a:schemeClr val="tx1"/>
+    </dgm:txFillClrLst>
+    <dgm:txEffectClrLst/>
+  </dgm:styleLbl>
+  <dgm:styleLbl name="callout">
+    <dgm:fillClrLst meth="repeat">
+      <a:schemeClr val="accent1"/>
+    </dgm:fillClrLst>
+    <dgm:linClrLst meth="repeat">
+      <a:schemeClr val="accent1">
+        <a:tint val="50000"/>
+      </a:schemeClr>
+    </dgm:linClrLst>
+    <dgm:effectClrLst/>
+    <dgm:txLinClrLst/>
+    <dgm:txFillClrLst meth="repeat">
+      <a:schemeClr val="tx1"/>
+    </dgm:txFillClrLst>
+    <dgm:txEffectClrLst/>
+  </dgm:styleLbl>
+  <dgm:styleLbl name="asst0">
+    <dgm:fillClrLst meth="repeat">
+      <a:schemeClr val="accent1"/>
+    </dgm:fillClrLst>
+    <dgm:linClrLst meth="repeat">
+      <a:schemeClr val="lt1"/>
+    </dgm:linClrLst>
+    <dgm:effectClrLst/>
+    <dgm:txLinClrLst/>
+    <dgm:txFillClrLst/>
+    <dgm:txEffectClrLst/>
+  </dgm:styleLbl>
+  <dgm:styleLbl name="asst1">
+    <dgm:fillClrLst meth="repeat">
+      <a:schemeClr val="accent1"/>
+    </dgm:fillClrLst>
+    <dgm:linClrLst meth="repeat">
+      <a:schemeClr val="lt1"/>
+    </dgm:linClrLst>
+    <dgm:effectClrLst/>
+    <dgm:txLinClrLst/>
+    <dgm:txFillClrLst/>
+    <dgm:txEffectClrLst/>
+  </dgm:styleLbl>
+  <dgm:styleLbl name="asst2">
+    <dgm:fillClrLst meth="repeat">
+      <a:schemeClr val="accent1"/>
+    </dgm:fillClrLst>
+    <dgm:linClrLst meth="repeat">
+      <a:schemeClr val="lt1"/>
+    </dgm:linClrLst>
+    <dgm:effectClrLst/>
+    <dgm:txLinClrLst/>
+    <dgm:txFillClrLst/>
+    <dgm:txEffectClrLst/>
+  </dgm:styleLbl>
+  <dgm:styleLbl name="asst3">
+    <dgm:fillClrLst meth="repeat">
+      <a:schemeClr val="accent1"/>
+    </dgm:fillClrLst>
+    <dgm:linClrLst meth="repeat">
+      <a:schemeClr val="lt1"/>
+    </dgm:linClrLst>
+    <dgm:effectClrLst/>
+    <dgm:txLinClrLst/>
+    <dgm:txFillClrLst/>
+    <dgm:txEffectClrLst/>
+  </dgm:styleLbl>
+  <dgm:styleLbl name="asst4">
+    <dgm:fillClrLst meth="repeat">
+      <a:schemeClr val="accent1"/>
+    </dgm:fillClrLst>
+    <dgm:linClrLst meth="repeat">
+      <a:schemeClr val="lt1"/>
+    </dgm:linClrLst>
+    <dgm:effectClrLst/>
+    <dgm:txLinClrLst/>
+    <dgm:txFillClrLst/>
+    <dgm:txEffectClrLst/>
+  </dgm:styleLbl>
+  <dgm:styleLbl name="parChTrans2D1">
+    <dgm:fillClrLst meth="repeat">
+      <a:schemeClr val="accent1">
+        <a:tint val="60000"/>
+      </a:schemeClr>
+    </dgm:fillClrLst>
+    <dgm:linClrLst meth="repeat">
+      <a:schemeClr val="accent1">
+        <a:tint val="60000"/>
+      </a:schemeClr>
+    </dgm:linClrLst>
+    <dgm:effectClrLst/>
+    <dgm:txLinClrLst/>
+    <dgm:txFillClrLst meth="repeat">
+      <a:schemeClr val="lt1"/>
+    </dgm:txFillClrLst>
+    <dgm:txEffectClrLst/>
+  </dgm:styleLbl>
+  <dgm:styleLbl name="parChTrans2D2">
+    <dgm:fillClrLst meth="repeat">
+      <a:schemeClr val="accent1"/>
+    </dgm:fillClrLst>
+    <dgm:linClrLst meth="repeat">
+      <a:schemeClr val="accent1"/>
+    </dgm:linClrLst>
+    <dgm:effectClrLst/>
+    <dgm:txLinClrLst/>
+    <dgm:txFillClrLst meth="repeat">
+      <a:schemeClr val="lt1"/>
+    </dgm:txFillClrLst>
+    <dgm:txEffectClrLst/>
+  </dgm:styleLbl>
+  <dgm:styleLbl name="parChTrans2D3">
+    <dgm:fillClrLst meth="repeat">
+      <a:schemeClr val="accent1"/>
+    </dgm:fillClrLst>
+    <dgm:linClrLst meth="repeat">
+      <a:schemeClr val="accent1"/>
+    </dgm:linClrLst>
+    <dgm:effectClrLst/>
+    <dgm:txLinClrLst/>
+    <dgm:txFillClrLst meth="repeat">
+      <a:schemeClr val="lt1"/>
+    </dgm:txFillClrLst>
+    <dgm:txEffectClrLst/>
+  </dgm:styleLbl>
+  <dgm:styleLbl name="parChTrans2D4">
+    <dgm:fillClrLst meth="repeat">
+      <a:schemeClr val="accent1"/>
+    </dgm:fillClrLst>
+    <dgm:linClrLst meth="repeat">
+      <a:schemeClr val="accent1"/>
+    </dgm:linClrLst>
+    <dgm:effectClrLst/>
+    <dgm:txLinClrLst/>
+    <dgm:txFillClrLst meth="repeat">
+      <a:schemeClr val="lt1"/>
+    </dgm:txFillClrLst>
+    <dgm:txEffectClrLst/>
+  </dgm:styleLbl>
+  <dgm:styleLbl name="parChTrans1D1">
+    <dgm:fillClrLst meth="repeat">
+      <a:schemeClr val="accent1"/>
+    </dgm:fillClrLst>
+    <dgm:linClrLst meth="repeat">
+      <a:schemeClr val="accent1">
+        <a:shade val="60000"/>
+      </a:schemeClr>
+    </dgm:linClrLst>
+    <dgm:effectClrLst/>
+    <dgm:txLinClrLst/>
+    <dgm:txFillClrLst meth="repeat">
+      <a:schemeClr val="tx1"/>
+    </dgm:txFillClrLst>
+    <dgm:txEffectClrLst/>
+  </dgm:styleLbl>
+  <dgm:styleLbl name="parChTrans1D2">
+    <dgm:fillClrLst meth="repeat">
+      <a:schemeClr val="accent1"/>
+    </dgm:fillClrLst>
+    <dgm:linClrLst meth="repeat">
+      <a:schemeClr val="accent1">
+        <a:shade val="60000"/>
+      </a:schemeClr>
+    </dgm:linClrLst>
+    <dgm:effectClrLst/>
+    <dgm:txLinClrLst/>
+    <dgm:txFillClrLst meth="repeat">
+      <a:schemeClr val="tx1"/>
+    </dgm:txFillClrLst>
+    <dgm:txEffectClrLst/>
+  </dgm:styleLbl>
+  <dgm:styleLbl name="parChTrans1D3">
+    <dgm:fillClrLst meth="repeat">
+      <a:schemeClr val="accent1"/>
+    </dgm:fillClrLst>
+    <dgm:linClrLst meth="repeat">
+      <a:schemeClr val="accent1">
+        <a:shade val="80000"/>
+      </a:schemeClr>
+    </dgm:linClrLst>
+    <dgm:effectClrLst/>
+    <dgm:txLinClrLst/>
+    <dgm:txFillClrLst meth="repeat">
+      <a:schemeClr val="tx1"/>
+    </dgm:txFillClrLst>
+    <dgm:txEffectClrLst/>
+  </dgm:styleLbl>
+  <dgm:styleLbl name="parChTrans1D4">
+    <dgm:fillClrLst meth="repeat">
+      <a:schemeClr val="accent1"/>
+    </dgm:fillClrLst>
+    <dgm:linClrLst meth="repeat">
+      <a:schemeClr val="accent1">
+        <a:shade val="80000"/>
+      </a:schemeClr>
+    </dgm:linClrLst>
+    <dgm:effectClrLst/>
+    <dgm:txLinClrLst/>
+    <dgm:txFillClrLst meth="repeat">
+      <a:schemeClr val="tx1"/>
+    </dgm:txFillClrLst>
+    <dgm:txEffectClrLst/>
+  </dgm:styleLbl>
+  <dgm:styleLbl name="fgAcc1">
+    <dgm:fillClrLst meth="repeat">
+      <a:schemeClr val="lt1">
+        <a:alpha val="90000"/>
+      </a:schemeClr>
+    </dgm:fillClrLst>
+    <dgm:linClrLst meth="repeat">
+      <a:schemeClr val="accent1"/>
+    </dgm:linClrLst>
+    <dgm:effectClrLst/>
+    <dgm:txLinClrLst/>
+    <dgm:txFillClrLst meth="repeat">
+      <a:schemeClr val="dk1"/>
+    </dgm:txFillClrLst>
+    <dgm:txEffectClrLst/>
+  </dgm:styleLbl>
+  <dgm:styleLbl name="conFgAcc1">
+    <dgm:fillClrLst meth="repeat">
+      <a:schemeClr val="lt1">
+        <a:alpha val="90000"/>
+      </a:schemeClr>
+    </dgm:fillClrLst>
+    <dgm:linClrLst meth="repeat">
+      <a:schemeClr val="accent1"/>
+    </dgm:linClrLst>
+    <dgm:effectClrLst/>
+    <dgm:txLinClrLst/>
+    <dgm:txFillClrLst meth="repeat">
+      <a:schemeClr val="dk1"/>
+    </dgm:txFillClrLst>
+    <dgm:txEffectClrLst/>
+  </dgm:styleLbl>
+  <dgm:styleLbl name="alignAcc1">
+    <dgm:fillClrLst meth="repeat">
+      <a:schemeClr val="lt1">
+        <a:alpha val="90000"/>
+      </a:schemeClr>
+    </dgm:fillClrLst>
+    <dgm:linClrLst meth="repeat">
+      <a:schemeClr val="accent1"/>
+    </dgm:linClrLst>
+    <dgm:effectClrLst/>
+    <dgm:txLinClrLst/>
+    <dgm:txFillClrLst meth="repeat">
+      <a:schemeClr val="dk1"/>
+    </dgm:txFillClrLst>
+    <dgm:txEffectClrLst/>
+  </dgm:styleLbl>
+  <dgm:styleLbl name="trAlignAcc1">
+    <dgm:fillClrLst meth="repeat">
+      <a:schemeClr val="lt1">
+        <a:alpha val="40000"/>
+      </a:schemeClr>
+    </dgm:fillClrLst>
+    <dgm:linClrLst meth="repeat">
+      <a:schemeClr val="accent1"/>
+    </dgm:linClrLst>
+    <dgm:effectClrLst/>
+    <dgm:txLinClrLst/>
+    <dgm:txFillClrLst meth="repeat">
+      <a:schemeClr val="dk1"/>
+    </dgm:txFillClrLst>
+    <dgm:txEffectClrLst/>
+  </dgm:styleLbl>
+  <dgm:styleLbl name="bgAcc1">
+    <dgm:fillClrLst meth="repeat">
+      <a:schemeClr val="lt1">
+        <a:alpha val="90000"/>
+      </a:schemeClr>
+    </dgm:fillClrLst>
+    <dgm:linClrLst meth="repeat">
+      <a:schemeClr val="accent1"/>
+    </dgm:linClrLst>
+    <dgm:effectClrLst/>
+    <dgm:txLinClrLst/>
+    <dgm:txFillClrLst meth="repeat">
+      <a:schemeClr val="dk1"/>
+    </dgm:txFillClrLst>
+    <dgm:txEffectClrLst/>
+  </dgm:styleLbl>
+  <dgm:styleLbl name="solidFgAcc1">
+    <dgm:fillClrLst meth="repeat">
+      <a:schemeClr val="lt1"/>
+    </dgm:fillClrLst>
+    <dgm:linClrLst meth="repeat">
+      <a:schemeClr val="accent1"/>
+    </dgm:linClrLst>
+    <dgm:effectClrLst/>
+    <dgm:txLinClrLst/>
+    <dgm:txFillClrLst meth="repeat">
+      <a:schemeClr val="dk1"/>
+    </dgm:txFillClrLst>
+    <dgm:txEffectClrLst/>
+  </dgm:styleLbl>
+  <dgm:styleLbl name="solidAlignAcc1">
+    <dgm:fillClrLst meth="repeat">
+      <a:schemeClr val="lt1"/>
+    </dgm:fillClrLst>
+    <dgm:linClrLst meth="repeat">
+      <a:schemeClr val="accent1"/>
+    </dgm:linClrLst>
+    <dgm:effectClrLst/>
+    <dgm:txLinClrLst/>
+    <dgm:txFillClrLst meth="repeat">
+      <a:schemeClr val="dk1"/>
+    </dgm:txFillClrLst>
+    <dgm:txEffectClrLst/>
+  </dgm:styleLbl>
+  <dgm:styleLbl name="solidBgAcc1">
+    <dgm:fillClrLst meth="repeat">
+      <a:schemeClr val="lt1"/>
+    </dgm:fillClrLst>
+    <dgm:linClrLst meth="repeat">
+      <a:schemeClr val="accent1"/>
+    </dgm:linClrLst>
+    <dgm:effectClrLst/>
+    <dgm:txLinClrLst/>
+    <dgm:txFillClrLst meth="repeat">
+      <a:schemeClr val="dk1"/>
+    </dgm:txFillClrLst>
+    <dgm:txEffectClrLst/>
+  </dgm:styleLbl>
+  <dgm:styleLbl name="fgAccFollowNode1">
+    <dgm:fillClrLst meth="repeat">
+      <a:schemeClr val="accent1">
+        <a:alpha val="90000"/>
+        <a:tint val="40000"/>
+      </a:schemeClr>
+    </dgm:fillClrLst>
+    <dgm:linClrLst meth="repeat">
+      <a:schemeClr val="accent1">
+        <a:alpha val="90000"/>
+        <a:tint val="40000"/>
+      </a:schemeClr>
+    </dgm:linClrLst>
+    <dgm:effectClrLst/>
+    <dgm:txLinClrLst/>
+    <dgm:txFillClrLst meth="repeat">
+      <a:schemeClr val="dk1"/>
+    </dgm:txFillClrLst>
+    <dgm:txEffectClrLst/>
+  </dgm:styleLbl>
+  <dgm:styleLbl name="alignAccFollowNode1">
+    <dgm:fillClrLst meth="repeat">
+      <a:schemeClr val="accent1">
+        <a:alpha val="90000"/>
+        <a:tint val="40000"/>
+      </a:schemeClr>
+    </dgm:fillClrLst>
+    <dgm:linClrLst meth="repeat">
+      <a:schemeClr val="accent1">
+        <a:alpha val="90000"/>
+        <a:tint val="40000"/>
+      </a:schemeClr>
+    </dgm:linClrLst>
+    <dgm:effectClrLst/>
+    <dgm:txLinClrLst/>
+    <dgm:txFillClrLst meth="repeat">
+      <a:schemeClr val="dk1"/>
+    </dgm:txFillClrLst>
+    <dgm:txEffectClrLst/>
+  </dgm:styleLbl>
+  <dgm:styleLbl name="bgAccFollowNode1">
+    <dgm:fillClrLst meth="repeat">
+      <a:schemeClr val="accent1">
+        <a:alpha val="90000"/>
+        <a:tint val="40000"/>
+      </a:schemeClr>
+    </dgm:fillClrLst>
+    <dgm:linClrLst meth="repeat">
+      <a:schemeClr val="accent1">
+        <a:alpha val="90000"/>
+        <a:tint val="40000"/>
+      </a:schemeClr>
+    </dgm:linClrLst>
+    <dgm:effectClrLst/>
+    <dgm:txLinClrLst/>
+    <dgm:txFillClrLst meth="repeat">
+      <a:schemeClr val="dk1"/>
+    </dgm:txFillClrLst>
+    <dgm:txEffectClrLst/>
+  </dgm:styleLbl>
+  <dgm:styleLbl name="fgAcc0">
+    <dgm:fillClrLst meth="repeat">
+      <a:schemeClr val="lt1">
+        <a:alpha val="90000"/>
+      </a:schemeClr>
+    </dgm:fillClrLst>
+    <dgm:linClrLst meth="repeat">
+      <a:schemeClr val="accent1"/>
+    </dgm:linClrLst>
+    <dgm:effectClrLst/>
+    <dgm:txLinClrLst/>
+    <dgm:txFillClrLst meth="repeat">
+      <a:schemeClr val="dk1"/>
+    </dgm:txFillClrLst>
+    <dgm:txEffectClrLst/>
+  </dgm:styleLbl>
+  <dgm:styleLbl name="fgAcc2">
+    <dgm:fillClrLst meth="repeat">
+      <a:schemeClr val="lt1">
+        <a:alpha val="90000"/>
+      </a:schemeClr>
+    </dgm:fillClrLst>
+    <dgm:linClrLst meth="repeat">
+      <a:schemeClr val="accent1"/>
+    </dgm:linClrLst>
+    <dgm:effectClrLst/>
+    <dgm:txLinClrLst/>
+    <dgm:txFillClrLst meth="repeat">
+      <a:schemeClr val="dk1"/>
+    </dgm:txFillClrLst>
+    <dgm:txEffectClrLst/>
+  </dgm:styleLbl>
+  <dgm:styleLbl name="fgAcc3">
+    <dgm:fillClrLst meth="repeat">
+      <a:schemeClr val="lt1">
+        <a:alpha val="90000"/>
+      </a:schemeClr>
+    </dgm:fillClrLst>
+    <dgm:linClrLst meth="repeat">
+      <a:schemeClr val="accent1"/>
+    </dgm:linClrLst>
+    <dgm:effectClrLst/>
+    <dgm:txLinClrLst/>
+    <dgm:txFillClrLst meth="repeat">
+      <a:schemeClr val="dk1"/>
+    </dgm:txFillClrLst>
+    <dgm:txEffectClrLst/>
+  </dgm:styleLbl>
+  <dgm:styleLbl name="fgAcc4">
+    <dgm:fillClrLst meth="repeat">
+      <a:schemeClr val="lt1">
+        <a:alpha val="90000"/>
+      </a:schemeClr>
+    </dgm:fillClrLst>
+    <dgm:linClrLst meth="repeat">
+      <a:schemeClr val="accent1"/>
+    </dgm:linClrLst>
+    <dgm:effectClrLst/>
+    <dgm:txLinClrLst/>
+    <dgm:txFillClrLst meth="repeat">
+      <a:schemeClr val="dk1"/>
+    </dgm:txFillClrLst>
+    <dgm:txEffectClrLst/>
+  </dgm:styleLbl>
+  <dgm:styleLbl name="bgShp">
+    <dgm:fillClrLst meth="repeat">
+      <a:schemeClr val="accent1">
+        <a:tint val="40000"/>
+      </a:schemeClr>
+    </dgm:fillClrLst>
+    <dgm:linClrLst meth="repeat">
+      <a:schemeClr val="accent1"/>
+    </dgm:linClrLst>
+    <dgm:effectClrLst/>
+    <dgm:txLinClrLst/>
+    <dgm:txFillClrLst meth="repeat">
+      <a:schemeClr val="dk1"/>
+    </dgm:txFillClrLst>
+    <dgm:txEffectClrLst/>
+  </dgm:styleLbl>
+  <dgm:styleLbl name="dkBgShp">
+    <dgm:fillClrLst meth="repeat">
+      <a:schemeClr val="accent1">
+        <a:shade val="80000"/>
+      </a:schemeClr>
+    </dgm:fillClrLst>
+    <dgm:linClrLst meth="repeat">
+      <a:schemeClr val="accent1"/>
+    </dgm:linClrLst>
+    <dgm:effectClrLst/>
+    <dgm:txLinClrLst/>
+    <dgm:txFillClrLst meth="repeat">
+      <a:schemeClr val="lt1"/>
+    </dgm:txFillClrLst>
+    <dgm:txEffectClrLst/>
+  </dgm:styleLbl>
+  <dgm:styleLbl name="trBgShp">
+    <dgm:fillClrLst meth="repeat">
+      <a:schemeClr val="accent1">
+        <a:tint val="50000"/>
+        <a:alpha val="40000"/>
+      </a:schemeClr>
+    </dgm:fillClrLst>
+    <dgm:linClrLst meth="repeat">
+      <a:schemeClr val="accent1"/>
+    </dgm:linClrLst>
+    <dgm:effectClrLst/>
+    <dgm:txLinClrLst/>
+    <dgm:txFillClrLst meth="repeat">
+      <a:schemeClr val="lt1"/>
+    </dgm:txFillClrLst>
+    <dgm:txEffectClrLst/>
+  </dgm:styleLbl>
+  <dgm:styleLbl name="fgShp">
+    <dgm:fillClrLst meth="repeat">
+      <a:schemeClr val="accent1">
+        <a:tint val="60000"/>
+      </a:schemeClr>
+    </dgm:fillClrLst>
+    <dgm:linClrLst meth="repeat">
+      <a:schemeClr val="lt1"/>
+    </dgm:linClrLst>
+    <dgm:effectClrLst/>
+    <dgm:txLinClrLst/>
+    <dgm:txFillClrLst meth="repeat">
+      <a:schemeClr val="dk1"/>
+    </dgm:txFillClrLst>
+    <dgm:txEffectClrLst/>
+  </dgm:styleLbl>
+  <dgm:styleLbl name="revTx">
+    <dgm:fillClrLst meth="repeat">
+      <a:schemeClr val="lt1">
+        <a:alpha val="0"/>
+      </a:schemeClr>
+    </dgm:fillClrLst>
+    <dgm:linClrLst meth="repeat">
+      <a:schemeClr val="dk1">
+        <a:alpha val="0"/>
+      </a:schemeClr>
+    </dgm:linClrLst>
+    <dgm:effectClrLst/>
+    <dgm:txLinClrLst/>
+    <dgm:txFillClrLst meth="repeat">
+      <a:schemeClr val="tx1"/>
+    </dgm:txFillClrLst>
+    <dgm:txEffectClrLst/>
+  </dgm:styleLbl>
+</dgm:colorsDef>
+</file>
+
+<file path=ppt/diagrams/data1.xml><?xml version="1.0" encoding="utf-8"?>
+<dgm:dataModel xmlns:dgm="http://schemas.openxmlformats.org/drawingml/2006/diagram" xmlns:a="http://schemas.openxmlformats.org/drawingml/2006/main">
+  <dgm:ptLst>
+    <dgm:pt modelId="{A9548AB7-DECE-4049-BAD3-81C4161397C5}" type="doc">
+      <dgm:prSet loTypeId="urn:microsoft.com/office/officeart/2005/8/layout/process4" loCatId="process" qsTypeId="urn:microsoft.com/office/officeart/2005/8/quickstyle/simple1" qsCatId="simple" csTypeId="urn:microsoft.com/office/officeart/2005/8/colors/accent1_2" csCatId="accent1" phldr="1"/>
+      <dgm:spPr/>
+      <dgm:t>
+        <a:bodyPr/>
+        <a:lstStyle/>
+        <a:p>
+          <a:pPr latinLnBrk="1"/>
+          <a:endParaRPr lang="ko-KR" altLang="en-US"/>
+        </a:p>
+      </dgm:t>
+    </dgm:pt>
+    <dgm:pt modelId="{885399D3-BD96-4FA9-8AB7-2F33B1169E8D}">
+      <dgm:prSet phldrT="[텍스트]"/>
+      <dgm:spPr/>
+      <dgm:t>
+        <a:bodyPr/>
+        <a:lstStyle/>
+        <a:p>
+          <a:pPr latinLnBrk="1"/>
+          <a:r>
+            <a:rPr lang="ko-KR" altLang="en-US" dirty="0"/>
+            <a:t>매장의 </a:t>
+          </a:r>
+          <a:r>
+            <a:rPr lang="en-US" altLang="ko-KR" dirty="0"/>
+            <a:t>id</a:t>
+          </a:r>
+          <a:r>
+            <a:rPr lang="ko-KR" altLang="en-US" dirty="0"/>
+            <a:t>로 매장 내 각 층의 </a:t>
+          </a:r>
+          <a:r>
+            <a:rPr lang="en-US" altLang="ko-KR" dirty="0"/>
+            <a:t>id</a:t>
+          </a:r>
+          <a:r>
+            <a:rPr lang="ko-KR" altLang="en-US" dirty="0"/>
+            <a:t>값과 실제 층 조회</a:t>
+          </a:r>
+        </a:p>
+      </dgm:t>
+    </dgm:pt>
+    <dgm:pt modelId="{A301A99A-0B15-44DA-96C8-A9CB5B477E80}" type="parTrans" cxnId="{16C74D48-4279-4C12-AC5F-A9DB13EF31A4}">
+      <dgm:prSet/>
+      <dgm:spPr/>
+      <dgm:t>
+        <a:bodyPr/>
+        <a:lstStyle/>
+        <a:p>
+          <a:pPr latinLnBrk="1"/>
+          <a:endParaRPr lang="ko-KR" altLang="en-US"/>
+        </a:p>
+      </dgm:t>
+    </dgm:pt>
+    <dgm:pt modelId="{DB5116D9-2BEA-4447-B381-9231AB851037}" type="sibTrans" cxnId="{16C74D48-4279-4C12-AC5F-A9DB13EF31A4}">
+      <dgm:prSet/>
+      <dgm:spPr/>
+      <dgm:t>
+        <a:bodyPr/>
+        <a:lstStyle/>
+        <a:p>
+          <a:pPr latinLnBrk="1"/>
+          <a:endParaRPr lang="ko-KR" altLang="en-US"/>
+        </a:p>
+      </dgm:t>
+    </dgm:pt>
+    <dgm:pt modelId="{4D1D41BD-C03B-4AF0-B384-C67A0B169D72}">
+      <dgm:prSet phldrT="[텍스트]"/>
+      <dgm:spPr/>
+      <dgm:t>
+        <a:bodyPr/>
+        <a:lstStyle/>
+        <a:p>
+          <a:pPr latinLnBrk="1"/>
+          <a:r>
+            <a:rPr lang="en-US" altLang="ko-KR" dirty="0"/>
+            <a:t>SELECT </a:t>
+          </a:r>
+          <a:r>
+            <a:rPr lang="en-US" altLang="ko-KR" dirty="0" err="1"/>
+            <a:t>idfloor</a:t>
+          </a:r>
+          <a:r>
+            <a:rPr lang="en-US" altLang="ko-KR" dirty="0"/>
+            <a:t>, number FROM floor WHERE </a:t>
+          </a:r>
+          <a:r>
+            <a:rPr lang="en-US" altLang="ko-KR" dirty="0" err="1"/>
+            <a:t>mall_idmall</a:t>
+          </a:r>
+          <a:r>
+            <a:rPr lang="en-US" altLang="ko-KR" dirty="0"/>
+            <a:t> = ?</a:t>
+          </a:r>
+          <a:endParaRPr lang="ko-KR" altLang="en-US" dirty="0"/>
+        </a:p>
+      </dgm:t>
+    </dgm:pt>
+    <dgm:pt modelId="{76176CF0-4E7B-440D-88FD-65682E4D18F0}" type="parTrans" cxnId="{B8D24E40-3E0F-4990-B859-9DB2522953C7}">
+      <dgm:prSet/>
+      <dgm:spPr/>
+      <dgm:t>
+        <a:bodyPr/>
+        <a:lstStyle/>
+        <a:p>
+          <a:pPr latinLnBrk="1"/>
+          <a:endParaRPr lang="ko-KR" altLang="en-US"/>
+        </a:p>
+      </dgm:t>
+    </dgm:pt>
+    <dgm:pt modelId="{F3E31726-AD9F-46C6-B3A0-CF1BEBEC326A}" type="sibTrans" cxnId="{B8D24E40-3E0F-4990-B859-9DB2522953C7}">
+      <dgm:prSet/>
+      <dgm:spPr/>
+      <dgm:t>
+        <a:bodyPr/>
+        <a:lstStyle/>
+        <a:p>
+          <a:pPr latinLnBrk="1"/>
+          <a:endParaRPr lang="ko-KR" altLang="en-US"/>
+        </a:p>
+      </dgm:t>
+    </dgm:pt>
+    <dgm:pt modelId="{DD412E64-E3E9-4F8A-BC45-A3E966FD79B7}">
+      <dgm:prSet phldrT="[텍스트]"/>
+      <dgm:spPr>
+        <a:solidFill>
+          <a:schemeClr val="accent2"/>
+        </a:solidFill>
+      </dgm:spPr>
+      <dgm:t>
+        <a:bodyPr/>
+        <a:lstStyle/>
+        <a:p>
+          <a:pPr latinLnBrk="1"/>
+          <a:r>
+            <a:rPr lang="ko-KR" altLang="en-US" dirty="0"/>
+            <a:t>각 층에 있는 가판대의 이름과 </a:t>
+          </a:r>
+          <a:r>
+            <a:rPr lang="en-US" altLang="ko-KR" dirty="0"/>
+            <a:t>id</a:t>
+          </a:r>
+          <a:r>
+            <a:rPr lang="ko-KR" altLang="en-US" dirty="0"/>
+            <a:t>조회</a:t>
+          </a:r>
+        </a:p>
+      </dgm:t>
+    </dgm:pt>
+    <dgm:pt modelId="{8FFA691D-7F6F-4E6F-AAAE-18C4457DE0C2}" type="parTrans" cxnId="{DC8C7D24-7884-48E6-9A1A-4B7D008AFF97}">
+      <dgm:prSet/>
+      <dgm:spPr/>
+      <dgm:t>
+        <a:bodyPr/>
+        <a:lstStyle/>
+        <a:p>
+          <a:pPr latinLnBrk="1"/>
+          <a:endParaRPr lang="ko-KR" altLang="en-US"/>
+        </a:p>
+      </dgm:t>
+    </dgm:pt>
+    <dgm:pt modelId="{41BFA890-269A-4CA9-89B5-C8BBDADA1AB6}" type="sibTrans" cxnId="{DC8C7D24-7884-48E6-9A1A-4B7D008AFF97}">
+      <dgm:prSet/>
+      <dgm:spPr/>
+      <dgm:t>
+        <a:bodyPr/>
+        <a:lstStyle/>
+        <a:p>
+          <a:pPr latinLnBrk="1"/>
+          <a:endParaRPr lang="ko-KR" altLang="en-US"/>
+        </a:p>
+      </dgm:t>
+    </dgm:pt>
+    <dgm:pt modelId="{DDE14795-3327-4193-969A-646549B12B6E}">
+      <dgm:prSet phldrT="[텍스트]"/>
+      <dgm:spPr/>
+      <dgm:t>
+        <a:bodyPr/>
+        <a:lstStyle/>
+        <a:p>
+          <a:pPr latinLnBrk="1"/>
+          <a:r>
+            <a:rPr lang="en-US" altLang="ko-KR" dirty="0"/>
+            <a:t>SELECT </a:t>
+          </a:r>
+          <a:r>
+            <a:rPr lang="en-US" altLang="ko-KR" dirty="0" err="1"/>
+            <a:t>idcategory</a:t>
+          </a:r>
+          <a:r>
+            <a:rPr lang="en-US" altLang="ko-KR" dirty="0"/>
+            <a:t>, name FROM category WHERE </a:t>
+          </a:r>
+          <a:r>
+            <a:rPr lang="en-US" altLang="ko-KR" dirty="0" err="1"/>
+            <a:t>floor_idfloor</a:t>
+          </a:r>
+          <a:r>
+            <a:rPr lang="en-US" altLang="ko-KR" dirty="0"/>
+            <a:t> = ?</a:t>
+          </a:r>
+          <a:endParaRPr lang="ko-KR" altLang="en-US" dirty="0"/>
+        </a:p>
+      </dgm:t>
+    </dgm:pt>
+    <dgm:pt modelId="{EF8B91CD-BF2D-4314-9AFE-9CCF6AC09A21}" type="parTrans" cxnId="{03556B03-C89F-4B42-B423-0DE05243111C}">
+      <dgm:prSet/>
+      <dgm:spPr/>
+      <dgm:t>
+        <a:bodyPr/>
+        <a:lstStyle/>
+        <a:p>
+          <a:pPr latinLnBrk="1"/>
+          <a:endParaRPr lang="ko-KR" altLang="en-US"/>
+        </a:p>
+      </dgm:t>
+    </dgm:pt>
+    <dgm:pt modelId="{332D2569-F603-40E0-9C0C-DB9C3DC706C1}" type="sibTrans" cxnId="{03556B03-C89F-4B42-B423-0DE05243111C}">
+      <dgm:prSet/>
+      <dgm:spPr/>
+      <dgm:t>
+        <a:bodyPr/>
+        <a:lstStyle/>
+        <a:p>
+          <a:pPr latinLnBrk="1"/>
+          <a:endParaRPr lang="ko-KR" altLang="en-US"/>
+        </a:p>
+      </dgm:t>
+    </dgm:pt>
+    <dgm:pt modelId="{527190A4-AF26-47EB-8F8A-F815ECEF33E7}">
+      <dgm:prSet phldrT="[텍스트]"/>
+      <dgm:spPr>
+        <a:solidFill>
+          <a:schemeClr val="tx1"/>
+        </a:solidFill>
+      </dgm:spPr>
+      <dgm:t>
+        <a:bodyPr/>
+        <a:lstStyle/>
+        <a:p>
+          <a:pPr latinLnBrk="1"/>
+          <a:r>
+            <a:rPr lang="ko-KR" altLang="en-US" dirty="0"/>
+            <a:t>아이템 저장</a:t>
+          </a:r>
+        </a:p>
+      </dgm:t>
+    </dgm:pt>
+    <dgm:pt modelId="{F19C8598-5BA2-495C-8AB4-76F9FA04D67A}" type="parTrans" cxnId="{3D5AC7E8-620F-48E4-B901-769753579627}">
+      <dgm:prSet/>
+      <dgm:spPr/>
+      <dgm:t>
+        <a:bodyPr/>
+        <a:lstStyle/>
+        <a:p>
+          <a:pPr latinLnBrk="1"/>
+          <a:endParaRPr lang="ko-KR" altLang="en-US"/>
+        </a:p>
+      </dgm:t>
+    </dgm:pt>
+    <dgm:pt modelId="{EC27AD5E-AD88-47A6-9F1B-97B7995DD7D6}" type="sibTrans" cxnId="{3D5AC7E8-620F-48E4-B901-769753579627}">
+      <dgm:prSet/>
+      <dgm:spPr/>
+      <dgm:t>
+        <a:bodyPr/>
+        <a:lstStyle/>
+        <a:p>
+          <a:pPr latinLnBrk="1"/>
+          <a:endParaRPr lang="ko-KR" altLang="en-US"/>
+        </a:p>
+      </dgm:t>
+    </dgm:pt>
+    <dgm:pt modelId="{DD861A8D-2657-4F0B-A477-0AFC6CF4BF6B}">
+      <dgm:prSet phldrT="[텍스트]"/>
+      <dgm:spPr/>
+      <dgm:t>
+        <a:bodyPr/>
+        <a:lstStyle/>
+        <a:p>
+          <a:pPr latinLnBrk="1"/>
+          <a:r>
+            <a:rPr lang="ko-KR" altLang="en-US" dirty="0"/>
+            <a:t>가판대</a:t>
+          </a:r>
+          <a:r>
+            <a:rPr lang="en-US" altLang="ko-KR" dirty="0"/>
+            <a:t>(category)</a:t>
+          </a:r>
+          <a:r>
+            <a:rPr lang="ko-KR" altLang="en-US" dirty="0"/>
+            <a:t>테이블에 </a:t>
+          </a:r>
+          <a:r>
+            <a:rPr lang="ko-KR" altLang="en-US" dirty="0" err="1"/>
+            <a:t>저장시</a:t>
+          </a:r>
+          <a:r>
+            <a:rPr lang="ko-KR" altLang="en-US" dirty="0"/>
+            <a:t> 조회된 </a:t>
+          </a:r>
+          <a:r>
+            <a:rPr lang="en-US" altLang="ko-KR" dirty="0" err="1"/>
+            <a:t>idfloor</a:t>
+          </a:r>
+          <a:r>
+            <a:rPr lang="ko-KR" altLang="en-US" dirty="0"/>
+            <a:t>값을 </a:t>
+          </a:r>
+          <a:r>
+            <a:rPr lang="ko-KR" altLang="en-US" dirty="0" err="1"/>
+            <a:t>외래키</a:t>
+          </a:r>
+          <a:r>
+            <a:rPr lang="ko-KR" altLang="en-US" dirty="0"/>
+            <a:t> </a:t>
+          </a:r>
+          <a:r>
+            <a:rPr lang="en-US" altLang="ko-KR" dirty="0" err="1"/>
+            <a:t>floor_idfloor</a:t>
+          </a:r>
+          <a:r>
+            <a:rPr lang="ko-KR" altLang="en-US" dirty="0"/>
+            <a:t>에 저장</a:t>
+          </a:r>
+        </a:p>
+      </dgm:t>
+    </dgm:pt>
+    <dgm:pt modelId="{2BDC1423-A5E6-44B1-8618-A8C8A259BBCF}" type="parTrans" cxnId="{8A8B72E2-4FFA-4D0D-A25A-D92E3E7BBFEF}">
+      <dgm:prSet/>
+      <dgm:spPr/>
+      <dgm:t>
+        <a:bodyPr/>
+        <a:lstStyle/>
+        <a:p>
+          <a:pPr latinLnBrk="1"/>
+          <a:endParaRPr lang="ko-KR" altLang="en-US"/>
+        </a:p>
+      </dgm:t>
+    </dgm:pt>
+    <dgm:pt modelId="{1DA4577C-BBD7-4C57-A1B7-2D689D2C6F9C}" type="sibTrans" cxnId="{8A8B72E2-4FFA-4D0D-A25A-D92E3E7BBFEF}">
+      <dgm:prSet/>
+      <dgm:spPr/>
+      <dgm:t>
+        <a:bodyPr/>
+        <a:lstStyle/>
+        <a:p>
+          <a:pPr latinLnBrk="1"/>
+          <a:endParaRPr lang="ko-KR" altLang="en-US"/>
+        </a:p>
+      </dgm:t>
+    </dgm:pt>
+    <dgm:pt modelId="{F41A13BF-444F-45AA-A4B0-2E2CE3465FD6}" type="pres">
+      <dgm:prSet presAssocID="{A9548AB7-DECE-4049-BAD3-81C4161397C5}" presName="Name0" presStyleCnt="0">
+        <dgm:presLayoutVars>
+          <dgm:dir/>
+          <dgm:animLvl val="lvl"/>
+          <dgm:resizeHandles val="exact"/>
+        </dgm:presLayoutVars>
+      </dgm:prSet>
+      <dgm:spPr/>
+    </dgm:pt>
+    <dgm:pt modelId="{16D09C1D-C2E0-4547-81CA-6B8613D3B200}" type="pres">
+      <dgm:prSet presAssocID="{527190A4-AF26-47EB-8F8A-F815ECEF33E7}" presName="boxAndChildren" presStyleCnt="0"/>
+      <dgm:spPr/>
+    </dgm:pt>
+    <dgm:pt modelId="{C523D7A0-9D98-42F3-A456-B4CE77FB1791}" type="pres">
+      <dgm:prSet presAssocID="{527190A4-AF26-47EB-8F8A-F815ECEF33E7}" presName="parentTextBox" presStyleLbl="node1" presStyleIdx="0" presStyleCnt="4"/>
+      <dgm:spPr/>
+    </dgm:pt>
+    <dgm:pt modelId="{1225A3D3-65BE-427F-882C-360191A73922}" type="pres">
+      <dgm:prSet presAssocID="{41BFA890-269A-4CA9-89B5-C8BBDADA1AB6}" presName="sp" presStyleCnt="0"/>
+      <dgm:spPr/>
+    </dgm:pt>
+    <dgm:pt modelId="{012377F8-7F36-435D-BE2F-5C7F44B32D87}" type="pres">
+      <dgm:prSet presAssocID="{DD412E64-E3E9-4F8A-BC45-A3E966FD79B7}" presName="arrowAndChildren" presStyleCnt="0"/>
+      <dgm:spPr/>
+    </dgm:pt>
+    <dgm:pt modelId="{9FE9C93A-2411-4E33-BDBC-CC917CA45F8B}" type="pres">
+      <dgm:prSet presAssocID="{DD412E64-E3E9-4F8A-BC45-A3E966FD79B7}" presName="parentTextArrow" presStyleLbl="node1" presStyleIdx="0" presStyleCnt="4"/>
+      <dgm:spPr/>
+    </dgm:pt>
+    <dgm:pt modelId="{64027FD9-B069-4A2F-B70C-C7A9938AD369}" type="pres">
+      <dgm:prSet presAssocID="{DD412E64-E3E9-4F8A-BC45-A3E966FD79B7}" presName="arrow" presStyleLbl="node1" presStyleIdx="1" presStyleCnt="4"/>
+      <dgm:spPr/>
+    </dgm:pt>
+    <dgm:pt modelId="{D079B6C9-917B-4A4E-97B9-67CE85B2012A}" type="pres">
+      <dgm:prSet presAssocID="{DD412E64-E3E9-4F8A-BC45-A3E966FD79B7}" presName="descendantArrow" presStyleCnt="0"/>
+      <dgm:spPr/>
+    </dgm:pt>
+    <dgm:pt modelId="{69803413-7195-41CF-96EC-146D510AC9E4}" type="pres">
+      <dgm:prSet presAssocID="{DDE14795-3327-4193-969A-646549B12B6E}" presName="childTextArrow" presStyleLbl="fgAccFollowNode1" presStyleIdx="0" presStyleCnt="2">
+        <dgm:presLayoutVars>
+          <dgm:bulletEnabled val="1"/>
+        </dgm:presLayoutVars>
+      </dgm:prSet>
+      <dgm:spPr/>
+    </dgm:pt>
+    <dgm:pt modelId="{FBCC1455-43B1-44D9-BB4A-8637B8AA546C}" type="pres">
+      <dgm:prSet presAssocID="{1DA4577C-BBD7-4C57-A1B7-2D689D2C6F9C}" presName="sp" presStyleCnt="0"/>
+      <dgm:spPr/>
+    </dgm:pt>
+    <dgm:pt modelId="{FBA465FD-3350-4332-A73B-CB5CE9CFFFA6}" type="pres">
+      <dgm:prSet presAssocID="{DD861A8D-2657-4F0B-A477-0AFC6CF4BF6B}" presName="arrowAndChildren" presStyleCnt="0"/>
+      <dgm:spPr/>
+    </dgm:pt>
+    <dgm:pt modelId="{1FA70417-EEEB-4E21-B457-75E934201BAD}" type="pres">
+      <dgm:prSet presAssocID="{DD861A8D-2657-4F0B-A477-0AFC6CF4BF6B}" presName="parentTextArrow" presStyleLbl="node1" presStyleIdx="2" presStyleCnt="4"/>
+      <dgm:spPr/>
+    </dgm:pt>
+    <dgm:pt modelId="{7BFCCCD7-FB85-44B9-AF3C-A3E79FE0ABB0}" type="pres">
+      <dgm:prSet presAssocID="{DB5116D9-2BEA-4447-B381-9231AB851037}" presName="sp" presStyleCnt="0"/>
+      <dgm:spPr/>
+    </dgm:pt>
+    <dgm:pt modelId="{2CECECD4-8EFC-4F75-8DCB-8A409421A065}" type="pres">
+      <dgm:prSet presAssocID="{885399D3-BD96-4FA9-8AB7-2F33B1169E8D}" presName="arrowAndChildren" presStyleCnt="0"/>
+      <dgm:spPr/>
+    </dgm:pt>
+    <dgm:pt modelId="{FBEE60F8-52DB-41F5-9ACA-AE0E5211EAB4}" type="pres">
+      <dgm:prSet presAssocID="{885399D3-BD96-4FA9-8AB7-2F33B1169E8D}" presName="parentTextArrow" presStyleLbl="node1" presStyleIdx="2" presStyleCnt="4"/>
+      <dgm:spPr/>
+    </dgm:pt>
+    <dgm:pt modelId="{53F334CD-BBE8-4001-BDA5-44B5D89C7CAE}" type="pres">
+      <dgm:prSet presAssocID="{885399D3-BD96-4FA9-8AB7-2F33B1169E8D}" presName="arrow" presStyleLbl="node1" presStyleIdx="3" presStyleCnt="4"/>
+      <dgm:spPr/>
+    </dgm:pt>
+    <dgm:pt modelId="{46CC2B77-1AD7-4661-97B4-239A5B13B01D}" type="pres">
+      <dgm:prSet presAssocID="{885399D3-BD96-4FA9-8AB7-2F33B1169E8D}" presName="descendantArrow" presStyleCnt="0"/>
+      <dgm:spPr/>
+    </dgm:pt>
+    <dgm:pt modelId="{0118495C-2A42-4545-BABE-807501C24591}" type="pres">
+      <dgm:prSet presAssocID="{4D1D41BD-C03B-4AF0-B384-C67A0B169D72}" presName="childTextArrow" presStyleLbl="fgAccFollowNode1" presStyleIdx="1" presStyleCnt="2">
+        <dgm:presLayoutVars>
+          <dgm:bulletEnabled val="1"/>
+        </dgm:presLayoutVars>
+      </dgm:prSet>
+      <dgm:spPr/>
+    </dgm:pt>
+  </dgm:ptLst>
+  <dgm:cxnLst>
+    <dgm:cxn modelId="{03556B03-C89F-4B42-B423-0DE05243111C}" srcId="{DD412E64-E3E9-4F8A-BC45-A3E966FD79B7}" destId="{DDE14795-3327-4193-969A-646549B12B6E}" srcOrd="0" destOrd="0" parTransId="{EF8B91CD-BF2D-4314-9AFE-9CCF6AC09A21}" sibTransId="{332D2569-F603-40E0-9C0C-DB9C3DC706C1}"/>
+    <dgm:cxn modelId="{502C8C0E-341E-4751-BEC1-D4392265074F}" type="presOf" srcId="{DD861A8D-2657-4F0B-A477-0AFC6CF4BF6B}" destId="{1FA70417-EEEB-4E21-B457-75E934201BAD}" srcOrd="0" destOrd="0" presId="urn:microsoft.com/office/officeart/2005/8/layout/process4"/>
+    <dgm:cxn modelId="{9DF38F1E-5100-4ABA-8E8D-357DEB7AAAF7}" type="presOf" srcId="{DD412E64-E3E9-4F8A-BC45-A3E966FD79B7}" destId="{9FE9C93A-2411-4E33-BDBC-CC917CA45F8B}" srcOrd="0" destOrd="0" presId="urn:microsoft.com/office/officeart/2005/8/layout/process4"/>
+    <dgm:cxn modelId="{A27B831F-63DF-4A0A-A76F-2A158B831210}" type="presOf" srcId="{4D1D41BD-C03B-4AF0-B384-C67A0B169D72}" destId="{0118495C-2A42-4545-BABE-807501C24591}" srcOrd="0" destOrd="0" presId="urn:microsoft.com/office/officeart/2005/8/layout/process4"/>
+    <dgm:cxn modelId="{DC8C7D24-7884-48E6-9A1A-4B7D008AFF97}" srcId="{A9548AB7-DECE-4049-BAD3-81C4161397C5}" destId="{DD412E64-E3E9-4F8A-BC45-A3E966FD79B7}" srcOrd="2" destOrd="0" parTransId="{8FFA691D-7F6F-4E6F-AAAE-18C4457DE0C2}" sibTransId="{41BFA890-269A-4CA9-89B5-C8BBDADA1AB6}"/>
+    <dgm:cxn modelId="{B8D24E40-3E0F-4990-B859-9DB2522953C7}" srcId="{885399D3-BD96-4FA9-8AB7-2F33B1169E8D}" destId="{4D1D41BD-C03B-4AF0-B384-C67A0B169D72}" srcOrd="0" destOrd="0" parTransId="{76176CF0-4E7B-440D-88FD-65682E4D18F0}" sibTransId="{F3E31726-AD9F-46C6-B3A0-CF1BEBEC326A}"/>
+    <dgm:cxn modelId="{68590E60-2A73-408A-9C86-5D7C4CBA92E3}" type="presOf" srcId="{DDE14795-3327-4193-969A-646549B12B6E}" destId="{69803413-7195-41CF-96EC-146D510AC9E4}" srcOrd="0" destOrd="0" presId="urn:microsoft.com/office/officeart/2005/8/layout/process4"/>
+    <dgm:cxn modelId="{16C74D48-4279-4C12-AC5F-A9DB13EF31A4}" srcId="{A9548AB7-DECE-4049-BAD3-81C4161397C5}" destId="{885399D3-BD96-4FA9-8AB7-2F33B1169E8D}" srcOrd="0" destOrd="0" parTransId="{A301A99A-0B15-44DA-96C8-A9CB5B477E80}" sibTransId="{DB5116D9-2BEA-4447-B381-9231AB851037}"/>
+    <dgm:cxn modelId="{345E7F73-52BC-4124-82D5-4E68FC25EF4C}" type="presOf" srcId="{DD412E64-E3E9-4F8A-BC45-A3E966FD79B7}" destId="{64027FD9-B069-4A2F-B70C-C7A9938AD369}" srcOrd="1" destOrd="0" presId="urn:microsoft.com/office/officeart/2005/8/layout/process4"/>
+    <dgm:cxn modelId="{712F9B90-127A-4241-B607-6D9EAC1142CA}" type="presOf" srcId="{527190A4-AF26-47EB-8F8A-F815ECEF33E7}" destId="{C523D7A0-9D98-42F3-A456-B4CE77FB1791}" srcOrd="0" destOrd="0" presId="urn:microsoft.com/office/officeart/2005/8/layout/process4"/>
+    <dgm:cxn modelId="{AF802596-AD59-4609-960A-F4F823482323}" type="presOf" srcId="{885399D3-BD96-4FA9-8AB7-2F33B1169E8D}" destId="{FBEE60F8-52DB-41F5-9ACA-AE0E5211EAB4}" srcOrd="0" destOrd="0" presId="urn:microsoft.com/office/officeart/2005/8/layout/process4"/>
+    <dgm:cxn modelId="{40EC43BA-0435-43EA-8E3E-9925F2C0A658}" type="presOf" srcId="{A9548AB7-DECE-4049-BAD3-81C4161397C5}" destId="{F41A13BF-444F-45AA-A4B0-2E2CE3465FD6}" srcOrd="0" destOrd="0" presId="urn:microsoft.com/office/officeart/2005/8/layout/process4"/>
+    <dgm:cxn modelId="{045643DB-AE2E-4EDB-8826-C6C0FBBCB3AC}" type="presOf" srcId="{885399D3-BD96-4FA9-8AB7-2F33B1169E8D}" destId="{53F334CD-BBE8-4001-BDA5-44B5D89C7CAE}" srcOrd="1" destOrd="0" presId="urn:microsoft.com/office/officeart/2005/8/layout/process4"/>
+    <dgm:cxn modelId="{8A8B72E2-4FFA-4D0D-A25A-D92E3E7BBFEF}" srcId="{A9548AB7-DECE-4049-BAD3-81C4161397C5}" destId="{DD861A8D-2657-4F0B-A477-0AFC6CF4BF6B}" srcOrd="1" destOrd="0" parTransId="{2BDC1423-A5E6-44B1-8618-A8C8A259BBCF}" sibTransId="{1DA4577C-BBD7-4C57-A1B7-2D689D2C6F9C}"/>
+    <dgm:cxn modelId="{3D5AC7E8-620F-48E4-B901-769753579627}" srcId="{A9548AB7-DECE-4049-BAD3-81C4161397C5}" destId="{527190A4-AF26-47EB-8F8A-F815ECEF33E7}" srcOrd="3" destOrd="0" parTransId="{F19C8598-5BA2-495C-8AB4-76F9FA04D67A}" sibTransId="{EC27AD5E-AD88-47A6-9F1B-97B7995DD7D6}"/>
+    <dgm:cxn modelId="{B278D8B2-B807-4D87-97FB-16AA72AC8263}" type="presParOf" srcId="{F41A13BF-444F-45AA-A4B0-2E2CE3465FD6}" destId="{16D09C1D-C2E0-4547-81CA-6B8613D3B200}" srcOrd="0" destOrd="0" presId="urn:microsoft.com/office/officeart/2005/8/layout/process4"/>
+    <dgm:cxn modelId="{CCF63DA6-61F1-4E76-8A04-3A48F4901989}" type="presParOf" srcId="{16D09C1D-C2E0-4547-81CA-6B8613D3B200}" destId="{C523D7A0-9D98-42F3-A456-B4CE77FB1791}" srcOrd="0" destOrd="0" presId="urn:microsoft.com/office/officeart/2005/8/layout/process4"/>
+    <dgm:cxn modelId="{BFD5E758-C312-4378-9BD4-636432901316}" type="presParOf" srcId="{F41A13BF-444F-45AA-A4B0-2E2CE3465FD6}" destId="{1225A3D3-65BE-427F-882C-360191A73922}" srcOrd="1" destOrd="0" presId="urn:microsoft.com/office/officeart/2005/8/layout/process4"/>
+    <dgm:cxn modelId="{C73ED5B9-7A66-42E9-BA19-81E5317E11E8}" type="presParOf" srcId="{F41A13BF-444F-45AA-A4B0-2E2CE3465FD6}" destId="{012377F8-7F36-435D-BE2F-5C7F44B32D87}" srcOrd="2" destOrd="0" presId="urn:microsoft.com/office/officeart/2005/8/layout/process4"/>
+    <dgm:cxn modelId="{BDD3F20B-EBB4-44CA-AFE8-5FA6F4CC6BF9}" type="presParOf" srcId="{012377F8-7F36-435D-BE2F-5C7F44B32D87}" destId="{9FE9C93A-2411-4E33-BDBC-CC917CA45F8B}" srcOrd="0" destOrd="0" presId="urn:microsoft.com/office/officeart/2005/8/layout/process4"/>
+    <dgm:cxn modelId="{70825E17-DFE0-4360-A6CA-DC6F43A9032F}" type="presParOf" srcId="{012377F8-7F36-435D-BE2F-5C7F44B32D87}" destId="{64027FD9-B069-4A2F-B70C-C7A9938AD369}" srcOrd="1" destOrd="0" presId="urn:microsoft.com/office/officeart/2005/8/layout/process4"/>
+    <dgm:cxn modelId="{431753C7-B373-44D2-B842-96AB4AF0F666}" type="presParOf" srcId="{012377F8-7F36-435D-BE2F-5C7F44B32D87}" destId="{D079B6C9-917B-4A4E-97B9-67CE85B2012A}" srcOrd="2" destOrd="0" presId="urn:microsoft.com/office/officeart/2005/8/layout/process4"/>
+    <dgm:cxn modelId="{7A60A848-AE4D-4E1E-8B00-6D324B960F1D}" type="presParOf" srcId="{D079B6C9-917B-4A4E-97B9-67CE85B2012A}" destId="{69803413-7195-41CF-96EC-146D510AC9E4}" srcOrd="0" destOrd="0" presId="urn:microsoft.com/office/officeart/2005/8/layout/process4"/>
+    <dgm:cxn modelId="{857F2EEB-EA7E-4B7B-85BA-A9D390793F9E}" type="presParOf" srcId="{F41A13BF-444F-45AA-A4B0-2E2CE3465FD6}" destId="{FBCC1455-43B1-44D9-BB4A-8637B8AA546C}" srcOrd="3" destOrd="0" presId="urn:microsoft.com/office/officeart/2005/8/layout/process4"/>
+    <dgm:cxn modelId="{9AA5A073-283A-4221-A49D-F5D8BEA30058}" type="presParOf" srcId="{F41A13BF-444F-45AA-A4B0-2E2CE3465FD6}" destId="{FBA465FD-3350-4332-A73B-CB5CE9CFFFA6}" srcOrd="4" destOrd="0" presId="urn:microsoft.com/office/officeart/2005/8/layout/process4"/>
+    <dgm:cxn modelId="{3F4203A0-8A23-4988-8AA1-82F6E3ED635F}" type="presParOf" srcId="{FBA465FD-3350-4332-A73B-CB5CE9CFFFA6}" destId="{1FA70417-EEEB-4E21-B457-75E934201BAD}" srcOrd="0" destOrd="0" presId="urn:microsoft.com/office/officeart/2005/8/layout/process4"/>
+    <dgm:cxn modelId="{08D61887-34BB-4162-9F5A-C184DC96A5B4}" type="presParOf" srcId="{F41A13BF-444F-45AA-A4B0-2E2CE3465FD6}" destId="{7BFCCCD7-FB85-44B9-AF3C-A3E79FE0ABB0}" srcOrd="5" destOrd="0" presId="urn:microsoft.com/office/officeart/2005/8/layout/process4"/>
+    <dgm:cxn modelId="{CE025610-ED40-49E7-883F-B994DB5844F6}" type="presParOf" srcId="{F41A13BF-444F-45AA-A4B0-2E2CE3465FD6}" destId="{2CECECD4-8EFC-4F75-8DCB-8A409421A065}" srcOrd="6" destOrd="0" presId="urn:microsoft.com/office/officeart/2005/8/layout/process4"/>
+    <dgm:cxn modelId="{CC324C97-EA9A-413B-91A7-979B1857C34C}" type="presParOf" srcId="{2CECECD4-8EFC-4F75-8DCB-8A409421A065}" destId="{FBEE60F8-52DB-41F5-9ACA-AE0E5211EAB4}" srcOrd="0" destOrd="0" presId="urn:microsoft.com/office/officeart/2005/8/layout/process4"/>
+    <dgm:cxn modelId="{4725D59D-37DD-442F-A180-C54091BDCA39}" type="presParOf" srcId="{2CECECD4-8EFC-4F75-8DCB-8A409421A065}" destId="{53F334CD-BBE8-4001-BDA5-44B5D89C7CAE}" srcOrd="1" destOrd="0" presId="urn:microsoft.com/office/officeart/2005/8/layout/process4"/>
+    <dgm:cxn modelId="{CACB5E70-D675-47D1-9714-8F625089CAFC}" type="presParOf" srcId="{2CECECD4-8EFC-4F75-8DCB-8A409421A065}" destId="{46CC2B77-1AD7-4661-97B4-239A5B13B01D}" srcOrd="2" destOrd="0" presId="urn:microsoft.com/office/officeart/2005/8/layout/process4"/>
+    <dgm:cxn modelId="{C0E3FD14-87EA-4FB2-851F-3DDBCC845BFD}" type="presParOf" srcId="{46CC2B77-1AD7-4661-97B4-239A5B13B01D}" destId="{0118495C-2A42-4545-BABE-807501C24591}" srcOrd="0" destOrd="0" presId="urn:microsoft.com/office/officeart/2005/8/layout/process4"/>
+  </dgm:cxnLst>
+  <dgm:bg/>
+  <dgm:whole/>
+  <dgm:extLst>
+    <a:ext uri="http://schemas.microsoft.com/office/drawing/2008/diagram">
+      <dsp:dataModelExt xmlns:dsp="http://schemas.microsoft.com/office/drawing/2008/diagram" relId="rId7" minVer="http://schemas.openxmlformats.org/drawingml/2006/diagram"/>
+    </a:ext>
+  </dgm:extLst>
+</dgm:dataModel>
+</file>
+
+<file path=ppt/diagrams/drawing1.xml><?xml version="1.0" encoding="utf-8"?>
+<dsp:drawing xmlns:dgm="http://schemas.openxmlformats.org/drawingml/2006/diagram" xmlns:dsp="http://schemas.microsoft.com/office/drawing/2008/diagram" xmlns:a="http://schemas.openxmlformats.org/drawingml/2006/main">
+  <dsp:spTree>
+    <dsp:nvGrpSpPr>
+      <dsp:cNvPr id="0" name=""/>
+      <dsp:cNvGrpSpPr/>
+    </dsp:nvGrpSpPr>
+    <dsp:grpSpPr/>
+    <dsp:sp modelId="{C523D7A0-9D98-42F3-A456-B4CE77FB1791}">
+      <dsp:nvSpPr>
+        <dsp:cNvPr id="0" name=""/>
+        <dsp:cNvSpPr/>
+      </dsp:nvSpPr>
+      <dsp:spPr>
+        <a:xfrm>
+          <a:off x="0" y="4162531"/>
+          <a:ext cx="4223026" cy="910660"/>
+        </a:xfrm>
+        <a:prstGeom prst="rect">
+          <a:avLst/>
+        </a:prstGeom>
+        <a:solidFill>
+          <a:schemeClr val="tx1"/>
+        </a:solidFill>
+        <a:ln w="19050" cap="rnd" cmpd="sng" algn="ctr">
+          <a:solidFill>
+            <a:schemeClr val="lt1">
+              <a:hueOff val="0"/>
+              <a:satOff val="0"/>
+              <a:lumOff val="0"/>
+              <a:alphaOff val="0"/>
+            </a:schemeClr>
+          </a:solidFill>
+          <a:prstDash val="solid"/>
+        </a:ln>
+        <a:effectLst/>
+      </dsp:spPr>
+      <dsp:style>
+        <a:lnRef idx="2">
+          <a:scrgbClr r="0" g="0" b="0"/>
+        </a:lnRef>
+        <a:fillRef idx="1">
+          <a:scrgbClr r="0" g="0" b="0"/>
+        </a:fillRef>
+        <a:effectRef idx="0">
+          <a:scrgbClr r="0" g="0" b="0"/>
+        </a:effectRef>
+        <a:fontRef idx="minor">
+          <a:schemeClr val="lt1"/>
+        </a:fontRef>
+      </dsp:style>
+      <dsp:txBody>
+        <a:bodyPr spcFirstLastPara="0" vert="horz" wrap="square" lIns="99568" tIns="99568" rIns="99568" bIns="99568" numCol="1" spcCol="1270" anchor="ctr" anchorCtr="0">
+          <a:noAutofit/>
+        </a:bodyPr>
+        <a:lstStyle/>
+        <a:p>
+          <a:pPr marL="0" lvl="0" indent="0" algn="ctr" defTabSz="622300" latinLnBrk="1">
+            <a:lnSpc>
+              <a:spcPct val="90000"/>
+            </a:lnSpc>
+            <a:spcBef>
+              <a:spcPct val="0"/>
+            </a:spcBef>
+            <a:spcAft>
+              <a:spcPct val="35000"/>
+            </a:spcAft>
+            <a:buNone/>
+          </a:pPr>
+          <a:r>
+            <a:rPr lang="ko-KR" altLang="en-US" sz="1400" kern="1200" dirty="0"/>
+            <a:t>아이템 저장</a:t>
+          </a:r>
+        </a:p>
+      </dsp:txBody>
+      <dsp:txXfrm>
+        <a:off x="0" y="4162531"/>
+        <a:ext cx="4223026" cy="910660"/>
+      </dsp:txXfrm>
+    </dsp:sp>
+    <dsp:sp modelId="{64027FD9-B069-4A2F-B70C-C7A9938AD369}">
+      <dsp:nvSpPr>
+        <dsp:cNvPr id="0" name=""/>
+        <dsp:cNvSpPr/>
+      </dsp:nvSpPr>
+      <dsp:spPr>
+        <a:xfrm rot="10800000">
+          <a:off x="0" y="2775596"/>
+          <a:ext cx="4223026" cy="1400595"/>
+        </a:xfrm>
+        <a:prstGeom prst="upArrowCallout">
+          <a:avLst/>
+        </a:prstGeom>
+        <a:solidFill>
+          <a:schemeClr val="accent2"/>
+        </a:solidFill>
+        <a:ln w="19050" cap="rnd" cmpd="sng" algn="ctr">
+          <a:solidFill>
+            <a:schemeClr val="lt1">
+              <a:hueOff val="0"/>
+              <a:satOff val="0"/>
+              <a:lumOff val="0"/>
+              <a:alphaOff val="0"/>
+            </a:schemeClr>
+          </a:solidFill>
+          <a:prstDash val="solid"/>
+        </a:ln>
+        <a:effectLst/>
+      </dsp:spPr>
+      <dsp:style>
+        <a:lnRef idx="2">
+          <a:scrgbClr r="0" g="0" b="0"/>
+        </a:lnRef>
+        <a:fillRef idx="1">
+          <a:scrgbClr r="0" g="0" b="0"/>
+        </a:fillRef>
+        <a:effectRef idx="0">
+          <a:scrgbClr r="0" g="0" b="0"/>
+        </a:effectRef>
+        <a:fontRef idx="minor">
+          <a:schemeClr val="lt1"/>
+        </a:fontRef>
+      </dsp:style>
+      <dsp:txBody>
+        <a:bodyPr spcFirstLastPara="0" vert="horz" wrap="square" lIns="99568" tIns="99568" rIns="99568" bIns="99568" numCol="1" spcCol="1270" anchor="ctr" anchorCtr="0">
+          <a:noAutofit/>
+        </a:bodyPr>
+        <a:lstStyle/>
+        <a:p>
+          <a:pPr marL="0" lvl="0" indent="0" algn="ctr" defTabSz="622300" latinLnBrk="1">
+            <a:lnSpc>
+              <a:spcPct val="90000"/>
+            </a:lnSpc>
+            <a:spcBef>
+              <a:spcPct val="0"/>
+            </a:spcBef>
+            <a:spcAft>
+              <a:spcPct val="35000"/>
+            </a:spcAft>
+            <a:buNone/>
+          </a:pPr>
+          <a:r>
+            <a:rPr lang="ko-KR" altLang="en-US" sz="1400" kern="1200" dirty="0"/>
+            <a:t>각 층에 있는 가판대의 이름과 </a:t>
+          </a:r>
+          <a:r>
+            <a:rPr lang="en-US" altLang="ko-KR" sz="1400" kern="1200" dirty="0"/>
+            <a:t>id</a:t>
+          </a:r>
+          <a:r>
+            <a:rPr lang="ko-KR" altLang="en-US" sz="1400" kern="1200" dirty="0"/>
+            <a:t>조회</a:t>
+          </a:r>
+        </a:p>
+      </dsp:txBody>
+      <dsp:txXfrm rot="-10800000">
+        <a:off x="0" y="2775596"/>
+        <a:ext cx="4223026" cy="491608"/>
+      </dsp:txXfrm>
+    </dsp:sp>
+    <dsp:sp modelId="{69803413-7195-41CF-96EC-146D510AC9E4}">
+      <dsp:nvSpPr>
+        <dsp:cNvPr id="0" name=""/>
+        <dsp:cNvSpPr/>
+      </dsp:nvSpPr>
+      <dsp:spPr>
+        <a:xfrm>
+          <a:off x="0" y="3267205"/>
+          <a:ext cx="4223026" cy="418778"/>
+        </a:xfrm>
+        <a:prstGeom prst="rect">
+          <a:avLst/>
+        </a:prstGeom>
+        <a:solidFill>
+          <a:schemeClr val="accent1">
+            <a:alpha val="90000"/>
+            <a:tint val="40000"/>
+            <a:hueOff val="0"/>
+            <a:satOff val="0"/>
+            <a:lumOff val="0"/>
+            <a:alphaOff val="0"/>
+          </a:schemeClr>
+        </a:solidFill>
+        <a:ln w="19050" cap="rnd" cmpd="sng" algn="ctr">
+          <a:solidFill>
+            <a:schemeClr val="accent1">
+              <a:alpha val="90000"/>
+              <a:tint val="40000"/>
+              <a:hueOff val="0"/>
+              <a:satOff val="0"/>
+              <a:lumOff val="0"/>
+              <a:alphaOff val="0"/>
+            </a:schemeClr>
+          </a:solidFill>
+          <a:prstDash val="solid"/>
+        </a:ln>
+        <a:effectLst/>
+      </dsp:spPr>
+      <dsp:style>
+        <a:lnRef idx="2">
+          <a:scrgbClr r="0" g="0" b="0"/>
+        </a:lnRef>
+        <a:fillRef idx="1">
+          <a:scrgbClr r="0" g="0" b="0"/>
+        </a:fillRef>
+        <a:effectRef idx="0">
+          <a:scrgbClr r="0" g="0" b="0"/>
+        </a:effectRef>
+        <a:fontRef idx="minor"/>
+      </dsp:style>
+      <dsp:txBody>
+        <a:bodyPr spcFirstLastPara="0" vert="horz" wrap="square" lIns="92456" tIns="16510" rIns="92456" bIns="16510" numCol="1" spcCol="1270" anchor="ctr" anchorCtr="0">
+          <a:noAutofit/>
+        </a:bodyPr>
+        <a:lstStyle/>
+        <a:p>
+          <a:pPr marL="0" lvl="0" indent="0" algn="ctr" defTabSz="577850" latinLnBrk="1">
+            <a:lnSpc>
+              <a:spcPct val="90000"/>
+            </a:lnSpc>
+            <a:spcBef>
+              <a:spcPct val="0"/>
+            </a:spcBef>
+            <a:spcAft>
+              <a:spcPct val="35000"/>
+            </a:spcAft>
+            <a:buNone/>
+          </a:pPr>
+          <a:r>
+            <a:rPr lang="en-US" altLang="ko-KR" sz="1300" kern="1200" dirty="0"/>
+            <a:t>SELECT </a:t>
+          </a:r>
+          <a:r>
+            <a:rPr lang="en-US" altLang="ko-KR" sz="1300" kern="1200" dirty="0" err="1"/>
+            <a:t>idcategory</a:t>
+          </a:r>
+          <a:r>
+            <a:rPr lang="en-US" altLang="ko-KR" sz="1300" kern="1200" dirty="0"/>
+            <a:t>, name FROM category WHERE </a:t>
+          </a:r>
+          <a:r>
+            <a:rPr lang="en-US" altLang="ko-KR" sz="1300" kern="1200" dirty="0" err="1"/>
+            <a:t>floor_idfloor</a:t>
+          </a:r>
+          <a:r>
+            <a:rPr lang="en-US" altLang="ko-KR" sz="1300" kern="1200" dirty="0"/>
+            <a:t> = ?</a:t>
+          </a:r>
+          <a:endParaRPr lang="ko-KR" altLang="en-US" sz="1300" kern="1200" dirty="0"/>
+        </a:p>
+      </dsp:txBody>
+      <dsp:txXfrm>
+        <a:off x="0" y="3267205"/>
+        <a:ext cx="4223026" cy="418778"/>
+      </dsp:txXfrm>
+    </dsp:sp>
+    <dsp:sp modelId="{1FA70417-EEEB-4E21-B457-75E934201BAD}">
+      <dsp:nvSpPr>
+        <dsp:cNvPr id="0" name=""/>
+        <dsp:cNvSpPr/>
+      </dsp:nvSpPr>
+      <dsp:spPr>
+        <a:xfrm rot="10800000">
+          <a:off x="0" y="1388660"/>
+          <a:ext cx="4223026" cy="1400595"/>
+        </a:xfrm>
+        <a:prstGeom prst="upArrowCallout">
+          <a:avLst/>
+        </a:prstGeom>
+        <a:solidFill>
+          <a:schemeClr val="accent1">
+            <a:hueOff val="0"/>
+            <a:satOff val="0"/>
+            <a:lumOff val="0"/>
+            <a:alphaOff val="0"/>
+          </a:schemeClr>
+        </a:solidFill>
+        <a:ln w="19050" cap="rnd" cmpd="sng" algn="ctr">
+          <a:solidFill>
+            <a:schemeClr val="lt1">
+              <a:hueOff val="0"/>
+              <a:satOff val="0"/>
+              <a:lumOff val="0"/>
+              <a:alphaOff val="0"/>
+            </a:schemeClr>
+          </a:solidFill>
+          <a:prstDash val="solid"/>
+        </a:ln>
+        <a:effectLst/>
+      </dsp:spPr>
+      <dsp:style>
+        <a:lnRef idx="2">
+          <a:scrgbClr r="0" g="0" b="0"/>
+        </a:lnRef>
+        <a:fillRef idx="1">
+          <a:scrgbClr r="0" g="0" b="0"/>
+        </a:fillRef>
+        <a:effectRef idx="0">
+          <a:scrgbClr r="0" g="0" b="0"/>
+        </a:effectRef>
+        <a:fontRef idx="minor">
+          <a:schemeClr val="lt1"/>
+        </a:fontRef>
+      </dsp:style>
+      <dsp:txBody>
+        <a:bodyPr spcFirstLastPara="0" vert="horz" wrap="square" lIns="99568" tIns="99568" rIns="99568" bIns="99568" numCol="1" spcCol="1270" anchor="ctr" anchorCtr="0">
+          <a:noAutofit/>
+        </a:bodyPr>
+        <a:lstStyle/>
+        <a:p>
+          <a:pPr marL="0" lvl="0" indent="0" algn="ctr" defTabSz="622300" latinLnBrk="1">
+            <a:lnSpc>
+              <a:spcPct val="90000"/>
+            </a:lnSpc>
+            <a:spcBef>
+              <a:spcPct val="0"/>
+            </a:spcBef>
+            <a:spcAft>
+              <a:spcPct val="35000"/>
+            </a:spcAft>
+            <a:buNone/>
+          </a:pPr>
+          <a:r>
+            <a:rPr lang="ko-KR" altLang="en-US" sz="1400" kern="1200" dirty="0"/>
+            <a:t>가판대</a:t>
+          </a:r>
+          <a:r>
+            <a:rPr lang="en-US" altLang="ko-KR" sz="1400" kern="1200" dirty="0"/>
+            <a:t>(category)</a:t>
+          </a:r>
+          <a:r>
+            <a:rPr lang="ko-KR" altLang="en-US" sz="1400" kern="1200" dirty="0"/>
+            <a:t>테이블에 </a:t>
+          </a:r>
+          <a:r>
+            <a:rPr lang="ko-KR" altLang="en-US" sz="1400" kern="1200" dirty="0" err="1"/>
+            <a:t>저장시</a:t>
+          </a:r>
+          <a:r>
+            <a:rPr lang="ko-KR" altLang="en-US" sz="1400" kern="1200" dirty="0"/>
+            <a:t> 조회된 </a:t>
+          </a:r>
+          <a:r>
+            <a:rPr lang="en-US" altLang="ko-KR" sz="1400" kern="1200" dirty="0" err="1"/>
+            <a:t>idfloor</a:t>
+          </a:r>
+          <a:r>
+            <a:rPr lang="ko-KR" altLang="en-US" sz="1400" kern="1200" dirty="0"/>
+            <a:t>값을 </a:t>
+          </a:r>
+          <a:r>
+            <a:rPr lang="ko-KR" altLang="en-US" sz="1400" kern="1200" dirty="0" err="1"/>
+            <a:t>외래키</a:t>
+          </a:r>
+          <a:r>
+            <a:rPr lang="ko-KR" altLang="en-US" sz="1400" kern="1200" dirty="0"/>
+            <a:t> </a:t>
+          </a:r>
+          <a:r>
+            <a:rPr lang="en-US" altLang="ko-KR" sz="1400" kern="1200" dirty="0" err="1"/>
+            <a:t>floor_idfloor</a:t>
+          </a:r>
+          <a:r>
+            <a:rPr lang="ko-KR" altLang="en-US" sz="1400" kern="1200" dirty="0"/>
+            <a:t>에 저장</a:t>
+          </a:r>
+        </a:p>
+      </dsp:txBody>
+      <dsp:txXfrm rot="10800000">
+        <a:off x="0" y="1388660"/>
+        <a:ext cx="4223026" cy="910065"/>
+      </dsp:txXfrm>
+    </dsp:sp>
+    <dsp:sp modelId="{53F334CD-BBE8-4001-BDA5-44B5D89C7CAE}">
+      <dsp:nvSpPr>
+        <dsp:cNvPr id="0" name=""/>
+        <dsp:cNvSpPr/>
+      </dsp:nvSpPr>
+      <dsp:spPr>
+        <a:xfrm rot="10800000">
+          <a:off x="0" y="1725"/>
+          <a:ext cx="4223026" cy="1400595"/>
+        </a:xfrm>
+        <a:prstGeom prst="upArrowCallout">
+          <a:avLst/>
+        </a:prstGeom>
+        <a:solidFill>
+          <a:schemeClr val="accent1">
+            <a:hueOff val="0"/>
+            <a:satOff val="0"/>
+            <a:lumOff val="0"/>
+            <a:alphaOff val="0"/>
+          </a:schemeClr>
+        </a:solidFill>
+        <a:ln w="19050" cap="rnd" cmpd="sng" algn="ctr">
+          <a:solidFill>
+            <a:schemeClr val="lt1">
+              <a:hueOff val="0"/>
+              <a:satOff val="0"/>
+              <a:lumOff val="0"/>
+              <a:alphaOff val="0"/>
+            </a:schemeClr>
+          </a:solidFill>
+          <a:prstDash val="solid"/>
+        </a:ln>
+        <a:effectLst/>
+      </dsp:spPr>
+      <dsp:style>
+        <a:lnRef idx="2">
+          <a:scrgbClr r="0" g="0" b="0"/>
+        </a:lnRef>
+        <a:fillRef idx="1">
+          <a:scrgbClr r="0" g="0" b="0"/>
+        </a:fillRef>
+        <a:effectRef idx="0">
+          <a:scrgbClr r="0" g="0" b="0"/>
+        </a:effectRef>
+        <a:fontRef idx="minor">
+          <a:schemeClr val="lt1"/>
+        </a:fontRef>
+      </dsp:style>
+      <dsp:txBody>
+        <a:bodyPr spcFirstLastPara="0" vert="horz" wrap="square" lIns="99568" tIns="99568" rIns="99568" bIns="99568" numCol="1" spcCol="1270" anchor="ctr" anchorCtr="0">
+          <a:noAutofit/>
+        </a:bodyPr>
+        <a:lstStyle/>
+        <a:p>
+          <a:pPr marL="0" lvl="0" indent="0" algn="ctr" defTabSz="622300" latinLnBrk="1">
+            <a:lnSpc>
+              <a:spcPct val="90000"/>
+            </a:lnSpc>
+            <a:spcBef>
+              <a:spcPct val="0"/>
+            </a:spcBef>
+            <a:spcAft>
+              <a:spcPct val="35000"/>
+            </a:spcAft>
+            <a:buNone/>
+          </a:pPr>
+          <a:r>
+            <a:rPr lang="ko-KR" altLang="en-US" sz="1400" kern="1200" dirty="0"/>
+            <a:t>매장의 </a:t>
+          </a:r>
+          <a:r>
+            <a:rPr lang="en-US" altLang="ko-KR" sz="1400" kern="1200" dirty="0"/>
+            <a:t>id</a:t>
+          </a:r>
+          <a:r>
+            <a:rPr lang="ko-KR" altLang="en-US" sz="1400" kern="1200" dirty="0"/>
+            <a:t>로 매장 내 각 층의 </a:t>
+          </a:r>
+          <a:r>
+            <a:rPr lang="en-US" altLang="ko-KR" sz="1400" kern="1200" dirty="0"/>
+            <a:t>id</a:t>
+          </a:r>
+          <a:r>
+            <a:rPr lang="ko-KR" altLang="en-US" sz="1400" kern="1200" dirty="0"/>
+            <a:t>값과 실제 층 조회</a:t>
+          </a:r>
+        </a:p>
+      </dsp:txBody>
+      <dsp:txXfrm rot="-10800000">
+        <a:off x="0" y="1725"/>
+        <a:ext cx="4223026" cy="491608"/>
+      </dsp:txXfrm>
+    </dsp:sp>
+    <dsp:sp modelId="{0118495C-2A42-4545-BABE-807501C24591}">
+      <dsp:nvSpPr>
+        <dsp:cNvPr id="0" name=""/>
+        <dsp:cNvSpPr/>
+      </dsp:nvSpPr>
+      <dsp:spPr>
+        <a:xfrm>
+          <a:off x="0" y="493334"/>
+          <a:ext cx="4223026" cy="418778"/>
+        </a:xfrm>
+        <a:prstGeom prst="rect">
+          <a:avLst/>
+        </a:prstGeom>
+        <a:solidFill>
+          <a:schemeClr val="accent1">
+            <a:alpha val="90000"/>
+            <a:tint val="40000"/>
+            <a:hueOff val="0"/>
+            <a:satOff val="0"/>
+            <a:lumOff val="0"/>
+            <a:alphaOff val="0"/>
+          </a:schemeClr>
+        </a:solidFill>
+        <a:ln w="19050" cap="rnd" cmpd="sng" algn="ctr">
+          <a:solidFill>
+            <a:schemeClr val="accent1">
+              <a:alpha val="90000"/>
+              <a:tint val="40000"/>
+              <a:hueOff val="0"/>
+              <a:satOff val="0"/>
+              <a:lumOff val="0"/>
+              <a:alphaOff val="0"/>
+            </a:schemeClr>
+          </a:solidFill>
+          <a:prstDash val="solid"/>
+        </a:ln>
+        <a:effectLst/>
+      </dsp:spPr>
+      <dsp:style>
+        <a:lnRef idx="2">
+          <a:scrgbClr r="0" g="0" b="0"/>
+        </a:lnRef>
+        <a:fillRef idx="1">
+          <a:scrgbClr r="0" g="0" b="0"/>
+        </a:fillRef>
+        <a:effectRef idx="0">
+          <a:scrgbClr r="0" g="0" b="0"/>
+        </a:effectRef>
+        <a:fontRef idx="minor"/>
+      </dsp:style>
+      <dsp:txBody>
+        <a:bodyPr spcFirstLastPara="0" vert="horz" wrap="square" lIns="92456" tIns="16510" rIns="92456" bIns="16510" numCol="1" spcCol="1270" anchor="ctr" anchorCtr="0">
+          <a:noAutofit/>
+        </a:bodyPr>
+        <a:lstStyle/>
+        <a:p>
+          <a:pPr marL="0" lvl="0" indent="0" algn="ctr" defTabSz="577850" latinLnBrk="1">
+            <a:lnSpc>
+              <a:spcPct val="90000"/>
+            </a:lnSpc>
+            <a:spcBef>
+              <a:spcPct val="0"/>
+            </a:spcBef>
+            <a:spcAft>
+              <a:spcPct val="35000"/>
+            </a:spcAft>
+            <a:buNone/>
+          </a:pPr>
+          <a:r>
+            <a:rPr lang="en-US" altLang="ko-KR" sz="1300" kern="1200" dirty="0"/>
+            <a:t>SELECT </a:t>
+          </a:r>
+          <a:r>
+            <a:rPr lang="en-US" altLang="ko-KR" sz="1300" kern="1200" dirty="0" err="1"/>
+            <a:t>idfloor</a:t>
+          </a:r>
+          <a:r>
+            <a:rPr lang="en-US" altLang="ko-KR" sz="1300" kern="1200" dirty="0"/>
+            <a:t>, number FROM floor WHERE </a:t>
+          </a:r>
+          <a:r>
+            <a:rPr lang="en-US" altLang="ko-KR" sz="1300" kern="1200" dirty="0" err="1"/>
+            <a:t>mall_idmall</a:t>
+          </a:r>
+          <a:r>
+            <a:rPr lang="en-US" altLang="ko-KR" sz="1300" kern="1200" dirty="0"/>
+            <a:t> = ?</a:t>
+          </a:r>
+          <a:endParaRPr lang="ko-KR" altLang="en-US" sz="1300" kern="1200" dirty="0"/>
+        </a:p>
+      </dsp:txBody>
+      <dsp:txXfrm>
+        <a:off x="0" y="493334"/>
+        <a:ext cx="4223026" cy="418778"/>
+      </dsp:txXfrm>
+    </dsp:sp>
+  </dsp:spTree>
+</dsp:drawing>
+</file>
+
+<file path=ppt/diagrams/layout1.xml><?xml version="1.0" encoding="utf-8"?>
+<dgm:layoutDef xmlns:dgm="http://schemas.openxmlformats.org/drawingml/2006/diagram" xmlns:a="http://schemas.openxmlformats.org/drawingml/2006/main" uniqueId="urn:microsoft.com/office/officeart/2005/8/layout/process4">
+  <dgm:title val=""/>
+  <dgm:desc val=""/>
+  <dgm:catLst>
+    <dgm:cat type="process" pri="16000"/>
+    <dgm:cat type="list" pri="20000"/>
+  </dgm:catLst>
+  <dgm:sampData>
+    <dgm:dataModel>
+      <dgm:ptLst>
+        <dgm:pt modelId="0" type="doc"/>
+        <dgm:pt modelId="1">
+          <dgm:prSet phldr="1"/>
+        </dgm:pt>
+        <dgm:pt modelId="11">
+          <dgm:prSet phldr="1"/>
+        </dgm:pt>
+        <dgm:pt modelId="12">
+          <dgm:prSet phldr="1"/>
+        </dgm:pt>
+        <dgm:pt modelId="2">
+          <dgm:prSet phldr="1"/>
+        </dgm:pt>
+        <dgm:pt modelId="21">
+          <dgm:prSet phldr="1"/>
+        </dgm:pt>
+        <dgm:pt modelId="22">
+          <dgm:prSet phldr="1"/>
+        </dgm:pt>
+        <dgm:pt modelId="3">
+          <dgm:prSet phldr="1"/>
+        </dgm:pt>
+        <dgm:pt modelId="31">
+          <dgm:prSet phldr="1"/>
+        </dgm:pt>
+        <dgm:pt modelId="32">
+          <dgm:prSet phldr="1"/>
+        </dgm:pt>
+      </dgm:ptLst>
+      <dgm:cxnLst>
+        <dgm:cxn modelId="4" srcId="0" destId="1" srcOrd="0" destOrd="0"/>
+        <dgm:cxn modelId="5" srcId="0" destId="2" srcOrd="1" destOrd="0"/>
+        <dgm:cxn modelId="6" srcId="0" destId="3" srcOrd="2" destOrd="0"/>
+        <dgm:cxn modelId="13" srcId="1" destId="11" srcOrd="0" destOrd="0"/>
+        <dgm:cxn modelId="14" srcId="1" destId="12" srcOrd="1" destOrd="0"/>
+        <dgm:cxn modelId="23" srcId="2" destId="21" srcOrd="0" destOrd="0"/>
+        <dgm:cxn modelId="24" srcId="2" destId="22" srcOrd="1" destOrd="0"/>
+        <dgm:cxn modelId="33" srcId="3" destId="31" srcOrd="0" destOrd="0"/>
+        <dgm:cxn modelId="34" srcId="3" destId="32" srcOrd="1" destOrd="0"/>
+      </dgm:cxnLst>
+      <dgm:bg/>
+      <dgm:whole/>
+    </dgm:dataModel>
+  </dgm:sampData>
+  <dgm:styleData>
+    <dgm:dataModel>
+      <dgm:ptLst>
+        <dgm:pt modelId="0" type="doc"/>
+        <dgm:pt modelId="1"/>
+        <dgm:pt modelId="11"/>
+        <dgm:pt modelId="2"/>
+        <dgm:pt modelId="21"/>
+      </dgm:ptLst>
+      <dgm:cxnLst>
+        <dgm:cxn modelId="4" srcId="0" destId="1" srcOrd="0" destOrd="0"/>
+        <dgm:cxn modelId="5" srcId="0" destId="2" srcOrd="1" destOrd="0"/>
+        <dgm:cxn modelId="13" srcId="1" destId="11" srcOrd="0" destOrd="0"/>
+        <dgm:cxn modelId="23" srcId="2" destId="21" srcOrd="0" destOrd="0"/>
+      </dgm:cxnLst>
+      <dgm:bg/>
+      <dgm:whole/>
+    </dgm:dataModel>
+  </dgm:styleData>
+  <dgm:clrData>
+    <dgm:dataModel>
+      <dgm:ptLst>
+        <dgm:pt modelId="0" type="doc"/>
+        <dgm:pt modelId="1"/>
+        <dgm:pt modelId="11"/>
+        <dgm:pt modelId="2"/>
+        <dgm:pt modelId="21"/>
+        <dgm:pt modelId="3"/>
+        <dgm:pt modelId="31"/>
+        <dgm:pt modelId="4"/>
+        <dgm:pt modelId="41"/>
+      </dgm:ptLst>
+      <dgm:cxnLst>
+        <dgm:cxn modelId="5" srcId="0" destId="1" srcOrd="0" destOrd="0"/>
+        <dgm:cxn modelId="6" srcId="0" destId="2" srcOrd="1" destOrd="0"/>
+        <dgm:cxn modelId="7" srcId="0" destId="3" srcOrd="2" destOrd="0"/>
+        <dgm:cxn modelId="8" srcId="0" destId="4" srcOrd="3" destOrd="0"/>
+        <dgm:cxn modelId="13" srcId="1" destId="11" srcOrd="0" destOrd="0"/>
+        <dgm:cxn modelId="23" srcId="2" destId="21" srcOrd="0" destOrd="0"/>
+        <dgm:cxn modelId="33" srcId="3" destId="31" srcOrd="0" destOrd="0"/>
+        <dgm:cxn modelId="43" srcId="4" destId="41" srcOrd="0" destOrd="0"/>
+      </dgm:cxnLst>
+      <dgm:bg/>
+      <dgm:whole/>
+    </dgm:dataModel>
+  </dgm:clrData>
+  <dgm:layoutNode name="Name0">
+    <dgm:varLst>
+      <dgm:dir/>
+      <dgm:animLvl val="lvl"/>
+      <dgm:resizeHandles val="exact"/>
+    </dgm:varLst>
+    <dgm:alg type="lin">
+      <dgm:param type="linDir" val="fromB"/>
+    </dgm:alg>
+    <dgm:shape xmlns:r="http://schemas.openxmlformats.org/officeDocument/2006/relationships" r:blip="">
+      <dgm:adjLst/>
+    </dgm:shape>
+    <dgm:presOf/>
+    <dgm:constrLst>
+      <dgm:constr type="h" for="ch" forName="boxAndChildren" refType="h"/>
+      <dgm:constr type="h" for="ch" forName="arrowAndChildren" refType="h" refFor="ch" refForName="boxAndChildren" op="equ" fact="1.538"/>
+      <dgm:constr type="w" for="ch" forName="arrowAndChildren" refType="w"/>
+      <dgm:constr type="w" for="ch" forName="boxAndChildren" refType="w"/>
+      <dgm:constr type="h" for="ch" forName="sp" refType="h" fact="-0.015"/>
+      <dgm:constr type="primFontSz" for="des" forName="parentTextBox" val="65"/>
+      <dgm:constr type="primFontSz" for="des" forName="parentTextArrow" refType="primFontSz" refFor="des" refForName="parentTextBox" op="equ"/>
+      <dgm:constr type="primFontSz" for="des" forName="childTextArrow" val="65"/>
+      <dgm:constr type="primFontSz" for="des" forName="childTextBox" refType="primFontSz" refFor="des" refForName="childTextArrow" op="equ"/>
+    </dgm:constrLst>
+    <dgm:ruleLst/>
+    <dgm:forEach name="Name1" axis="ch" ptType="node" st="-1" step="-1">
+      <dgm:choose name="Name2">
+        <dgm:if name="Name3" axis="self" ptType="node" func="revPos" op="equ" val="1">
+          <dgm:layoutNode name="boxAndChildren">
+            <dgm:alg type="composite"/>
+            <dgm:shape xmlns:r="http://schemas.openxmlformats.org/officeDocument/2006/relationships" r:blip="">
+              <dgm:adjLst/>
+            </dgm:shape>
+            <dgm:presOf/>
+            <dgm:choose name="Name4">
+              <dgm:if name="Name5" axis="ch" ptType="node" func="cnt" op="gte" val="1">
+                <dgm:constrLst>
+                  <dgm:constr type="w" for="ch" forName="parentTextBox" refType="w"/>
+                  <dgm:constr type="h" for="ch" forName="parentTextBox" refType="h" fact="0.54"/>
+                  <dgm:constr type="t" for="ch" forName="parentTextBox"/>
+                  <dgm:constr type="w" for="ch" forName="entireBox" refType="w"/>
+                  <dgm:constr type="h" for="ch" forName="entireBox" refType="h"/>
+                  <dgm:constr type="w" for="ch" forName="descendantBox" refType="w"/>
+                  <dgm:constr type="b" for="ch" forName="descendantBox" refType="h" fact="0.98"/>
+                  <dgm:constr type="h" for="ch" forName="descendantBox" refType="h" fact="0.46"/>
+                </dgm:constrLst>
+              </dgm:if>
+              <dgm:else name="Name6">
+                <dgm:constrLst>
+                  <dgm:constr type="w" for="ch" forName="parentTextBox" refType="w"/>
+                  <dgm:constr type="h" for="ch" forName="parentTextBox" refType="h"/>
+                </dgm:constrLst>
+              </dgm:else>
+            </dgm:choose>
+            <dgm:ruleLst/>
+            <dgm:layoutNode name="parentTextBox">
+              <dgm:alg type="tx"/>
+              <dgm:choose name="Name7">
+                <dgm:if name="Name8" axis="ch" ptType="node" func="cnt" op="gte" val="1">
+                  <dgm:shape xmlns:r="http://schemas.openxmlformats.org/officeDocument/2006/relationships" type="rect" r:blip="" zOrderOff="1" hideGeom="1">
+                    <dgm:adjLst/>
+                  </dgm:shape>
+                </dgm:if>
+                <dgm:else name="Name9">
+                  <dgm:shape xmlns:r="http://schemas.openxmlformats.org/officeDocument/2006/relationships" type="rect" r:blip="">
+                    <dgm:adjLst/>
+                  </dgm:shape>
+                </dgm:else>
+              </dgm:choose>
+              <dgm:presOf axis="self"/>
+              <dgm:constrLst/>
+              <dgm:ruleLst>
+                <dgm:rule type="primFontSz" val="5" fact="NaN" max="NaN"/>
+              </dgm:ruleLst>
+            </dgm:layoutNode>
+            <dgm:choose name="Name10">
+              <dgm:if name="Name11" axis="ch" ptType="node" func="cnt" op="gte" val="1">
+                <dgm:layoutNode name="entireBox">
+                  <dgm:alg type="sp"/>
+                  <dgm:shape xmlns:r="http://schemas.openxmlformats.org/officeDocument/2006/relationships" type="rect" r:blip="">
+                    <dgm:adjLst/>
+                  </dgm:shape>
+                  <dgm:presOf axis="self"/>
+                  <dgm:constrLst/>
+                  <dgm:ruleLst/>
+                </dgm:layoutNode>
+                <dgm:layoutNode name="descendantBox" styleLbl="fgAccFollowNode1">
+                  <dgm:choose name="Name12">
+                    <dgm:if name="Name13" func="var" arg="dir" op="equ" val="norm">
+                      <dgm:alg type="lin"/>
+                    </dgm:if>
+                    <dgm:else name="Name14">
+                      <dgm:alg type="lin">
+                        <dgm:param type="linDir" val="fromR"/>
+                      </dgm:alg>
+                    </dgm:else>
+                  </dgm:choose>
+                  <dgm:shape xmlns:r="http://schemas.openxmlformats.org/officeDocument/2006/relationships" r:blip="">
+                    <dgm:adjLst/>
+                  </dgm:shape>
+                  <dgm:presOf/>
+                  <dgm:constrLst>
+                    <dgm:constr type="w" for="ch" forName="childTextBox" refType="w"/>
+                    <dgm:constr type="h" for="ch" forName="childTextBox" refType="h"/>
+                  </dgm:constrLst>
+                  <dgm:ruleLst/>
+                  <dgm:forEach name="Name15" axis="ch" ptType="node">
+                    <dgm:layoutNode name="childTextBox" styleLbl="fgAccFollowNode1">
+                      <dgm:varLst>
+                        <dgm:bulletEnabled val="1"/>
+                      </dgm:varLst>
+                      <dgm:alg type="tx"/>
+                      <dgm:shape xmlns:r="http://schemas.openxmlformats.org/officeDocument/2006/relationships" type="rect" r:blip="">
+                        <dgm:adjLst/>
+                      </dgm:shape>
+                      <dgm:presOf axis="desOrSelf" ptType="node"/>
+                      <dgm:constrLst>
+                        <dgm:constr type="tMarg" refType="primFontSz" fact="0.1"/>
+                        <dgm:constr type="bMarg" refType="primFontSz" fact="0.1"/>
+                      </dgm:constrLst>
+                      <dgm:ruleLst>
+                        <dgm:rule type="primFontSz" val="5" fact="NaN" max="NaN"/>
+                      </dgm:ruleLst>
+                    </dgm:layoutNode>
+                  </dgm:forEach>
+                </dgm:layoutNode>
+              </dgm:if>
+              <dgm:else name="Name16"/>
+            </dgm:choose>
+          </dgm:layoutNode>
+        </dgm:if>
+        <dgm:else name="Name17">
+          <dgm:layoutNode name="arrowAndChildren">
+            <dgm:alg type="composite"/>
+            <dgm:shape xmlns:r="http://schemas.openxmlformats.org/officeDocument/2006/relationships" r:blip="">
+              <dgm:adjLst/>
+            </dgm:shape>
+            <dgm:presOf/>
+            <dgm:choose name="Name18">
+              <dgm:if name="Name19" axis="ch" ptType="node" func="cnt" op="gte" val="1">
+                <dgm:constrLst>
+                  <dgm:constr type="w" for="ch" forName="parentTextArrow" refType="w"/>
+                  <dgm:constr type="t" for="ch" forName="parentTextArrow"/>
+                  <dgm:constr type="h" for="ch" forName="parentTextArrow" refType="h" fact="0.351"/>
+                  <dgm:constr type="w" for="ch" forName="arrow" refType="w"/>
+                  <dgm:constr type="h" for="ch" forName="arrow" refType="h"/>
+                  <dgm:constr type="w" for="ch" forName="descendantArrow" refType="w"/>
+                  <dgm:constr type="b" for="ch" forName="descendantArrow" refType="h" fact="0.65"/>
+                  <dgm:constr type="h" for="ch" forName="descendantArrow" refType="h" fact="0.299"/>
+                </dgm:constrLst>
+              </dgm:if>
+              <dgm:else name="Name20">
+                <dgm:constrLst>
+                  <dgm:constr type="w" for="ch" forName="parentTextArrow" refType="w"/>
+                  <dgm:constr type="h" for="ch" forName="parentTextArrow" refType="h"/>
+                </dgm:constrLst>
+              </dgm:else>
+            </dgm:choose>
+            <dgm:ruleLst/>
+            <dgm:layoutNode name="parentTextArrow">
+              <dgm:alg type="tx"/>
+              <dgm:choose name="Name21">
+                <dgm:if name="Name22" axis="ch" ptType="node" func="cnt" op="gte" val="1">
+                  <dgm:shape xmlns:r="http://schemas.openxmlformats.org/officeDocument/2006/relationships" type="rect" r:blip="" zOrderOff="1" hideGeom="1">
+                    <dgm:adjLst/>
+                  </dgm:shape>
+                </dgm:if>
+                <dgm:else name="Name23">
+                  <dgm:shape xmlns:r="http://schemas.openxmlformats.org/officeDocument/2006/relationships" rot="180" type="upArrowCallout" r:blip="">
+                    <dgm:adjLst/>
+                  </dgm:shape>
+                </dgm:else>
+              </dgm:choose>
+              <dgm:presOf axis="self"/>
+              <dgm:constrLst/>
+              <dgm:ruleLst>
+                <dgm:rule type="primFontSz" val="5" fact="NaN" max="NaN"/>
+              </dgm:ruleLst>
+            </dgm:layoutNode>
+            <dgm:choose name="Name24">
+              <dgm:if name="Name25" axis="ch" ptType="node" func="cnt" op="gte" val="1">
+                <dgm:layoutNode name="arrow">
+                  <dgm:alg type="sp"/>
+                  <dgm:shape xmlns:r="http://schemas.openxmlformats.org/officeDocument/2006/relationships" rot="180" type="upArrowCallout" r:blip="">
+                    <dgm:adjLst/>
+                  </dgm:shape>
+                  <dgm:presOf axis="self"/>
+                  <dgm:constrLst/>
+                  <dgm:ruleLst/>
+                </dgm:layoutNode>
+                <dgm:layoutNode name="descendantArrow">
+                  <dgm:choose name="Name26">
+                    <dgm:if name="Name27" func="var" arg="dir" op="equ" val="norm">
+                      <dgm:alg type="lin"/>
+                    </dgm:if>
+                    <dgm:else name="Name28">
+                      <dgm:alg type="lin">
+                        <dgm:param type="linDir" val="fromR"/>
+                      </dgm:alg>
+                    </dgm:else>
+                  </dgm:choose>
+                  <dgm:shape xmlns:r="http://schemas.openxmlformats.org/officeDocument/2006/relationships" r:blip="">
+                    <dgm:adjLst/>
+                  </dgm:shape>
+                  <dgm:presOf/>
+                  <dgm:constrLst>
+                    <dgm:constr type="w" for="ch" forName="childTextArrow" refType="w"/>
+                    <dgm:constr type="h" for="ch" forName="childTextArrow" refType="h"/>
+                  </dgm:constrLst>
+                  <dgm:ruleLst/>
+                  <dgm:forEach name="Name29" axis="ch" ptType="node">
+                    <dgm:layoutNode name="childTextArrow" styleLbl="fgAccFollowNode1">
+                      <dgm:varLst>
+                        <dgm:bulletEnabled val="1"/>
+                      </dgm:varLst>
+                      <dgm:alg type="tx"/>
+                      <dgm:shape xmlns:r="http://schemas.openxmlformats.org/officeDocument/2006/relationships" type="rect" r:blip="">
+                        <dgm:adjLst/>
+                      </dgm:shape>
+                      <dgm:presOf axis="desOrSelf" ptType="node"/>
+                      <dgm:constrLst>
+                        <dgm:constr type="tMarg" refType="primFontSz" fact="0.1"/>
+                        <dgm:constr type="bMarg" refType="primFontSz" fact="0.1"/>
+                      </dgm:constrLst>
+                      <dgm:ruleLst>
+                        <dgm:rule type="primFontSz" val="5" fact="NaN" max="NaN"/>
+                      </dgm:ruleLst>
+                    </dgm:layoutNode>
+                  </dgm:forEach>
+                </dgm:layoutNode>
+              </dgm:if>
+              <dgm:else name="Name30"/>
+            </dgm:choose>
+          </dgm:layoutNode>
+        </dgm:else>
+      </dgm:choose>
+      <dgm:forEach name="Name31" axis="precedSib" ptType="sibTrans" st="-1" cnt="1">
+        <dgm:layoutNode name="sp">
+          <dgm:alg type="sp"/>
+          <dgm:shape xmlns:r="http://schemas.openxmlformats.org/officeDocument/2006/relationships" r:blip="">
+            <dgm:adjLst/>
+          </dgm:shape>
+          <dgm:presOf axis="self"/>
+          <dgm:constrLst/>
+          <dgm:ruleLst/>
+        </dgm:layoutNode>
+      </dgm:forEach>
+    </dgm:forEach>
+  </dgm:layoutNode>
+</dgm:layoutDef>
+</file>
+
+<file path=ppt/diagrams/quickStyle1.xml><?xml version="1.0" encoding="utf-8"?>
+<dgm:styleDef xmlns:dgm="http://schemas.openxmlformats.org/drawingml/2006/diagram" xmlns:a="http://schemas.openxmlformats.org/drawingml/2006/main" uniqueId="urn:microsoft.com/office/officeart/2005/8/quickstyle/simple1">
+  <dgm:title val=""/>
+  <dgm:desc val=""/>
+  <dgm:catLst>
+    <dgm:cat type="simple" pri="10100"/>
+  </dgm:catLst>
+  <dgm:scene3d>
+    <a:camera prst="orthographicFront"/>
+    <a:lightRig rig="threePt" dir="t"/>
+  </dgm:scene3d>
+  <dgm:styleLbl name="node0">
+    <dgm:scene3d>
+      <a:camera prst="orthographicFront"/>
+      <a:lightRig rig="threePt" dir="t"/>
+    </dgm:scene3d>
+    <dgm:sp3d/>
+    <dgm:txPr/>
+    <dgm:style>
+      <a:lnRef idx="2">
+        <a:scrgbClr r="0" g="0" b="0"/>
+      </a:lnRef>
+      <a:fillRef idx="1">
+        <a:scrgbClr r="0" g="0" b="0"/>
+      </a:fillRef>
+      <a:effectRef idx="0">
+        <a:scrgbClr r="0" g="0" b="0"/>
+      </a:effectRef>
+      <a:fontRef idx="minor">
+        <a:schemeClr val="lt1"/>
+      </a:fontRef>
+    </dgm:style>
+  </dgm:styleLbl>
+  <dgm:styleLbl name="lnNode1">
+    <dgm:scene3d>
+      <a:camera prst="orthographicFront"/>
+      <a:lightRig rig="threePt" dir="t"/>
+    </dgm:scene3d>
+    <dgm:sp3d/>
+    <dgm:txPr/>
+    <dgm:style>
+      <a:lnRef idx="2">
+        <a:scrgbClr r="0" g="0" b="0"/>
+      </a:lnRef>
+      <a:fillRef idx="1">
+        <a:scrgbClr r="0" g="0" b="0"/>
+      </a:fillRef>
+      <a:effectRef idx="0">
+        <a:scrgbClr r="0" g="0" b="0"/>
+      </a:effectRef>
+      <a:fontRef idx="minor">
+        <a:schemeClr val="lt1"/>
+      </a:fontRef>
+    </dgm:style>
+  </dgm:styleLbl>
+  <dgm:styleLbl name="vennNode1">
+    <dgm:scene3d>
+      <a:camera prst="orthographicFront"/>
+      <a:lightRig rig="threePt" dir="t"/>
+    </dgm:scene3d>
+    <dgm:sp3d/>
+    <dgm:txPr/>
+    <dgm:style>
+      <a:lnRef idx="2">
+        <a:scrgbClr r="0" g="0" b="0"/>
+      </a:lnRef>
+      <a:fillRef idx="1">
+        <a:scrgbClr r="0" g="0" b="0"/>
+      </a:fillRef>
+      <a:effectRef idx="0">
+        <a:scrgbClr r="0" g="0" b="0"/>
+      </a:effectRef>
+      <a:fontRef idx="minor">
+        <a:schemeClr val="tx1"/>
+      </a:fontRef>
+    </dgm:style>
+  </dgm:styleLbl>
+  <dgm:styleLbl name="alignNode1">
+    <dgm:scene3d>
+      <a:camera prst="orthographicFront"/>
+      <a:lightRig rig="threePt" dir="t"/>
+    </dgm:scene3d>
+    <dgm:sp3d/>
+    <dgm:txPr/>
+    <dgm:style>
+      <a:lnRef idx="2">
+        <a:scrgbClr r="0" g="0" b="0"/>
+      </a:lnRef>
+      <a:fillRef idx="1">
+        <a:scrgbClr r="0" g="0" b="0"/>
+      </a:fillRef>
+      <a:effectRef idx="0">
+        <a:scrgbClr r="0" g="0" b="0"/>
+      </a:effectRef>
+      <a:fontRef idx="minor">
+        <a:schemeClr val="lt1"/>
+      </a:fontRef>
+    </dgm:style>
+  </dgm:styleLbl>
+  <dgm:styleLbl name="node1">
+    <dgm:scene3d>
+      <a:camera prst="orthographicFront"/>
+      <a:lightRig rig="threePt" dir="t"/>
+    </dgm:scene3d>
+    <dgm:sp3d/>
+    <dgm:txPr/>
+    <dgm:style>
+      <a:lnRef idx="2">
+        <a:scrgbClr r="0" g="0" b="0"/>
+      </a:lnRef>
+      <a:fillRef idx="1">
+        <a:scrgbClr r="0" g="0" b="0"/>
+      </a:fillRef>
+      <a:effectRef idx="0">
+        <a:scrgbClr r="0" g="0" b="0"/>
+      </a:effectRef>
+      <a:fontRef idx="minor">
+        <a:schemeClr val="lt1"/>
+      </a:fontRef>
+    </dgm:style>
+  </dgm:styleLbl>
+  <dgm:styleLbl name="node2">
+    <dgm:scene3d>
+      <a:camera prst="orthographicFront"/>
+      <a:lightRig rig="threePt" dir="t"/>
+    </dgm:scene3d>
+    <dgm:sp3d/>
+    <dgm:txPr/>
+    <dgm:style>
+      <a:lnRef idx="2">
+        <a:scrgbClr r="0" g="0" b="0"/>
+      </a:lnRef>
+      <a:fillRef idx="1">
+        <a:scrgbClr r="0" g="0" b="0"/>
+      </a:fillRef>
+      <a:effectRef idx="0">
+        <a:scrgbClr r="0" g="0" b="0"/>
+      </a:effectRef>
+      <a:fontRef idx="minor">
+        <a:schemeClr val="lt1"/>
+      </a:fontRef>
+    </dgm:style>
+  </dgm:styleLbl>
+  <dgm:styleLbl name="node3">
+    <dgm:scene3d>
+      <a:camera prst="orthographicFront"/>
+      <a:lightRig rig="threePt" dir="t"/>
+    </dgm:scene3d>
+    <dgm:sp3d/>
+    <dgm:txPr/>
+    <dgm:style>
+      <a:lnRef idx="2">
+        <a:scrgbClr r="0" g="0" b="0"/>
+      </a:lnRef>
+      <a:fillRef idx="1">
+        <a:scrgbClr r="0" g="0" b="0"/>
+      </a:fillRef>
+      <a:effectRef idx="0">
+        <a:scrgbClr r="0" g="0" b="0"/>
+      </a:effectRef>
+      <a:fontRef idx="minor">
+        <a:schemeClr val="lt1"/>
+      </a:fontRef>
+    </dgm:style>
+  </dgm:styleLbl>
+  <dgm:styleLbl name="node4">
+    <dgm:scene3d>
+      <a:camera prst="orthographicFront"/>
+      <a:lightRig rig="threePt" dir="t"/>
+    </dgm:scene3d>
+    <dgm:sp3d/>
+    <dgm:txPr/>
+    <dgm:style>
+      <a:lnRef idx="2">
+        <a:scrgbClr r="0" g="0" b="0"/>
+      </a:lnRef>
+      <a:fillRef idx="1">
+        <a:scrgbClr r="0" g="0" b="0"/>
+      </a:fillRef>
+      <a:effectRef idx="0">
+        <a:scrgbClr r="0" g="0" b="0"/>
+      </a:effectRef>
+      <a:fontRef idx="minor">
+        <a:schemeClr val="lt1"/>
+      </a:fontRef>
+    </dgm:style>
+  </dgm:styleLbl>
+  <dgm:styleLbl name="fgImgPlace1">
+    <dgm:scene3d>
+      <a:camera prst="orthographicFront"/>
+      <a:lightRig rig="threePt" dir="t"/>
+    </dgm:scene3d>
+    <dgm:sp3d/>
+    <dgm:txPr/>
+    <dgm:style>
+      <a:lnRef idx="2">
+        <a:scrgbClr r="0" g="0" b="0"/>
+      </a:lnRef>
+      <a:fillRef idx="1">
+        <a:scrgbClr r="0" g="0" b="0"/>
+      </a:fillRef>
+      <a:effectRef idx="0">
+        <a:scrgbClr r="0" g="0" b="0"/>
+      </a:effectRef>
+      <a:fontRef idx="minor"/>
+    </dgm:style>
+  </dgm:styleLbl>
+  <dgm:styleLbl name="alignImgPlace1">
+    <dgm:scene3d>
+      <a:camera prst="orthographicFront"/>
+      <a:lightRig rig="threePt" dir="t"/>
+    </dgm:scene3d>
+    <dgm:sp3d/>
+    <dgm:txPr/>
+    <dgm:style>
+      <a:lnRef idx="2">
+        <a:scrgbClr r="0" g="0" b="0"/>
+      </a:lnRef>
+      <a:fillRef idx="1">
+        <a:scrgbClr r="0" g="0" b="0"/>
+      </a:fillRef>
+      <a:effectRef idx="0">
+        <a:scrgbClr r="0" g="0" b="0"/>
+      </a:effectRef>
+      <a:fontRef idx="minor"/>
+    </dgm:style>
+  </dgm:styleLbl>
+  <dgm:styleLbl name="bgImgPlace1">
+    <dgm:scene3d>
+      <a:camera prst="orthographicFront"/>
+      <a:lightRig rig="threePt" dir="t"/>
+    </dgm:scene3d>
+    <dgm:sp3d/>
+    <dgm:txPr/>
+    <dgm:style>
+      <a:lnRef idx="2">
+        <a:scrgbClr r="0" g="0" b="0"/>
+      </a:lnRef>
+      <a:fillRef idx="1">
+        <a:scrgbClr r="0" g="0" b="0"/>
+      </a:fillRef>
+      <a:effectRef idx="0">
+        <a:scrgbClr r="0" g="0" b="0"/>
+      </a:effectRef>
+      <a:fontRef idx="minor"/>
+    </dgm:style>
+  </dgm:styleLbl>
+  <dgm:styleLbl name="sibTrans2D1">
+    <dgm:scene3d>
+      <a:camera prst="orthographicFront"/>
+      <a:lightRig rig="threePt" dir="t"/>
+    </dgm:scene3d>
+    <dgm:sp3d/>
+    <dgm:txPr/>
+    <dgm:style>
+      <a:lnRef idx="0">
+        <a:scrgbClr r="0" g="0" b="0"/>
+      </a:lnRef>
+      <a:fillRef idx="1">
+        <a:scrgbClr r="0" g="0" b="0"/>
+      </a:fillRef>
+      <a:effectRef idx="0">
+        <a:scrgbClr r="0" g="0" b="0"/>
+      </a:effectRef>
+      <a:fontRef idx="minor">
+        <a:schemeClr val="lt1"/>
+      </a:fontRef>
+    </dgm:style>
+  </dgm:styleLbl>
+  <dgm:styleLbl name="fgSibTrans2D1">
+    <dgm:scene3d>
+      <a:camera prst="orthographicFront"/>
+      <a:lightRig rig="threePt" dir="t"/>
+    </dgm:scene3d>
+    <dgm:sp3d/>
+    <dgm:txPr/>
+    <dgm:style>
+      <a:lnRef idx="0">
+        <a:scrgbClr r="0" g="0" b="0"/>
+      </a:lnRef>
+      <a:fillRef idx="1">
+        <a:scrgbClr r="0" g="0" b="0"/>
+      </a:fillRef>
+      <a:effectRef idx="0">
+        <a:scrgbClr r="0" g="0" b="0"/>
+      </a:effectRef>
+      <a:fontRef idx="minor">
+        <a:schemeClr val="lt1"/>
+      </a:fontRef>
+    </dgm:style>
+  </dgm:styleLbl>
+  <dgm:styleLbl name="bgSibTrans2D1">
+    <dgm:scene3d>
+      <a:camera prst="orthographicFront"/>
+      <a:lightRig rig="threePt" dir="t"/>
+    </dgm:scene3d>
+    <dgm:sp3d/>
+    <dgm:txPr/>
+    <dgm:style>
+      <a:lnRef idx="0">
+        <a:scrgbClr r="0" g="0" b="0"/>
+      </a:lnRef>
+      <a:fillRef idx="1">
+        <a:scrgbClr r="0" g="0" b="0"/>
+      </a:fillRef>
+      <a:effectRef idx="0">
+        <a:scrgbClr r="0" g="0" b="0"/>
+      </a:effectRef>
+      <a:fontRef idx="minor">
+        <a:schemeClr val="lt1"/>
+      </a:fontRef>
+    </dgm:style>
+  </dgm:styleLbl>
+  <dgm:styleLbl name="sibTrans1D1">
+    <dgm:scene3d>
+      <a:camera prst="orthographicFront"/>
+      <a:lightRig rig="threePt" dir="t"/>
+    </dgm:scene3d>
+    <dgm:sp3d/>
+    <dgm:txPr/>
+    <dgm:style>
+      <a:lnRef idx="1">
+        <a:scrgbClr r="0" g="0" b="0"/>
+      </a:lnRef>
+      <a:fillRef idx="0">
+        <a:scrgbClr r="0" g="0" b="0"/>
+      </a:fillRef>
+      <a:effectRef idx="0">
+        <a:scrgbClr r="0" g="0" b="0"/>
+      </a:effectRef>
+      <a:fontRef idx="minor"/>
+    </dgm:style>
+  </dgm:styleLbl>
+  <dgm:styleLbl name="callout">
+    <dgm:scene3d>
+      <a:camera prst="orthographicFront"/>
+      <a:lightRig rig="threePt" dir="t"/>
+    </dgm:scene3d>
+    <dgm:sp3d/>
+    <dgm:txPr/>
+    <dgm:style>
+      <a:lnRef idx="2">
+        <a:scrgbClr r="0" g="0" b="0"/>
+      </a:lnRef>
+      <a:fillRef idx="1">
+        <a:scrgbClr r="0" g="0" b="0"/>
+      </a:fillRef>
+      <a:effectRef idx="0">
+        <a:scrgbClr r="0" g="0" b="0"/>
+      </a:effectRef>
+      <a:fontRef idx="minor"/>
+    </dgm:style>
+  </dgm:styleLbl>
+  <dgm:styleLbl name="asst0">
+    <dgm:scene3d>
+      <a:camera prst="orthographicFront"/>
+      <a:lightRig rig="threePt" dir="t"/>
+    </dgm:scene3d>
+    <dgm:sp3d/>
+    <dgm:txPr/>
+    <dgm:style>
+      <a:lnRef idx="2">
+        <a:scrgbClr r="0" g="0" b="0"/>
+      </a:lnRef>
+      <a:fillRef idx="1">
+        <a:scrgbClr r="0" g="0" b="0"/>
+      </a:fillRef>
+      <a:effectRef idx="0">
+        <a:scrgbClr r="0" g="0" b="0"/>
+      </a:effectRef>
+      <a:fontRef idx="minor">
+        <a:schemeClr val="lt1"/>
+      </a:fontRef>
+    </dgm:style>
+  </dgm:styleLbl>
+  <dgm:styleLbl name="asst1">
+    <dgm:scene3d>
+      <a:camera prst="orthographicFront"/>
+      <a:lightRig rig="threePt" dir="t"/>
+    </dgm:scene3d>
+    <dgm:sp3d/>
+    <dgm:txPr/>
+    <dgm:style>
+      <a:lnRef idx="2">
+        <a:scrgbClr r="0" g="0" b="0"/>
+      </a:lnRef>
+      <a:fillRef idx="1">
+        <a:scrgbClr r="0" g="0" b="0"/>
+      </a:fillRef>
+      <a:effectRef idx="0">
+        <a:scrgbClr r="0" g="0" b="0"/>
+      </a:effectRef>
+      <a:fontRef idx="minor">
+        <a:schemeClr val="lt1"/>
+      </a:fontRef>
+    </dgm:style>
+  </dgm:styleLbl>
+  <dgm:styleLbl name="asst2">
+    <dgm:scene3d>
+      <a:camera prst="orthographicFront"/>
+      <a:lightRig rig="threePt" dir="t"/>
+    </dgm:scene3d>
+    <dgm:sp3d/>
+    <dgm:txPr/>
+    <dgm:style>
+      <a:lnRef idx="2">
+        <a:scrgbClr r="0" g="0" b="0"/>
+      </a:lnRef>
+      <a:fillRef idx="1">
+        <a:scrgbClr r="0" g="0" b="0"/>
+      </a:fillRef>
+      <a:effectRef idx="0">
+        <a:scrgbClr r="0" g="0" b="0"/>
+      </a:effectRef>
+      <a:fontRef idx="minor">
+        <a:schemeClr val="lt1"/>
+      </a:fontRef>
+    </dgm:style>
+  </dgm:styleLbl>
+  <dgm:styleLbl name="asst3">
+    <dgm:scene3d>
+      <a:camera prst="orthographicFront"/>
+      <a:lightRig rig="threePt" dir="t"/>
+    </dgm:scene3d>
+    <dgm:sp3d/>
+    <dgm:txPr/>
+    <dgm:style>
+      <a:lnRef idx="2">
+        <a:scrgbClr r="0" g="0" b="0"/>
+      </a:lnRef>
+      <a:fillRef idx="1">
+        <a:scrgbClr r="0" g="0" b="0"/>
+      </a:fillRef>
+      <a:effectRef idx="0">
+        <a:scrgbClr r="0" g="0" b="0"/>
+      </a:effectRef>
+      <a:fontRef idx="minor">
+        <a:schemeClr val="lt1"/>
+      </a:fontRef>
+    </dgm:style>
+  </dgm:styleLbl>
+  <dgm:styleLbl name="asst4">
+    <dgm:scene3d>
+      <a:camera prst="orthographicFront"/>
+      <a:lightRig rig="threePt" dir="t"/>
+    </dgm:scene3d>
+    <dgm:sp3d/>
+    <dgm:txPr/>
+    <dgm:style>
+      <a:lnRef idx="2">
+        <a:scrgbClr r="0" g="0" b="0"/>
+      </a:lnRef>
+      <a:fillRef idx="1">
+        <a:scrgbClr r="0" g="0" b="0"/>
+      </a:fillRef>
+      <a:effectRef idx="0">
+        <a:scrgbClr r="0" g="0" b="0"/>
+      </a:effectRef>
+      <a:fontRef idx="minor">
+        <a:schemeClr val="lt1"/>
+      </a:fontRef>
+    </dgm:style>
+  </dgm:styleLbl>
+  <dgm:styleLbl name="parChTrans2D1">
+    <dgm:scene3d>
+      <a:camera prst="orthographicFront"/>
+      <a:lightRig rig="threePt" dir="t"/>
+    </dgm:scene3d>
+    <dgm:sp3d/>
+    <dgm:txPr/>
+    <dgm:style>
+      <a:lnRef idx="2">
+        <a:scrgbClr r="0" g="0" b="0"/>
+      </a:lnRef>
+      <a:fillRef idx="1">
+        <a:scrgbClr r="0" g="0" b="0"/>
+      </a:fillRef>
+      <a:effectRef idx="0">
+        <a:scrgbClr r="0" g="0" b="0"/>
+      </a:effectRef>
+      <a:fontRef idx="minor">
+        <a:schemeClr val="lt1"/>
+      </a:fontRef>
+    </dgm:style>
+  </dgm:styleLbl>
+  <dgm:styleLbl name="parChTrans2D2">
+    <dgm:scene3d>
+      <a:camera prst="orthographicFront"/>
+      <a:lightRig rig="threePt" dir="t"/>
+    </dgm:scene3d>
+    <dgm:sp3d/>
+    <dgm:txPr/>
+    <dgm:style>
+      <a:lnRef idx="2">
+        <a:scrgbClr r="0" g="0" b="0"/>
+      </a:lnRef>
+      <a:fillRef idx="1">
+        <a:scrgbClr r="0" g="0" b="0"/>
+      </a:fillRef>
+      <a:effectRef idx="0">
+        <a:scrgbClr r="0" g="0" b="0"/>
+      </a:effectRef>
+      <a:fontRef idx="minor">
+        <a:schemeClr val="lt1"/>
+      </a:fontRef>
+    </dgm:style>
+  </dgm:styleLbl>
+  <dgm:styleLbl name="parChTrans2D3">
+    <dgm:scene3d>
+      <a:camera prst="orthographicFront"/>
+      <a:lightRig rig="threePt" dir="t"/>
+    </dgm:scene3d>
+    <dgm:sp3d/>
+    <dgm:txPr/>
+    <dgm:style>
+      <a:lnRef idx="2">
+        <a:scrgbClr r="0" g="0" b="0"/>
+      </a:lnRef>
+      <a:fillRef idx="1">
+        <a:scrgbClr r="0" g="0" b="0"/>
+      </a:fillRef>
+      <a:effectRef idx="0">
+        <a:scrgbClr r="0" g="0" b="0"/>
+      </a:effectRef>
+      <a:fontRef idx="minor">
+        <a:schemeClr val="lt1"/>
+      </a:fontRef>
+    </dgm:style>
+  </dgm:styleLbl>
+  <dgm:styleLbl name="parChTrans2D4">
+    <dgm:scene3d>
+      <a:camera prst="orthographicFront"/>
+      <a:lightRig rig="threePt" dir="t"/>
+    </dgm:scene3d>
+    <dgm:sp3d/>
+    <dgm:txPr/>
+    <dgm:style>
+      <a:lnRef idx="2">
+        <a:scrgbClr r="0" g="0" b="0"/>
+      </a:lnRef>
+      <a:fillRef idx="1">
+        <a:scrgbClr r="0" g="0" b="0"/>
+      </a:fillRef>
+      <a:effectRef idx="0">
+        <a:scrgbClr r="0" g="0" b="0"/>
+      </a:effectRef>
+      <a:fontRef idx="minor">
+        <a:schemeClr val="lt1"/>
+      </a:fontRef>
+    </dgm:style>
+  </dgm:styleLbl>
+  <dgm:styleLbl name="parChTrans1D1">
+    <dgm:scene3d>
+      <a:camera prst="orthographicFront"/>
+      <a:lightRig rig="threePt" dir="t"/>
+    </dgm:scene3d>
+    <dgm:sp3d/>
+    <dgm:txPr/>
+    <dgm:style>
+      <a:lnRef idx="2">
+        <a:scrgbClr r="0" g="0" b="0"/>
+      </a:lnRef>
+      <a:fillRef idx="0">
+        <a:scrgbClr r="0" g="0" b="0"/>
+      </a:fillRef>
+      <a:effectRef idx="0">
+        <a:scrgbClr r="0" g="0" b="0"/>
+      </a:effectRef>
+      <a:fontRef idx="minor"/>
+    </dgm:style>
+  </dgm:styleLbl>
+  <dgm:styleLbl name="parChTrans1D2">
+    <dgm:scene3d>
+      <a:camera prst="orthographicFront"/>
+      <a:lightRig rig="threePt" dir="t"/>
+    </dgm:scene3d>
+    <dgm:sp3d/>
+    <dgm:txPr/>
+    <dgm:style>
+      <a:lnRef idx="2">
+        <a:scrgbClr r="0" g="0" b="0"/>
+      </a:lnRef>
+      <a:fillRef idx="0">
+        <a:scrgbClr r="0" g="0" b="0"/>
+      </a:fillRef>
+      <a:effectRef idx="0">
+        <a:scrgbClr r="0" g="0" b="0"/>
+      </a:effectRef>
+      <a:fontRef idx="minor"/>
+    </dgm:style>
+  </dgm:styleLbl>
+  <dgm:styleLbl name="parChTrans1D3">
+    <dgm:scene3d>
+      <a:camera prst="orthographicFront"/>
+      <a:lightRig rig="threePt" dir="t"/>
+    </dgm:scene3d>
+    <dgm:sp3d/>
+    <dgm:txPr/>
+    <dgm:style>
+      <a:lnRef idx="2">
+        <a:scrgbClr r="0" g="0" b="0"/>
+      </a:lnRef>
+      <a:fillRef idx="0">
+        <a:scrgbClr r="0" g="0" b="0"/>
+      </a:fillRef>
+      <a:effectRef idx="0">
+        <a:scrgbClr r="0" g="0" b="0"/>
+      </a:effectRef>
+      <a:fontRef idx="minor"/>
+    </dgm:style>
+  </dgm:styleLbl>
+  <dgm:styleLbl name="parChTrans1D4">
+    <dgm:scene3d>
+      <a:camera prst="orthographicFront"/>
+      <a:lightRig rig="threePt" dir="t"/>
+    </dgm:scene3d>
+    <dgm:sp3d/>
+    <dgm:txPr/>
+    <dgm:style>
+      <a:lnRef idx="2">
+        <a:scrgbClr r="0" g="0" b="0"/>
+      </a:lnRef>
+      <a:fillRef idx="0">
+        <a:scrgbClr r="0" g="0" b="0"/>
+      </a:fillRef>
+      <a:effectRef idx="0">
+        <a:scrgbClr r="0" g="0" b="0"/>
+      </a:effectRef>
+      <a:fontRef idx="minor"/>
+    </dgm:style>
+  </dgm:styleLbl>
+  <dgm:styleLbl name="fgAcc1">
+    <dgm:scene3d>
+      <a:camera prst="orthographicFront"/>
+      <a:lightRig rig="threePt" dir="t"/>
+    </dgm:scene3d>
+    <dgm:sp3d/>
+    <dgm:txPr/>
+    <dgm:style>
+      <a:lnRef idx="2">
+        <a:scrgbClr r="0" g="0" b="0"/>
+      </a:lnRef>
+      <a:fillRef idx="1">
+        <a:scrgbClr r="0" g="0" b="0"/>
+      </a:fillRef>
+      <a:effectRef idx="0">
+        <a:scrgbClr r="0" g="0" b="0"/>
+      </a:effectRef>
+      <a:fontRef idx="minor"/>
+    </dgm:style>
+  </dgm:styleLbl>
+  <dgm:styleLbl name="conFgAcc1">
+    <dgm:scene3d>
+      <a:camera prst="orthographicFront"/>
+      <a:lightRig rig="threePt" dir="t"/>
+    </dgm:scene3d>
+    <dgm:sp3d/>
+    <dgm:txPr/>
+    <dgm:style>
+      <a:lnRef idx="2">
+        <a:scrgbClr r="0" g="0" b="0"/>
+      </a:lnRef>
+      <a:fillRef idx="1">
+        <a:scrgbClr r="0" g="0" b="0"/>
+      </a:fillRef>
+      <a:effectRef idx="0">
+        <a:scrgbClr r="0" g="0" b="0"/>
+      </a:effectRef>
+      <a:fontRef idx="minor"/>
+    </dgm:style>
+  </dgm:styleLbl>
+  <dgm:styleLbl name="alignAcc1">
+    <dgm:scene3d>
+      <a:camera prst="orthographicFront"/>
+      <a:lightRig rig="threePt" dir="t"/>
+    </dgm:scene3d>
+    <dgm:sp3d/>
+    <dgm:txPr/>
+    <dgm:style>
+      <a:lnRef idx="2">
+        <a:scrgbClr r="0" g="0" b="0"/>
+      </a:lnRef>
+      <a:fillRef idx="1">
+        <a:scrgbClr r="0" g="0" b="0"/>
+      </a:fillRef>
+      <a:effectRef idx="0">
+        <a:scrgbClr r="0" g="0" b="0"/>
+      </a:effectRef>
+      <a:fontRef idx="minor"/>
+    </dgm:style>
+  </dgm:styleLbl>
+  <dgm:styleLbl name="trAlignAcc1">
+    <dgm:scene3d>
+      <a:camera prst="orthographicFront"/>
+      <a:lightRig rig="threePt" dir="t"/>
+    </dgm:scene3d>
+    <dgm:sp3d/>
+    <dgm:txPr/>
+    <dgm:style>
+      <a:lnRef idx="1">
+        <a:scrgbClr r="0" g="0" b="0"/>
+      </a:lnRef>
+      <a:fillRef idx="1">
+        <a:scrgbClr r="0" g="0" b="0"/>
+      </a:fillRef>
+      <a:effectRef idx="0">
+        <a:scrgbClr r="0" g="0" b="0"/>
+      </a:effectRef>
+      <a:fontRef idx="minor"/>
+    </dgm:style>
+  </dgm:styleLbl>
+  <dgm:styleLbl name="bgAcc1">
+    <dgm:scene3d>
+      <a:camera prst="orthographicFront"/>
+      <a:lightRig rig="threePt" dir="t"/>
+    </dgm:scene3d>
+    <dgm:sp3d/>
+    <dgm:txPr/>
+    <dgm:style>
+      <a:lnRef idx="2">
+        <a:scrgbClr r="0" g="0" b="0"/>
+      </a:lnRef>
+      <a:fillRef idx="1">
+        <a:scrgbClr r="0" g="0" b="0"/>
+      </a:fillRef>
+      <a:effectRef idx="0">
+        <a:scrgbClr r="0" g="0" b="0"/>
+      </a:effectRef>
+      <a:fontRef idx="minor"/>
+    </dgm:style>
+  </dgm:styleLbl>
+  <dgm:styleLbl name="solidFgAcc1">
+    <dgm:scene3d>
+      <a:camera prst="orthographicFront"/>
+      <a:lightRig rig="threePt" dir="t"/>
+    </dgm:scene3d>
+    <dgm:sp3d/>
+    <dgm:txPr/>
+    <dgm:style>
+      <a:lnRef idx="2">
+        <a:scrgbClr r="0" g="0" b="0"/>
+      </a:lnRef>
+      <a:fillRef idx="1">
+        <a:scrgbClr r="0" g="0" b="0"/>
+      </a:fillRef>
+      <a:effectRef idx="0">
+        <a:scrgbClr r="0" g="0" b="0"/>
+      </a:effectRef>
+      <a:fontRef idx="minor"/>
+    </dgm:style>
+  </dgm:styleLbl>
+  <dgm:styleLbl name="solidAlignAcc1">
+    <dgm:scene3d>
+      <a:camera prst="orthographicFront"/>
+      <a:lightRig rig="threePt" dir="t"/>
+    </dgm:scene3d>
+    <dgm:sp3d/>
+    <dgm:txPr/>
+    <dgm:style>
+      <a:lnRef idx="2">
+        <a:scrgbClr r="0" g="0" b="0"/>
+      </a:lnRef>
+      <a:fillRef idx="1">
+        <a:scrgbClr r="0" g="0" b="0"/>
+      </a:fillRef>
+      <a:effectRef idx="0">
+        <a:scrgbClr r="0" g="0" b="0"/>
+      </a:effectRef>
+      <a:fontRef idx="minor"/>
+    </dgm:style>
+  </dgm:styleLbl>
+  <dgm:styleLbl name="solidBgAcc1">
+    <dgm:scene3d>
+      <a:camera prst="orthographicFront"/>
+      <a:lightRig rig="threePt" dir="t"/>
+    </dgm:scene3d>
+    <dgm:sp3d/>
+    <dgm:txPr/>
+    <dgm:style>
+      <a:lnRef idx="2">
+        <a:scrgbClr r="0" g="0" b="0"/>
+      </a:lnRef>
+      <a:fillRef idx="1">
+        <a:scrgbClr r="0" g="0" b="0"/>
+      </a:fillRef>
+      <a:effectRef idx="0">
+        <a:scrgbClr r="0" g="0" b="0"/>
+      </a:effectRef>
+      <a:fontRef idx="minor"/>
+    </dgm:style>
+  </dgm:styleLbl>
+  <dgm:styleLbl name="fgAccFollowNode1">
+    <dgm:scene3d>
+      <a:camera prst="orthographicFront"/>
+      <a:lightRig rig="threePt" dir="t"/>
+    </dgm:scene3d>
+    <dgm:sp3d/>
+    <dgm:txPr/>
+    <dgm:style>
+      <a:lnRef idx="2">
+        <a:scrgbClr r="0" g="0" b="0"/>
+      </a:lnRef>
+      <a:fillRef idx="1">
+        <a:scrgbClr r="0" g="0" b="0"/>
+      </a:fillRef>
+      <a:effectRef idx="0">
+        <a:scrgbClr r="0" g="0" b="0"/>
+      </a:effectRef>
+      <a:fontRef idx="minor"/>
+    </dgm:style>
+  </dgm:styleLbl>
+  <dgm:styleLbl name="alignAccFollowNode1">
+    <dgm:scene3d>
+      <a:camera prst="orthographicFront"/>
+      <a:lightRig rig="threePt" dir="t"/>
+    </dgm:scene3d>
+    <dgm:sp3d/>
+    <dgm:txPr/>
+    <dgm:style>
+      <a:lnRef idx="2">
+        <a:scrgbClr r="0" g="0" b="0"/>
+      </a:lnRef>
+      <a:fillRef idx="1">
+        <a:scrgbClr r="0" g="0" b="0"/>
+      </a:fillRef>
+      <a:effectRef idx="0">
+        <a:scrgbClr r="0" g="0" b="0"/>
+      </a:effectRef>
+      <a:fontRef idx="minor"/>
+    </dgm:style>
+  </dgm:styleLbl>
+  <dgm:styleLbl name="bgAccFollowNode1">
+    <dgm:scene3d>
+      <a:camera prst="orthographicFront"/>
+      <a:lightRig rig="threePt" dir="t"/>
+    </dgm:scene3d>
+    <dgm:sp3d/>
+    <dgm:txPr/>
+    <dgm:style>
+      <a:lnRef idx="2">
+        <a:scrgbClr r="0" g="0" b="0"/>
+      </a:lnRef>
+      <a:fillRef idx="1">
+        <a:scrgbClr r="0" g="0" b="0"/>
+      </a:fillRef>
+      <a:effectRef idx="0">
+        <a:scrgbClr r="0" g="0" b="0"/>
+      </a:effectRef>
+      <a:fontRef idx="minor"/>
+    </dgm:style>
+  </dgm:styleLbl>
+  <dgm:styleLbl name="fgAcc0">
+    <dgm:scene3d>
+      <a:camera prst="orthographicFront"/>
+      <a:lightRig rig="threePt" dir="t"/>
+    </dgm:scene3d>
+    <dgm:sp3d/>
+    <dgm:txPr/>
+    <dgm:style>
+      <a:lnRef idx="2">
+        <a:scrgbClr r="0" g="0" b="0"/>
+      </a:lnRef>
+      <a:fillRef idx="1">
+        <a:scrgbClr r="0" g="0" b="0"/>
+      </a:fillRef>
+      <a:effectRef idx="0">
+        <a:scrgbClr r="0" g="0" b="0"/>
+      </a:effectRef>
+      <a:fontRef idx="minor"/>
+    </dgm:style>
+  </dgm:styleLbl>
+  <dgm:styleLbl name="fgAcc2">
+    <dgm:scene3d>
+      <a:camera prst="orthographicFront"/>
+      <a:lightRig rig="threePt" dir="t"/>
+    </dgm:scene3d>
+    <dgm:sp3d/>
+    <dgm:txPr/>
+    <dgm:style>
+      <a:lnRef idx="2">
+        <a:scrgbClr r="0" g="0" b="0"/>
+      </a:lnRef>
+      <a:fillRef idx="1">
+        <a:scrgbClr r="0" g="0" b="0"/>
+      </a:fillRef>
+      <a:effectRef idx="0">
+        <a:scrgbClr r="0" g="0" b="0"/>
+      </a:effectRef>
+      <a:fontRef idx="minor"/>
+    </dgm:style>
+  </dgm:styleLbl>
+  <dgm:styleLbl name="fgAcc3">
+    <dgm:scene3d>
+      <a:camera prst="orthographicFront"/>
+      <a:lightRig rig="threePt" dir="t"/>
+    </dgm:scene3d>
+    <dgm:sp3d/>
+    <dgm:txPr/>
+    <dgm:style>
+      <a:lnRef idx="2">
+        <a:scrgbClr r="0" g="0" b="0"/>
+      </a:lnRef>
+      <a:fillRef idx="1">
+        <a:scrgbClr r="0" g="0" b="0"/>
+      </a:fillRef>
+      <a:effectRef idx="0">
+        <a:scrgbClr r="0" g="0" b="0"/>
+      </a:effectRef>
+      <a:fontRef idx="minor"/>
+    </dgm:style>
+  </dgm:styleLbl>
+  <dgm:styleLbl name="fgAcc4">
+    <dgm:scene3d>
+      <a:camera prst="orthographicFront"/>
+      <a:lightRig rig="threePt" dir="t"/>
+    </dgm:scene3d>
+    <dgm:sp3d/>
+    <dgm:txPr/>
+    <dgm:style>
+      <a:lnRef idx="2">
+        <a:scrgbClr r="0" g="0" b="0"/>
+      </a:lnRef>
+      <a:fillRef idx="1">
+        <a:scrgbClr r="0" g="0" b="0"/>
+      </a:fillRef>
+      <a:effectRef idx="0">
+        <a:scrgbClr r="0" g="0" b="0"/>
+      </a:effectRef>
+      <a:fontRef idx="minor"/>
+    </dgm:style>
+  </dgm:styleLbl>
+  <dgm:styleLbl name="bgShp">
+    <dgm:scene3d>
+      <a:camera prst="orthographicFront"/>
+      <a:lightRig rig="threePt" dir="t"/>
+    </dgm:scene3d>
+    <dgm:sp3d/>
+    <dgm:txPr/>
+    <dgm:style>
+      <a:lnRef idx="0">
+        <a:scrgbClr r="0" g="0" b="0"/>
+      </a:lnRef>
+      <a:fillRef idx="1">
+        <a:scrgbClr r="0" g="0" b="0"/>
+      </a:fillRef>
+      <a:effectRef idx="0">
+        <a:scrgbClr r="0" g="0" b="0"/>
+      </a:effectRef>
+      <a:fontRef idx="minor"/>
+    </dgm:style>
+  </dgm:styleLbl>
+  <dgm:styleLbl name="dkBgShp">
+    <dgm:scene3d>
+      <a:camera prst="orthographicFront"/>
+      <a:lightRig rig="threePt" dir="t"/>
+    </dgm:scene3d>
+    <dgm:sp3d/>
+    <dgm:txPr/>
+    <dgm:style>
+      <a:lnRef idx="0">
+        <a:scrgbClr r="0" g="0" b="0"/>
+      </a:lnRef>
+      <a:fillRef idx="1">
+        <a:scrgbClr r="0" g="0" b="0"/>
+      </a:fillRef>
+      <a:effectRef idx="0">
+        <a:scrgbClr r="0" g="0" b="0"/>
+      </a:effectRef>
+      <a:fontRef idx="minor"/>
+    </dgm:style>
+  </dgm:styleLbl>
+  <dgm:styleLbl name="trBgShp">
+    <dgm:scene3d>
+      <a:camera prst="orthographicFront"/>
+      <a:lightRig rig="threePt" dir="t"/>
+    </dgm:scene3d>
+    <dgm:sp3d/>
+    <dgm:txPr/>
+    <dgm:style>
+      <a:lnRef idx="0">
+        <a:scrgbClr r="0" g="0" b="0"/>
+      </a:lnRef>
+      <a:fillRef idx="1">
+        <a:scrgbClr r="0" g="0" b="0"/>
+      </a:fillRef>
+      <a:effectRef idx="0">
+        <a:scrgbClr r="0" g="0" b="0"/>
+      </a:effectRef>
+      <a:fontRef idx="minor"/>
+    </dgm:style>
+  </dgm:styleLbl>
+  <dgm:styleLbl name="fgShp">
+    <dgm:scene3d>
+      <a:camera prst="orthographicFront"/>
+      <a:lightRig rig="threePt" dir="t"/>
+    </dgm:scene3d>
+    <dgm:sp3d/>
+    <dgm:txPr/>
+    <dgm:style>
+      <a:lnRef idx="2">
+        <a:scrgbClr r="0" g="0" b="0"/>
+      </a:lnRef>
+      <a:fillRef idx="1">
+        <a:scrgbClr r="0" g="0" b="0"/>
+      </a:fillRef>
+      <a:effectRef idx="0">
+        <a:scrgbClr r="0" g="0" b="0"/>
+      </a:effectRef>
+      <a:fontRef idx="minor"/>
+    </dgm:style>
+  </dgm:styleLbl>
+  <dgm:styleLbl name="revTx">
+    <dgm:scene3d>
+      <a:camera prst="orthographicFront"/>
+      <a:lightRig rig="threePt" dir="t"/>
+    </dgm:scene3d>
+    <dgm:sp3d/>
+    <dgm:txPr/>
+    <dgm:style>
+      <a:lnRef idx="0">
+        <a:scrgbClr r="0" g="0" b="0"/>
+      </a:lnRef>
+      <a:fillRef idx="0">
+        <a:scrgbClr r="0" g="0" b="0"/>
+      </a:fillRef>
+      <a:effectRef idx="0">
+        <a:scrgbClr r="0" g="0" b="0"/>
+      </a:effectRef>
+      <a:fontRef idx="minor"/>
+    </dgm:style>
+  </dgm:styleLbl>
+</dgm:styleDef>
 </file>
 
 <file path=ppt/notesMasters/notesMaster1.xml><?xml version="1.0" encoding="utf-8"?>
@@ -14303,6 +17490,812 @@
       </p:grpSpPr>
       <p:grpSp>
         <p:nvGrpSpPr>
+          <p:cNvPr id="11" name="Group 10">
+            <a:extLst>
+              <a:ext uri="{FF2B5EF4-FFF2-40B4-BE49-F238E27FC236}">
+                <a16:creationId xmlns:a16="http://schemas.microsoft.com/office/drawing/2014/main" id="{FAF0DFF8-8744-4518-AA8B-D5D61EA97F94}"/>
+              </a:ext>
+              <a:ext uri="{C183D7F6-B498-43B3-948B-1728B52AA6E4}">
+                <adec:decorative xmlns:adec="http://schemas.microsoft.com/office/drawing/2017/decorative" val="1"/>
+              </a:ext>
+            </a:extLst>
+          </p:cNvPr>
+          <p:cNvGrpSpPr>
+            <a:grpSpLocks noGrp="1" noUngrp="1" noRot="1" noChangeAspect="1" noMove="1" noResize="1"/>
+          </p:cNvGrpSpPr>
+          <p:nvPr>
+            <p:extLst>
+              <p:ext uri="{386F3935-93C4-4BCD-93E2-E3B085C9AB24}">
+                <p16:designElem xmlns:p16="http://schemas.microsoft.com/office/powerpoint/2015/main" val="1"/>
+              </p:ext>
+            </p:extLst>
+          </p:nvPr>
+        </p:nvGrpSpPr>
+        <p:grpSpPr>
+          <a:xfrm>
+            <a:off x="-1588" y="0"/>
+            <a:ext cx="12193588" cy="6861555"/>
+            <a:chOff x="-1588" y="0"/>
+            <a:chExt cx="12193588" cy="6861555"/>
+          </a:xfrm>
+        </p:grpSpPr>
+        <p:sp>
+          <p:nvSpPr>
+            <p:cNvPr id="12" name="Rectangle 11">
+              <a:extLst>
+                <a:ext uri="{FF2B5EF4-FFF2-40B4-BE49-F238E27FC236}">
+                  <a16:creationId xmlns:a16="http://schemas.microsoft.com/office/drawing/2014/main" id="{A6CC52FC-00BC-4253-8E5D-55C78127CF69}"/>
+                </a:ext>
+                <a:ext uri="{C183D7F6-B498-43B3-948B-1728B52AA6E4}">
+                  <adec:decorative xmlns:adec="http://schemas.microsoft.com/office/drawing/2017/decorative" val="1"/>
+                </a:ext>
+              </a:extLst>
+            </p:cNvPr>
+            <p:cNvSpPr/>
+            <p:nvPr>
+              <p:extLst>
+                <p:ext uri="{386F3935-93C4-4BCD-93E2-E3B085C9AB24}">
+                  <p16:designElem xmlns:p16="http://schemas.microsoft.com/office/powerpoint/2015/main" val="1"/>
+                </p:ext>
+              </p:extLst>
+            </p:nvPr>
+          </p:nvSpPr>
+          <p:spPr>
+            <a:xfrm>
+              <a:off x="0" y="0"/>
+              <a:ext cx="12192000" cy="6858000"/>
+            </a:xfrm>
+            <a:prstGeom prst="rect">
+              <a:avLst/>
+            </a:prstGeom>
+            <a:blipFill>
+              <a:blip r:embed="rId2">
+                <a:duotone>
+                  <a:schemeClr val="dk2">
+                    <a:shade val="69000"/>
+                    <a:hueMod val="108000"/>
+                    <a:satMod val="164000"/>
+                    <a:lumMod val="74000"/>
+                  </a:schemeClr>
+                  <a:schemeClr val="dk2">
+                    <a:tint val="96000"/>
+                    <a:hueMod val="88000"/>
+                    <a:satMod val="140000"/>
+                    <a:lumMod val="132000"/>
+                  </a:schemeClr>
+                </a:duotone>
+              </a:blip>
+              <a:stretch>
+                <a:fillRect/>
+              </a:stretch>
+            </a:blipFill>
+            <a:ln>
+              <a:noFill/>
+            </a:ln>
+          </p:spPr>
+          <p:style>
+            <a:lnRef idx="2">
+              <a:schemeClr val="accent1">
+                <a:shade val="50000"/>
+              </a:schemeClr>
+            </a:lnRef>
+            <a:fillRef idx="1">
+              <a:schemeClr val="accent1"/>
+            </a:fillRef>
+            <a:effectRef idx="0">
+              <a:schemeClr val="accent1"/>
+            </a:effectRef>
+            <a:fontRef idx="minor">
+              <a:schemeClr val="lt1"/>
+            </a:fontRef>
+          </p:style>
+        </p:sp>
+        <p:sp>
+          <p:nvSpPr>
+            <p:cNvPr id="13" name="Oval 12">
+              <a:extLst>
+                <a:ext uri="{FF2B5EF4-FFF2-40B4-BE49-F238E27FC236}">
+                  <a16:creationId xmlns:a16="http://schemas.microsoft.com/office/drawing/2014/main" id="{742BD597-0F5C-42C6-BA55-0A182A5472E4}"/>
+                </a:ext>
+                <a:ext uri="{C183D7F6-B498-43B3-948B-1728B52AA6E4}">
+                  <adec:decorative xmlns:adec="http://schemas.microsoft.com/office/drawing/2017/decorative" val="1"/>
+                </a:ext>
+              </a:extLst>
+            </p:cNvPr>
+            <p:cNvSpPr/>
+            <p:nvPr>
+              <p:extLst>
+                <p:ext uri="{386F3935-93C4-4BCD-93E2-E3B085C9AB24}">
+                  <p16:designElem xmlns:p16="http://schemas.microsoft.com/office/powerpoint/2015/main" val="1"/>
+                </p:ext>
+              </p:extLst>
+            </p:nvPr>
+          </p:nvSpPr>
+          <p:spPr>
+            <a:xfrm>
+              <a:off x="8761412" y="1828800"/>
+              <a:ext cx="2819400" cy="2819400"/>
+            </a:xfrm>
+            <a:prstGeom prst="ellipse">
+              <a:avLst/>
+            </a:prstGeom>
+            <a:gradFill flip="none" rotWithShape="1">
+              <a:gsLst>
+                <a:gs pos="0">
+                  <a:schemeClr val="accent5">
+                    <a:alpha val="7000"/>
+                  </a:schemeClr>
+                </a:gs>
+                <a:gs pos="69000">
+                  <a:schemeClr val="accent5">
+                    <a:alpha val="0"/>
+                  </a:schemeClr>
+                </a:gs>
+                <a:gs pos="36000">
+                  <a:schemeClr val="accent5">
+                    <a:alpha val="6000"/>
+                  </a:schemeClr>
+                </a:gs>
+              </a:gsLst>
+              <a:path path="circle">
+                <a:fillToRect l="50000" t="50000" r="50000" b="50000"/>
+              </a:path>
+              <a:tileRect/>
+            </a:gradFill>
+            <a:ln>
+              <a:noFill/>
+            </a:ln>
+            <a:effectLst/>
+          </p:spPr>
+          <p:style>
+            <a:lnRef idx="1">
+              <a:schemeClr val="accent1"/>
+            </a:lnRef>
+            <a:fillRef idx="3">
+              <a:schemeClr val="accent1"/>
+            </a:fillRef>
+            <a:effectRef idx="2">
+              <a:schemeClr val="accent1"/>
+            </a:effectRef>
+            <a:fontRef idx="minor">
+              <a:schemeClr val="lt1"/>
+            </a:fontRef>
+          </p:style>
+        </p:sp>
+        <p:sp>
+          <p:nvSpPr>
+            <p:cNvPr id="14" name="Oval 13">
+              <a:extLst>
+                <a:ext uri="{FF2B5EF4-FFF2-40B4-BE49-F238E27FC236}">
+                  <a16:creationId xmlns:a16="http://schemas.microsoft.com/office/drawing/2014/main" id="{DCA70CFE-449E-4D12-8358-8B4C877EE537}"/>
+                </a:ext>
+                <a:ext uri="{C183D7F6-B498-43B3-948B-1728B52AA6E4}">
+                  <adec:decorative xmlns:adec="http://schemas.microsoft.com/office/drawing/2017/decorative" val="1"/>
+                </a:ext>
+              </a:extLst>
+            </p:cNvPr>
+            <p:cNvSpPr/>
+            <p:nvPr>
+              <p:extLst>
+                <p:ext uri="{386F3935-93C4-4BCD-93E2-E3B085C9AB24}">
+                  <p16:designElem xmlns:p16="http://schemas.microsoft.com/office/powerpoint/2015/main" val="1"/>
+                </p:ext>
+              </p:extLst>
+            </p:nvPr>
+          </p:nvSpPr>
+          <p:spPr>
+            <a:xfrm>
+              <a:off x="8761412" y="5870955"/>
+              <a:ext cx="990600" cy="990600"/>
+            </a:xfrm>
+            <a:prstGeom prst="ellipse">
+              <a:avLst/>
+            </a:prstGeom>
+            <a:gradFill flip="none" rotWithShape="1">
+              <a:gsLst>
+                <a:gs pos="0">
+                  <a:schemeClr val="accent5">
+                    <a:alpha val="14000"/>
+                  </a:schemeClr>
+                </a:gs>
+                <a:gs pos="66000">
+                  <a:schemeClr val="accent5">
+                    <a:alpha val="0"/>
+                  </a:schemeClr>
+                </a:gs>
+                <a:gs pos="36000">
+                  <a:schemeClr val="accent5">
+                    <a:alpha val="7000"/>
+                  </a:schemeClr>
+                </a:gs>
+              </a:gsLst>
+              <a:path path="circle">
+                <a:fillToRect l="50000" t="50000" r="50000" b="50000"/>
+              </a:path>
+              <a:tileRect/>
+            </a:gradFill>
+            <a:ln>
+              <a:noFill/>
+            </a:ln>
+            <a:effectLst/>
+          </p:spPr>
+          <p:style>
+            <a:lnRef idx="1">
+              <a:schemeClr val="accent1"/>
+            </a:lnRef>
+            <a:fillRef idx="3">
+              <a:schemeClr val="accent1"/>
+            </a:fillRef>
+            <a:effectRef idx="2">
+              <a:schemeClr val="accent1"/>
+            </a:effectRef>
+            <a:fontRef idx="minor">
+              <a:schemeClr val="lt1"/>
+            </a:fontRef>
+          </p:style>
+        </p:sp>
+        <p:sp>
+          <p:nvSpPr>
+            <p:cNvPr id="15" name="Oval 14">
+              <a:extLst>
+                <a:ext uri="{FF2B5EF4-FFF2-40B4-BE49-F238E27FC236}">
+                  <a16:creationId xmlns:a16="http://schemas.microsoft.com/office/drawing/2014/main" id="{2082AE94-EBCE-4F8E-994B-BD7F9312921E}"/>
+                </a:ext>
+                <a:ext uri="{C183D7F6-B498-43B3-948B-1728B52AA6E4}">
+                  <adec:decorative xmlns:adec="http://schemas.microsoft.com/office/drawing/2017/decorative" val="1"/>
+                </a:ext>
+              </a:extLst>
+            </p:cNvPr>
+            <p:cNvSpPr/>
+            <p:nvPr>
+              <p:extLst>
+                <p:ext uri="{386F3935-93C4-4BCD-93E2-E3B085C9AB24}">
+                  <p16:designElem xmlns:p16="http://schemas.microsoft.com/office/powerpoint/2015/main" val="1"/>
+                </p:ext>
+              </p:extLst>
+            </p:nvPr>
+          </p:nvSpPr>
+          <p:spPr>
+            <a:xfrm>
+              <a:off x="-1588" y="2667000"/>
+              <a:ext cx="4191000" cy="4191000"/>
+            </a:xfrm>
+            <a:prstGeom prst="ellipse">
+              <a:avLst/>
+            </a:prstGeom>
+            <a:gradFill flip="none" rotWithShape="1">
+              <a:gsLst>
+                <a:gs pos="0">
+                  <a:schemeClr val="accent5">
+                    <a:alpha val="11000"/>
+                  </a:schemeClr>
+                </a:gs>
+                <a:gs pos="75000">
+                  <a:schemeClr val="accent5">
+                    <a:alpha val="0"/>
+                  </a:schemeClr>
+                </a:gs>
+                <a:gs pos="36000">
+                  <a:schemeClr val="accent5">
+                    <a:alpha val="10000"/>
+                  </a:schemeClr>
+                </a:gs>
+              </a:gsLst>
+              <a:path path="circle">
+                <a:fillToRect l="50000" t="50000" r="50000" b="50000"/>
+              </a:path>
+              <a:tileRect/>
+            </a:gradFill>
+            <a:ln>
+              <a:noFill/>
+            </a:ln>
+            <a:effectLst/>
+          </p:spPr>
+          <p:style>
+            <a:lnRef idx="1">
+              <a:schemeClr val="accent1"/>
+            </a:lnRef>
+            <a:fillRef idx="3">
+              <a:schemeClr val="accent1"/>
+            </a:fillRef>
+            <a:effectRef idx="2">
+              <a:schemeClr val="accent1"/>
+            </a:effectRef>
+            <a:fontRef idx="minor">
+              <a:schemeClr val="lt1"/>
+            </a:fontRef>
+          </p:style>
+        </p:sp>
+        <p:sp>
+          <p:nvSpPr>
+            <p:cNvPr id="16" name="Freeform 5">
+              <a:extLst>
+                <a:ext uri="{FF2B5EF4-FFF2-40B4-BE49-F238E27FC236}">
+                  <a16:creationId xmlns:a16="http://schemas.microsoft.com/office/drawing/2014/main" id="{CB36729E-72F8-4A4F-B54E-CC26867ADDCF}"/>
+                </a:ext>
+                <a:ext uri="{C183D7F6-B498-43B3-948B-1728B52AA6E4}">
+                  <adec:decorative xmlns:adec="http://schemas.microsoft.com/office/drawing/2017/decorative" val="1"/>
+                </a:ext>
+              </a:extLst>
+            </p:cNvPr>
+            <p:cNvSpPr>
+              <a:spLocks noEditPoints="1"/>
+            </p:cNvSpPr>
+            <p:nvPr>
+              <p:extLst>
+                <p:ext uri="{386F3935-93C4-4BCD-93E2-E3B085C9AB24}">
+                  <p16:designElem xmlns:p16="http://schemas.microsoft.com/office/powerpoint/2015/main" val="1"/>
+                </p:ext>
+              </p:extLst>
+            </p:nvPr>
+          </p:nvSpPr>
+          <p:spPr bwMode="gray">
+            <a:xfrm>
+              <a:off x="0" y="1587"/>
+              <a:ext cx="12192000" cy="6856413"/>
+            </a:xfrm>
+            <a:custGeom>
+              <a:avLst/>
+              <a:gdLst/>
+              <a:ahLst/>
+              <a:cxnLst/>
+              <a:rect l="0" t="0" r="r" b="b"/>
+              <a:pathLst>
+                <a:path w="15356" h="8638">
+                  <a:moveTo>
+                    <a:pt x="0" y="0"/>
+                  </a:moveTo>
+                  <a:lnTo>
+                    <a:pt x="0" y="8638"/>
+                  </a:lnTo>
+                  <a:lnTo>
+                    <a:pt x="15356" y="8638"/>
+                  </a:lnTo>
+                  <a:lnTo>
+                    <a:pt x="15356" y="0"/>
+                  </a:lnTo>
+                  <a:lnTo>
+                    <a:pt x="0" y="0"/>
+                  </a:lnTo>
+                  <a:close/>
+                  <a:moveTo>
+                    <a:pt x="14748" y="8038"/>
+                  </a:moveTo>
+                  <a:lnTo>
+                    <a:pt x="600" y="8038"/>
+                  </a:lnTo>
+                  <a:lnTo>
+                    <a:pt x="600" y="592"/>
+                  </a:lnTo>
+                  <a:lnTo>
+                    <a:pt x="14748" y="592"/>
+                  </a:lnTo>
+                  <a:lnTo>
+                    <a:pt x="14748" y="8038"/>
+                  </a:lnTo>
+                  <a:close/>
+                </a:path>
+              </a:pathLst>
+            </a:custGeom>
+            <a:solidFill>
+              <a:schemeClr val="bg1"/>
+            </a:solidFill>
+            <a:ln>
+              <a:noFill/>
+            </a:ln>
+          </p:spPr>
+        </p:sp>
+      </p:grpSp>
+      <p:sp>
+        <p:nvSpPr>
+          <p:cNvPr id="2" name="제목 1">
+            <a:extLst>
+              <a:ext uri="{FF2B5EF4-FFF2-40B4-BE49-F238E27FC236}">
+                <a16:creationId xmlns:a16="http://schemas.microsoft.com/office/drawing/2014/main" id="{A5AA2315-F596-47BD-8898-D1757E045C77}"/>
+              </a:ext>
+            </a:extLst>
+          </p:cNvPr>
+          <p:cNvSpPr>
+            <a:spLocks noGrp="1"/>
+          </p:cNvSpPr>
+          <p:nvPr>
+            <p:ph type="title"/>
+          </p:nvPr>
+        </p:nvSpPr>
+        <p:spPr>
+          <a:xfrm>
+            <a:off x="1154955" y="973668"/>
+            <a:ext cx="2942210" cy="1020232"/>
+          </a:xfrm>
+        </p:spPr>
+        <p:txBody>
+          <a:bodyPr>
+            <a:normAutofit/>
+          </a:bodyPr>
+          <a:lstStyle/>
+          <a:p>
+            <a:r>
+              <a:rPr lang="ko-KR" altLang="en-US" dirty="0"/>
+              <a:t>진행상황</a:t>
+            </a:r>
+          </a:p>
+        </p:txBody>
+      </p:sp>
+      <p:sp>
+        <p:nvSpPr>
+          <p:cNvPr id="3" name="내용 개체 틀 2">
+            <a:extLst>
+              <a:ext uri="{FF2B5EF4-FFF2-40B4-BE49-F238E27FC236}">
+                <a16:creationId xmlns:a16="http://schemas.microsoft.com/office/drawing/2014/main" id="{674250E4-D9F8-4B6A-A02B-39B4362E30AF}"/>
+              </a:ext>
+            </a:extLst>
+          </p:cNvPr>
+          <p:cNvSpPr>
+            <a:spLocks noGrp="1"/>
+          </p:cNvSpPr>
+          <p:nvPr>
+            <p:ph idx="1"/>
+          </p:nvPr>
+        </p:nvSpPr>
+        <p:spPr>
+          <a:xfrm>
+            <a:off x="1154954" y="2120900"/>
+            <a:ext cx="3323633" cy="3898900"/>
+          </a:xfrm>
+        </p:spPr>
+        <p:txBody>
+          <a:bodyPr>
+            <a:normAutofit/>
+          </a:bodyPr>
+          <a:lstStyle/>
+          <a:p>
+            <a:r>
+              <a:rPr lang="ko-KR" altLang="en-US" dirty="0">
+                <a:solidFill>
+                  <a:schemeClr val="bg1"/>
+                </a:solidFill>
+              </a:rPr>
+              <a:t>최적 경로 제안</a:t>
+            </a:r>
+            <a:endParaRPr lang="en-US" altLang="ko-KR" dirty="0">
+              <a:solidFill>
+                <a:schemeClr val="bg1"/>
+              </a:solidFill>
+            </a:endParaRPr>
+          </a:p>
+          <a:p>
+            <a:pPr lvl="1"/>
+            <a:r>
+              <a:rPr lang="ko-KR" altLang="en-US" dirty="0">
+                <a:solidFill>
+                  <a:schemeClr val="bg1"/>
+                </a:solidFill>
+              </a:rPr>
+              <a:t>구매 품목들을 통해 </a:t>
+            </a:r>
+            <a:r>
+              <a:rPr lang="en-US" altLang="ko-KR" dirty="0">
+                <a:solidFill>
+                  <a:schemeClr val="bg1"/>
+                </a:solidFill>
+              </a:rPr>
+              <a:t>TSP</a:t>
+            </a:r>
+          </a:p>
+          <a:p>
+            <a:pPr lvl="1"/>
+            <a:r>
+              <a:rPr lang="en-US" altLang="ko-KR" dirty="0">
+                <a:solidFill>
+                  <a:schemeClr val="bg1"/>
+                </a:solidFill>
+              </a:rPr>
+              <a:t>TSP</a:t>
+            </a:r>
+            <a:r>
+              <a:rPr lang="ko-KR" altLang="en-US" dirty="0">
+                <a:solidFill>
+                  <a:schemeClr val="bg1"/>
+                </a:solidFill>
+              </a:rPr>
+              <a:t>결과를 </a:t>
+            </a:r>
+            <a:r>
+              <a:rPr lang="en-US" altLang="ko-KR" dirty="0">
+                <a:solidFill>
+                  <a:schemeClr val="bg1"/>
+                </a:solidFill>
+              </a:rPr>
+              <a:t>GUI</a:t>
+            </a:r>
+            <a:r>
+              <a:rPr lang="ko-KR" altLang="en-US" dirty="0">
+                <a:solidFill>
+                  <a:schemeClr val="bg1"/>
+                </a:solidFill>
+              </a:rPr>
+              <a:t>에 적용</a:t>
+            </a:r>
+            <a:endParaRPr lang="en-US" altLang="ko-KR" dirty="0">
+              <a:solidFill>
+                <a:schemeClr val="bg1"/>
+              </a:solidFill>
+            </a:endParaRPr>
+          </a:p>
+          <a:p>
+            <a:pPr lvl="1"/>
+            <a:r>
+              <a:rPr lang="ko-KR" altLang="en-US" dirty="0">
+                <a:solidFill>
+                  <a:schemeClr val="bg1"/>
+                </a:solidFill>
+              </a:rPr>
+              <a:t>장애물</a:t>
+            </a:r>
+            <a:r>
+              <a:rPr lang="en-US" altLang="ko-KR" dirty="0">
+                <a:solidFill>
+                  <a:schemeClr val="bg1"/>
+                </a:solidFill>
+              </a:rPr>
+              <a:t>, </a:t>
+            </a:r>
+            <a:r>
+              <a:rPr lang="ko-KR" altLang="en-US" dirty="0">
+                <a:solidFill>
+                  <a:schemeClr val="bg1"/>
+                </a:solidFill>
+              </a:rPr>
+              <a:t>다른 판매 품목을 고려하여 </a:t>
+            </a:r>
+            <a:r>
+              <a:rPr lang="en-US" altLang="ko-KR" dirty="0">
+                <a:solidFill>
+                  <a:schemeClr val="bg1"/>
+                </a:solidFill>
+              </a:rPr>
+              <a:t>pathfinding </a:t>
+            </a:r>
+            <a:br>
+              <a:rPr lang="en-US" altLang="ko-KR" dirty="0">
+                <a:solidFill>
+                  <a:schemeClr val="bg1"/>
+                </a:solidFill>
+              </a:rPr>
+            </a:br>
+            <a:r>
+              <a:rPr lang="ko-KR" altLang="en-US" dirty="0">
+                <a:solidFill>
+                  <a:schemeClr val="bg1"/>
+                </a:solidFill>
+              </a:rPr>
+              <a:t>적용 전 </a:t>
+            </a:r>
+            <a:r>
+              <a:rPr lang="en-US" altLang="ko-KR" dirty="0">
+                <a:solidFill>
+                  <a:schemeClr val="bg1"/>
+                </a:solidFill>
+              </a:rPr>
+              <a:t>GUI</a:t>
+            </a:r>
+            <a:endParaRPr lang="ko-KR" altLang="en-US" dirty="0">
+              <a:solidFill>
+                <a:schemeClr val="bg1"/>
+              </a:solidFill>
+            </a:endParaRPr>
+          </a:p>
+        </p:txBody>
+      </p:sp>
+      <p:pic>
+        <p:nvPicPr>
+          <p:cNvPr id="6" name="그림 5">
+            <a:extLst>
+              <a:ext uri="{FF2B5EF4-FFF2-40B4-BE49-F238E27FC236}">
+                <a16:creationId xmlns:a16="http://schemas.microsoft.com/office/drawing/2014/main" id="{3EB07495-810B-47BF-8E5B-76BF78ADAB9C}"/>
+              </a:ext>
+            </a:extLst>
+          </p:cNvPr>
+          <p:cNvPicPr>
+            <a:picLocks noChangeAspect="1"/>
+          </p:cNvPicPr>
+          <p:nvPr/>
+        </p:nvPicPr>
+        <p:blipFill rotWithShape="1">
+          <a:blip r:embed="rId3">
+            <a:extLst>
+              <a:ext uri="{28A0092B-C50C-407E-A947-70E740481C1C}">
+                <a14:useLocalDpi xmlns:a14="http://schemas.microsoft.com/office/drawing/2010/main" val="0"/>
+              </a:ext>
+            </a:extLst>
+          </a:blip>
+          <a:srcRect t="7779" r="1" b="8757"/>
+          <a:stretch/>
+        </p:blipFill>
+        <p:spPr>
+          <a:xfrm>
+            <a:off x="5194607" y="803751"/>
+            <a:ext cx="3113903" cy="5250498"/>
+          </a:xfrm>
+          <a:prstGeom prst="rect">
+            <a:avLst/>
+          </a:prstGeom>
+        </p:spPr>
+      </p:pic>
+      <p:pic>
+        <p:nvPicPr>
+          <p:cNvPr id="5" name="그림 4">
+            <a:extLst>
+              <a:ext uri="{FF2B5EF4-FFF2-40B4-BE49-F238E27FC236}">
+                <a16:creationId xmlns:a16="http://schemas.microsoft.com/office/drawing/2014/main" id="{7B9CCCC2-F9D5-4737-B1CB-A7F0849316A8}"/>
+              </a:ext>
+            </a:extLst>
+          </p:cNvPr>
+          <p:cNvPicPr>
+            <a:picLocks noChangeAspect="1"/>
+          </p:cNvPicPr>
+          <p:nvPr/>
+        </p:nvPicPr>
+        <p:blipFill rotWithShape="1">
+          <a:blip r:embed="rId4">
+            <a:extLst>
+              <a:ext uri="{28A0092B-C50C-407E-A947-70E740481C1C}">
+                <a14:useLocalDpi xmlns:a14="http://schemas.microsoft.com/office/drawing/2010/main" val="0"/>
+              </a:ext>
+            </a:extLst>
+          </a:blip>
+          <a:srcRect t="7086" r="2" b="10716"/>
+          <a:stretch/>
+        </p:blipFill>
+        <p:spPr>
+          <a:xfrm>
+            <a:off x="8472236" y="803751"/>
+            <a:ext cx="3113904" cy="5250498"/>
+          </a:xfrm>
+          <a:prstGeom prst="rect">
+            <a:avLst/>
+          </a:prstGeom>
+        </p:spPr>
+      </p:pic>
+      <p:sp>
+        <p:nvSpPr>
+          <p:cNvPr id="18" name="Rectangle 17">
+            <a:extLst>
+              <a:ext uri="{FF2B5EF4-FFF2-40B4-BE49-F238E27FC236}">
+                <a16:creationId xmlns:a16="http://schemas.microsoft.com/office/drawing/2014/main" id="{504BE77C-C23A-4545-973B-A8E168DAD774}"/>
+              </a:ext>
+              <a:ext uri="{C183D7F6-B498-43B3-948B-1728B52AA6E4}">
+                <adec:decorative xmlns:adec="http://schemas.microsoft.com/office/drawing/2017/decorative" val="1"/>
+              </a:ext>
+            </a:extLst>
+          </p:cNvPr>
+          <p:cNvSpPr>
+            <a:spLocks noGrp="1" noRot="1" noChangeAspect="1" noMove="1" noResize="1" noEditPoints="1" noAdjustHandles="1" noChangeArrowheads="1" noChangeShapeType="1" noTextEdit="1"/>
+          </p:cNvSpPr>
+          <p:nvPr>
+            <p:extLst>
+              <p:ext uri="{386F3935-93C4-4BCD-93E2-E3B085C9AB24}">
+                <p16:designElem xmlns:p16="http://schemas.microsoft.com/office/powerpoint/2015/main" val="1"/>
+              </p:ext>
+            </p:extLst>
+          </p:nvPr>
+        </p:nvSpPr>
+        <p:spPr>
+          <a:xfrm>
+            <a:off x="10437812" y="0"/>
+            <a:ext cx="685800" cy="1143000"/>
+          </a:xfrm>
+          <a:prstGeom prst="rect">
+            <a:avLst/>
+          </a:prstGeom>
+          <a:solidFill>
+            <a:schemeClr val="accent1"/>
+          </a:solidFill>
+          <a:ln>
+            <a:noFill/>
+          </a:ln>
+        </p:spPr>
+        <p:style>
+          <a:lnRef idx="1">
+            <a:schemeClr val="accent1"/>
+          </a:lnRef>
+          <a:fillRef idx="3">
+            <a:schemeClr val="accent1"/>
+          </a:fillRef>
+          <a:effectRef idx="2">
+            <a:schemeClr val="accent1"/>
+          </a:effectRef>
+          <a:fontRef idx="minor">
+            <a:schemeClr val="lt1"/>
+          </a:fontRef>
+        </p:style>
+      </p:sp>
+      <p:sp>
+        <p:nvSpPr>
+          <p:cNvPr id="4" name="슬라이드 번호 개체 틀 3">
+            <a:extLst>
+              <a:ext uri="{FF2B5EF4-FFF2-40B4-BE49-F238E27FC236}">
+                <a16:creationId xmlns:a16="http://schemas.microsoft.com/office/drawing/2014/main" id="{7C7AF90F-20AD-4056-A53F-8850186D285E}"/>
+              </a:ext>
+            </a:extLst>
+          </p:cNvPr>
+          <p:cNvSpPr>
+            <a:spLocks noGrp="1"/>
+          </p:cNvSpPr>
+          <p:nvPr>
+            <p:ph type="sldNum" sz="quarter" idx="12"/>
+          </p:nvPr>
+        </p:nvSpPr>
+        <p:spPr>
+          <a:xfrm>
+            <a:off x="10352540" y="295729"/>
+            <a:ext cx="838199" cy="767687"/>
+          </a:xfrm>
+        </p:spPr>
+        <p:txBody>
+          <a:bodyPr>
+            <a:normAutofit/>
+          </a:bodyPr>
+          <a:lstStyle/>
+          <a:p>
+            <a:pPr>
+              <a:spcAft>
+                <a:spcPts val="600"/>
+              </a:spcAft>
+            </a:pPr>
+            <a:fld id="{D57F1E4F-1CFF-5643-939E-217C01CDF565}" type="slidenum">
+              <a:rPr lang="en-US" smtClean="0"/>
+              <a:pPr>
+                <a:spcAft>
+                  <a:spcPts val="600"/>
+                </a:spcAft>
+              </a:pPr>
+              <a:t>10</a:t>
+            </a:fld>
+            <a:endParaRPr lang="en-US"/>
+          </a:p>
+        </p:txBody>
+      </p:sp>
+    </p:spTree>
+    <p:extLst>
+      <p:ext uri="{BB962C8B-B14F-4D97-AF65-F5344CB8AC3E}">
+        <p14:creationId xmlns:p14="http://schemas.microsoft.com/office/powerpoint/2010/main" val="750956834"/>
+      </p:ext>
+    </p:extLst>
+  </p:cSld>
+  <p:clrMapOvr>
+    <a:masterClrMapping/>
+  </p:clrMapOvr>
+</p:sld>
+</file>
+
+<file path=ppt/slides/slide11.xml><?xml version="1.0" encoding="utf-8"?>
+<p:sld xmlns:a="http://schemas.openxmlformats.org/drawingml/2006/main" xmlns:r="http://schemas.openxmlformats.org/officeDocument/2006/relationships" xmlns:p="http://schemas.openxmlformats.org/presentationml/2006/main">
+  <p:cSld>
+    <p:bg>
+      <p:bgPr>
+        <a:solidFill>
+          <a:schemeClr val="bg1"/>
+        </a:solidFill>
+        <a:effectLst/>
+      </p:bgPr>
+    </p:bg>
+    <p:spTree>
+      <p:nvGrpSpPr>
+        <p:cNvPr id="1" name=""/>
+        <p:cNvGrpSpPr/>
+        <p:nvPr/>
+      </p:nvGrpSpPr>
+      <p:grpSpPr>
+        <a:xfrm>
+          <a:off x="0" y="0"/>
+          <a:ext cx="0" cy="0"/>
+          <a:chOff x="0" y="0"/>
+          <a:chExt cx="0" cy="0"/>
+        </a:xfrm>
+      </p:grpSpPr>
+      <p:grpSp>
+        <p:nvGrpSpPr>
           <p:cNvPr id="23" name="Group 22">
             <a:extLst>
               <a:ext uri="{FF2B5EF4-FFF2-40B4-BE49-F238E27FC236}">
@@ -14963,7 +18956,7 @@
                   <a:spcPts val="600"/>
                 </a:spcAft>
               </a:pPr>
-              <a:t>10</a:t>
+              <a:t>11</a:t>
             </a:fld>
             <a:endParaRPr lang="en-US"/>
           </a:p>
@@ -14982,7 +18975,7 @@
 </p:sld>
 </file>
 
-<file path=ppt/slides/slide11.xml><?xml version="1.0" encoding="utf-8"?>
+<file path=ppt/slides/slide12.xml><?xml version="1.0" encoding="utf-8"?>
 <p:sld xmlns:a="http://schemas.openxmlformats.org/drawingml/2006/main" xmlns:r="http://schemas.openxmlformats.org/officeDocument/2006/relationships" xmlns:p="http://schemas.openxmlformats.org/presentationml/2006/main">
   <p:cSld>
     <p:bg>
@@ -16464,7 +20457,7 @@
                   <a:spcPts val="600"/>
                 </a:spcAft>
               </a:pPr>
-              <a:t>11</a:t>
+              <a:t>12</a:t>
             </a:fld>
             <a:endParaRPr lang="en-US"/>
           </a:p>
@@ -16483,7 +20476,7 @@
 </p:sld>
 </file>
 
-<file path=ppt/slides/slide12.xml><?xml version="1.0" encoding="utf-8"?>
+<file path=ppt/slides/slide13.xml><?xml version="1.0" encoding="utf-8"?>
 <p:sld xmlns:a="http://schemas.openxmlformats.org/drawingml/2006/main" xmlns:r="http://schemas.openxmlformats.org/officeDocument/2006/relationships" xmlns:p="http://schemas.openxmlformats.org/presentationml/2006/main">
   <p:cSld>
     <p:bg>
@@ -16584,7 +20577,7 @@
                   <a:spcPts val="600"/>
                 </a:spcAft>
               </a:pPr>
-              <a:t>12</a:t>
+              <a:t>13</a:t>
             </a:fld>
             <a:endParaRPr lang="en-US"/>
           </a:p>
@@ -16717,7 +20710,7 @@
 </p:sld>
 </file>
 
-<file path=ppt/slides/slide13.xml><?xml version="1.0" encoding="utf-8"?>
+<file path=ppt/slides/slide14.xml><?xml version="1.0" encoding="utf-8"?>
 <p:sld xmlns:a="http://schemas.openxmlformats.org/drawingml/2006/main" xmlns:r="http://schemas.openxmlformats.org/officeDocument/2006/relationships" xmlns:p="http://schemas.openxmlformats.org/presentationml/2006/main">
   <p:cSld>
     <p:spTree>
@@ -16878,7 +20871,7 @@
             <a:fld id="{D57F1E4F-1CFF-5643-939E-217C01CDF565}" type="slidenum">
               <a:rPr lang="en-US" smtClean="0"/>
               <a:pPr/>
-              <a:t>13</a:t>
+              <a:t>14</a:t>
             </a:fld>
             <a:endParaRPr lang="en-US" dirty="0"/>
           </a:p>
@@ -16897,7 +20890,7 @@
 </p:sld>
 </file>
 
-<file path=ppt/slides/slide14.xml><?xml version="1.0" encoding="utf-8"?>
+<file path=ppt/slides/slide15.xml><?xml version="1.0" encoding="utf-8"?>
 <p:sld xmlns:a="http://schemas.openxmlformats.org/drawingml/2006/main" xmlns:r="http://schemas.openxmlformats.org/officeDocument/2006/relationships" xmlns:p="http://schemas.openxmlformats.org/presentationml/2006/main">
   <p:cSld>
     <p:bg>
@@ -17632,7 +21625,7 @@
                   <a:spcPts val="600"/>
                 </a:spcAft>
               </a:pPr>
-              <a:t>14</a:t>
+              <a:t>15</a:t>
             </a:fld>
             <a:endParaRPr lang="en-US">
               <a:latin typeface="+mj-lt"/>
@@ -17745,7 +21738,7 @@
 </p:sld>
 </file>
 
-<file path=ppt/slides/slide15.xml><?xml version="1.0" encoding="utf-8"?>
+<file path=ppt/slides/slide16.xml><?xml version="1.0" encoding="utf-8"?>
 <p:sld xmlns:a="http://schemas.openxmlformats.org/drawingml/2006/main" xmlns:r="http://schemas.openxmlformats.org/officeDocument/2006/relationships" xmlns:p="http://schemas.openxmlformats.org/presentationml/2006/main">
   <p:cSld>
     <p:bg>
@@ -18480,7 +22473,7 @@
                   <a:spcPts val="600"/>
                 </a:spcAft>
               </a:pPr>
-              <a:t>15</a:t>
+              <a:t>16</a:t>
             </a:fld>
             <a:endParaRPr lang="en-US">
               <a:latin typeface="+mj-lt"/>
@@ -18593,7 +22586,7 @@
 </p:sld>
 </file>
 
-<file path=ppt/slides/slide16.xml><?xml version="1.0" encoding="utf-8"?>
+<file path=ppt/slides/slide17.xml><?xml version="1.0" encoding="utf-8"?>
 <p:sld xmlns:a="http://schemas.openxmlformats.org/drawingml/2006/main" xmlns:r="http://schemas.openxmlformats.org/officeDocument/2006/relationships" xmlns:p="http://schemas.openxmlformats.org/presentationml/2006/main">
   <p:cSld>
     <p:spTree>
@@ -18687,7 +22680,7 @@
             <a:fld id="{D57F1E4F-1CFF-5643-939E-217C01CDF565}" type="slidenum">
               <a:rPr lang="en-US" smtClean="0"/>
               <a:pPr/>
-              <a:t>16</a:t>
+              <a:t>17</a:t>
             </a:fld>
             <a:endParaRPr lang="en-US" dirty="0"/>
           </a:p>
@@ -25775,6 +29768,527 @@
       </p:grpSpPr>
       <p:sp>
         <p:nvSpPr>
+          <p:cNvPr id="4" name="슬라이드 번호 개체 틀 3">
+            <a:extLst>
+              <a:ext uri="{FF2B5EF4-FFF2-40B4-BE49-F238E27FC236}">
+                <a16:creationId xmlns:a16="http://schemas.microsoft.com/office/drawing/2014/main" id="{E74B3F7F-D208-4FEA-B6C5-A5AD4D7C5CC6}"/>
+              </a:ext>
+            </a:extLst>
+          </p:cNvPr>
+          <p:cNvSpPr>
+            <a:spLocks noGrp="1"/>
+          </p:cNvSpPr>
+          <p:nvPr>
+            <p:ph type="sldNum" sz="quarter" idx="12"/>
+          </p:nvPr>
+        </p:nvSpPr>
+        <p:spPr/>
+        <p:txBody>
+          <a:bodyPr/>
+          <a:lstStyle/>
+          <a:p>
+            <a:fld id="{D57F1E4F-1CFF-5643-939E-217C01CDF565}" type="slidenum">
+              <a:rPr lang="en-US" smtClean="0"/>
+              <a:pPr/>
+              <a:t>8</a:t>
+            </a:fld>
+            <a:endParaRPr lang="en-US" dirty="0"/>
+          </a:p>
+        </p:txBody>
+      </p:sp>
+      <p:grpSp>
+        <p:nvGrpSpPr>
+          <p:cNvPr id="28" name="그룹 27">
+            <a:extLst>
+              <a:ext uri="{FF2B5EF4-FFF2-40B4-BE49-F238E27FC236}">
+                <a16:creationId xmlns:a16="http://schemas.microsoft.com/office/drawing/2014/main" id="{B40945F9-461F-40AF-AC06-CC5F3C675B64}"/>
+              </a:ext>
+            </a:extLst>
+          </p:cNvPr>
+          <p:cNvGrpSpPr/>
+          <p:nvPr/>
+        </p:nvGrpSpPr>
+        <p:grpSpPr>
+          <a:xfrm>
+            <a:off x="566463" y="1126434"/>
+            <a:ext cx="3489749" cy="4722743"/>
+            <a:chOff x="1152859" y="1126434"/>
+            <a:chExt cx="3489749" cy="4722743"/>
+          </a:xfrm>
+        </p:grpSpPr>
+        <p:pic>
+          <p:nvPicPr>
+            <p:cNvPr id="11" name="그림 10">
+              <a:extLst>
+                <a:ext uri="{FF2B5EF4-FFF2-40B4-BE49-F238E27FC236}">
+                  <a16:creationId xmlns:a16="http://schemas.microsoft.com/office/drawing/2014/main" id="{B0F0686B-24CA-4C23-8911-03FA64B4231F}"/>
+                </a:ext>
+              </a:extLst>
+            </p:cNvPr>
+            <p:cNvPicPr>
+              <a:picLocks noChangeAspect="1"/>
+            </p:cNvPicPr>
+            <p:nvPr/>
+          </p:nvPicPr>
+          <p:blipFill>
+            <a:blip r:embed="rId2"/>
+            <a:stretch>
+              <a:fillRect/>
+            </a:stretch>
+          </p:blipFill>
+          <p:spPr>
+            <a:xfrm>
+              <a:off x="1152860" y="1126434"/>
+              <a:ext cx="3489748" cy="4722743"/>
+            </a:xfrm>
+            <a:prstGeom prst="rect">
+              <a:avLst/>
+            </a:prstGeom>
+          </p:spPr>
+        </p:pic>
+        <p:sp>
+          <p:nvSpPr>
+            <p:cNvPr id="13" name="직사각형 12">
+              <a:extLst>
+                <a:ext uri="{FF2B5EF4-FFF2-40B4-BE49-F238E27FC236}">
+                  <a16:creationId xmlns:a16="http://schemas.microsoft.com/office/drawing/2014/main" id="{7F440AD1-FEDD-4004-8A33-11284BD1D278}"/>
+                </a:ext>
+              </a:extLst>
+            </p:cNvPr>
+            <p:cNvSpPr/>
+            <p:nvPr/>
+          </p:nvSpPr>
+          <p:spPr>
+            <a:xfrm>
+              <a:off x="2707804" y="1404046"/>
+              <a:ext cx="601734" cy="141585"/>
+            </a:xfrm>
+            <a:prstGeom prst="rect">
+              <a:avLst/>
+            </a:prstGeom>
+            <a:noFill/>
+          </p:spPr>
+          <p:style>
+            <a:lnRef idx="2">
+              <a:schemeClr val="accent1">
+                <a:shade val="50000"/>
+              </a:schemeClr>
+            </a:lnRef>
+            <a:fillRef idx="1">
+              <a:schemeClr val="accent1"/>
+            </a:fillRef>
+            <a:effectRef idx="0">
+              <a:schemeClr val="accent1"/>
+            </a:effectRef>
+            <a:fontRef idx="minor">
+              <a:schemeClr val="lt1"/>
+            </a:fontRef>
+          </p:style>
+          <p:txBody>
+            <a:bodyPr rtlCol="0" anchor="ctr"/>
+            <a:lstStyle/>
+            <a:p>
+              <a:pPr algn="ctr"/>
+              <a:endParaRPr lang="ko-KR" altLang="en-US"/>
+            </a:p>
+          </p:txBody>
+        </p:sp>
+        <p:sp>
+          <p:nvSpPr>
+            <p:cNvPr id="14" name="직사각형 13">
+              <a:extLst>
+                <a:ext uri="{FF2B5EF4-FFF2-40B4-BE49-F238E27FC236}">
+                  <a16:creationId xmlns:a16="http://schemas.microsoft.com/office/drawing/2014/main" id="{D06750B7-BC3A-4CE2-A0A8-7CEB377BC155}"/>
+                </a:ext>
+              </a:extLst>
+            </p:cNvPr>
+            <p:cNvSpPr/>
+            <p:nvPr/>
+          </p:nvSpPr>
+          <p:spPr>
+            <a:xfrm>
+              <a:off x="2707804" y="2335160"/>
+              <a:ext cx="601734" cy="141585"/>
+            </a:xfrm>
+            <a:prstGeom prst="rect">
+              <a:avLst/>
+            </a:prstGeom>
+            <a:noFill/>
+          </p:spPr>
+          <p:style>
+            <a:lnRef idx="2">
+              <a:schemeClr val="accent1">
+                <a:shade val="50000"/>
+              </a:schemeClr>
+            </a:lnRef>
+            <a:fillRef idx="1">
+              <a:schemeClr val="accent1"/>
+            </a:fillRef>
+            <a:effectRef idx="0">
+              <a:schemeClr val="accent1"/>
+            </a:effectRef>
+            <a:fontRef idx="minor">
+              <a:schemeClr val="lt1"/>
+            </a:fontRef>
+          </p:style>
+          <p:txBody>
+            <a:bodyPr rtlCol="0" anchor="ctr"/>
+            <a:lstStyle/>
+            <a:p>
+              <a:pPr algn="ctr"/>
+              <a:endParaRPr lang="ko-KR" altLang="en-US"/>
+            </a:p>
+          </p:txBody>
+        </p:sp>
+        <p:sp>
+          <p:nvSpPr>
+            <p:cNvPr id="16" name="직사각형 15">
+              <a:extLst>
+                <a:ext uri="{FF2B5EF4-FFF2-40B4-BE49-F238E27FC236}">
+                  <a16:creationId xmlns:a16="http://schemas.microsoft.com/office/drawing/2014/main" id="{8C8B049F-2F14-410B-86F4-8C901F1EE3FB}"/>
+                </a:ext>
+              </a:extLst>
+            </p:cNvPr>
+            <p:cNvSpPr/>
+            <p:nvPr/>
+          </p:nvSpPr>
+          <p:spPr>
+            <a:xfrm>
+              <a:off x="1152860" y="4524805"/>
+              <a:ext cx="705437" cy="159283"/>
+            </a:xfrm>
+            <a:prstGeom prst="rect">
+              <a:avLst/>
+            </a:prstGeom>
+            <a:noFill/>
+            <a:ln>
+              <a:solidFill>
+                <a:schemeClr val="accent2"/>
+              </a:solidFill>
+            </a:ln>
+          </p:spPr>
+          <p:style>
+            <a:lnRef idx="2">
+              <a:schemeClr val="accent1">
+                <a:shade val="50000"/>
+              </a:schemeClr>
+            </a:lnRef>
+            <a:fillRef idx="1">
+              <a:schemeClr val="accent1"/>
+            </a:fillRef>
+            <a:effectRef idx="0">
+              <a:schemeClr val="accent1"/>
+            </a:effectRef>
+            <a:fontRef idx="minor">
+              <a:schemeClr val="lt1"/>
+            </a:fontRef>
+          </p:style>
+          <p:txBody>
+            <a:bodyPr rtlCol="0" anchor="ctr"/>
+            <a:lstStyle/>
+            <a:p>
+              <a:pPr algn="ctr"/>
+              <a:endParaRPr lang="ko-KR" altLang="en-US"/>
+            </a:p>
+          </p:txBody>
+        </p:sp>
+        <p:sp>
+          <p:nvSpPr>
+            <p:cNvPr id="17" name="직사각형 16">
+              <a:extLst>
+                <a:ext uri="{FF2B5EF4-FFF2-40B4-BE49-F238E27FC236}">
+                  <a16:creationId xmlns:a16="http://schemas.microsoft.com/office/drawing/2014/main" id="{1C08C80A-9A8A-44CE-AA03-F9F36FECD80E}"/>
+                </a:ext>
+              </a:extLst>
+            </p:cNvPr>
+            <p:cNvSpPr/>
+            <p:nvPr/>
+          </p:nvSpPr>
+          <p:spPr>
+            <a:xfrm>
+              <a:off x="1152859" y="4706702"/>
+              <a:ext cx="929613" cy="159283"/>
+            </a:xfrm>
+            <a:prstGeom prst="rect">
+              <a:avLst/>
+            </a:prstGeom>
+            <a:noFill/>
+            <a:ln>
+              <a:solidFill>
+                <a:schemeClr val="accent2"/>
+              </a:solidFill>
+            </a:ln>
+          </p:spPr>
+          <p:style>
+            <a:lnRef idx="2">
+              <a:schemeClr val="accent1">
+                <a:shade val="50000"/>
+              </a:schemeClr>
+            </a:lnRef>
+            <a:fillRef idx="1">
+              <a:schemeClr val="accent1"/>
+            </a:fillRef>
+            <a:effectRef idx="0">
+              <a:schemeClr val="accent1"/>
+            </a:effectRef>
+            <a:fontRef idx="minor">
+              <a:schemeClr val="lt1"/>
+            </a:fontRef>
+          </p:style>
+          <p:txBody>
+            <a:bodyPr rtlCol="0" anchor="ctr"/>
+            <a:lstStyle/>
+            <a:p>
+              <a:pPr algn="ctr"/>
+              <a:endParaRPr lang="ko-KR" altLang="en-US"/>
+            </a:p>
+          </p:txBody>
+        </p:sp>
+        <p:cxnSp>
+          <p:nvCxnSpPr>
+            <p:cNvPr id="20" name="연결선: 꺾임 19">
+              <a:extLst>
+                <a:ext uri="{FF2B5EF4-FFF2-40B4-BE49-F238E27FC236}">
+                  <a16:creationId xmlns:a16="http://schemas.microsoft.com/office/drawing/2014/main" id="{652A5060-2C5B-40BA-98F1-00451CE7F4E0}"/>
+                </a:ext>
+              </a:extLst>
+            </p:cNvPr>
+            <p:cNvCxnSpPr/>
+            <p:nvPr/>
+          </p:nvCxnSpPr>
+          <p:spPr>
+            <a:xfrm rot="16200000" flipH="1">
+              <a:off x="1687395" y="3055865"/>
+              <a:ext cx="3746090" cy="725621"/>
+            </a:xfrm>
+            <a:prstGeom prst="bentConnector3">
+              <a:avLst/>
+            </a:prstGeom>
+            <a:ln>
+              <a:solidFill>
+                <a:schemeClr val="tx1"/>
+              </a:solidFill>
+              <a:tailEnd type="triangle"/>
+            </a:ln>
+          </p:spPr>
+          <p:style>
+            <a:lnRef idx="1">
+              <a:schemeClr val="accent1"/>
+            </a:lnRef>
+            <a:fillRef idx="0">
+              <a:schemeClr val="accent1"/>
+            </a:fillRef>
+            <a:effectRef idx="0">
+              <a:schemeClr val="accent1"/>
+            </a:effectRef>
+            <a:fontRef idx="minor">
+              <a:schemeClr val="tx1"/>
+            </a:fontRef>
+          </p:style>
+        </p:cxnSp>
+        <p:cxnSp>
+          <p:nvCxnSpPr>
+            <p:cNvPr id="25" name="연결선: 꺾임 24">
+              <a:extLst>
+                <a:ext uri="{FF2B5EF4-FFF2-40B4-BE49-F238E27FC236}">
+                  <a16:creationId xmlns:a16="http://schemas.microsoft.com/office/drawing/2014/main" id="{0EA89693-3D51-4F3E-9ADC-35CB89E298C6}"/>
+                </a:ext>
+              </a:extLst>
+            </p:cNvPr>
+            <p:cNvCxnSpPr/>
+            <p:nvPr/>
+          </p:nvCxnSpPr>
+          <p:spPr>
+            <a:xfrm>
+              <a:off x="1858297" y="4604446"/>
+              <a:ext cx="1451241" cy="380509"/>
+            </a:xfrm>
+            <a:prstGeom prst="bentConnector3">
+              <a:avLst/>
+            </a:prstGeom>
+            <a:ln>
+              <a:solidFill>
+                <a:schemeClr val="tx1"/>
+              </a:solidFill>
+              <a:tailEnd type="triangle"/>
+            </a:ln>
+          </p:spPr>
+          <p:style>
+            <a:lnRef idx="1">
+              <a:schemeClr val="accent1"/>
+            </a:lnRef>
+            <a:fillRef idx="0">
+              <a:schemeClr val="accent1"/>
+            </a:fillRef>
+            <a:effectRef idx="0">
+              <a:schemeClr val="accent1"/>
+            </a:effectRef>
+            <a:fontRef idx="minor">
+              <a:schemeClr val="tx1"/>
+            </a:fontRef>
+          </p:style>
+        </p:cxnSp>
+      </p:grpSp>
+      <p:graphicFrame>
+        <p:nvGraphicFramePr>
+          <p:cNvPr id="5" name="다이어그램 4">
+            <a:extLst>
+              <a:ext uri="{FF2B5EF4-FFF2-40B4-BE49-F238E27FC236}">
+                <a16:creationId xmlns:a16="http://schemas.microsoft.com/office/drawing/2014/main" id="{ECAADE8E-60D6-4DE8-B902-4E56C1A074AB}"/>
+              </a:ext>
+            </a:extLst>
+          </p:cNvPr>
+          <p:cNvGraphicFramePr/>
+          <p:nvPr>
+            <p:extLst>
+              <p:ext uri="{D42A27DB-BD31-4B8C-83A1-F6EECF244321}">
+                <p14:modId xmlns:p14="http://schemas.microsoft.com/office/powerpoint/2010/main" val="2616647020"/>
+              </p:ext>
+            </p:extLst>
+          </p:nvPr>
+        </p:nvGraphicFramePr>
+        <p:xfrm>
+          <a:off x="4306573" y="1096594"/>
+          <a:ext cx="4223026" cy="5074917"/>
+        </p:xfrm>
+        <a:graphic>
+          <a:graphicData uri="http://schemas.openxmlformats.org/drawingml/2006/diagram">
+            <dgm:relIds xmlns:dgm="http://schemas.openxmlformats.org/drawingml/2006/diagram" xmlns:r="http://schemas.openxmlformats.org/officeDocument/2006/relationships" r:dm="rId3" r:lo="rId4" r:qs="rId5" r:cs="rId6"/>
+          </a:graphicData>
+        </a:graphic>
+      </p:graphicFrame>
+      <p:sp>
+        <p:nvSpPr>
+          <p:cNvPr id="12" name="화살표: 오른쪽 11">
+            <a:extLst>
+              <a:ext uri="{FF2B5EF4-FFF2-40B4-BE49-F238E27FC236}">
+                <a16:creationId xmlns:a16="http://schemas.microsoft.com/office/drawing/2014/main" id="{92FDBA26-282F-4871-A36A-648C5B47793F}"/>
+              </a:ext>
+            </a:extLst>
+          </p:cNvPr>
+          <p:cNvSpPr/>
+          <p:nvPr/>
+        </p:nvSpPr>
+        <p:spPr>
+          <a:xfrm rot="10800000">
+            <a:off x="3336855" y="1643317"/>
+            <a:ext cx="777177" cy="616226"/>
+          </a:xfrm>
+          <a:prstGeom prst="rightArrow">
+            <a:avLst/>
+          </a:prstGeom>
+        </p:spPr>
+        <p:style>
+          <a:lnRef idx="2">
+            <a:schemeClr val="accent1">
+              <a:shade val="50000"/>
+            </a:schemeClr>
+          </a:lnRef>
+          <a:fillRef idx="1">
+            <a:schemeClr val="accent1"/>
+          </a:fillRef>
+          <a:effectRef idx="0">
+            <a:schemeClr val="accent1"/>
+          </a:effectRef>
+          <a:fontRef idx="minor">
+            <a:schemeClr val="lt1"/>
+          </a:fontRef>
+        </p:style>
+        <p:txBody>
+          <a:bodyPr rtlCol="0" anchor="ctr"/>
+          <a:lstStyle/>
+          <a:p>
+            <a:pPr algn="ctr"/>
+            <a:endParaRPr lang="ko-KR" altLang="en-US"/>
+          </a:p>
+        </p:txBody>
+      </p:sp>
+      <p:sp>
+        <p:nvSpPr>
+          <p:cNvPr id="18" name="화살표: 오른쪽 17">
+            <a:extLst>
+              <a:ext uri="{FF2B5EF4-FFF2-40B4-BE49-F238E27FC236}">
+                <a16:creationId xmlns:a16="http://schemas.microsoft.com/office/drawing/2014/main" id="{9BD49FD3-9B95-42AE-B2FA-5C7D8F4865F1}"/>
+              </a:ext>
+            </a:extLst>
+          </p:cNvPr>
+          <p:cNvSpPr/>
+          <p:nvPr/>
+        </p:nvSpPr>
+        <p:spPr>
+          <a:xfrm rot="10800000">
+            <a:off x="3378802" y="4020499"/>
+            <a:ext cx="835376" cy="673169"/>
+          </a:xfrm>
+          <a:prstGeom prst="rightArrow">
+            <a:avLst/>
+          </a:prstGeom>
+          <a:solidFill>
+            <a:schemeClr val="accent2"/>
+          </a:solidFill>
+          <a:ln>
+            <a:solidFill>
+              <a:schemeClr val="accent2"/>
+            </a:solidFill>
+          </a:ln>
+        </p:spPr>
+        <p:style>
+          <a:lnRef idx="2">
+            <a:schemeClr val="accent1">
+              <a:shade val="50000"/>
+            </a:schemeClr>
+          </a:lnRef>
+          <a:fillRef idx="1">
+            <a:schemeClr val="accent1"/>
+          </a:fillRef>
+          <a:effectRef idx="0">
+            <a:schemeClr val="accent1"/>
+          </a:effectRef>
+          <a:fontRef idx="minor">
+            <a:schemeClr val="lt1"/>
+          </a:fontRef>
+        </p:style>
+        <p:txBody>
+          <a:bodyPr rtlCol="0" anchor="ctr"/>
+          <a:lstStyle/>
+          <a:p>
+            <a:pPr algn="ctr"/>
+            <a:endParaRPr lang="ko-KR" altLang="en-US"/>
+          </a:p>
+        </p:txBody>
+      </p:sp>
+    </p:spTree>
+    <p:extLst>
+      <p:ext uri="{BB962C8B-B14F-4D97-AF65-F5344CB8AC3E}">
+        <p14:creationId xmlns:p14="http://schemas.microsoft.com/office/powerpoint/2010/main" val="4203000746"/>
+      </p:ext>
+    </p:extLst>
+  </p:cSld>
+  <p:clrMapOvr>
+    <a:masterClrMapping/>
+  </p:clrMapOvr>
+</p:sld>
+</file>
+
+<file path=ppt/slides/slide9.xml><?xml version="1.0" encoding="utf-8"?>
+<p:sld xmlns:a="http://schemas.openxmlformats.org/drawingml/2006/main" xmlns:r="http://schemas.openxmlformats.org/officeDocument/2006/relationships" xmlns:p="http://schemas.openxmlformats.org/presentationml/2006/main">
+  <p:cSld>
+    <p:spTree>
+      <p:nvGrpSpPr>
+        <p:cNvPr id="1" name=""/>
+        <p:cNvGrpSpPr/>
+        <p:nvPr/>
+      </p:nvGrpSpPr>
+      <p:grpSpPr>
+        <a:xfrm>
+          <a:off x="0" y="0"/>
+          <a:ext cx="0" cy="0"/>
+          <a:chOff x="0" y="0"/>
+          <a:chExt cx="0" cy="0"/>
+        </a:xfrm>
+      </p:grpSpPr>
+      <p:sp>
+        <p:nvSpPr>
           <p:cNvPr id="2" name="제목 1">
             <a:extLst>
               <a:ext uri="{FF2B5EF4-FFF2-40B4-BE49-F238E27FC236}">
@@ -25795,46 +30309,41 @@
           <a:lstStyle/>
           <a:p>
             <a:r>
-              <a:rPr lang="ko-KR" altLang="en-US" dirty="0" err="1"/>
-              <a:t>장혁재</a:t>
+              <a:rPr lang="ko-KR" altLang="en-US" dirty="0"/>
+              <a:t>층별 매장 레이아웃 설정</a:t>
             </a:r>
-            <a:r>
-              <a:rPr lang="ko-KR" altLang="en-US" dirty="0"/>
-              <a:t> </a:t>
-            </a:r>
-            <a:r>
-              <a:rPr lang="ko-KR" altLang="en-US" dirty="0" err="1"/>
-              <a:t>작업물</a:t>
-            </a:r>
-            <a:endParaRPr lang="ko-KR" altLang="en-US" dirty="0"/>
           </a:p>
         </p:txBody>
       </p:sp>
-      <p:sp>
-        <p:nvSpPr>
-          <p:cNvPr id="3" name="내용 개체 틀 2">
+      <p:pic>
+        <p:nvPicPr>
+          <p:cNvPr id="6" name="내용 개체 틀 5">
             <a:extLst>
               <a:ext uri="{FF2B5EF4-FFF2-40B4-BE49-F238E27FC236}">
-                <a16:creationId xmlns:a16="http://schemas.microsoft.com/office/drawing/2014/main" id="{E3F8FE2E-D6AB-47CD-8F37-AC94A8AA6B94}"/>
+                <a16:creationId xmlns:a16="http://schemas.microsoft.com/office/drawing/2014/main" id="{1C727AB2-D7E1-46E8-B01C-36F472840E1E}"/>
               </a:ext>
             </a:extLst>
           </p:cNvPr>
-          <p:cNvSpPr>
-            <a:spLocks noGrp="1"/>
-          </p:cNvSpPr>
+          <p:cNvPicPr>
+            <a:picLocks noGrp="1" noChangeAspect="1"/>
+          </p:cNvPicPr>
           <p:nvPr>
             <p:ph idx="1"/>
           </p:nvPr>
-        </p:nvSpPr>
-        <p:spPr/>
-        <p:txBody>
-          <a:bodyPr/>
-          <a:lstStyle/>
-          <a:p>
-            <a:endParaRPr lang="ko-KR" altLang="en-US"/>
-          </a:p>
-        </p:txBody>
-      </p:sp>
+        </p:nvPicPr>
+        <p:blipFill>
+          <a:blip r:embed="rId2"/>
+          <a:stretch>
+            <a:fillRect/>
+          </a:stretch>
+        </p:blipFill>
+        <p:spPr>
+          <a:xfrm>
+            <a:off x="2686692" y="2603500"/>
+            <a:ext cx="5699429" cy="3416300"/>
+          </a:xfrm>
+        </p:spPr>
+      </p:pic>
       <p:sp>
         <p:nvSpPr>
           <p:cNvPr id="4" name="슬라이드 번호 개체 틀 3">
@@ -25859,7 +30368,7 @@
             <a:fld id="{D57F1E4F-1CFF-5643-939E-217C01CDF565}" type="slidenum">
               <a:rPr lang="en-US" smtClean="0"/>
               <a:pPr/>
-              <a:t>8</a:t>
+              <a:t>9</a:t>
             </a:fld>
             <a:endParaRPr lang="en-US" dirty="0"/>
           </a:p>
@@ -25869,812 +30378,6 @@
     <p:extLst>
       <p:ext uri="{BB962C8B-B14F-4D97-AF65-F5344CB8AC3E}">
         <p14:creationId xmlns:p14="http://schemas.microsoft.com/office/powerpoint/2010/main" val="3307227321"/>
-      </p:ext>
-    </p:extLst>
-  </p:cSld>
-  <p:clrMapOvr>
-    <a:masterClrMapping/>
-  </p:clrMapOvr>
-</p:sld>
-</file>
-
-<file path=ppt/slides/slide9.xml><?xml version="1.0" encoding="utf-8"?>
-<p:sld xmlns:a="http://schemas.openxmlformats.org/drawingml/2006/main" xmlns:r="http://schemas.openxmlformats.org/officeDocument/2006/relationships" xmlns:p="http://schemas.openxmlformats.org/presentationml/2006/main">
-  <p:cSld>
-    <p:bg>
-      <p:bgPr>
-        <a:solidFill>
-          <a:schemeClr val="bg1"/>
-        </a:solidFill>
-        <a:effectLst/>
-      </p:bgPr>
-    </p:bg>
-    <p:spTree>
-      <p:nvGrpSpPr>
-        <p:cNvPr id="1" name=""/>
-        <p:cNvGrpSpPr/>
-        <p:nvPr/>
-      </p:nvGrpSpPr>
-      <p:grpSpPr>
-        <a:xfrm>
-          <a:off x="0" y="0"/>
-          <a:ext cx="0" cy="0"/>
-          <a:chOff x="0" y="0"/>
-          <a:chExt cx="0" cy="0"/>
-        </a:xfrm>
-      </p:grpSpPr>
-      <p:grpSp>
-        <p:nvGrpSpPr>
-          <p:cNvPr id="11" name="Group 10">
-            <a:extLst>
-              <a:ext uri="{FF2B5EF4-FFF2-40B4-BE49-F238E27FC236}">
-                <a16:creationId xmlns:a16="http://schemas.microsoft.com/office/drawing/2014/main" id="{FAF0DFF8-8744-4518-AA8B-D5D61EA97F94}"/>
-              </a:ext>
-              <a:ext uri="{C183D7F6-B498-43B3-948B-1728B52AA6E4}">
-                <adec:decorative xmlns:adec="http://schemas.microsoft.com/office/drawing/2017/decorative" val="1"/>
-              </a:ext>
-            </a:extLst>
-          </p:cNvPr>
-          <p:cNvGrpSpPr>
-            <a:grpSpLocks noGrp="1" noUngrp="1" noRot="1" noChangeAspect="1" noMove="1" noResize="1"/>
-          </p:cNvGrpSpPr>
-          <p:nvPr>
-            <p:extLst>
-              <p:ext uri="{386F3935-93C4-4BCD-93E2-E3B085C9AB24}">
-                <p16:designElem xmlns:p16="http://schemas.microsoft.com/office/powerpoint/2015/main" val="1"/>
-              </p:ext>
-            </p:extLst>
-          </p:nvPr>
-        </p:nvGrpSpPr>
-        <p:grpSpPr>
-          <a:xfrm>
-            <a:off x="-1588" y="0"/>
-            <a:ext cx="12193588" cy="6861555"/>
-            <a:chOff x="-1588" y="0"/>
-            <a:chExt cx="12193588" cy="6861555"/>
-          </a:xfrm>
-        </p:grpSpPr>
-        <p:sp>
-          <p:nvSpPr>
-            <p:cNvPr id="12" name="Rectangle 11">
-              <a:extLst>
-                <a:ext uri="{FF2B5EF4-FFF2-40B4-BE49-F238E27FC236}">
-                  <a16:creationId xmlns:a16="http://schemas.microsoft.com/office/drawing/2014/main" id="{A6CC52FC-00BC-4253-8E5D-55C78127CF69}"/>
-                </a:ext>
-                <a:ext uri="{C183D7F6-B498-43B3-948B-1728B52AA6E4}">
-                  <adec:decorative xmlns:adec="http://schemas.microsoft.com/office/drawing/2017/decorative" val="1"/>
-                </a:ext>
-              </a:extLst>
-            </p:cNvPr>
-            <p:cNvSpPr/>
-            <p:nvPr>
-              <p:extLst>
-                <p:ext uri="{386F3935-93C4-4BCD-93E2-E3B085C9AB24}">
-                  <p16:designElem xmlns:p16="http://schemas.microsoft.com/office/powerpoint/2015/main" val="1"/>
-                </p:ext>
-              </p:extLst>
-            </p:nvPr>
-          </p:nvSpPr>
-          <p:spPr>
-            <a:xfrm>
-              <a:off x="0" y="0"/>
-              <a:ext cx="12192000" cy="6858000"/>
-            </a:xfrm>
-            <a:prstGeom prst="rect">
-              <a:avLst/>
-            </a:prstGeom>
-            <a:blipFill>
-              <a:blip r:embed="rId2">
-                <a:duotone>
-                  <a:schemeClr val="dk2">
-                    <a:shade val="69000"/>
-                    <a:hueMod val="108000"/>
-                    <a:satMod val="164000"/>
-                    <a:lumMod val="74000"/>
-                  </a:schemeClr>
-                  <a:schemeClr val="dk2">
-                    <a:tint val="96000"/>
-                    <a:hueMod val="88000"/>
-                    <a:satMod val="140000"/>
-                    <a:lumMod val="132000"/>
-                  </a:schemeClr>
-                </a:duotone>
-              </a:blip>
-              <a:stretch>
-                <a:fillRect/>
-              </a:stretch>
-            </a:blipFill>
-            <a:ln>
-              <a:noFill/>
-            </a:ln>
-          </p:spPr>
-          <p:style>
-            <a:lnRef idx="2">
-              <a:schemeClr val="accent1">
-                <a:shade val="50000"/>
-              </a:schemeClr>
-            </a:lnRef>
-            <a:fillRef idx="1">
-              <a:schemeClr val="accent1"/>
-            </a:fillRef>
-            <a:effectRef idx="0">
-              <a:schemeClr val="accent1"/>
-            </a:effectRef>
-            <a:fontRef idx="minor">
-              <a:schemeClr val="lt1"/>
-            </a:fontRef>
-          </p:style>
-        </p:sp>
-        <p:sp>
-          <p:nvSpPr>
-            <p:cNvPr id="13" name="Oval 12">
-              <a:extLst>
-                <a:ext uri="{FF2B5EF4-FFF2-40B4-BE49-F238E27FC236}">
-                  <a16:creationId xmlns:a16="http://schemas.microsoft.com/office/drawing/2014/main" id="{742BD597-0F5C-42C6-BA55-0A182A5472E4}"/>
-                </a:ext>
-                <a:ext uri="{C183D7F6-B498-43B3-948B-1728B52AA6E4}">
-                  <adec:decorative xmlns:adec="http://schemas.microsoft.com/office/drawing/2017/decorative" val="1"/>
-                </a:ext>
-              </a:extLst>
-            </p:cNvPr>
-            <p:cNvSpPr/>
-            <p:nvPr>
-              <p:extLst>
-                <p:ext uri="{386F3935-93C4-4BCD-93E2-E3B085C9AB24}">
-                  <p16:designElem xmlns:p16="http://schemas.microsoft.com/office/powerpoint/2015/main" val="1"/>
-                </p:ext>
-              </p:extLst>
-            </p:nvPr>
-          </p:nvSpPr>
-          <p:spPr>
-            <a:xfrm>
-              <a:off x="8761412" y="1828800"/>
-              <a:ext cx="2819400" cy="2819400"/>
-            </a:xfrm>
-            <a:prstGeom prst="ellipse">
-              <a:avLst/>
-            </a:prstGeom>
-            <a:gradFill flip="none" rotWithShape="1">
-              <a:gsLst>
-                <a:gs pos="0">
-                  <a:schemeClr val="accent5">
-                    <a:alpha val="7000"/>
-                  </a:schemeClr>
-                </a:gs>
-                <a:gs pos="69000">
-                  <a:schemeClr val="accent5">
-                    <a:alpha val="0"/>
-                  </a:schemeClr>
-                </a:gs>
-                <a:gs pos="36000">
-                  <a:schemeClr val="accent5">
-                    <a:alpha val="6000"/>
-                  </a:schemeClr>
-                </a:gs>
-              </a:gsLst>
-              <a:path path="circle">
-                <a:fillToRect l="50000" t="50000" r="50000" b="50000"/>
-              </a:path>
-              <a:tileRect/>
-            </a:gradFill>
-            <a:ln>
-              <a:noFill/>
-            </a:ln>
-            <a:effectLst/>
-          </p:spPr>
-          <p:style>
-            <a:lnRef idx="1">
-              <a:schemeClr val="accent1"/>
-            </a:lnRef>
-            <a:fillRef idx="3">
-              <a:schemeClr val="accent1"/>
-            </a:fillRef>
-            <a:effectRef idx="2">
-              <a:schemeClr val="accent1"/>
-            </a:effectRef>
-            <a:fontRef idx="minor">
-              <a:schemeClr val="lt1"/>
-            </a:fontRef>
-          </p:style>
-        </p:sp>
-        <p:sp>
-          <p:nvSpPr>
-            <p:cNvPr id="14" name="Oval 13">
-              <a:extLst>
-                <a:ext uri="{FF2B5EF4-FFF2-40B4-BE49-F238E27FC236}">
-                  <a16:creationId xmlns:a16="http://schemas.microsoft.com/office/drawing/2014/main" id="{DCA70CFE-449E-4D12-8358-8B4C877EE537}"/>
-                </a:ext>
-                <a:ext uri="{C183D7F6-B498-43B3-948B-1728B52AA6E4}">
-                  <adec:decorative xmlns:adec="http://schemas.microsoft.com/office/drawing/2017/decorative" val="1"/>
-                </a:ext>
-              </a:extLst>
-            </p:cNvPr>
-            <p:cNvSpPr/>
-            <p:nvPr>
-              <p:extLst>
-                <p:ext uri="{386F3935-93C4-4BCD-93E2-E3B085C9AB24}">
-                  <p16:designElem xmlns:p16="http://schemas.microsoft.com/office/powerpoint/2015/main" val="1"/>
-                </p:ext>
-              </p:extLst>
-            </p:nvPr>
-          </p:nvSpPr>
-          <p:spPr>
-            <a:xfrm>
-              <a:off x="8761412" y="5870955"/>
-              <a:ext cx="990600" cy="990600"/>
-            </a:xfrm>
-            <a:prstGeom prst="ellipse">
-              <a:avLst/>
-            </a:prstGeom>
-            <a:gradFill flip="none" rotWithShape="1">
-              <a:gsLst>
-                <a:gs pos="0">
-                  <a:schemeClr val="accent5">
-                    <a:alpha val="14000"/>
-                  </a:schemeClr>
-                </a:gs>
-                <a:gs pos="66000">
-                  <a:schemeClr val="accent5">
-                    <a:alpha val="0"/>
-                  </a:schemeClr>
-                </a:gs>
-                <a:gs pos="36000">
-                  <a:schemeClr val="accent5">
-                    <a:alpha val="7000"/>
-                  </a:schemeClr>
-                </a:gs>
-              </a:gsLst>
-              <a:path path="circle">
-                <a:fillToRect l="50000" t="50000" r="50000" b="50000"/>
-              </a:path>
-              <a:tileRect/>
-            </a:gradFill>
-            <a:ln>
-              <a:noFill/>
-            </a:ln>
-            <a:effectLst/>
-          </p:spPr>
-          <p:style>
-            <a:lnRef idx="1">
-              <a:schemeClr val="accent1"/>
-            </a:lnRef>
-            <a:fillRef idx="3">
-              <a:schemeClr val="accent1"/>
-            </a:fillRef>
-            <a:effectRef idx="2">
-              <a:schemeClr val="accent1"/>
-            </a:effectRef>
-            <a:fontRef idx="minor">
-              <a:schemeClr val="lt1"/>
-            </a:fontRef>
-          </p:style>
-        </p:sp>
-        <p:sp>
-          <p:nvSpPr>
-            <p:cNvPr id="15" name="Oval 14">
-              <a:extLst>
-                <a:ext uri="{FF2B5EF4-FFF2-40B4-BE49-F238E27FC236}">
-                  <a16:creationId xmlns:a16="http://schemas.microsoft.com/office/drawing/2014/main" id="{2082AE94-EBCE-4F8E-994B-BD7F9312921E}"/>
-                </a:ext>
-                <a:ext uri="{C183D7F6-B498-43B3-948B-1728B52AA6E4}">
-                  <adec:decorative xmlns:adec="http://schemas.microsoft.com/office/drawing/2017/decorative" val="1"/>
-                </a:ext>
-              </a:extLst>
-            </p:cNvPr>
-            <p:cNvSpPr/>
-            <p:nvPr>
-              <p:extLst>
-                <p:ext uri="{386F3935-93C4-4BCD-93E2-E3B085C9AB24}">
-                  <p16:designElem xmlns:p16="http://schemas.microsoft.com/office/powerpoint/2015/main" val="1"/>
-                </p:ext>
-              </p:extLst>
-            </p:nvPr>
-          </p:nvSpPr>
-          <p:spPr>
-            <a:xfrm>
-              <a:off x="-1588" y="2667000"/>
-              <a:ext cx="4191000" cy="4191000"/>
-            </a:xfrm>
-            <a:prstGeom prst="ellipse">
-              <a:avLst/>
-            </a:prstGeom>
-            <a:gradFill flip="none" rotWithShape="1">
-              <a:gsLst>
-                <a:gs pos="0">
-                  <a:schemeClr val="accent5">
-                    <a:alpha val="11000"/>
-                  </a:schemeClr>
-                </a:gs>
-                <a:gs pos="75000">
-                  <a:schemeClr val="accent5">
-                    <a:alpha val="0"/>
-                  </a:schemeClr>
-                </a:gs>
-                <a:gs pos="36000">
-                  <a:schemeClr val="accent5">
-                    <a:alpha val="10000"/>
-                  </a:schemeClr>
-                </a:gs>
-              </a:gsLst>
-              <a:path path="circle">
-                <a:fillToRect l="50000" t="50000" r="50000" b="50000"/>
-              </a:path>
-              <a:tileRect/>
-            </a:gradFill>
-            <a:ln>
-              <a:noFill/>
-            </a:ln>
-            <a:effectLst/>
-          </p:spPr>
-          <p:style>
-            <a:lnRef idx="1">
-              <a:schemeClr val="accent1"/>
-            </a:lnRef>
-            <a:fillRef idx="3">
-              <a:schemeClr val="accent1"/>
-            </a:fillRef>
-            <a:effectRef idx="2">
-              <a:schemeClr val="accent1"/>
-            </a:effectRef>
-            <a:fontRef idx="minor">
-              <a:schemeClr val="lt1"/>
-            </a:fontRef>
-          </p:style>
-        </p:sp>
-        <p:sp>
-          <p:nvSpPr>
-            <p:cNvPr id="16" name="Freeform 5">
-              <a:extLst>
-                <a:ext uri="{FF2B5EF4-FFF2-40B4-BE49-F238E27FC236}">
-                  <a16:creationId xmlns:a16="http://schemas.microsoft.com/office/drawing/2014/main" id="{CB36729E-72F8-4A4F-B54E-CC26867ADDCF}"/>
-                </a:ext>
-                <a:ext uri="{C183D7F6-B498-43B3-948B-1728B52AA6E4}">
-                  <adec:decorative xmlns:adec="http://schemas.microsoft.com/office/drawing/2017/decorative" val="1"/>
-                </a:ext>
-              </a:extLst>
-            </p:cNvPr>
-            <p:cNvSpPr>
-              <a:spLocks noEditPoints="1"/>
-            </p:cNvSpPr>
-            <p:nvPr>
-              <p:extLst>
-                <p:ext uri="{386F3935-93C4-4BCD-93E2-E3B085C9AB24}">
-                  <p16:designElem xmlns:p16="http://schemas.microsoft.com/office/powerpoint/2015/main" val="1"/>
-                </p:ext>
-              </p:extLst>
-            </p:nvPr>
-          </p:nvSpPr>
-          <p:spPr bwMode="gray">
-            <a:xfrm>
-              <a:off x="0" y="1587"/>
-              <a:ext cx="12192000" cy="6856413"/>
-            </a:xfrm>
-            <a:custGeom>
-              <a:avLst/>
-              <a:gdLst/>
-              <a:ahLst/>
-              <a:cxnLst/>
-              <a:rect l="0" t="0" r="r" b="b"/>
-              <a:pathLst>
-                <a:path w="15356" h="8638">
-                  <a:moveTo>
-                    <a:pt x="0" y="0"/>
-                  </a:moveTo>
-                  <a:lnTo>
-                    <a:pt x="0" y="8638"/>
-                  </a:lnTo>
-                  <a:lnTo>
-                    <a:pt x="15356" y="8638"/>
-                  </a:lnTo>
-                  <a:lnTo>
-                    <a:pt x="15356" y="0"/>
-                  </a:lnTo>
-                  <a:lnTo>
-                    <a:pt x="0" y="0"/>
-                  </a:lnTo>
-                  <a:close/>
-                  <a:moveTo>
-                    <a:pt x="14748" y="8038"/>
-                  </a:moveTo>
-                  <a:lnTo>
-                    <a:pt x="600" y="8038"/>
-                  </a:lnTo>
-                  <a:lnTo>
-                    <a:pt x="600" y="592"/>
-                  </a:lnTo>
-                  <a:lnTo>
-                    <a:pt x="14748" y="592"/>
-                  </a:lnTo>
-                  <a:lnTo>
-                    <a:pt x="14748" y="8038"/>
-                  </a:lnTo>
-                  <a:close/>
-                </a:path>
-              </a:pathLst>
-            </a:custGeom>
-            <a:solidFill>
-              <a:schemeClr val="bg1"/>
-            </a:solidFill>
-            <a:ln>
-              <a:noFill/>
-            </a:ln>
-          </p:spPr>
-        </p:sp>
-      </p:grpSp>
-      <p:sp>
-        <p:nvSpPr>
-          <p:cNvPr id="2" name="제목 1">
-            <a:extLst>
-              <a:ext uri="{FF2B5EF4-FFF2-40B4-BE49-F238E27FC236}">
-                <a16:creationId xmlns:a16="http://schemas.microsoft.com/office/drawing/2014/main" id="{A5AA2315-F596-47BD-8898-D1757E045C77}"/>
-              </a:ext>
-            </a:extLst>
-          </p:cNvPr>
-          <p:cNvSpPr>
-            <a:spLocks noGrp="1"/>
-          </p:cNvSpPr>
-          <p:nvPr>
-            <p:ph type="title"/>
-          </p:nvPr>
-        </p:nvSpPr>
-        <p:spPr>
-          <a:xfrm>
-            <a:off x="1154955" y="973668"/>
-            <a:ext cx="2942210" cy="1020232"/>
-          </a:xfrm>
-        </p:spPr>
-        <p:txBody>
-          <a:bodyPr>
-            <a:normAutofit/>
-          </a:bodyPr>
-          <a:lstStyle/>
-          <a:p>
-            <a:r>
-              <a:rPr lang="ko-KR" altLang="en-US" dirty="0"/>
-              <a:t>진행상황</a:t>
-            </a:r>
-          </a:p>
-        </p:txBody>
-      </p:sp>
-      <p:sp>
-        <p:nvSpPr>
-          <p:cNvPr id="3" name="내용 개체 틀 2">
-            <a:extLst>
-              <a:ext uri="{FF2B5EF4-FFF2-40B4-BE49-F238E27FC236}">
-                <a16:creationId xmlns:a16="http://schemas.microsoft.com/office/drawing/2014/main" id="{674250E4-D9F8-4B6A-A02B-39B4362E30AF}"/>
-              </a:ext>
-            </a:extLst>
-          </p:cNvPr>
-          <p:cNvSpPr>
-            <a:spLocks noGrp="1"/>
-          </p:cNvSpPr>
-          <p:nvPr>
-            <p:ph idx="1"/>
-          </p:nvPr>
-        </p:nvSpPr>
-        <p:spPr>
-          <a:xfrm>
-            <a:off x="1154954" y="2120900"/>
-            <a:ext cx="3323633" cy="3898900"/>
-          </a:xfrm>
-        </p:spPr>
-        <p:txBody>
-          <a:bodyPr>
-            <a:normAutofit/>
-          </a:bodyPr>
-          <a:lstStyle/>
-          <a:p>
-            <a:r>
-              <a:rPr lang="ko-KR" altLang="en-US" dirty="0">
-                <a:solidFill>
-                  <a:schemeClr val="bg1"/>
-                </a:solidFill>
-              </a:rPr>
-              <a:t>최적 경로 제안</a:t>
-            </a:r>
-            <a:endParaRPr lang="en-US" altLang="ko-KR" dirty="0">
-              <a:solidFill>
-                <a:schemeClr val="bg1"/>
-              </a:solidFill>
-            </a:endParaRPr>
-          </a:p>
-          <a:p>
-            <a:pPr lvl="1"/>
-            <a:r>
-              <a:rPr lang="ko-KR" altLang="en-US" dirty="0">
-                <a:solidFill>
-                  <a:schemeClr val="bg1"/>
-                </a:solidFill>
-              </a:rPr>
-              <a:t>구매 품목들을 통해 </a:t>
-            </a:r>
-            <a:r>
-              <a:rPr lang="en-US" altLang="ko-KR" dirty="0">
-                <a:solidFill>
-                  <a:schemeClr val="bg1"/>
-                </a:solidFill>
-              </a:rPr>
-              <a:t>TSP</a:t>
-            </a:r>
-          </a:p>
-          <a:p>
-            <a:pPr lvl="1"/>
-            <a:r>
-              <a:rPr lang="en-US" altLang="ko-KR" dirty="0">
-                <a:solidFill>
-                  <a:schemeClr val="bg1"/>
-                </a:solidFill>
-              </a:rPr>
-              <a:t>TSP</a:t>
-            </a:r>
-            <a:r>
-              <a:rPr lang="ko-KR" altLang="en-US" dirty="0">
-                <a:solidFill>
-                  <a:schemeClr val="bg1"/>
-                </a:solidFill>
-              </a:rPr>
-              <a:t>결과를 </a:t>
-            </a:r>
-            <a:r>
-              <a:rPr lang="en-US" altLang="ko-KR" dirty="0">
-                <a:solidFill>
-                  <a:schemeClr val="bg1"/>
-                </a:solidFill>
-              </a:rPr>
-              <a:t>GUI</a:t>
-            </a:r>
-            <a:r>
-              <a:rPr lang="ko-KR" altLang="en-US" dirty="0">
-                <a:solidFill>
-                  <a:schemeClr val="bg1"/>
-                </a:solidFill>
-              </a:rPr>
-              <a:t>에 적용</a:t>
-            </a:r>
-            <a:endParaRPr lang="en-US" altLang="ko-KR" dirty="0">
-              <a:solidFill>
-                <a:schemeClr val="bg1"/>
-              </a:solidFill>
-            </a:endParaRPr>
-          </a:p>
-          <a:p>
-            <a:pPr lvl="1"/>
-            <a:r>
-              <a:rPr lang="ko-KR" altLang="en-US" dirty="0">
-                <a:solidFill>
-                  <a:schemeClr val="bg1"/>
-                </a:solidFill>
-              </a:rPr>
-              <a:t>장애물</a:t>
-            </a:r>
-            <a:r>
-              <a:rPr lang="en-US" altLang="ko-KR" dirty="0">
-                <a:solidFill>
-                  <a:schemeClr val="bg1"/>
-                </a:solidFill>
-              </a:rPr>
-              <a:t>, </a:t>
-            </a:r>
-            <a:r>
-              <a:rPr lang="ko-KR" altLang="en-US" dirty="0">
-                <a:solidFill>
-                  <a:schemeClr val="bg1"/>
-                </a:solidFill>
-              </a:rPr>
-              <a:t>다른 판매 품목을 고려하여 </a:t>
-            </a:r>
-            <a:r>
-              <a:rPr lang="en-US" altLang="ko-KR" dirty="0">
-                <a:solidFill>
-                  <a:schemeClr val="bg1"/>
-                </a:solidFill>
-              </a:rPr>
-              <a:t>pathfinding </a:t>
-            </a:r>
-            <a:br>
-              <a:rPr lang="en-US" altLang="ko-KR" dirty="0">
-                <a:solidFill>
-                  <a:schemeClr val="bg1"/>
-                </a:solidFill>
-              </a:rPr>
-            </a:br>
-            <a:r>
-              <a:rPr lang="ko-KR" altLang="en-US" dirty="0">
-                <a:solidFill>
-                  <a:schemeClr val="bg1"/>
-                </a:solidFill>
-              </a:rPr>
-              <a:t>적용 전 </a:t>
-            </a:r>
-            <a:r>
-              <a:rPr lang="en-US" altLang="ko-KR" dirty="0">
-                <a:solidFill>
-                  <a:schemeClr val="bg1"/>
-                </a:solidFill>
-              </a:rPr>
-              <a:t>GUI</a:t>
-            </a:r>
-            <a:endParaRPr lang="ko-KR" altLang="en-US" dirty="0">
-              <a:solidFill>
-                <a:schemeClr val="bg1"/>
-              </a:solidFill>
-            </a:endParaRPr>
-          </a:p>
-        </p:txBody>
-      </p:sp>
-      <p:pic>
-        <p:nvPicPr>
-          <p:cNvPr id="6" name="그림 5">
-            <a:extLst>
-              <a:ext uri="{FF2B5EF4-FFF2-40B4-BE49-F238E27FC236}">
-                <a16:creationId xmlns:a16="http://schemas.microsoft.com/office/drawing/2014/main" id="{3EB07495-810B-47BF-8E5B-76BF78ADAB9C}"/>
-              </a:ext>
-            </a:extLst>
-          </p:cNvPr>
-          <p:cNvPicPr>
-            <a:picLocks noChangeAspect="1"/>
-          </p:cNvPicPr>
-          <p:nvPr/>
-        </p:nvPicPr>
-        <p:blipFill rotWithShape="1">
-          <a:blip r:embed="rId3">
-            <a:extLst>
-              <a:ext uri="{28A0092B-C50C-407E-A947-70E740481C1C}">
-                <a14:useLocalDpi xmlns:a14="http://schemas.microsoft.com/office/drawing/2010/main" val="0"/>
-              </a:ext>
-            </a:extLst>
-          </a:blip>
-          <a:srcRect t="7779" r="1" b="8757"/>
-          <a:stretch/>
-        </p:blipFill>
-        <p:spPr>
-          <a:xfrm>
-            <a:off x="5194607" y="803751"/>
-            <a:ext cx="3113903" cy="5250498"/>
-          </a:xfrm>
-          <a:prstGeom prst="rect">
-            <a:avLst/>
-          </a:prstGeom>
-        </p:spPr>
-      </p:pic>
-      <p:pic>
-        <p:nvPicPr>
-          <p:cNvPr id="5" name="그림 4">
-            <a:extLst>
-              <a:ext uri="{FF2B5EF4-FFF2-40B4-BE49-F238E27FC236}">
-                <a16:creationId xmlns:a16="http://schemas.microsoft.com/office/drawing/2014/main" id="{7B9CCCC2-F9D5-4737-B1CB-A7F0849316A8}"/>
-              </a:ext>
-            </a:extLst>
-          </p:cNvPr>
-          <p:cNvPicPr>
-            <a:picLocks noChangeAspect="1"/>
-          </p:cNvPicPr>
-          <p:nvPr/>
-        </p:nvPicPr>
-        <p:blipFill rotWithShape="1">
-          <a:blip r:embed="rId4">
-            <a:extLst>
-              <a:ext uri="{28A0092B-C50C-407E-A947-70E740481C1C}">
-                <a14:useLocalDpi xmlns:a14="http://schemas.microsoft.com/office/drawing/2010/main" val="0"/>
-              </a:ext>
-            </a:extLst>
-          </a:blip>
-          <a:srcRect t="7086" r="2" b="10716"/>
-          <a:stretch/>
-        </p:blipFill>
-        <p:spPr>
-          <a:xfrm>
-            <a:off x="8472236" y="803751"/>
-            <a:ext cx="3113904" cy="5250498"/>
-          </a:xfrm>
-          <a:prstGeom prst="rect">
-            <a:avLst/>
-          </a:prstGeom>
-        </p:spPr>
-      </p:pic>
-      <p:sp>
-        <p:nvSpPr>
-          <p:cNvPr id="18" name="Rectangle 17">
-            <a:extLst>
-              <a:ext uri="{FF2B5EF4-FFF2-40B4-BE49-F238E27FC236}">
-                <a16:creationId xmlns:a16="http://schemas.microsoft.com/office/drawing/2014/main" id="{504BE77C-C23A-4545-973B-A8E168DAD774}"/>
-              </a:ext>
-              <a:ext uri="{C183D7F6-B498-43B3-948B-1728B52AA6E4}">
-                <adec:decorative xmlns:adec="http://schemas.microsoft.com/office/drawing/2017/decorative" val="1"/>
-              </a:ext>
-            </a:extLst>
-          </p:cNvPr>
-          <p:cNvSpPr>
-            <a:spLocks noGrp="1" noRot="1" noChangeAspect="1" noMove="1" noResize="1" noEditPoints="1" noAdjustHandles="1" noChangeArrowheads="1" noChangeShapeType="1" noTextEdit="1"/>
-          </p:cNvSpPr>
-          <p:nvPr>
-            <p:extLst>
-              <p:ext uri="{386F3935-93C4-4BCD-93E2-E3B085C9AB24}">
-                <p16:designElem xmlns:p16="http://schemas.microsoft.com/office/powerpoint/2015/main" val="1"/>
-              </p:ext>
-            </p:extLst>
-          </p:nvPr>
-        </p:nvSpPr>
-        <p:spPr>
-          <a:xfrm>
-            <a:off x="10437812" y="0"/>
-            <a:ext cx="685800" cy="1143000"/>
-          </a:xfrm>
-          <a:prstGeom prst="rect">
-            <a:avLst/>
-          </a:prstGeom>
-          <a:solidFill>
-            <a:schemeClr val="accent1"/>
-          </a:solidFill>
-          <a:ln>
-            <a:noFill/>
-          </a:ln>
-        </p:spPr>
-        <p:style>
-          <a:lnRef idx="1">
-            <a:schemeClr val="accent1"/>
-          </a:lnRef>
-          <a:fillRef idx="3">
-            <a:schemeClr val="accent1"/>
-          </a:fillRef>
-          <a:effectRef idx="2">
-            <a:schemeClr val="accent1"/>
-          </a:effectRef>
-          <a:fontRef idx="minor">
-            <a:schemeClr val="lt1"/>
-          </a:fontRef>
-        </p:style>
-      </p:sp>
-      <p:sp>
-        <p:nvSpPr>
-          <p:cNvPr id="4" name="슬라이드 번호 개체 틀 3">
-            <a:extLst>
-              <a:ext uri="{FF2B5EF4-FFF2-40B4-BE49-F238E27FC236}">
-                <a16:creationId xmlns:a16="http://schemas.microsoft.com/office/drawing/2014/main" id="{7C7AF90F-20AD-4056-A53F-8850186D285E}"/>
-              </a:ext>
-            </a:extLst>
-          </p:cNvPr>
-          <p:cNvSpPr>
-            <a:spLocks noGrp="1"/>
-          </p:cNvSpPr>
-          <p:nvPr>
-            <p:ph type="sldNum" sz="quarter" idx="12"/>
-          </p:nvPr>
-        </p:nvSpPr>
-        <p:spPr>
-          <a:xfrm>
-            <a:off x="10352540" y="295729"/>
-            <a:ext cx="838199" cy="767687"/>
-          </a:xfrm>
-        </p:spPr>
-        <p:txBody>
-          <a:bodyPr>
-            <a:normAutofit/>
-          </a:bodyPr>
-          <a:lstStyle/>
-          <a:p>
-            <a:pPr>
-              <a:spcAft>
-                <a:spcPts val="600"/>
-              </a:spcAft>
-            </a:pPr>
-            <a:fld id="{D57F1E4F-1CFF-5643-939E-217C01CDF565}" type="slidenum">
-              <a:rPr lang="en-US" smtClean="0"/>
-              <a:pPr>
-                <a:spcAft>
-                  <a:spcPts val="600"/>
-                </a:spcAft>
-              </a:pPr>
-              <a:t>9</a:t>
-            </a:fld>
-            <a:endParaRPr lang="en-US"/>
-          </a:p>
-        </p:txBody>
-      </p:sp>
-    </p:spTree>
-    <p:extLst>
-      <p:ext uri="{BB962C8B-B14F-4D97-AF65-F5344CB8AC3E}">
-        <p14:creationId xmlns:p14="http://schemas.microsoft.com/office/powerpoint/2010/main" val="750956834"/>
       </p:ext>
     </p:extLst>
   </p:cSld>

--- a/제출자료/발표자료/발표 자료_13주차_12조.pptx
+++ b/제출자료/발표자료/발표 자료_13주차_12조.pptx
@@ -5,7 +5,7 @@
     <p:sldMasterId id="2147483648" r:id="rId1"/>
   </p:sldMasterIdLst>
   <p:notesMasterIdLst>
-    <p:notesMasterId r:id="rId19"/>
+    <p:notesMasterId r:id="rId23"/>
   </p:notesMasterIdLst>
   <p:sldIdLst>
     <p:sldId id="256" r:id="rId2"/>
@@ -15,16 +15,20 @@
     <p:sldId id="260" r:id="rId6"/>
     <p:sldId id="262" r:id="rId7"/>
     <p:sldId id="264" r:id="rId8"/>
-    <p:sldId id="275" r:id="rId9"/>
-    <p:sldId id="271" r:id="rId10"/>
-    <p:sldId id="265" r:id="rId11"/>
-    <p:sldId id="267" r:id="rId12"/>
-    <p:sldId id="268" r:id="rId13"/>
-    <p:sldId id="269" r:id="rId14"/>
-    <p:sldId id="270" r:id="rId15"/>
-    <p:sldId id="273" r:id="rId16"/>
-    <p:sldId id="274" r:id="rId17"/>
-    <p:sldId id="272" r:id="rId18"/>
+    <p:sldId id="276" r:id="rId9"/>
+    <p:sldId id="275" r:id="rId10"/>
+    <p:sldId id="277" r:id="rId11"/>
+    <p:sldId id="271" r:id="rId12"/>
+    <p:sldId id="278" r:id="rId13"/>
+    <p:sldId id="279" r:id="rId14"/>
+    <p:sldId id="265" r:id="rId15"/>
+    <p:sldId id="267" r:id="rId16"/>
+    <p:sldId id="268" r:id="rId17"/>
+    <p:sldId id="269" r:id="rId18"/>
+    <p:sldId id="270" r:id="rId19"/>
+    <p:sldId id="273" r:id="rId20"/>
+    <p:sldId id="274" r:id="rId21"/>
+    <p:sldId id="272" r:id="rId22"/>
   </p:sldIdLst>
   <p:sldSz cx="12192000" cy="6858000"/>
   <p:notesSz cx="6858000" cy="9144000"/>
@@ -1119,8 +1123,20 @@
         <a:p>
           <a:pPr latinLnBrk="1"/>
           <a:r>
+            <a:rPr lang="en-US" altLang="ko-KR" dirty="0" err="1"/>
+            <a:t>Idfloor</a:t>
+          </a:r>
+          <a:r>
+            <a:rPr lang="en-US" altLang="ko-KR" dirty="0"/>
+            <a:t>, </a:t>
+          </a:r>
+          <a:r>
+            <a:rPr lang="en-US" altLang="ko-KR" dirty="0" err="1"/>
+            <a:t>idcategory</a:t>
+          </a:r>
+          <a:r>
             <a:rPr lang="ko-KR" altLang="en-US" dirty="0"/>
-            <a:t>아이템 저장</a:t>
+            <a:t>값을 활용해 상품 저장</a:t>
           </a:r>
         </a:p>
       </dgm:t>
@@ -1429,8 +1445,20 @@
             <a:buNone/>
           </a:pPr>
           <a:r>
+            <a:rPr lang="en-US" altLang="ko-KR" sz="1400" kern="1200" dirty="0" err="1"/>
+            <a:t>Idfloor</a:t>
+          </a:r>
+          <a:r>
+            <a:rPr lang="en-US" altLang="ko-KR" sz="1400" kern="1200" dirty="0"/>
+            <a:t>, </a:t>
+          </a:r>
+          <a:r>
+            <a:rPr lang="en-US" altLang="ko-KR" sz="1400" kern="1200" dirty="0" err="1"/>
+            <a:t>idcategory</a:t>
+          </a:r>
+          <a:r>
             <a:rPr lang="ko-KR" altLang="en-US" sz="1400" kern="1200" dirty="0"/>
-            <a:t>아이템 저장</a:t>
+            <a:t>값을 활용해 상품 저장</a:t>
           </a:r>
         </a:p>
       </dsp:txBody>
@@ -17488,6 +17516,3612 @@
           <a:chExt cx="0" cy="0"/>
         </a:xfrm>
       </p:grpSpPr>
+      <p:sp>
+        <p:nvSpPr>
+          <p:cNvPr id="30" name="Rectangle 29">
+            <a:extLst>
+              <a:ext uri="{FF2B5EF4-FFF2-40B4-BE49-F238E27FC236}">
+                <a16:creationId xmlns:a16="http://schemas.microsoft.com/office/drawing/2014/main" id="{EC8E7FCF-9095-4A9E-93A8-D89170DD8601}"/>
+              </a:ext>
+              <a:ext uri="{C183D7F6-B498-43B3-948B-1728B52AA6E4}">
+                <adec:decorative xmlns:adec="http://schemas.microsoft.com/office/drawing/2017/decorative" val="1"/>
+              </a:ext>
+            </a:extLst>
+          </p:cNvPr>
+          <p:cNvSpPr>
+            <a:spLocks noGrp="1" noRot="1" noChangeAspect="1" noMove="1" noResize="1" noEditPoints="1" noAdjustHandles="1" noChangeArrowheads="1" noChangeShapeType="1" noTextEdit="1"/>
+          </p:cNvSpPr>
+          <p:nvPr>
+            <p:extLst>
+              <p:ext uri="{386F3935-93C4-4BCD-93E2-E3B085C9AB24}">
+                <p16:designElem xmlns:p16="http://schemas.microsoft.com/office/powerpoint/2015/main" val="1"/>
+              </p:ext>
+            </p:extLst>
+          </p:nvPr>
+        </p:nvSpPr>
+        <p:spPr>
+          <a:xfrm>
+            <a:off x="0" y="0"/>
+            <a:ext cx="12192000" cy="6858000"/>
+          </a:xfrm>
+          <a:prstGeom prst="rect">
+            <a:avLst/>
+          </a:prstGeom>
+          <a:blipFill>
+            <a:blip r:embed="rId2">
+              <a:duotone>
+                <a:schemeClr val="dk2">
+                  <a:shade val="69000"/>
+                  <a:hueMod val="108000"/>
+                  <a:satMod val="164000"/>
+                  <a:lumMod val="74000"/>
+                </a:schemeClr>
+                <a:schemeClr val="dk2">
+                  <a:tint val="96000"/>
+                  <a:hueMod val="88000"/>
+                  <a:satMod val="140000"/>
+                  <a:lumMod val="132000"/>
+                </a:schemeClr>
+              </a:duotone>
+            </a:blip>
+            <a:stretch>
+              <a:fillRect/>
+            </a:stretch>
+          </a:blipFill>
+          <a:ln>
+            <a:noFill/>
+          </a:ln>
+        </p:spPr>
+        <p:style>
+          <a:lnRef idx="2">
+            <a:schemeClr val="accent1">
+              <a:shade val="50000"/>
+            </a:schemeClr>
+          </a:lnRef>
+          <a:fillRef idx="1">
+            <a:schemeClr val="accent1"/>
+          </a:fillRef>
+          <a:effectRef idx="0">
+            <a:schemeClr val="accent1"/>
+          </a:effectRef>
+          <a:fontRef idx="minor">
+            <a:schemeClr val="lt1"/>
+          </a:fontRef>
+        </p:style>
+      </p:sp>
+      <p:grpSp>
+        <p:nvGrpSpPr>
+          <p:cNvPr id="32" name="Group 31">
+            <a:extLst>
+              <a:ext uri="{FF2B5EF4-FFF2-40B4-BE49-F238E27FC236}">
+                <a16:creationId xmlns:a16="http://schemas.microsoft.com/office/drawing/2014/main" id="{B1E8A4BE-2A5E-45F5-998D-BE0AE6C731B1}"/>
+              </a:ext>
+              <a:ext uri="{C183D7F6-B498-43B3-948B-1728B52AA6E4}">
+                <adec:decorative xmlns:adec="http://schemas.microsoft.com/office/drawing/2017/decorative" val="1"/>
+              </a:ext>
+            </a:extLst>
+          </p:cNvPr>
+          <p:cNvGrpSpPr>
+            <a:grpSpLocks noGrp="1" noUngrp="1" noRot="1" noChangeAspect="1" noMove="1" noResize="1"/>
+          </p:cNvGrpSpPr>
+          <p:nvPr>
+            <p:extLst>
+              <p:ext uri="{386F3935-93C4-4BCD-93E2-E3B085C9AB24}">
+                <p16:designElem xmlns:p16="http://schemas.microsoft.com/office/powerpoint/2015/main" val="1"/>
+              </p:ext>
+            </p:extLst>
+          </p:nvPr>
+        </p:nvGrpSpPr>
+        <p:grpSpPr>
+          <a:xfrm>
+            <a:off x="0" y="1587"/>
+            <a:ext cx="12192000" cy="6856413"/>
+            <a:chOff x="0" y="1587"/>
+            <a:chExt cx="12192000" cy="6856413"/>
+          </a:xfrm>
+        </p:grpSpPr>
+        <p:sp>
+          <p:nvSpPr>
+            <p:cNvPr id="33" name="Oval 32">
+              <a:extLst>
+                <a:ext uri="{FF2B5EF4-FFF2-40B4-BE49-F238E27FC236}">
+                  <a16:creationId xmlns:a16="http://schemas.microsoft.com/office/drawing/2014/main" id="{4FFC6E5F-27ED-4D52-B7EF-E320B85F5F83}"/>
+                </a:ext>
+                <a:ext uri="{C183D7F6-B498-43B3-948B-1728B52AA6E4}">
+                  <adec:decorative xmlns:adec="http://schemas.microsoft.com/office/drawing/2017/decorative" val="1"/>
+                </a:ext>
+              </a:extLst>
+            </p:cNvPr>
+            <p:cNvSpPr/>
+            <p:nvPr>
+              <p:extLst>
+                <p:ext uri="{386F3935-93C4-4BCD-93E2-E3B085C9AB24}">
+                  <p16:designElem xmlns:p16="http://schemas.microsoft.com/office/powerpoint/2015/main" val="1"/>
+                </p:ext>
+              </p:extLst>
+            </p:nvPr>
+          </p:nvSpPr>
+          <p:spPr>
+            <a:xfrm>
+              <a:off x="0" y="2667000"/>
+              <a:ext cx="4191000" cy="4191000"/>
+            </a:xfrm>
+            <a:prstGeom prst="ellipse">
+              <a:avLst/>
+            </a:prstGeom>
+            <a:gradFill flip="none" rotWithShape="1">
+              <a:gsLst>
+                <a:gs pos="0">
+                  <a:schemeClr val="accent5">
+                    <a:alpha val="11000"/>
+                  </a:schemeClr>
+                </a:gs>
+                <a:gs pos="75000">
+                  <a:schemeClr val="accent5">
+                    <a:alpha val="0"/>
+                  </a:schemeClr>
+                </a:gs>
+                <a:gs pos="36000">
+                  <a:schemeClr val="accent5">
+                    <a:alpha val="10000"/>
+                  </a:schemeClr>
+                </a:gs>
+              </a:gsLst>
+              <a:path path="circle">
+                <a:fillToRect l="50000" t="50000" r="50000" b="50000"/>
+              </a:path>
+              <a:tileRect/>
+            </a:gradFill>
+            <a:ln>
+              <a:noFill/>
+            </a:ln>
+            <a:effectLst/>
+          </p:spPr>
+          <p:style>
+            <a:lnRef idx="1">
+              <a:schemeClr val="accent1"/>
+            </a:lnRef>
+            <a:fillRef idx="3">
+              <a:schemeClr val="accent1"/>
+            </a:fillRef>
+            <a:effectRef idx="2">
+              <a:schemeClr val="accent1"/>
+            </a:effectRef>
+            <a:fontRef idx="minor">
+              <a:schemeClr val="lt1"/>
+            </a:fontRef>
+          </p:style>
+        </p:sp>
+        <p:sp>
+          <p:nvSpPr>
+            <p:cNvPr id="34" name="Oval 33">
+              <a:extLst>
+                <a:ext uri="{FF2B5EF4-FFF2-40B4-BE49-F238E27FC236}">
+                  <a16:creationId xmlns:a16="http://schemas.microsoft.com/office/drawing/2014/main" id="{BE02F8FD-F963-4DBD-A3BC-CF97BDB1113B}"/>
+                </a:ext>
+                <a:ext uri="{C183D7F6-B498-43B3-948B-1728B52AA6E4}">
+                  <adec:decorative xmlns:adec="http://schemas.microsoft.com/office/drawing/2017/decorative" val="1"/>
+                </a:ext>
+              </a:extLst>
+            </p:cNvPr>
+            <p:cNvSpPr/>
+            <p:nvPr>
+              <p:extLst>
+                <p:ext uri="{386F3935-93C4-4BCD-93E2-E3B085C9AB24}">
+                  <p16:designElem xmlns:p16="http://schemas.microsoft.com/office/powerpoint/2015/main" val="1"/>
+                </p:ext>
+              </p:extLst>
+            </p:nvPr>
+          </p:nvSpPr>
+          <p:spPr>
+            <a:xfrm>
+              <a:off x="0" y="2895600"/>
+              <a:ext cx="2362200" cy="2362200"/>
+            </a:xfrm>
+            <a:prstGeom prst="ellipse">
+              <a:avLst/>
+            </a:prstGeom>
+            <a:gradFill flip="none" rotWithShape="1">
+              <a:gsLst>
+                <a:gs pos="0">
+                  <a:schemeClr val="accent5">
+                    <a:alpha val="8000"/>
+                  </a:schemeClr>
+                </a:gs>
+                <a:gs pos="72000">
+                  <a:schemeClr val="accent5">
+                    <a:alpha val="0"/>
+                  </a:schemeClr>
+                </a:gs>
+                <a:gs pos="36000">
+                  <a:schemeClr val="accent5">
+                    <a:alpha val="8000"/>
+                  </a:schemeClr>
+                </a:gs>
+              </a:gsLst>
+              <a:path path="circle">
+                <a:fillToRect l="50000" t="50000" r="50000" b="50000"/>
+              </a:path>
+              <a:tileRect/>
+            </a:gradFill>
+            <a:ln>
+              <a:noFill/>
+            </a:ln>
+            <a:effectLst/>
+          </p:spPr>
+          <p:style>
+            <a:lnRef idx="1">
+              <a:schemeClr val="accent1"/>
+            </a:lnRef>
+            <a:fillRef idx="3">
+              <a:schemeClr val="accent1"/>
+            </a:fillRef>
+            <a:effectRef idx="2">
+              <a:schemeClr val="accent1"/>
+            </a:effectRef>
+            <a:fontRef idx="minor">
+              <a:schemeClr val="lt1"/>
+            </a:fontRef>
+          </p:style>
+        </p:sp>
+        <p:sp>
+          <p:nvSpPr>
+            <p:cNvPr id="35" name="Rectangle 34">
+              <a:extLst>
+                <a:ext uri="{FF2B5EF4-FFF2-40B4-BE49-F238E27FC236}">
+                  <a16:creationId xmlns:a16="http://schemas.microsoft.com/office/drawing/2014/main" id="{57ABF6D8-2DE2-4418-ACA5-D8D27B3A0606}"/>
+                </a:ext>
+                <a:ext uri="{C183D7F6-B498-43B3-948B-1728B52AA6E4}">
+                  <adec:decorative xmlns:adec="http://schemas.microsoft.com/office/drawing/2017/decorative" val="1"/>
+                </a:ext>
+              </a:extLst>
+            </p:cNvPr>
+            <p:cNvSpPr/>
+            <p:nvPr>
+              <p:extLst>
+                <p:ext uri="{386F3935-93C4-4BCD-93E2-E3B085C9AB24}">
+                  <p16:designElem xmlns:p16="http://schemas.microsoft.com/office/powerpoint/2015/main" val="1"/>
+                </p:ext>
+              </p:extLst>
+            </p:nvPr>
+          </p:nvSpPr>
+          <p:spPr bwMode="gray">
+            <a:xfrm>
+              <a:off x="5713412" y="402165"/>
+              <a:ext cx="6055253" cy="6053670"/>
+            </a:xfrm>
+            <a:prstGeom prst="rect">
+              <a:avLst/>
+            </a:prstGeom>
+            <a:solidFill>
+              <a:schemeClr val="bg1"/>
+            </a:solidFill>
+            <a:ln>
+              <a:noFill/>
+            </a:ln>
+            <a:effectLst/>
+          </p:spPr>
+          <p:style>
+            <a:lnRef idx="1">
+              <a:schemeClr val="accent1"/>
+            </a:lnRef>
+            <a:fillRef idx="3">
+              <a:schemeClr val="accent1"/>
+            </a:fillRef>
+            <a:effectRef idx="2">
+              <a:schemeClr val="accent1"/>
+            </a:effectRef>
+            <a:fontRef idx="minor">
+              <a:schemeClr val="lt1"/>
+            </a:fontRef>
+          </p:style>
+        </p:sp>
+        <p:sp>
+          <p:nvSpPr>
+            <p:cNvPr id="36" name="Freeform 5">
+              <a:extLst>
+                <a:ext uri="{FF2B5EF4-FFF2-40B4-BE49-F238E27FC236}">
+                  <a16:creationId xmlns:a16="http://schemas.microsoft.com/office/drawing/2014/main" id="{BEFB3511-E01A-478A-9AD3-F7CD9E4DBD51}"/>
+                </a:ext>
+                <a:ext uri="{C183D7F6-B498-43B3-948B-1728B52AA6E4}">
+                  <adec:decorative xmlns:adec="http://schemas.microsoft.com/office/drawing/2017/decorative" val="1"/>
+                </a:ext>
+              </a:extLst>
+            </p:cNvPr>
+            <p:cNvSpPr/>
+            <p:nvPr>
+              <p:extLst>
+                <p:ext uri="{386F3935-93C4-4BCD-93E2-E3B085C9AB24}">
+                  <p16:designElem xmlns:p16="http://schemas.microsoft.com/office/powerpoint/2015/main" val="1"/>
+                </p:ext>
+              </p:extLst>
+            </p:nvPr>
+          </p:nvSpPr>
+          <p:spPr bwMode="gray">
+            <a:xfrm rot="15922489">
+              <a:off x="3140485" y="1826078"/>
+              <a:ext cx="3299407" cy="440924"/>
+            </a:xfrm>
+            <a:custGeom>
+              <a:avLst/>
+              <a:gdLst/>
+              <a:ahLst/>
+              <a:cxnLst/>
+              <a:rect l="l" t="t" r="r" b="b"/>
+              <a:pathLst>
+                <a:path w="10000" h="5291">
+                  <a:moveTo>
+                    <a:pt x="85" y="2532"/>
+                  </a:moveTo>
+                  <a:cubicBezTo>
+                    <a:pt x="1736" y="3911"/>
+                    <a:pt x="7524" y="5298"/>
+                    <a:pt x="9958" y="5291"/>
+                  </a:cubicBezTo>
+                  <a:cubicBezTo>
+                    <a:pt x="9989" y="1958"/>
+                    <a:pt x="9969" y="3333"/>
+                    <a:pt x="10000" y="0"/>
+                  </a:cubicBezTo>
+                  <a:lnTo>
+                    <a:pt x="10000" y="0"/>
+                  </a:lnTo>
+                  <a:lnTo>
+                    <a:pt x="9667" y="204"/>
+                  </a:lnTo>
+                  <a:lnTo>
+                    <a:pt x="9334" y="400"/>
+                  </a:lnTo>
+                  <a:lnTo>
+                    <a:pt x="9001" y="590"/>
+                  </a:lnTo>
+                  <a:lnTo>
+                    <a:pt x="8667" y="753"/>
+                  </a:lnTo>
+                  <a:lnTo>
+                    <a:pt x="8333" y="917"/>
+                  </a:lnTo>
+                  <a:lnTo>
+                    <a:pt x="7999" y="1071"/>
+                  </a:lnTo>
+                  <a:lnTo>
+                    <a:pt x="7669" y="1202"/>
+                  </a:lnTo>
+                  <a:lnTo>
+                    <a:pt x="7333" y="1325"/>
+                  </a:lnTo>
+                  <a:lnTo>
+                    <a:pt x="7000" y="1440"/>
+                  </a:lnTo>
+                  <a:lnTo>
+                    <a:pt x="6673" y="1538"/>
+                  </a:lnTo>
+                  <a:lnTo>
+                    <a:pt x="6340" y="1636"/>
+                  </a:lnTo>
+                  <a:lnTo>
+                    <a:pt x="6013" y="1719"/>
+                  </a:lnTo>
+                  <a:lnTo>
+                    <a:pt x="5686" y="1784"/>
+                  </a:lnTo>
+                  <a:lnTo>
+                    <a:pt x="5359" y="1850"/>
+                  </a:lnTo>
+                  <a:lnTo>
+                    <a:pt x="5036" y="1906"/>
+                  </a:lnTo>
+                  <a:lnTo>
+                    <a:pt x="4717" y="1948"/>
+                  </a:lnTo>
+                  <a:lnTo>
+                    <a:pt x="4396" y="1980"/>
+                  </a:lnTo>
+                  <a:lnTo>
+                    <a:pt x="4079" y="2013"/>
+                  </a:lnTo>
+                  <a:lnTo>
+                    <a:pt x="3766" y="2029"/>
+                  </a:lnTo>
+                  <a:lnTo>
+                    <a:pt x="3454" y="2046"/>
+                  </a:lnTo>
+                  <a:lnTo>
+                    <a:pt x="3145" y="2053"/>
+                  </a:lnTo>
+                  <a:lnTo>
+                    <a:pt x="2839" y="2046"/>
+                  </a:lnTo>
+                  <a:lnTo>
+                    <a:pt x="2537" y="2046"/>
+                  </a:lnTo>
+                  <a:lnTo>
+                    <a:pt x="2238" y="2029"/>
+                  </a:lnTo>
+                  <a:lnTo>
+                    <a:pt x="1943" y="2004"/>
+                  </a:lnTo>
+                  <a:lnTo>
+                    <a:pt x="1653" y="1980"/>
+                  </a:lnTo>
+                  <a:lnTo>
+                    <a:pt x="1368" y="1955"/>
+                  </a:lnTo>
+                  <a:lnTo>
+                    <a:pt x="1085" y="1915"/>
+                  </a:lnTo>
+                  <a:lnTo>
+                    <a:pt x="806" y="1873"/>
+                  </a:lnTo>
+                  <a:lnTo>
+                    <a:pt x="533" y="1833"/>
+                  </a:lnTo>
+                  <a:lnTo>
+                    <a:pt x="0" y="1726"/>
+                  </a:lnTo>
+                  <a:cubicBezTo>
+                    <a:pt x="28" y="1995"/>
+                    <a:pt x="57" y="2263"/>
+                    <a:pt x="85" y="2532"/>
+                  </a:cubicBezTo>
+                  <a:close/>
+                </a:path>
+              </a:pathLst>
+            </a:custGeom>
+            <a:solidFill>
+              <a:schemeClr val="bg1">
+                <a:alpha val="20000"/>
+              </a:schemeClr>
+            </a:solidFill>
+            <a:ln>
+              <a:noFill/>
+            </a:ln>
+          </p:spPr>
+        </p:sp>
+        <p:sp>
+          <p:nvSpPr>
+            <p:cNvPr id="37" name="Freeform 5">
+              <a:extLst>
+                <a:ext uri="{FF2B5EF4-FFF2-40B4-BE49-F238E27FC236}">
+                  <a16:creationId xmlns:a16="http://schemas.microsoft.com/office/drawing/2014/main" id="{E9FFC131-E354-415E-954E-B1FD0A5A02E1}"/>
+                </a:ext>
+                <a:ext uri="{C183D7F6-B498-43B3-948B-1728B52AA6E4}">
+                  <adec:decorative xmlns:adec="http://schemas.microsoft.com/office/drawing/2017/decorative" val="1"/>
+                </a:ext>
+              </a:extLst>
+            </p:cNvPr>
+            <p:cNvSpPr/>
+            <p:nvPr>
+              <p:extLst>
+                <p:ext uri="{386F3935-93C4-4BCD-93E2-E3B085C9AB24}">
+                  <p16:designElem xmlns:p16="http://schemas.microsoft.com/office/powerpoint/2015/main" val="1"/>
+                </p:ext>
+              </p:extLst>
+            </p:nvPr>
+          </p:nvSpPr>
+          <p:spPr bwMode="gray">
+            <a:xfrm rot="16200000">
+              <a:off x="2229377" y="2801721"/>
+              <a:ext cx="6053670" cy="1254558"/>
+            </a:xfrm>
+            <a:custGeom>
+              <a:avLst/>
+              <a:gdLst/>
+              <a:ahLst/>
+              <a:cxnLst/>
+              <a:rect l="l" t="t" r="r" b="b"/>
+              <a:pathLst>
+                <a:path w="10000" h="8000">
+                  <a:moveTo>
+                    <a:pt x="0" y="0"/>
+                  </a:moveTo>
+                  <a:lnTo>
+                    <a:pt x="0" y="7970"/>
+                  </a:lnTo>
+                  <a:lnTo>
+                    <a:pt x="10000" y="8000"/>
+                  </a:lnTo>
+                  <a:lnTo>
+                    <a:pt x="10000" y="7"/>
+                  </a:lnTo>
+                  <a:lnTo>
+                    <a:pt x="10000" y="7"/>
+                  </a:lnTo>
+                  <a:lnTo>
+                    <a:pt x="9773" y="156"/>
+                  </a:lnTo>
+                  <a:lnTo>
+                    <a:pt x="9547" y="298"/>
+                  </a:lnTo>
+                  <a:lnTo>
+                    <a:pt x="9320" y="437"/>
+                  </a:lnTo>
+                  <a:lnTo>
+                    <a:pt x="9092" y="556"/>
+                  </a:lnTo>
+                  <a:lnTo>
+                    <a:pt x="8865" y="676"/>
+                  </a:lnTo>
+                  <a:lnTo>
+                    <a:pt x="8637" y="788"/>
+                  </a:lnTo>
+                  <a:lnTo>
+                    <a:pt x="8412" y="884"/>
+                  </a:lnTo>
+                  <a:lnTo>
+                    <a:pt x="8184" y="975"/>
+                  </a:lnTo>
+                  <a:lnTo>
+                    <a:pt x="7957" y="1058"/>
+                  </a:lnTo>
+                  <a:lnTo>
+                    <a:pt x="7734" y="1130"/>
+                  </a:lnTo>
+                  <a:lnTo>
+                    <a:pt x="7508" y="1202"/>
+                  </a:lnTo>
+                  <a:lnTo>
+                    <a:pt x="7285" y="1262"/>
+                  </a:lnTo>
+                  <a:lnTo>
+                    <a:pt x="7062" y="1309"/>
+                  </a:lnTo>
+                  <a:lnTo>
+                    <a:pt x="6840" y="1358"/>
+                  </a:lnTo>
+                  <a:lnTo>
+                    <a:pt x="6620" y="1399"/>
+                  </a:lnTo>
+                  <a:lnTo>
+                    <a:pt x="6402" y="1428"/>
+                  </a:lnTo>
+                  <a:lnTo>
+                    <a:pt x="6184" y="1453"/>
+                  </a:lnTo>
+                  <a:lnTo>
+                    <a:pt x="5968" y="1477"/>
+                  </a:lnTo>
+                  <a:lnTo>
+                    <a:pt x="5755" y="1488"/>
+                  </a:lnTo>
+                  <a:lnTo>
+                    <a:pt x="5542" y="1500"/>
+                  </a:lnTo>
+                  <a:lnTo>
+                    <a:pt x="5332" y="1506"/>
+                  </a:lnTo>
+                  <a:lnTo>
+                    <a:pt x="5124" y="1500"/>
+                  </a:lnTo>
+                  <a:lnTo>
+                    <a:pt x="4918" y="1500"/>
+                  </a:lnTo>
+                  <a:lnTo>
+                    <a:pt x="4714" y="1488"/>
+                  </a:lnTo>
+                  <a:lnTo>
+                    <a:pt x="4514" y="1470"/>
+                  </a:lnTo>
+                  <a:lnTo>
+                    <a:pt x="4316" y="1453"/>
+                  </a:lnTo>
+                  <a:lnTo>
+                    <a:pt x="4122" y="1434"/>
+                  </a:lnTo>
+                  <a:lnTo>
+                    <a:pt x="3929" y="1405"/>
+                  </a:lnTo>
+                  <a:lnTo>
+                    <a:pt x="3739" y="1374"/>
+                  </a:lnTo>
+                  <a:lnTo>
+                    <a:pt x="3553" y="1346"/>
+                  </a:lnTo>
+                  <a:lnTo>
+                    <a:pt x="3190" y="1267"/>
+                  </a:lnTo>
+                  <a:lnTo>
+                    <a:pt x="2842" y="1183"/>
+                  </a:lnTo>
+                  <a:lnTo>
+                    <a:pt x="2508" y="1095"/>
+                  </a:lnTo>
+                  <a:lnTo>
+                    <a:pt x="2192" y="998"/>
+                  </a:lnTo>
+                  <a:lnTo>
+                    <a:pt x="1890" y="897"/>
+                  </a:lnTo>
+                  <a:lnTo>
+                    <a:pt x="1610" y="788"/>
+                  </a:lnTo>
+                  <a:lnTo>
+                    <a:pt x="1347" y="681"/>
+                  </a:lnTo>
+                  <a:lnTo>
+                    <a:pt x="1105" y="574"/>
+                  </a:lnTo>
+                  <a:lnTo>
+                    <a:pt x="883" y="473"/>
+                  </a:lnTo>
+                  <a:lnTo>
+                    <a:pt x="686" y="377"/>
+                  </a:lnTo>
+                  <a:lnTo>
+                    <a:pt x="508" y="286"/>
+                  </a:lnTo>
+                  <a:lnTo>
+                    <a:pt x="358" y="210"/>
+                  </a:lnTo>
+                  <a:lnTo>
+                    <a:pt x="232" y="138"/>
+                  </a:lnTo>
+                  <a:lnTo>
+                    <a:pt x="59" y="35"/>
+                  </a:lnTo>
+                  <a:lnTo>
+                    <a:pt x="0" y="0"/>
+                  </a:lnTo>
+                  <a:lnTo>
+                    <a:pt x="0" y="0"/>
+                  </a:lnTo>
+                  <a:close/>
+                </a:path>
+              </a:pathLst>
+            </a:custGeom>
+            <a:solidFill>
+              <a:schemeClr val="bg1"/>
+            </a:solidFill>
+            <a:ln>
+              <a:noFill/>
+            </a:ln>
+          </p:spPr>
+        </p:sp>
+        <p:sp>
+          <p:nvSpPr>
+            <p:cNvPr id="38" name="Freeform 5">
+              <a:extLst>
+                <a:ext uri="{FF2B5EF4-FFF2-40B4-BE49-F238E27FC236}">
+                  <a16:creationId xmlns:a16="http://schemas.microsoft.com/office/drawing/2014/main" id="{E6E565DF-7B86-474B-B8AC-91030F86CEF3}"/>
+                </a:ext>
+                <a:ext uri="{C183D7F6-B498-43B3-948B-1728B52AA6E4}">
+                  <adec:decorative xmlns:adec="http://schemas.microsoft.com/office/drawing/2017/decorative" val="1"/>
+                </a:ext>
+              </a:extLst>
+            </p:cNvPr>
+            <p:cNvSpPr>
+              <a:spLocks noEditPoints="1"/>
+            </p:cNvSpPr>
+            <p:nvPr>
+              <p:extLst>
+                <p:ext uri="{386F3935-93C4-4BCD-93E2-E3B085C9AB24}">
+                  <p16:designElem xmlns:p16="http://schemas.microsoft.com/office/powerpoint/2015/main" val="1"/>
+                </p:ext>
+              </p:extLst>
+            </p:nvPr>
+          </p:nvSpPr>
+          <p:spPr bwMode="gray">
+            <a:xfrm>
+              <a:off x="0" y="1587"/>
+              <a:ext cx="12192000" cy="6856413"/>
+            </a:xfrm>
+            <a:custGeom>
+              <a:avLst/>
+              <a:gdLst/>
+              <a:ahLst/>
+              <a:cxnLst/>
+              <a:rect l="0" t="0" r="r" b="b"/>
+              <a:pathLst>
+                <a:path w="15356" h="8638">
+                  <a:moveTo>
+                    <a:pt x="0" y="0"/>
+                  </a:moveTo>
+                  <a:lnTo>
+                    <a:pt x="0" y="8638"/>
+                  </a:lnTo>
+                  <a:lnTo>
+                    <a:pt x="15356" y="8638"/>
+                  </a:lnTo>
+                  <a:lnTo>
+                    <a:pt x="15356" y="0"/>
+                  </a:lnTo>
+                  <a:lnTo>
+                    <a:pt x="0" y="0"/>
+                  </a:lnTo>
+                  <a:close/>
+                  <a:moveTo>
+                    <a:pt x="14748" y="8038"/>
+                  </a:moveTo>
+                  <a:lnTo>
+                    <a:pt x="600" y="8038"/>
+                  </a:lnTo>
+                  <a:lnTo>
+                    <a:pt x="600" y="592"/>
+                  </a:lnTo>
+                  <a:lnTo>
+                    <a:pt x="14748" y="592"/>
+                  </a:lnTo>
+                  <a:lnTo>
+                    <a:pt x="14748" y="8038"/>
+                  </a:lnTo>
+                  <a:close/>
+                </a:path>
+              </a:pathLst>
+            </a:custGeom>
+            <a:solidFill>
+              <a:schemeClr val="bg1"/>
+            </a:solidFill>
+            <a:ln>
+              <a:noFill/>
+            </a:ln>
+          </p:spPr>
+        </p:sp>
+      </p:grpSp>
+      <p:sp>
+        <p:nvSpPr>
+          <p:cNvPr id="6" name="제목 5">
+            <a:extLst>
+              <a:ext uri="{FF2B5EF4-FFF2-40B4-BE49-F238E27FC236}">
+                <a16:creationId xmlns:a16="http://schemas.microsoft.com/office/drawing/2014/main" id="{328F23EF-CF61-457D-972C-1633A30800F0}"/>
+              </a:ext>
+            </a:extLst>
+          </p:cNvPr>
+          <p:cNvSpPr>
+            <a:spLocks noGrp="1"/>
+          </p:cNvSpPr>
+          <p:nvPr>
+            <p:ph type="title"/>
+          </p:nvPr>
+        </p:nvSpPr>
+        <p:spPr>
+          <a:xfrm>
+            <a:off x="1154955" y="973668"/>
+            <a:ext cx="2942210" cy="1020232"/>
+          </a:xfrm>
+        </p:spPr>
+        <p:txBody>
+          <a:bodyPr>
+            <a:normAutofit/>
+          </a:bodyPr>
+          <a:lstStyle/>
+          <a:p>
+            <a:r>
+              <a:rPr lang="ko-KR" altLang="en-US" dirty="0"/>
+              <a:t>진행 상황</a:t>
+            </a:r>
+          </a:p>
+        </p:txBody>
+      </p:sp>
+      <p:sp>
+        <p:nvSpPr>
+          <p:cNvPr id="7" name="내용 개체 틀 6">
+            <a:extLst>
+              <a:ext uri="{FF2B5EF4-FFF2-40B4-BE49-F238E27FC236}">
+                <a16:creationId xmlns:a16="http://schemas.microsoft.com/office/drawing/2014/main" id="{65FD6BBC-9EDC-4DF8-BDA2-37CC47BA6F8F}"/>
+              </a:ext>
+            </a:extLst>
+          </p:cNvPr>
+          <p:cNvSpPr>
+            <a:spLocks noGrp="1"/>
+          </p:cNvSpPr>
+          <p:nvPr>
+            <p:ph idx="1"/>
+          </p:nvPr>
+        </p:nvSpPr>
+        <p:spPr>
+          <a:xfrm>
+            <a:off x="1154955" y="2120900"/>
+            <a:ext cx="3133726" cy="3898900"/>
+          </a:xfrm>
+        </p:spPr>
+        <p:txBody>
+          <a:bodyPr>
+            <a:normAutofit/>
+          </a:bodyPr>
+          <a:lstStyle/>
+          <a:p>
+            <a:r>
+              <a:rPr lang="en-US" altLang="ko-KR" dirty="0">
+                <a:solidFill>
+                  <a:schemeClr val="bg1"/>
+                </a:solidFill>
+              </a:rPr>
+              <a:t>DB </a:t>
+            </a:r>
+            <a:r>
+              <a:rPr lang="ko-KR" altLang="en-US" dirty="0">
+                <a:solidFill>
+                  <a:schemeClr val="bg1"/>
+                </a:solidFill>
+              </a:rPr>
+              <a:t>저장 구현 완료</a:t>
+            </a:r>
+          </a:p>
+        </p:txBody>
+      </p:sp>
+      <p:pic>
+        <p:nvPicPr>
+          <p:cNvPr id="9" name="그림 8">
+            <a:extLst>
+              <a:ext uri="{FF2B5EF4-FFF2-40B4-BE49-F238E27FC236}">
+                <a16:creationId xmlns:a16="http://schemas.microsoft.com/office/drawing/2014/main" id="{5EB41075-44D9-4A9B-B097-4F9F3DDD7251}"/>
+              </a:ext>
+            </a:extLst>
+          </p:cNvPr>
+          <p:cNvPicPr>
+            <a:picLocks noChangeAspect="1"/>
+          </p:cNvPicPr>
+          <p:nvPr/>
+        </p:nvPicPr>
+        <p:blipFill>
+          <a:blip r:embed="rId3"/>
+          <a:stretch>
+            <a:fillRect/>
+          </a:stretch>
+        </p:blipFill>
+        <p:spPr>
+          <a:xfrm>
+            <a:off x="5194607" y="1430309"/>
+            <a:ext cx="3113903" cy="3997382"/>
+          </a:xfrm>
+          <a:prstGeom prst="rect">
+            <a:avLst/>
+          </a:prstGeom>
+        </p:spPr>
+      </p:pic>
+      <p:pic>
+        <p:nvPicPr>
+          <p:cNvPr id="8" name="그림 7">
+            <a:extLst>
+              <a:ext uri="{FF2B5EF4-FFF2-40B4-BE49-F238E27FC236}">
+                <a16:creationId xmlns:a16="http://schemas.microsoft.com/office/drawing/2014/main" id="{E166F040-244F-4E85-8799-4B42C9135BD4}"/>
+              </a:ext>
+            </a:extLst>
+          </p:cNvPr>
+          <p:cNvPicPr>
+            <a:picLocks noChangeAspect="1"/>
+          </p:cNvPicPr>
+          <p:nvPr/>
+        </p:nvPicPr>
+        <p:blipFill>
+          <a:blip r:embed="rId4"/>
+          <a:stretch>
+            <a:fillRect/>
+          </a:stretch>
+        </p:blipFill>
+        <p:spPr>
+          <a:xfrm>
+            <a:off x="8338963" y="1463994"/>
+            <a:ext cx="3660880" cy="2886273"/>
+          </a:xfrm>
+          <a:prstGeom prst="rect">
+            <a:avLst/>
+          </a:prstGeom>
+        </p:spPr>
+      </p:pic>
+      <p:sp>
+        <p:nvSpPr>
+          <p:cNvPr id="40" name="Rectangle 39">
+            <a:extLst>
+              <a:ext uri="{FF2B5EF4-FFF2-40B4-BE49-F238E27FC236}">
+                <a16:creationId xmlns:a16="http://schemas.microsoft.com/office/drawing/2014/main" id="{EE014219-6CDC-41FE-B059-D98980F54524}"/>
+              </a:ext>
+              <a:ext uri="{C183D7F6-B498-43B3-948B-1728B52AA6E4}">
+                <adec:decorative xmlns:adec="http://schemas.microsoft.com/office/drawing/2017/decorative" val="1"/>
+              </a:ext>
+            </a:extLst>
+          </p:cNvPr>
+          <p:cNvSpPr>
+            <a:spLocks noGrp="1" noRot="1" noChangeAspect="1" noMove="1" noResize="1" noEditPoints="1" noAdjustHandles="1" noChangeArrowheads="1" noChangeShapeType="1" noTextEdit="1"/>
+          </p:cNvSpPr>
+          <p:nvPr>
+            <p:extLst>
+              <p:ext uri="{386F3935-93C4-4BCD-93E2-E3B085C9AB24}">
+                <p16:designElem xmlns:p16="http://schemas.microsoft.com/office/powerpoint/2015/main" val="1"/>
+              </p:ext>
+            </p:extLst>
+          </p:nvPr>
+        </p:nvSpPr>
+        <p:spPr>
+          <a:xfrm>
+            <a:off x="10437812" y="0"/>
+            <a:ext cx="685800" cy="1143000"/>
+          </a:xfrm>
+          <a:prstGeom prst="rect">
+            <a:avLst/>
+          </a:prstGeom>
+          <a:solidFill>
+            <a:schemeClr val="accent1"/>
+          </a:solidFill>
+          <a:ln>
+            <a:noFill/>
+          </a:ln>
+        </p:spPr>
+        <p:style>
+          <a:lnRef idx="1">
+            <a:schemeClr val="accent1"/>
+          </a:lnRef>
+          <a:fillRef idx="3">
+            <a:schemeClr val="accent1"/>
+          </a:fillRef>
+          <a:effectRef idx="2">
+            <a:schemeClr val="accent1"/>
+          </a:effectRef>
+          <a:fontRef idx="minor">
+            <a:schemeClr val="lt1"/>
+          </a:fontRef>
+        </p:style>
+      </p:sp>
+      <p:sp>
+        <p:nvSpPr>
+          <p:cNvPr id="5" name="슬라이드 번호 개체 틀 4">
+            <a:extLst>
+              <a:ext uri="{FF2B5EF4-FFF2-40B4-BE49-F238E27FC236}">
+                <a16:creationId xmlns:a16="http://schemas.microsoft.com/office/drawing/2014/main" id="{3FFF7999-CB92-43DB-B004-2CA682E1125B}"/>
+              </a:ext>
+            </a:extLst>
+          </p:cNvPr>
+          <p:cNvSpPr>
+            <a:spLocks noGrp="1"/>
+          </p:cNvSpPr>
+          <p:nvPr>
+            <p:ph type="sldNum" sz="quarter" idx="12"/>
+          </p:nvPr>
+        </p:nvSpPr>
+        <p:spPr>
+          <a:xfrm>
+            <a:off x="10352540" y="295729"/>
+            <a:ext cx="838199" cy="767687"/>
+          </a:xfrm>
+        </p:spPr>
+        <p:txBody>
+          <a:bodyPr>
+            <a:normAutofit/>
+          </a:bodyPr>
+          <a:lstStyle/>
+          <a:p>
+            <a:pPr>
+              <a:spcAft>
+                <a:spcPts val="600"/>
+              </a:spcAft>
+            </a:pPr>
+            <a:fld id="{D57F1E4F-1CFF-5643-939E-217C01CDF565}" type="slidenum">
+              <a:rPr lang="en-US" smtClean="0"/>
+              <a:pPr>
+                <a:spcAft>
+                  <a:spcPts val="600"/>
+                </a:spcAft>
+              </a:pPr>
+              <a:t>10</a:t>
+            </a:fld>
+            <a:endParaRPr lang="en-US"/>
+          </a:p>
+        </p:txBody>
+      </p:sp>
+    </p:spTree>
+    <p:extLst>
+      <p:ext uri="{BB962C8B-B14F-4D97-AF65-F5344CB8AC3E}">
+        <p14:creationId xmlns:p14="http://schemas.microsoft.com/office/powerpoint/2010/main" val="334562817"/>
+      </p:ext>
+    </p:extLst>
+  </p:cSld>
+  <p:clrMapOvr>
+    <a:masterClrMapping/>
+  </p:clrMapOvr>
+</p:sld>
+</file>
+
+<file path=ppt/slides/slide11.xml><?xml version="1.0" encoding="utf-8"?>
+<p:sld xmlns:a="http://schemas.openxmlformats.org/drawingml/2006/main" xmlns:r="http://schemas.openxmlformats.org/officeDocument/2006/relationships" xmlns:p="http://schemas.openxmlformats.org/presentationml/2006/main">
+  <p:cSld>
+    <p:bg>
+      <p:bgPr>
+        <a:solidFill>
+          <a:schemeClr val="bg1"/>
+        </a:solidFill>
+        <a:effectLst/>
+      </p:bgPr>
+    </p:bg>
+    <p:spTree>
+      <p:nvGrpSpPr>
+        <p:cNvPr id="1" name=""/>
+        <p:cNvGrpSpPr/>
+        <p:nvPr/>
+      </p:nvGrpSpPr>
+      <p:grpSpPr>
+        <a:xfrm>
+          <a:off x="0" y="0"/>
+          <a:ext cx="0" cy="0"/>
+          <a:chOff x="0" y="0"/>
+          <a:chExt cx="0" cy="0"/>
+        </a:xfrm>
+      </p:grpSpPr>
+      <p:grpSp>
+        <p:nvGrpSpPr>
+          <p:cNvPr id="43" name="Group 42">
+            <a:extLst>
+              <a:ext uri="{FF2B5EF4-FFF2-40B4-BE49-F238E27FC236}">
+                <a16:creationId xmlns:a16="http://schemas.microsoft.com/office/drawing/2014/main" id="{1DD029FC-684F-483A-A8BD-1F092BFFB78C}"/>
+              </a:ext>
+              <a:ext uri="{C183D7F6-B498-43B3-948B-1728B52AA6E4}">
+                <adec:decorative xmlns:adec="http://schemas.microsoft.com/office/drawing/2017/decorative" val="1"/>
+              </a:ext>
+            </a:extLst>
+          </p:cNvPr>
+          <p:cNvGrpSpPr>
+            <a:grpSpLocks noGrp="1" noUngrp="1" noRot="1" noChangeAspect="1" noMove="1" noResize="1"/>
+          </p:cNvGrpSpPr>
+          <p:nvPr>
+            <p:extLst>
+              <p:ext uri="{386F3935-93C4-4BCD-93E2-E3B085C9AB24}">
+                <p16:designElem xmlns:p16="http://schemas.microsoft.com/office/powerpoint/2015/main" val="1"/>
+              </p:ext>
+            </p:extLst>
+          </p:nvPr>
+        </p:nvGrpSpPr>
+        <p:grpSpPr>
+          <a:xfrm>
+            <a:off x="0" y="-2373"/>
+            <a:ext cx="12192000" cy="6867027"/>
+            <a:chOff x="0" y="-2373"/>
+            <a:chExt cx="12192000" cy="6867027"/>
+          </a:xfrm>
+        </p:grpSpPr>
+        <p:sp>
+          <p:nvSpPr>
+            <p:cNvPr id="44" name="Rectangle 43">
+              <a:extLst>
+                <a:ext uri="{FF2B5EF4-FFF2-40B4-BE49-F238E27FC236}">
+                  <a16:creationId xmlns:a16="http://schemas.microsoft.com/office/drawing/2014/main" id="{EF3C96DD-C9B2-4B53-AEC5-8CB276D3C71B}"/>
+                </a:ext>
+                <a:ext uri="{C183D7F6-B498-43B3-948B-1728B52AA6E4}">
+                  <adec:decorative xmlns:adec="http://schemas.microsoft.com/office/drawing/2017/decorative" val="1"/>
+                </a:ext>
+              </a:extLst>
+            </p:cNvPr>
+            <p:cNvSpPr/>
+            <p:nvPr>
+              <p:extLst>
+                <p:ext uri="{386F3935-93C4-4BCD-93E2-E3B085C9AB24}">
+                  <p16:designElem xmlns:p16="http://schemas.microsoft.com/office/powerpoint/2015/main" val="1"/>
+                </p:ext>
+              </p:extLst>
+            </p:nvPr>
+          </p:nvSpPr>
+          <p:spPr>
+            <a:xfrm>
+              <a:off x="0" y="0"/>
+              <a:ext cx="12192000" cy="6858000"/>
+            </a:xfrm>
+            <a:prstGeom prst="rect">
+              <a:avLst/>
+            </a:prstGeom>
+            <a:blipFill>
+              <a:blip r:embed="rId2">
+                <a:duotone>
+                  <a:schemeClr val="dk2">
+                    <a:shade val="62000"/>
+                    <a:hueMod val="108000"/>
+                    <a:satMod val="164000"/>
+                    <a:lumMod val="69000"/>
+                  </a:schemeClr>
+                  <a:schemeClr val="dk2">
+                    <a:tint val="96000"/>
+                    <a:hueMod val="90000"/>
+                    <a:satMod val="130000"/>
+                    <a:lumMod val="134000"/>
+                  </a:schemeClr>
+                </a:duotone>
+              </a:blip>
+              <a:stretch>
+                <a:fillRect/>
+              </a:stretch>
+            </a:blipFill>
+            <a:ln>
+              <a:noFill/>
+            </a:ln>
+          </p:spPr>
+          <p:style>
+            <a:lnRef idx="2">
+              <a:schemeClr val="accent1">
+                <a:shade val="50000"/>
+              </a:schemeClr>
+            </a:lnRef>
+            <a:fillRef idx="1">
+              <a:schemeClr val="accent1"/>
+            </a:fillRef>
+            <a:effectRef idx="0">
+              <a:schemeClr val="accent1"/>
+            </a:effectRef>
+            <a:fontRef idx="minor">
+              <a:schemeClr val="lt1"/>
+            </a:fontRef>
+          </p:style>
+        </p:sp>
+        <p:sp>
+          <p:nvSpPr>
+            <p:cNvPr id="45" name="Oval 44">
+              <a:extLst>
+                <a:ext uri="{FF2B5EF4-FFF2-40B4-BE49-F238E27FC236}">
+                  <a16:creationId xmlns:a16="http://schemas.microsoft.com/office/drawing/2014/main" id="{662F19CA-71D7-45F5-9123-CA712C5281F8}"/>
+                </a:ext>
+                <a:ext uri="{C183D7F6-B498-43B3-948B-1728B52AA6E4}">
+                  <adec:decorative xmlns:adec="http://schemas.microsoft.com/office/drawing/2017/decorative" val="1"/>
+                </a:ext>
+              </a:extLst>
+            </p:cNvPr>
+            <p:cNvSpPr/>
+            <p:nvPr>
+              <p:extLst>
+                <p:ext uri="{386F3935-93C4-4BCD-93E2-E3B085C9AB24}">
+                  <p16:designElem xmlns:p16="http://schemas.microsoft.com/office/powerpoint/2015/main" val="1"/>
+                </p:ext>
+              </p:extLst>
+            </p:nvPr>
+          </p:nvSpPr>
+          <p:spPr>
+            <a:xfrm>
+              <a:off x="3220" y="2667000"/>
+              <a:ext cx="4191000" cy="4191000"/>
+            </a:xfrm>
+            <a:prstGeom prst="ellipse">
+              <a:avLst/>
+            </a:prstGeom>
+            <a:gradFill flip="none" rotWithShape="1">
+              <a:gsLst>
+                <a:gs pos="0">
+                  <a:schemeClr val="bg2">
+                    <a:lumMod val="40000"/>
+                    <a:lumOff val="60000"/>
+                    <a:alpha val="11000"/>
+                  </a:schemeClr>
+                </a:gs>
+                <a:gs pos="75000">
+                  <a:schemeClr val="bg2">
+                    <a:lumMod val="40000"/>
+                    <a:lumOff val="60000"/>
+                    <a:alpha val="0"/>
+                  </a:schemeClr>
+                </a:gs>
+                <a:gs pos="36000">
+                  <a:schemeClr val="bg2">
+                    <a:lumMod val="40000"/>
+                    <a:lumOff val="60000"/>
+                    <a:alpha val="10000"/>
+                  </a:schemeClr>
+                </a:gs>
+              </a:gsLst>
+              <a:path path="circle">
+                <a:fillToRect l="50000" t="50000" r="50000" b="50000"/>
+              </a:path>
+              <a:tileRect/>
+            </a:gradFill>
+            <a:ln>
+              <a:noFill/>
+            </a:ln>
+            <a:effectLst/>
+          </p:spPr>
+          <p:style>
+            <a:lnRef idx="1">
+              <a:schemeClr val="accent1"/>
+            </a:lnRef>
+            <a:fillRef idx="3">
+              <a:schemeClr val="accent1"/>
+            </a:fillRef>
+            <a:effectRef idx="2">
+              <a:schemeClr val="accent1"/>
+            </a:effectRef>
+            <a:fontRef idx="minor">
+              <a:schemeClr val="lt1"/>
+            </a:fontRef>
+          </p:style>
+        </p:sp>
+        <p:sp>
+          <p:nvSpPr>
+            <p:cNvPr id="46" name="Oval 45">
+              <a:extLst>
+                <a:ext uri="{FF2B5EF4-FFF2-40B4-BE49-F238E27FC236}">
+                  <a16:creationId xmlns:a16="http://schemas.microsoft.com/office/drawing/2014/main" id="{3886C2A0-05BA-4243-B351-00C64563A217}"/>
+                </a:ext>
+                <a:ext uri="{C183D7F6-B498-43B3-948B-1728B52AA6E4}">
+                  <adec:decorative xmlns:adec="http://schemas.microsoft.com/office/drawing/2017/decorative" val="1"/>
+                </a:ext>
+              </a:extLst>
+            </p:cNvPr>
+            <p:cNvSpPr/>
+            <p:nvPr>
+              <p:extLst>
+                <p:ext uri="{386F3935-93C4-4BCD-93E2-E3B085C9AB24}">
+                  <p16:designElem xmlns:p16="http://schemas.microsoft.com/office/powerpoint/2015/main" val="1"/>
+                </p:ext>
+              </p:extLst>
+            </p:nvPr>
+          </p:nvSpPr>
+          <p:spPr>
+            <a:xfrm>
+              <a:off x="1750" y="2895600"/>
+              <a:ext cx="2362200" cy="2362200"/>
+            </a:xfrm>
+            <a:prstGeom prst="ellipse">
+              <a:avLst/>
+            </a:prstGeom>
+            <a:gradFill flip="none" rotWithShape="1">
+              <a:gsLst>
+                <a:gs pos="0">
+                  <a:schemeClr val="bg2">
+                    <a:lumMod val="40000"/>
+                    <a:lumOff val="60000"/>
+                    <a:alpha val="8000"/>
+                  </a:schemeClr>
+                </a:gs>
+                <a:gs pos="72000">
+                  <a:schemeClr val="bg2">
+                    <a:lumMod val="40000"/>
+                    <a:lumOff val="60000"/>
+                    <a:alpha val="0"/>
+                  </a:schemeClr>
+                </a:gs>
+                <a:gs pos="36000">
+                  <a:schemeClr val="bg2">
+                    <a:lumMod val="40000"/>
+                    <a:lumOff val="60000"/>
+                    <a:alpha val="8000"/>
+                  </a:schemeClr>
+                </a:gs>
+              </a:gsLst>
+              <a:path path="circle">
+                <a:fillToRect l="50000" t="50000" r="50000" b="50000"/>
+              </a:path>
+              <a:tileRect/>
+            </a:gradFill>
+            <a:ln>
+              <a:noFill/>
+            </a:ln>
+            <a:effectLst/>
+          </p:spPr>
+          <p:style>
+            <a:lnRef idx="1">
+              <a:schemeClr val="accent1"/>
+            </a:lnRef>
+            <a:fillRef idx="3">
+              <a:schemeClr val="accent1"/>
+            </a:fillRef>
+            <a:effectRef idx="2">
+              <a:schemeClr val="accent1"/>
+            </a:effectRef>
+            <a:fontRef idx="minor">
+              <a:schemeClr val="lt1"/>
+            </a:fontRef>
+          </p:style>
+        </p:sp>
+        <p:sp>
+          <p:nvSpPr>
+            <p:cNvPr id="47" name="Oval 46">
+              <a:extLst>
+                <a:ext uri="{FF2B5EF4-FFF2-40B4-BE49-F238E27FC236}">
+                  <a16:creationId xmlns:a16="http://schemas.microsoft.com/office/drawing/2014/main" id="{CC87CEB4-8F81-455D-A076-159940550D76}"/>
+                </a:ext>
+                <a:ext uri="{C183D7F6-B498-43B3-948B-1728B52AA6E4}">
+                  <adec:decorative xmlns:adec="http://schemas.microsoft.com/office/drawing/2017/decorative" val="1"/>
+                </a:ext>
+              </a:extLst>
+            </p:cNvPr>
+            <p:cNvSpPr/>
+            <p:nvPr>
+              <p:extLst>
+                <p:ext uri="{386F3935-93C4-4BCD-93E2-E3B085C9AB24}">
+                  <p16:designElem xmlns:p16="http://schemas.microsoft.com/office/powerpoint/2015/main" val="1"/>
+                </p:ext>
+              </p:extLst>
+            </p:nvPr>
+          </p:nvSpPr>
+          <p:spPr>
+            <a:xfrm>
+              <a:off x="8609012" y="1676400"/>
+              <a:ext cx="2819400" cy="2819400"/>
+            </a:xfrm>
+            <a:prstGeom prst="ellipse">
+              <a:avLst/>
+            </a:prstGeom>
+            <a:gradFill flip="none" rotWithShape="1">
+              <a:gsLst>
+                <a:gs pos="0">
+                  <a:schemeClr val="bg2">
+                    <a:lumMod val="40000"/>
+                    <a:lumOff val="60000"/>
+                    <a:alpha val="7000"/>
+                  </a:schemeClr>
+                </a:gs>
+                <a:gs pos="69000">
+                  <a:schemeClr val="bg2">
+                    <a:lumMod val="40000"/>
+                    <a:lumOff val="60000"/>
+                    <a:alpha val="0"/>
+                  </a:schemeClr>
+                </a:gs>
+                <a:gs pos="36000">
+                  <a:schemeClr val="bg2">
+                    <a:lumMod val="40000"/>
+                    <a:lumOff val="60000"/>
+                    <a:alpha val="6000"/>
+                  </a:schemeClr>
+                </a:gs>
+              </a:gsLst>
+              <a:path path="circle">
+                <a:fillToRect l="50000" t="50000" r="50000" b="50000"/>
+              </a:path>
+              <a:tileRect/>
+            </a:gradFill>
+            <a:ln>
+              <a:noFill/>
+            </a:ln>
+            <a:effectLst/>
+          </p:spPr>
+          <p:style>
+            <a:lnRef idx="1">
+              <a:schemeClr val="accent1"/>
+            </a:lnRef>
+            <a:fillRef idx="3">
+              <a:schemeClr val="accent1"/>
+            </a:fillRef>
+            <a:effectRef idx="2">
+              <a:schemeClr val="accent1"/>
+            </a:effectRef>
+            <a:fontRef idx="minor">
+              <a:schemeClr val="lt1"/>
+            </a:fontRef>
+          </p:style>
+        </p:sp>
+        <p:sp>
+          <p:nvSpPr>
+            <p:cNvPr id="48" name="Oval 47">
+              <a:extLst>
+                <a:ext uri="{FF2B5EF4-FFF2-40B4-BE49-F238E27FC236}">
+                  <a16:creationId xmlns:a16="http://schemas.microsoft.com/office/drawing/2014/main" id="{BC9FC7F0-1AE4-4459-B8F2-219D7598B958}"/>
+                </a:ext>
+                <a:ext uri="{C183D7F6-B498-43B3-948B-1728B52AA6E4}">
+                  <adec:decorative xmlns:adec="http://schemas.microsoft.com/office/drawing/2017/decorative" val="1"/>
+                </a:ext>
+              </a:extLst>
+            </p:cNvPr>
+            <p:cNvSpPr/>
+            <p:nvPr>
+              <p:extLst>
+                <p:ext uri="{386F3935-93C4-4BCD-93E2-E3B085C9AB24}">
+                  <p16:designElem xmlns:p16="http://schemas.microsoft.com/office/powerpoint/2015/main" val="1"/>
+                </p:ext>
+              </p:extLst>
+            </p:nvPr>
+          </p:nvSpPr>
+          <p:spPr>
+            <a:xfrm>
+              <a:off x="7999412" y="-2373"/>
+              <a:ext cx="1600200" cy="1600200"/>
+            </a:xfrm>
+            <a:prstGeom prst="ellipse">
+              <a:avLst/>
+            </a:prstGeom>
+            <a:gradFill flip="none" rotWithShape="1">
+              <a:gsLst>
+                <a:gs pos="0">
+                  <a:schemeClr val="bg2">
+                    <a:lumMod val="40000"/>
+                    <a:lumOff val="60000"/>
+                    <a:alpha val="14000"/>
+                  </a:schemeClr>
+                </a:gs>
+                <a:gs pos="73000">
+                  <a:schemeClr val="bg2">
+                    <a:lumMod val="40000"/>
+                    <a:lumOff val="60000"/>
+                    <a:alpha val="0"/>
+                  </a:schemeClr>
+                </a:gs>
+                <a:gs pos="36000">
+                  <a:schemeClr val="bg2">
+                    <a:lumMod val="40000"/>
+                    <a:lumOff val="60000"/>
+                    <a:alpha val="7000"/>
+                  </a:schemeClr>
+                </a:gs>
+              </a:gsLst>
+              <a:path path="circle">
+                <a:fillToRect l="50000" t="50000" r="50000" b="50000"/>
+              </a:path>
+              <a:tileRect/>
+            </a:gradFill>
+            <a:ln>
+              <a:noFill/>
+            </a:ln>
+            <a:effectLst/>
+          </p:spPr>
+          <p:style>
+            <a:lnRef idx="1">
+              <a:schemeClr val="accent1"/>
+            </a:lnRef>
+            <a:fillRef idx="3">
+              <a:schemeClr val="accent1"/>
+            </a:fillRef>
+            <a:effectRef idx="2">
+              <a:schemeClr val="accent1"/>
+            </a:effectRef>
+            <a:fontRef idx="minor">
+              <a:schemeClr val="lt1"/>
+            </a:fontRef>
+          </p:style>
+        </p:sp>
+        <p:sp>
+          <p:nvSpPr>
+            <p:cNvPr id="49" name="Oval 48">
+              <a:extLst>
+                <a:ext uri="{FF2B5EF4-FFF2-40B4-BE49-F238E27FC236}">
+                  <a16:creationId xmlns:a16="http://schemas.microsoft.com/office/drawing/2014/main" id="{DD48B9DA-44B2-4334-96CF-D089EFEC9AD5}"/>
+                </a:ext>
+                <a:ext uri="{C183D7F6-B498-43B3-948B-1728B52AA6E4}">
+                  <adec:decorative xmlns:adec="http://schemas.microsoft.com/office/drawing/2017/decorative" val="1"/>
+                </a:ext>
+              </a:extLst>
+            </p:cNvPr>
+            <p:cNvSpPr/>
+            <p:nvPr>
+              <p:extLst>
+                <p:ext uri="{386F3935-93C4-4BCD-93E2-E3B085C9AB24}">
+                  <p16:designElem xmlns:p16="http://schemas.microsoft.com/office/powerpoint/2015/main" val="1"/>
+                </p:ext>
+              </p:extLst>
+            </p:nvPr>
+          </p:nvSpPr>
+          <p:spPr>
+            <a:xfrm>
+              <a:off x="8609012" y="5874054"/>
+              <a:ext cx="990600" cy="990600"/>
+            </a:xfrm>
+            <a:prstGeom prst="ellipse">
+              <a:avLst/>
+            </a:prstGeom>
+            <a:gradFill flip="none" rotWithShape="1">
+              <a:gsLst>
+                <a:gs pos="0">
+                  <a:schemeClr val="bg2">
+                    <a:lumMod val="40000"/>
+                    <a:lumOff val="60000"/>
+                    <a:alpha val="14000"/>
+                  </a:schemeClr>
+                </a:gs>
+                <a:gs pos="66000">
+                  <a:schemeClr val="bg2">
+                    <a:lumMod val="40000"/>
+                    <a:lumOff val="60000"/>
+                    <a:alpha val="0"/>
+                  </a:schemeClr>
+                </a:gs>
+                <a:gs pos="36000">
+                  <a:schemeClr val="bg2">
+                    <a:lumMod val="40000"/>
+                    <a:lumOff val="60000"/>
+                    <a:alpha val="7000"/>
+                  </a:schemeClr>
+                </a:gs>
+              </a:gsLst>
+              <a:path path="circle">
+                <a:fillToRect l="50000" t="50000" r="50000" b="50000"/>
+              </a:path>
+              <a:tileRect/>
+            </a:gradFill>
+            <a:ln>
+              <a:noFill/>
+            </a:ln>
+            <a:effectLst/>
+          </p:spPr>
+          <p:style>
+            <a:lnRef idx="1">
+              <a:schemeClr val="accent1"/>
+            </a:lnRef>
+            <a:fillRef idx="3">
+              <a:schemeClr val="accent1"/>
+            </a:fillRef>
+            <a:effectRef idx="2">
+              <a:schemeClr val="accent1"/>
+            </a:effectRef>
+            <a:fontRef idx="minor">
+              <a:schemeClr val="lt1"/>
+            </a:fontRef>
+          </p:style>
+        </p:sp>
+        <p:sp>
+          <p:nvSpPr>
+            <p:cNvPr id="50" name="Freeform 5">
+              <a:extLst>
+                <a:ext uri="{FF2B5EF4-FFF2-40B4-BE49-F238E27FC236}">
+                  <a16:creationId xmlns:a16="http://schemas.microsoft.com/office/drawing/2014/main" id="{79089964-B99F-487E-840E-FD3D7E88CC09}"/>
+                </a:ext>
+                <a:ext uri="{C183D7F6-B498-43B3-948B-1728B52AA6E4}">
+                  <adec:decorative xmlns:adec="http://schemas.microsoft.com/office/drawing/2017/decorative" val="1"/>
+                </a:ext>
+              </a:extLst>
+            </p:cNvPr>
+            <p:cNvSpPr/>
+            <p:nvPr>
+              <p:extLst>
+                <p:ext uri="{386F3935-93C4-4BCD-93E2-E3B085C9AB24}">
+                  <p16:designElem xmlns:p16="http://schemas.microsoft.com/office/powerpoint/2015/main" val="1"/>
+                </p:ext>
+              </p:extLst>
+            </p:nvPr>
+          </p:nvSpPr>
+          <p:spPr bwMode="gray">
+            <a:xfrm rot="21010068">
+              <a:off x="8490951" y="1797517"/>
+              <a:ext cx="3299407" cy="440924"/>
+            </a:xfrm>
+            <a:custGeom>
+              <a:avLst/>
+              <a:gdLst/>
+              <a:ahLst/>
+              <a:cxnLst/>
+              <a:rect l="l" t="t" r="r" b="b"/>
+              <a:pathLst>
+                <a:path w="10000" h="5291">
+                  <a:moveTo>
+                    <a:pt x="85" y="2532"/>
+                  </a:moveTo>
+                  <a:cubicBezTo>
+                    <a:pt x="1736" y="3911"/>
+                    <a:pt x="7524" y="5298"/>
+                    <a:pt x="9958" y="5291"/>
+                  </a:cubicBezTo>
+                  <a:cubicBezTo>
+                    <a:pt x="9989" y="1958"/>
+                    <a:pt x="9969" y="3333"/>
+                    <a:pt x="10000" y="0"/>
+                  </a:cubicBezTo>
+                  <a:lnTo>
+                    <a:pt x="10000" y="0"/>
+                  </a:lnTo>
+                  <a:lnTo>
+                    <a:pt x="9667" y="204"/>
+                  </a:lnTo>
+                  <a:lnTo>
+                    <a:pt x="9334" y="400"/>
+                  </a:lnTo>
+                  <a:lnTo>
+                    <a:pt x="9001" y="590"/>
+                  </a:lnTo>
+                  <a:lnTo>
+                    <a:pt x="8667" y="753"/>
+                  </a:lnTo>
+                  <a:lnTo>
+                    <a:pt x="8333" y="917"/>
+                  </a:lnTo>
+                  <a:lnTo>
+                    <a:pt x="7999" y="1071"/>
+                  </a:lnTo>
+                  <a:lnTo>
+                    <a:pt x="7669" y="1202"/>
+                  </a:lnTo>
+                  <a:lnTo>
+                    <a:pt x="7333" y="1325"/>
+                  </a:lnTo>
+                  <a:lnTo>
+                    <a:pt x="7000" y="1440"/>
+                  </a:lnTo>
+                  <a:lnTo>
+                    <a:pt x="6673" y="1538"/>
+                  </a:lnTo>
+                  <a:lnTo>
+                    <a:pt x="6340" y="1636"/>
+                  </a:lnTo>
+                  <a:lnTo>
+                    <a:pt x="6013" y="1719"/>
+                  </a:lnTo>
+                  <a:lnTo>
+                    <a:pt x="5686" y="1784"/>
+                  </a:lnTo>
+                  <a:lnTo>
+                    <a:pt x="5359" y="1850"/>
+                  </a:lnTo>
+                  <a:lnTo>
+                    <a:pt x="5036" y="1906"/>
+                  </a:lnTo>
+                  <a:lnTo>
+                    <a:pt x="4717" y="1948"/>
+                  </a:lnTo>
+                  <a:lnTo>
+                    <a:pt x="4396" y="1980"/>
+                  </a:lnTo>
+                  <a:lnTo>
+                    <a:pt x="4079" y="2013"/>
+                  </a:lnTo>
+                  <a:lnTo>
+                    <a:pt x="3766" y="2029"/>
+                  </a:lnTo>
+                  <a:lnTo>
+                    <a:pt x="3454" y="2046"/>
+                  </a:lnTo>
+                  <a:lnTo>
+                    <a:pt x="3145" y="2053"/>
+                  </a:lnTo>
+                  <a:lnTo>
+                    <a:pt x="2839" y="2046"/>
+                  </a:lnTo>
+                  <a:lnTo>
+                    <a:pt x="2537" y="2046"/>
+                  </a:lnTo>
+                  <a:lnTo>
+                    <a:pt x="2238" y="2029"/>
+                  </a:lnTo>
+                  <a:lnTo>
+                    <a:pt x="1943" y="2004"/>
+                  </a:lnTo>
+                  <a:lnTo>
+                    <a:pt x="1653" y="1980"/>
+                  </a:lnTo>
+                  <a:lnTo>
+                    <a:pt x="1368" y="1955"/>
+                  </a:lnTo>
+                  <a:lnTo>
+                    <a:pt x="1085" y="1915"/>
+                  </a:lnTo>
+                  <a:lnTo>
+                    <a:pt x="806" y="1873"/>
+                  </a:lnTo>
+                  <a:lnTo>
+                    <a:pt x="533" y="1833"/>
+                  </a:lnTo>
+                  <a:lnTo>
+                    <a:pt x="0" y="1726"/>
+                  </a:lnTo>
+                  <a:cubicBezTo>
+                    <a:pt x="28" y="1995"/>
+                    <a:pt x="57" y="2263"/>
+                    <a:pt x="85" y="2532"/>
+                  </a:cubicBezTo>
+                  <a:close/>
+                </a:path>
+              </a:pathLst>
+            </a:custGeom>
+            <a:solidFill>
+              <a:schemeClr val="bg1">
+                <a:alpha val="20000"/>
+              </a:schemeClr>
+            </a:solidFill>
+            <a:ln>
+              <a:noFill/>
+            </a:ln>
+          </p:spPr>
+        </p:sp>
+        <p:sp>
+          <p:nvSpPr>
+            <p:cNvPr id="51" name="Freeform 5">
+              <a:extLst>
+                <a:ext uri="{FF2B5EF4-FFF2-40B4-BE49-F238E27FC236}">
+                  <a16:creationId xmlns:a16="http://schemas.microsoft.com/office/drawing/2014/main" id="{EC4611E9-9EAD-44EF-967C-9F3F3066D096}"/>
+                </a:ext>
+                <a:ext uri="{C183D7F6-B498-43B3-948B-1728B52AA6E4}">
+                  <adec:decorative xmlns:adec="http://schemas.microsoft.com/office/drawing/2017/decorative" val="1"/>
+                </a:ext>
+              </a:extLst>
+            </p:cNvPr>
+            <p:cNvSpPr/>
+            <p:nvPr>
+              <p:extLst>
+                <p:ext uri="{386F3935-93C4-4BCD-93E2-E3B085C9AB24}">
+                  <p16:designElem xmlns:p16="http://schemas.microsoft.com/office/powerpoint/2015/main" val="1"/>
+                </p:ext>
+              </p:extLst>
+            </p:nvPr>
+          </p:nvSpPr>
+          <p:spPr bwMode="gray">
+            <a:xfrm>
+              <a:off x="459506" y="1866405"/>
+              <a:ext cx="11277600" cy="4533900"/>
+            </a:xfrm>
+            <a:custGeom>
+              <a:avLst/>
+              <a:gdLst/>
+              <a:ahLst/>
+              <a:cxnLst/>
+              <a:rect l="0" t="0" r="r" b="b"/>
+              <a:pathLst>
+                <a:path w="7104" h="2856">
+                  <a:moveTo>
+                    <a:pt x="0" y="0"/>
+                  </a:moveTo>
+                  <a:lnTo>
+                    <a:pt x="0" y="2856"/>
+                  </a:lnTo>
+                  <a:lnTo>
+                    <a:pt x="7104" y="2856"/>
+                  </a:lnTo>
+                  <a:lnTo>
+                    <a:pt x="7104" y="1"/>
+                  </a:lnTo>
+                  <a:lnTo>
+                    <a:pt x="7104" y="1"/>
+                  </a:lnTo>
+                  <a:lnTo>
+                    <a:pt x="6943" y="26"/>
+                  </a:lnTo>
+                  <a:lnTo>
+                    <a:pt x="6782" y="50"/>
+                  </a:lnTo>
+                  <a:lnTo>
+                    <a:pt x="6621" y="73"/>
+                  </a:lnTo>
+                  <a:lnTo>
+                    <a:pt x="6459" y="93"/>
+                  </a:lnTo>
+                  <a:lnTo>
+                    <a:pt x="6298" y="113"/>
+                  </a:lnTo>
+                  <a:lnTo>
+                    <a:pt x="6136" y="132"/>
+                  </a:lnTo>
+                  <a:lnTo>
+                    <a:pt x="5976" y="148"/>
+                  </a:lnTo>
+                  <a:lnTo>
+                    <a:pt x="5814" y="163"/>
+                  </a:lnTo>
+                  <a:lnTo>
+                    <a:pt x="5653" y="177"/>
+                  </a:lnTo>
+                  <a:lnTo>
+                    <a:pt x="5494" y="189"/>
+                  </a:lnTo>
+                  <a:lnTo>
+                    <a:pt x="5334" y="201"/>
+                  </a:lnTo>
+                  <a:lnTo>
+                    <a:pt x="5175" y="211"/>
+                  </a:lnTo>
+                  <a:lnTo>
+                    <a:pt x="5017" y="219"/>
+                  </a:lnTo>
+                  <a:lnTo>
+                    <a:pt x="4859" y="227"/>
+                  </a:lnTo>
+                  <a:lnTo>
+                    <a:pt x="4703" y="234"/>
+                  </a:lnTo>
+                  <a:lnTo>
+                    <a:pt x="4548" y="239"/>
+                  </a:lnTo>
+                  <a:lnTo>
+                    <a:pt x="4393" y="243"/>
+                  </a:lnTo>
+                  <a:lnTo>
+                    <a:pt x="4240" y="247"/>
+                  </a:lnTo>
+                  <a:lnTo>
+                    <a:pt x="4088" y="249"/>
+                  </a:lnTo>
+                  <a:lnTo>
+                    <a:pt x="3937" y="251"/>
+                  </a:lnTo>
+                  <a:lnTo>
+                    <a:pt x="3788" y="252"/>
+                  </a:lnTo>
+                  <a:lnTo>
+                    <a:pt x="3640" y="251"/>
+                  </a:lnTo>
+                  <a:lnTo>
+                    <a:pt x="3494" y="251"/>
+                  </a:lnTo>
+                  <a:lnTo>
+                    <a:pt x="3349" y="249"/>
+                  </a:lnTo>
+                  <a:lnTo>
+                    <a:pt x="3207" y="246"/>
+                  </a:lnTo>
+                  <a:lnTo>
+                    <a:pt x="3066" y="243"/>
+                  </a:lnTo>
+                  <a:lnTo>
+                    <a:pt x="2928" y="240"/>
+                  </a:lnTo>
+                  <a:lnTo>
+                    <a:pt x="2791" y="235"/>
+                  </a:lnTo>
+                  <a:lnTo>
+                    <a:pt x="2656" y="230"/>
+                  </a:lnTo>
+                  <a:lnTo>
+                    <a:pt x="2524" y="225"/>
+                  </a:lnTo>
+                  <a:lnTo>
+                    <a:pt x="2266" y="212"/>
+                  </a:lnTo>
+                  <a:lnTo>
+                    <a:pt x="2019" y="198"/>
+                  </a:lnTo>
+                  <a:lnTo>
+                    <a:pt x="1782" y="183"/>
+                  </a:lnTo>
+                  <a:lnTo>
+                    <a:pt x="1557" y="167"/>
+                  </a:lnTo>
+                  <a:lnTo>
+                    <a:pt x="1343" y="150"/>
+                  </a:lnTo>
+                  <a:lnTo>
+                    <a:pt x="1144" y="132"/>
+                  </a:lnTo>
+                  <a:lnTo>
+                    <a:pt x="957" y="114"/>
+                  </a:lnTo>
+                  <a:lnTo>
+                    <a:pt x="785" y="96"/>
+                  </a:lnTo>
+                  <a:lnTo>
+                    <a:pt x="627" y="79"/>
+                  </a:lnTo>
+                  <a:lnTo>
+                    <a:pt x="487" y="63"/>
+                  </a:lnTo>
+                  <a:lnTo>
+                    <a:pt x="361" y="48"/>
+                  </a:lnTo>
+                  <a:lnTo>
+                    <a:pt x="254" y="35"/>
+                  </a:lnTo>
+                  <a:lnTo>
+                    <a:pt x="165" y="23"/>
+                  </a:lnTo>
+                  <a:lnTo>
+                    <a:pt x="42" y="6"/>
+                  </a:lnTo>
+                  <a:lnTo>
+                    <a:pt x="0" y="0"/>
+                  </a:lnTo>
+                  <a:lnTo>
+                    <a:pt x="0" y="0"/>
+                  </a:lnTo>
+                  <a:close/>
+                </a:path>
+              </a:pathLst>
+            </a:custGeom>
+            <a:solidFill>
+              <a:schemeClr val="bg1"/>
+            </a:solidFill>
+            <a:ln>
+              <a:noFill/>
+            </a:ln>
+          </p:spPr>
+        </p:sp>
+        <p:sp>
+          <p:nvSpPr>
+            <p:cNvPr id="52" name="Freeform 5">
+              <a:extLst>
+                <a:ext uri="{FF2B5EF4-FFF2-40B4-BE49-F238E27FC236}">
+                  <a16:creationId xmlns:a16="http://schemas.microsoft.com/office/drawing/2014/main" id="{5916A076-E219-44E3-8EB5-1C04EFCD17D6}"/>
+                </a:ext>
+                <a:ext uri="{C183D7F6-B498-43B3-948B-1728B52AA6E4}">
+                  <adec:decorative xmlns:adec="http://schemas.microsoft.com/office/drawing/2017/decorative" val="1"/>
+                </a:ext>
+              </a:extLst>
+            </p:cNvPr>
+            <p:cNvSpPr>
+              <a:spLocks noEditPoints="1"/>
+            </p:cNvSpPr>
+            <p:nvPr>
+              <p:extLst>
+                <p:ext uri="{386F3935-93C4-4BCD-93E2-E3B085C9AB24}">
+                  <p16:designElem xmlns:p16="http://schemas.microsoft.com/office/powerpoint/2015/main" val="1"/>
+                </p:ext>
+              </p:extLst>
+            </p:nvPr>
+          </p:nvSpPr>
+          <p:spPr bwMode="gray">
+            <a:xfrm>
+              <a:off x="0" y="1587"/>
+              <a:ext cx="12192000" cy="6856413"/>
+            </a:xfrm>
+            <a:custGeom>
+              <a:avLst/>
+              <a:gdLst/>
+              <a:ahLst/>
+              <a:cxnLst/>
+              <a:rect l="0" t="0" r="r" b="b"/>
+              <a:pathLst>
+                <a:path w="15356" h="8638">
+                  <a:moveTo>
+                    <a:pt x="0" y="0"/>
+                  </a:moveTo>
+                  <a:lnTo>
+                    <a:pt x="0" y="8638"/>
+                  </a:lnTo>
+                  <a:lnTo>
+                    <a:pt x="15356" y="8638"/>
+                  </a:lnTo>
+                  <a:lnTo>
+                    <a:pt x="15356" y="0"/>
+                  </a:lnTo>
+                  <a:lnTo>
+                    <a:pt x="0" y="0"/>
+                  </a:lnTo>
+                  <a:close/>
+                  <a:moveTo>
+                    <a:pt x="14748" y="8038"/>
+                  </a:moveTo>
+                  <a:lnTo>
+                    <a:pt x="600" y="8038"/>
+                  </a:lnTo>
+                  <a:lnTo>
+                    <a:pt x="600" y="592"/>
+                  </a:lnTo>
+                  <a:lnTo>
+                    <a:pt x="14748" y="592"/>
+                  </a:lnTo>
+                  <a:lnTo>
+                    <a:pt x="14748" y="8038"/>
+                  </a:lnTo>
+                  <a:close/>
+                </a:path>
+              </a:pathLst>
+            </a:custGeom>
+            <a:solidFill>
+              <a:schemeClr val="bg1"/>
+            </a:solidFill>
+            <a:ln>
+              <a:noFill/>
+            </a:ln>
+          </p:spPr>
+        </p:sp>
+      </p:grpSp>
+      <p:sp>
+        <p:nvSpPr>
+          <p:cNvPr id="54" name="Rectangle 53">
+            <a:extLst>
+              <a:ext uri="{FF2B5EF4-FFF2-40B4-BE49-F238E27FC236}">
+                <a16:creationId xmlns:a16="http://schemas.microsoft.com/office/drawing/2014/main" id="{D764F0A0-D07C-4159-9427-D25058257DCC}"/>
+              </a:ext>
+              <a:ext uri="{C183D7F6-B498-43B3-948B-1728B52AA6E4}">
+                <adec:decorative xmlns:adec="http://schemas.microsoft.com/office/drawing/2017/decorative" val="1"/>
+              </a:ext>
+            </a:extLst>
+          </p:cNvPr>
+          <p:cNvSpPr>
+            <a:spLocks noGrp="1" noRot="1" noChangeAspect="1" noMove="1" noResize="1" noEditPoints="1" noAdjustHandles="1" noChangeArrowheads="1" noChangeShapeType="1" noTextEdit="1"/>
+          </p:cNvSpPr>
+          <p:nvPr>
+            <p:extLst>
+              <p:ext uri="{386F3935-93C4-4BCD-93E2-E3B085C9AB24}">
+                <p16:designElem xmlns:p16="http://schemas.microsoft.com/office/powerpoint/2015/main" val="1"/>
+              </p:ext>
+            </p:extLst>
+          </p:nvPr>
+        </p:nvSpPr>
+        <p:spPr>
+          <a:xfrm>
+            <a:off x="10437812" y="0"/>
+            <a:ext cx="685800" cy="1143000"/>
+          </a:xfrm>
+          <a:prstGeom prst="rect">
+            <a:avLst/>
+          </a:prstGeom>
+          <a:solidFill>
+            <a:schemeClr val="accent1"/>
+          </a:solidFill>
+          <a:ln>
+            <a:noFill/>
+          </a:ln>
+        </p:spPr>
+        <p:style>
+          <a:lnRef idx="1">
+            <a:schemeClr val="accent1"/>
+          </a:lnRef>
+          <a:fillRef idx="3">
+            <a:schemeClr val="accent1"/>
+          </a:fillRef>
+          <a:effectRef idx="2">
+            <a:schemeClr val="accent1"/>
+          </a:effectRef>
+          <a:fontRef idx="minor">
+            <a:schemeClr val="lt1"/>
+          </a:fontRef>
+        </p:style>
+      </p:sp>
+      <p:grpSp>
+        <p:nvGrpSpPr>
+          <p:cNvPr id="56" name="Group 55">
+            <a:extLst>
+              <a:ext uri="{FF2B5EF4-FFF2-40B4-BE49-F238E27FC236}">
+                <a16:creationId xmlns:a16="http://schemas.microsoft.com/office/drawing/2014/main" id="{353BC003-D6B7-4BF0-937D-4A015F6DEB15}"/>
+              </a:ext>
+              <a:ext uri="{C183D7F6-B498-43B3-948B-1728B52AA6E4}">
+                <adec:decorative xmlns:adec="http://schemas.microsoft.com/office/drawing/2017/decorative" val="1"/>
+              </a:ext>
+            </a:extLst>
+          </p:cNvPr>
+          <p:cNvGrpSpPr>
+            <a:grpSpLocks noGrp="1" noUngrp="1" noRot="1" noChangeAspect="1" noMove="1" noResize="1"/>
+          </p:cNvGrpSpPr>
+          <p:nvPr>
+            <p:extLst>
+              <p:ext uri="{386F3935-93C4-4BCD-93E2-E3B085C9AB24}">
+                <p16:designElem xmlns:p16="http://schemas.microsoft.com/office/powerpoint/2015/main" val="1"/>
+              </p:ext>
+            </p:extLst>
+          </p:nvPr>
+        </p:nvGrpSpPr>
+        <p:grpSpPr>
+          <a:xfrm>
+            <a:off x="0" y="-9027"/>
+            <a:ext cx="12192000" cy="6867027"/>
+            <a:chOff x="0" y="-2373"/>
+            <a:chExt cx="12192000" cy="6867027"/>
+          </a:xfrm>
+        </p:grpSpPr>
+        <p:sp>
+          <p:nvSpPr>
+            <p:cNvPr id="57" name="Rectangle 56">
+              <a:extLst>
+                <a:ext uri="{FF2B5EF4-FFF2-40B4-BE49-F238E27FC236}">
+                  <a16:creationId xmlns:a16="http://schemas.microsoft.com/office/drawing/2014/main" id="{4903268C-2C5A-4507-9244-86102327B74A}"/>
+                </a:ext>
+                <a:ext uri="{C183D7F6-B498-43B3-948B-1728B52AA6E4}">
+                  <adec:decorative xmlns:adec="http://schemas.microsoft.com/office/drawing/2017/decorative" val="1"/>
+                </a:ext>
+              </a:extLst>
+            </p:cNvPr>
+            <p:cNvSpPr/>
+            <p:nvPr>
+              <p:extLst>
+                <p:ext uri="{386F3935-93C4-4BCD-93E2-E3B085C9AB24}">
+                  <p16:designElem xmlns:p16="http://schemas.microsoft.com/office/powerpoint/2015/main" val="1"/>
+                </p:ext>
+              </p:extLst>
+            </p:nvPr>
+          </p:nvSpPr>
+          <p:spPr>
+            <a:xfrm>
+              <a:off x="0" y="0"/>
+              <a:ext cx="12192000" cy="6858000"/>
+            </a:xfrm>
+            <a:prstGeom prst="rect">
+              <a:avLst/>
+            </a:prstGeom>
+            <a:blipFill>
+              <a:blip r:embed="rId2">
+                <a:duotone>
+                  <a:schemeClr val="dk2">
+                    <a:shade val="62000"/>
+                    <a:hueMod val="108000"/>
+                    <a:satMod val="164000"/>
+                    <a:lumMod val="69000"/>
+                  </a:schemeClr>
+                  <a:schemeClr val="dk2">
+                    <a:tint val="96000"/>
+                    <a:hueMod val="90000"/>
+                    <a:satMod val="130000"/>
+                    <a:lumMod val="134000"/>
+                  </a:schemeClr>
+                </a:duotone>
+              </a:blip>
+              <a:stretch>
+                <a:fillRect/>
+              </a:stretch>
+            </a:blipFill>
+            <a:ln>
+              <a:noFill/>
+            </a:ln>
+          </p:spPr>
+          <p:style>
+            <a:lnRef idx="2">
+              <a:schemeClr val="accent1">
+                <a:shade val="50000"/>
+              </a:schemeClr>
+            </a:lnRef>
+            <a:fillRef idx="1">
+              <a:schemeClr val="accent1"/>
+            </a:fillRef>
+            <a:effectRef idx="0">
+              <a:schemeClr val="accent1"/>
+            </a:effectRef>
+            <a:fontRef idx="minor">
+              <a:schemeClr val="lt1"/>
+            </a:fontRef>
+          </p:style>
+        </p:sp>
+        <p:sp>
+          <p:nvSpPr>
+            <p:cNvPr id="58" name="Oval 57">
+              <a:extLst>
+                <a:ext uri="{FF2B5EF4-FFF2-40B4-BE49-F238E27FC236}">
+                  <a16:creationId xmlns:a16="http://schemas.microsoft.com/office/drawing/2014/main" id="{539F7113-C588-46FB-ADDE-55CEC5981441}"/>
+                </a:ext>
+                <a:ext uri="{C183D7F6-B498-43B3-948B-1728B52AA6E4}">
+                  <adec:decorative xmlns:adec="http://schemas.microsoft.com/office/drawing/2017/decorative" val="1"/>
+                </a:ext>
+              </a:extLst>
+            </p:cNvPr>
+            <p:cNvSpPr/>
+            <p:nvPr>
+              <p:extLst>
+                <p:ext uri="{386F3935-93C4-4BCD-93E2-E3B085C9AB24}">
+                  <p16:designElem xmlns:p16="http://schemas.microsoft.com/office/powerpoint/2015/main" val="1"/>
+                </p:ext>
+              </p:extLst>
+            </p:nvPr>
+          </p:nvSpPr>
+          <p:spPr>
+            <a:xfrm>
+              <a:off x="3220" y="2667000"/>
+              <a:ext cx="4191000" cy="4191000"/>
+            </a:xfrm>
+            <a:prstGeom prst="ellipse">
+              <a:avLst/>
+            </a:prstGeom>
+            <a:gradFill flip="none" rotWithShape="1">
+              <a:gsLst>
+                <a:gs pos="0">
+                  <a:schemeClr val="bg2">
+                    <a:lumMod val="40000"/>
+                    <a:lumOff val="60000"/>
+                    <a:alpha val="11000"/>
+                  </a:schemeClr>
+                </a:gs>
+                <a:gs pos="75000">
+                  <a:schemeClr val="bg2">
+                    <a:lumMod val="40000"/>
+                    <a:lumOff val="60000"/>
+                    <a:alpha val="0"/>
+                  </a:schemeClr>
+                </a:gs>
+                <a:gs pos="36000">
+                  <a:schemeClr val="bg2">
+                    <a:lumMod val="40000"/>
+                    <a:lumOff val="60000"/>
+                    <a:alpha val="10000"/>
+                  </a:schemeClr>
+                </a:gs>
+              </a:gsLst>
+              <a:path path="circle">
+                <a:fillToRect l="50000" t="50000" r="50000" b="50000"/>
+              </a:path>
+              <a:tileRect/>
+            </a:gradFill>
+            <a:ln>
+              <a:noFill/>
+            </a:ln>
+            <a:effectLst/>
+          </p:spPr>
+          <p:style>
+            <a:lnRef idx="1">
+              <a:schemeClr val="accent1"/>
+            </a:lnRef>
+            <a:fillRef idx="3">
+              <a:schemeClr val="accent1"/>
+            </a:fillRef>
+            <a:effectRef idx="2">
+              <a:schemeClr val="accent1"/>
+            </a:effectRef>
+            <a:fontRef idx="minor">
+              <a:schemeClr val="lt1"/>
+            </a:fontRef>
+          </p:style>
+        </p:sp>
+        <p:sp>
+          <p:nvSpPr>
+            <p:cNvPr id="59" name="Oval 58">
+              <a:extLst>
+                <a:ext uri="{FF2B5EF4-FFF2-40B4-BE49-F238E27FC236}">
+                  <a16:creationId xmlns:a16="http://schemas.microsoft.com/office/drawing/2014/main" id="{B6481A55-E6DE-4B8B-9847-0230D12F7E38}"/>
+                </a:ext>
+                <a:ext uri="{C183D7F6-B498-43B3-948B-1728B52AA6E4}">
+                  <adec:decorative xmlns:adec="http://schemas.microsoft.com/office/drawing/2017/decorative" val="1"/>
+                </a:ext>
+              </a:extLst>
+            </p:cNvPr>
+            <p:cNvSpPr/>
+            <p:nvPr>
+              <p:extLst>
+                <p:ext uri="{386F3935-93C4-4BCD-93E2-E3B085C9AB24}">
+                  <p16:designElem xmlns:p16="http://schemas.microsoft.com/office/powerpoint/2015/main" val="1"/>
+                </p:ext>
+              </p:extLst>
+            </p:nvPr>
+          </p:nvSpPr>
+          <p:spPr>
+            <a:xfrm>
+              <a:off x="1750" y="2895600"/>
+              <a:ext cx="2362200" cy="2362200"/>
+            </a:xfrm>
+            <a:prstGeom prst="ellipse">
+              <a:avLst/>
+            </a:prstGeom>
+            <a:gradFill flip="none" rotWithShape="1">
+              <a:gsLst>
+                <a:gs pos="0">
+                  <a:schemeClr val="bg2">
+                    <a:lumMod val="40000"/>
+                    <a:lumOff val="60000"/>
+                    <a:alpha val="8000"/>
+                  </a:schemeClr>
+                </a:gs>
+                <a:gs pos="72000">
+                  <a:schemeClr val="bg2">
+                    <a:lumMod val="40000"/>
+                    <a:lumOff val="60000"/>
+                    <a:alpha val="0"/>
+                  </a:schemeClr>
+                </a:gs>
+                <a:gs pos="36000">
+                  <a:schemeClr val="bg2">
+                    <a:lumMod val="40000"/>
+                    <a:lumOff val="60000"/>
+                    <a:alpha val="8000"/>
+                  </a:schemeClr>
+                </a:gs>
+              </a:gsLst>
+              <a:path path="circle">
+                <a:fillToRect l="50000" t="50000" r="50000" b="50000"/>
+              </a:path>
+              <a:tileRect/>
+            </a:gradFill>
+            <a:ln>
+              <a:noFill/>
+            </a:ln>
+            <a:effectLst/>
+          </p:spPr>
+          <p:style>
+            <a:lnRef idx="1">
+              <a:schemeClr val="accent1"/>
+            </a:lnRef>
+            <a:fillRef idx="3">
+              <a:schemeClr val="accent1"/>
+            </a:fillRef>
+            <a:effectRef idx="2">
+              <a:schemeClr val="accent1"/>
+            </a:effectRef>
+            <a:fontRef idx="minor">
+              <a:schemeClr val="lt1"/>
+            </a:fontRef>
+          </p:style>
+        </p:sp>
+        <p:sp>
+          <p:nvSpPr>
+            <p:cNvPr id="60" name="Oval 59">
+              <a:extLst>
+                <a:ext uri="{FF2B5EF4-FFF2-40B4-BE49-F238E27FC236}">
+                  <a16:creationId xmlns:a16="http://schemas.microsoft.com/office/drawing/2014/main" id="{052FD8DB-2F6F-462A-9BF4-1E26C93321C4}"/>
+                </a:ext>
+                <a:ext uri="{C183D7F6-B498-43B3-948B-1728B52AA6E4}">
+                  <adec:decorative xmlns:adec="http://schemas.microsoft.com/office/drawing/2017/decorative" val="1"/>
+                </a:ext>
+              </a:extLst>
+            </p:cNvPr>
+            <p:cNvSpPr/>
+            <p:nvPr>
+              <p:extLst>
+                <p:ext uri="{386F3935-93C4-4BCD-93E2-E3B085C9AB24}">
+                  <p16:designElem xmlns:p16="http://schemas.microsoft.com/office/powerpoint/2015/main" val="1"/>
+                </p:ext>
+              </p:extLst>
+            </p:nvPr>
+          </p:nvSpPr>
+          <p:spPr>
+            <a:xfrm>
+              <a:off x="8609012" y="1676400"/>
+              <a:ext cx="2819400" cy="2819400"/>
+            </a:xfrm>
+            <a:prstGeom prst="ellipse">
+              <a:avLst/>
+            </a:prstGeom>
+            <a:gradFill flip="none" rotWithShape="1">
+              <a:gsLst>
+                <a:gs pos="0">
+                  <a:schemeClr val="bg2">
+                    <a:lumMod val="40000"/>
+                    <a:lumOff val="60000"/>
+                    <a:alpha val="7000"/>
+                  </a:schemeClr>
+                </a:gs>
+                <a:gs pos="69000">
+                  <a:schemeClr val="bg2">
+                    <a:lumMod val="40000"/>
+                    <a:lumOff val="60000"/>
+                    <a:alpha val="0"/>
+                  </a:schemeClr>
+                </a:gs>
+                <a:gs pos="36000">
+                  <a:schemeClr val="bg2">
+                    <a:lumMod val="40000"/>
+                    <a:lumOff val="60000"/>
+                    <a:alpha val="6000"/>
+                  </a:schemeClr>
+                </a:gs>
+              </a:gsLst>
+              <a:path path="circle">
+                <a:fillToRect l="50000" t="50000" r="50000" b="50000"/>
+              </a:path>
+              <a:tileRect/>
+            </a:gradFill>
+            <a:ln>
+              <a:noFill/>
+            </a:ln>
+            <a:effectLst/>
+          </p:spPr>
+          <p:style>
+            <a:lnRef idx="1">
+              <a:schemeClr val="accent1"/>
+            </a:lnRef>
+            <a:fillRef idx="3">
+              <a:schemeClr val="accent1"/>
+            </a:fillRef>
+            <a:effectRef idx="2">
+              <a:schemeClr val="accent1"/>
+            </a:effectRef>
+            <a:fontRef idx="minor">
+              <a:schemeClr val="lt1"/>
+            </a:fontRef>
+          </p:style>
+        </p:sp>
+        <p:sp>
+          <p:nvSpPr>
+            <p:cNvPr id="61" name="Oval 60">
+              <a:extLst>
+                <a:ext uri="{FF2B5EF4-FFF2-40B4-BE49-F238E27FC236}">
+                  <a16:creationId xmlns:a16="http://schemas.microsoft.com/office/drawing/2014/main" id="{BE52543D-8290-40DE-990A-27CC1992A361}"/>
+                </a:ext>
+                <a:ext uri="{C183D7F6-B498-43B3-948B-1728B52AA6E4}">
+                  <adec:decorative xmlns:adec="http://schemas.microsoft.com/office/drawing/2017/decorative" val="1"/>
+                </a:ext>
+              </a:extLst>
+            </p:cNvPr>
+            <p:cNvSpPr/>
+            <p:nvPr>
+              <p:extLst>
+                <p:ext uri="{386F3935-93C4-4BCD-93E2-E3B085C9AB24}">
+                  <p16:designElem xmlns:p16="http://schemas.microsoft.com/office/powerpoint/2015/main" val="1"/>
+                </p:ext>
+              </p:extLst>
+            </p:nvPr>
+          </p:nvSpPr>
+          <p:spPr>
+            <a:xfrm>
+              <a:off x="7999412" y="-2373"/>
+              <a:ext cx="1600200" cy="1600200"/>
+            </a:xfrm>
+            <a:prstGeom prst="ellipse">
+              <a:avLst/>
+            </a:prstGeom>
+            <a:gradFill flip="none" rotWithShape="1">
+              <a:gsLst>
+                <a:gs pos="0">
+                  <a:schemeClr val="bg2">
+                    <a:lumMod val="40000"/>
+                    <a:lumOff val="60000"/>
+                    <a:alpha val="14000"/>
+                  </a:schemeClr>
+                </a:gs>
+                <a:gs pos="73000">
+                  <a:schemeClr val="bg2">
+                    <a:lumMod val="40000"/>
+                    <a:lumOff val="60000"/>
+                    <a:alpha val="0"/>
+                  </a:schemeClr>
+                </a:gs>
+                <a:gs pos="36000">
+                  <a:schemeClr val="bg2">
+                    <a:lumMod val="40000"/>
+                    <a:lumOff val="60000"/>
+                    <a:alpha val="7000"/>
+                  </a:schemeClr>
+                </a:gs>
+              </a:gsLst>
+              <a:path path="circle">
+                <a:fillToRect l="50000" t="50000" r="50000" b="50000"/>
+              </a:path>
+              <a:tileRect/>
+            </a:gradFill>
+            <a:ln>
+              <a:noFill/>
+            </a:ln>
+            <a:effectLst/>
+          </p:spPr>
+          <p:style>
+            <a:lnRef idx="1">
+              <a:schemeClr val="accent1"/>
+            </a:lnRef>
+            <a:fillRef idx="3">
+              <a:schemeClr val="accent1"/>
+            </a:fillRef>
+            <a:effectRef idx="2">
+              <a:schemeClr val="accent1"/>
+            </a:effectRef>
+            <a:fontRef idx="minor">
+              <a:schemeClr val="lt1"/>
+            </a:fontRef>
+          </p:style>
+        </p:sp>
+        <p:sp>
+          <p:nvSpPr>
+            <p:cNvPr id="62" name="Oval 61">
+              <a:extLst>
+                <a:ext uri="{FF2B5EF4-FFF2-40B4-BE49-F238E27FC236}">
+                  <a16:creationId xmlns:a16="http://schemas.microsoft.com/office/drawing/2014/main" id="{8ECC693B-FBF3-45DD-849C-AC1B1B290539}"/>
+                </a:ext>
+                <a:ext uri="{C183D7F6-B498-43B3-948B-1728B52AA6E4}">
+                  <adec:decorative xmlns:adec="http://schemas.microsoft.com/office/drawing/2017/decorative" val="1"/>
+                </a:ext>
+              </a:extLst>
+            </p:cNvPr>
+            <p:cNvSpPr/>
+            <p:nvPr>
+              <p:extLst>
+                <p:ext uri="{386F3935-93C4-4BCD-93E2-E3B085C9AB24}">
+                  <p16:designElem xmlns:p16="http://schemas.microsoft.com/office/powerpoint/2015/main" val="1"/>
+                </p:ext>
+              </p:extLst>
+            </p:nvPr>
+          </p:nvSpPr>
+          <p:spPr>
+            <a:xfrm>
+              <a:off x="8609012" y="5874054"/>
+              <a:ext cx="990600" cy="990600"/>
+            </a:xfrm>
+            <a:prstGeom prst="ellipse">
+              <a:avLst/>
+            </a:prstGeom>
+            <a:gradFill flip="none" rotWithShape="1">
+              <a:gsLst>
+                <a:gs pos="0">
+                  <a:schemeClr val="bg2">
+                    <a:lumMod val="40000"/>
+                    <a:lumOff val="60000"/>
+                    <a:alpha val="14000"/>
+                  </a:schemeClr>
+                </a:gs>
+                <a:gs pos="66000">
+                  <a:schemeClr val="bg2">
+                    <a:lumMod val="40000"/>
+                    <a:lumOff val="60000"/>
+                    <a:alpha val="0"/>
+                  </a:schemeClr>
+                </a:gs>
+                <a:gs pos="36000">
+                  <a:schemeClr val="bg2">
+                    <a:lumMod val="40000"/>
+                    <a:lumOff val="60000"/>
+                    <a:alpha val="7000"/>
+                  </a:schemeClr>
+                </a:gs>
+              </a:gsLst>
+              <a:path path="circle">
+                <a:fillToRect l="50000" t="50000" r="50000" b="50000"/>
+              </a:path>
+              <a:tileRect/>
+            </a:gradFill>
+            <a:ln>
+              <a:noFill/>
+            </a:ln>
+            <a:effectLst/>
+          </p:spPr>
+          <p:style>
+            <a:lnRef idx="1">
+              <a:schemeClr val="accent1"/>
+            </a:lnRef>
+            <a:fillRef idx="3">
+              <a:schemeClr val="accent1"/>
+            </a:fillRef>
+            <a:effectRef idx="2">
+              <a:schemeClr val="accent1"/>
+            </a:effectRef>
+            <a:fontRef idx="minor">
+              <a:schemeClr val="lt1"/>
+            </a:fontRef>
+          </p:style>
+        </p:sp>
+        <p:sp>
+          <p:nvSpPr>
+            <p:cNvPr id="63" name="Rectangle 62">
+              <a:extLst>
+                <a:ext uri="{FF2B5EF4-FFF2-40B4-BE49-F238E27FC236}">
+                  <a16:creationId xmlns:a16="http://schemas.microsoft.com/office/drawing/2014/main" id="{56515BC8-A1CA-4EB4-81D8-6A891458F764}"/>
+                </a:ext>
+                <a:ext uri="{C183D7F6-B498-43B3-948B-1728B52AA6E4}">
+                  <adec:decorative xmlns:adec="http://schemas.microsoft.com/office/drawing/2017/decorative" val="1"/>
+                </a:ext>
+              </a:extLst>
+            </p:cNvPr>
+            <p:cNvSpPr/>
+            <p:nvPr>
+              <p:extLst>
+                <p:ext uri="{386F3935-93C4-4BCD-93E2-E3B085C9AB24}">
+                  <p16:designElem xmlns:p16="http://schemas.microsoft.com/office/powerpoint/2015/main" val="1"/>
+                </p:ext>
+              </p:extLst>
+            </p:nvPr>
+          </p:nvSpPr>
+          <p:spPr>
+            <a:xfrm>
+              <a:off x="5194608" y="402165"/>
+              <a:ext cx="6574058" cy="6053670"/>
+            </a:xfrm>
+            <a:prstGeom prst="rect">
+              <a:avLst/>
+            </a:prstGeom>
+            <a:solidFill>
+              <a:schemeClr val="bg1"/>
+            </a:solidFill>
+            <a:ln>
+              <a:noFill/>
+            </a:ln>
+            <a:effectLst/>
+          </p:spPr>
+          <p:style>
+            <a:lnRef idx="1">
+              <a:schemeClr val="accent1"/>
+            </a:lnRef>
+            <a:fillRef idx="3">
+              <a:schemeClr val="accent1"/>
+            </a:fillRef>
+            <a:effectRef idx="2">
+              <a:schemeClr val="accent1"/>
+            </a:effectRef>
+            <a:fontRef idx="minor">
+              <a:schemeClr val="lt1"/>
+            </a:fontRef>
+          </p:style>
+        </p:sp>
+        <p:sp>
+          <p:nvSpPr>
+            <p:cNvPr id="64" name="Freeform 5">
+              <a:extLst>
+                <a:ext uri="{FF2B5EF4-FFF2-40B4-BE49-F238E27FC236}">
+                  <a16:creationId xmlns:a16="http://schemas.microsoft.com/office/drawing/2014/main" id="{ED9E2ADE-2C74-4E7D-8701-6AE23ABD4DDF}"/>
+                </a:ext>
+                <a:ext uri="{C183D7F6-B498-43B3-948B-1728B52AA6E4}">
+                  <adec:decorative xmlns:adec="http://schemas.microsoft.com/office/drawing/2017/decorative" val="1"/>
+                </a:ext>
+              </a:extLst>
+            </p:cNvPr>
+            <p:cNvSpPr/>
+            <p:nvPr>
+              <p:extLst>
+                <p:ext uri="{386F3935-93C4-4BCD-93E2-E3B085C9AB24}">
+                  <p16:designElem xmlns:p16="http://schemas.microsoft.com/office/powerpoint/2015/main" val="1"/>
+                </p:ext>
+              </p:extLst>
+            </p:nvPr>
+          </p:nvSpPr>
+          <p:spPr bwMode="gray">
+            <a:xfrm rot="15922489">
+              <a:off x="3140485" y="1826078"/>
+              <a:ext cx="3299407" cy="440924"/>
+            </a:xfrm>
+            <a:custGeom>
+              <a:avLst/>
+              <a:gdLst/>
+              <a:ahLst/>
+              <a:cxnLst/>
+              <a:rect l="l" t="t" r="r" b="b"/>
+              <a:pathLst>
+                <a:path w="10000" h="5291">
+                  <a:moveTo>
+                    <a:pt x="85" y="2532"/>
+                  </a:moveTo>
+                  <a:cubicBezTo>
+                    <a:pt x="1736" y="3911"/>
+                    <a:pt x="7524" y="5298"/>
+                    <a:pt x="9958" y="5291"/>
+                  </a:cubicBezTo>
+                  <a:cubicBezTo>
+                    <a:pt x="9989" y="1958"/>
+                    <a:pt x="9969" y="3333"/>
+                    <a:pt x="10000" y="0"/>
+                  </a:cubicBezTo>
+                  <a:lnTo>
+                    <a:pt x="10000" y="0"/>
+                  </a:lnTo>
+                  <a:lnTo>
+                    <a:pt x="9667" y="204"/>
+                  </a:lnTo>
+                  <a:lnTo>
+                    <a:pt x="9334" y="400"/>
+                  </a:lnTo>
+                  <a:lnTo>
+                    <a:pt x="9001" y="590"/>
+                  </a:lnTo>
+                  <a:lnTo>
+                    <a:pt x="8667" y="753"/>
+                  </a:lnTo>
+                  <a:lnTo>
+                    <a:pt x="8333" y="917"/>
+                  </a:lnTo>
+                  <a:lnTo>
+                    <a:pt x="7999" y="1071"/>
+                  </a:lnTo>
+                  <a:lnTo>
+                    <a:pt x="7669" y="1202"/>
+                  </a:lnTo>
+                  <a:lnTo>
+                    <a:pt x="7333" y="1325"/>
+                  </a:lnTo>
+                  <a:lnTo>
+                    <a:pt x="7000" y="1440"/>
+                  </a:lnTo>
+                  <a:lnTo>
+                    <a:pt x="6673" y="1538"/>
+                  </a:lnTo>
+                  <a:lnTo>
+                    <a:pt x="6340" y="1636"/>
+                  </a:lnTo>
+                  <a:lnTo>
+                    <a:pt x="6013" y="1719"/>
+                  </a:lnTo>
+                  <a:lnTo>
+                    <a:pt x="5686" y="1784"/>
+                  </a:lnTo>
+                  <a:lnTo>
+                    <a:pt x="5359" y="1850"/>
+                  </a:lnTo>
+                  <a:lnTo>
+                    <a:pt x="5036" y="1906"/>
+                  </a:lnTo>
+                  <a:lnTo>
+                    <a:pt x="4717" y="1948"/>
+                  </a:lnTo>
+                  <a:lnTo>
+                    <a:pt x="4396" y="1980"/>
+                  </a:lnTo>
+                  <a:lnTo>
+                    <a:pt x="4079" y="2013"/>
+                  </a:lnTo>
+                  <a:lnTo>
+                    <a:pt x="3766" y="2029"/>
+                  </a:lnTo>
+                  <a:lnTo>
+                    <a:pt x="3454" y="2046"/>
+                  </a:lnTo>
+                  <a:lnTo>
+                    <a:pt x="3145" y="2053"/>
+                  </a:lnTo>
+                  <a:lnTo>
+                    <a:pt x="2839" y="2046"/>
+                  </a:lnTo>
+                  <a:lnTo>
+                    <a:pt x="2537" y="2046"/>
+                  </a:lnTo>
+                  <a:lnTo>
+                    <a:pt x="2238" y="2029"/>
+                  </a:lnTo>
+                  <a:lnTo>
+                    <a:pt x="1943" y="2004"/>
+                  </a:lnTo>
+                  <a:lnTo>
+                    <a:pt x="1653" y="1980"/>
+                  </a:lnTo>
+                  <a:lnTo>
+                    <a:pt x="1368" y="1955"/>
+                  </a:lnTo>
+                  <a:lnTo>
+                    <a:pt x="1085" y="1915"/>
+                  </a:lnTo>
+                  <a:lnTo>
+                    <a:pt x="806" y="1873"/>
+                  </a:lnTo>
+                  <a:lnTo>
+                    <a:pt x="533" y="1833"/>
+                  </a:lnTo>
+                  <a:lnTo>
+                    <a:pt x="0" y="1726"/>
+                  </a:lnTo>
+                  <a:cubicBezTo>
+                    <a:pt x="28" y="1995"/>
+                    <a:pt x="57" y="2263"/>
+                    <a:pt x="85" y="2532"/>
+                  </a:cubicBezTo>
+                  <a:close/>
+                </a:path>
+              </a:pathLst>
+            </a:custGeom>
+            <a:solidFill>
+              <a:schemeClr val="bg1">
+                <a:alpha val="20000"/>
+              </a:schemeClr>
+            </a:solidFill>
+            <a:ln>
+              <a:noFill/>
+            </a:ln>
+          </p:spPr>
+        </p:sp>
+        <p:sp>
+          <p:nvSpPr>
+            <p:cNvPr id="65" name="Freeform 5">
+              <a:extLst>
+                <a:ext uri="{FF2B5EF4-FFF2-40B4-BE49-F238E27FC236}">
+                  <a16:creationId xmlns:a16="http://schemas.microsoft.com/office/drawing/2014/main" id="{B7EBD6DC-7188-4268-9886-6535F41A6749}"/>
+                </a:ext>
+                <a:ext uri="{C183D7F6-B498-43B3-948B-1728B52AA6E4}">
+                  <adec:decorative xmlns:adec="http://schemas.microsoft.com/office/drawing/2017/decorative" val="1"/>
+                </a:ext>
+              </a:extLst>
+            </p:cNvPr>
+            <p:cNvSpPr/>
+            <p:nvPr>
+              <p:extLst>
+                <p:ext uri="{386F3935-93C4-4BCD-93E2-E3B085C9AB24}">
+                  <p16:designElem xmlns:p16="http://schemas.microsoft.com/office/powerpoint/2015/main" val="1"/>
+                </p:ext>
+              </p:extLst>
+            </p:nvPr>
+          </p:nvSpPr>
+          <p:spPr bwMode="gray">
+            <a:xfrm rot="16200000">
+              <a:off x="2229377" y="2801721"/>
+              <a:ext cx="6053670" cy="1254558"/>
+            </a:xfrm>
+            <a:custGeom>
+              <a:avLst/>
+              <a:gdLst/>
+              <a:ahLst/>
+              <a:cxnLst/>
+              <a:rect l="l" t="t" r="r" b="b"/>
+              <a:pathLst>
+                <a:path w="10000" h="8000">
+                  <a:moveTo>
+                    <a:pt x="0" y="0"/>
+                  </a:moveTo>
+                  <a:lnTo>
+                    <a:pt x="0" y="7970"/>
+                  </a:lnTo>
+                  <a:lnTo>
+                    <a:pt x="10000" y="8000"/>
+                  </a:lnTo>
+                  <a:lnTo>
+                    <a:pt x="10000" y="7"/>
+                  </a:lnTo>
+                  <a:lnTo>
+                    <a:pt x="10000" y="7"/>
+                  </a:lnTo>
+                  <a:lnTo>
+                    <a:pt x="9773" y="156"/>
+                  </a:lnTo>
+                  <a:lnTo>
+                    <a:pt x="9547" y="298"/>
+                  </a:lnTo>
+                  <a:lnTo>
+                    <a:pt x="9320" y="437"/>
+                  </a:lnTo>
+                  <a:lnTo>
+                    <a:pt x="9092" y="556"/>
+                  </a:lnTo>
+                  <a:lnTo>
+                    <a:pt x="8865" y="676"/>
+                  </a:lnTo>
+                  <a:lnTo>
+                    <a:pt x="8637" y="788"/>
+                  </a:lnTo>
+                  <a:lnTo>
+                    <a:pt x="8412" y="884"/>
+                  </a:lnTo>
+                  <a:lnTo>
+                    <a:pt x="8184" y="975"/>
+                  </a:lnTo>
+                  <a:lnTo>
+                    <a:pt x="7957" y="1058"/>
+                  </a:lnTo>
+                  <a:lnTo>
+                    <a:pt x="7734" y="1130"/>
+                  </a:lnTo>
+                  <a:lnTo>
+                    <a:pt x="7508" y="1202"/>
+                  </a:lnTo>
+                  <a:lnTo>
+                    <a:pt x="7285" y="1262"/>
+                  </a:lnTo>
+                  <a:lnTo>
+                    <a:pt x="7062" y="1309"/>
+                  </a:lnTo>
+                  <a:lnTo>
+                    <a:pt x="6840" y="1358"/>
+                  </a:lnTo>
+                  <a:lnTo>
+                    <a:pt x="6620" y="1399"/>
+                  </a:lnTo>
+                  <a:lnTo>
+                    <a:pt x="6402" y="1428"/>
+                  </a:lnTo>
+                  <a:lnTo>
+                    <a:pt x="6184" y="1453"/>
+                  </a:lnTo>
+                  <a:lnTo>
+                    <a:pt x="5968" y="1477"/>
+                  </a:lnTo>
+                  <a:lnTo>
+                    <a:pt x="5755" y="1488"/>
+                  </a:lnTo>
+                  <a:lnTo>
+                    <a:pt x="5542" y="1500"/>
+                  </a:lnTo>
+                  <a:lnTo>
+                    <a:pt x="5332" y="1506"/>
+                  </a:lnTo>
+                  <a:lnTo>
+                    <a:pt x="5124" y="1500"/>
+                  </a:lnTo>
+                  <a:lnTo>
+                    <a:pt x="4918" y="1500"/>
+                  </a:lnTo>
+                  <a:lnTo>
+                    <a:pt x="4714" y="1488"/>
+                  </a:lnTo>
+                  <a:lnTo>
+                    <a:pt x="4514" y="1470"/>
+                  </a:lnTo>
+                  <a:lnTo>
+                    <a:pt x="4316" y="1453"/>
+                  </a:lnTo>
+                  <a:lnTo>
+                    <a:pt x="4122" y="1434"/>
+                  </a:lnTo>
+                  <a:lnTo>
+                    <a:pt x="3929" y="1405"/>
+                  </a:lnTo>
+                  <a:lnTo>
+                    <a:pt x="3739" y="1374"/>
+                  </a:lnTo>
+                  <a:lnTo>
+                    <a:pt x="3553" y="1346"/>
+                  </a:lnTo>
+                  <a:lnTo>
+                    <a:pt x="3190" y="1267"/>
+                  </a:lnTo>
+                  <a:lnTo>
+                    <a:pt x="2842" y="1183"/>
+                  </a:lnTo>
+                  <a:lnTo>
+                    <a:pt x="2508" y="1095"/>
+                  </a:lnTo>
+                  <a:lnTo>
+                    <a:pt x="2192" y="998"/>
+                  </a:lnTo>
+                  <a:lnTo>
+                    <a:pt x="1890" y="897"/>
+                  </a:lnTo>
+                  <a:lnTo>
+                    <a:pt x="1610" y="788"/>
+                  </a:lnTo>
+                  <a:lnTo>
+                    <a:pt x="1347" y="681"/>
+                  </a:lnTo>
+                  <a:lnTo>
+                    <a:pt x="1105" y="574"/>
+                  </a:lnTo>
+                  <a:lnTo>
+                    <a:pt x="883" y="473"/>
+                  </a:lnTo>
+                  <a:lnTo>
+                    <a:pt x="686" y="377"/>
+                  </a:lnTo>
+                  <a:lnTo>
+                    <a:pt x="508" y="286"/>
+                  </a:lnTo>
+                  <a:lnTo>
+                    <a:pt x="358" y="210"/>
+                  </a:lnTo>
+                  <a:lnTo>
+                    <a:pt x="232" y="138"/>
+                  </a:lnTo>
+                  <a:lnTo>
+                    <a:pt x="59" y="35"/>
+                  </a:lnTo>
+                  <a:lnTo>
+                    <a:pt x="0" y="0"/>
+                  </a:lnTo>
+                  <a:lnTo>
+                    <a:pt x="0" y="0"/>
+                  </a:lnTo>
+                  <a:close/>
+                </a:path>
+              </a:pathLst>
+            </a:custGeom>
+            <a:solidFill>
+              <a:schemeClr val="bg1"/>
+            </a:solidFill>
+            <a:ln>
+              <a:noFill/>
+            </a:ln>
+          </p:spPr>
+        </p:sp>
+        <p:sp>
+          <p:nvSpPr>
+            <p:cNvPr id="66" name="Freeform 5">
+              <a:extLst>
+                <a:ext uri="{FF2B5EF4-FFF2-40B4-BE49-F238E27FC236}">
+                  <a16:creationId xmlns:a16="http://schemas.microsoft.com/office/drawing/2014/main" id="{493CCA32-0C37-4525-8FFC-D62C5EEFBE69}"/>
+                </a:ext>
+                <a:ext uri="{C183D7F6-B498-43B3-948B-1728B52AA6E4}">
+                  <adec:decorative xmlns:adec="http://schemas.microsoft.com/office/drawing/2017/decorative" val="1"/>
+                </a:ext>
+              </a:extLst>
+            </p:cNvPr>
+            <p:cNvSpPr>
+              <a:spLocks noEditPoints="1"/>
+            </p:cNvSpPr>
+            <p:nvPr>
+              <p:extLst>
+                <p:ext uri="{386F3935-93C4-4BCD-93E2-E3B085C9AB24}">
+                  <p16:designElem xmlns:p16="http://schemas.microsoft.com/office/powerpoint/2015/main" val="1"/>
+                </p:ext>
+              </p:extLst>
+            </p:nvPr>
+          </p:nvSpPr>
+          <p:spPr bwMode="gray">
+            <a:xfrm>
+              <a:off x="0" y="1587"/>
+              <a:ext cx="12192000" cy="6856413"/>
+            </a:xfrm>
+            <a:custGeom>
+              <a:avLst/>
+              <a:gdLst/>
+              <a:ahLst/>
+              <a:cxnLst/>
+              <a:rect l="0" t="0" r="r" b="b"/>
+              <a:pathLst>
+                <a:path w="15356" h="8638">
+                  <a:moveTo>
+                    <a:pt x="0" y="0"/>
+                  </a:moveTo>
+                  <a:lnTo>
+                    <a:pt x="0" y="8638"/>
+                  </a:lnTo>
+                  <a:lnTo>
+                    <a:pt x="15356" y="8638"/>
+                  </a:lnTo>
+                  <a:lnTo>
+                    <a:pt x="15356" y="0"/>
+                  </a:lnTo>
+                  <a:lnTo>
+                    <a:pt x="0" y="0"/>
+                  </a:lnTo>
+                  <a:close/>
+                  <a:moveTo>
+                    <a:pt x="14748" y="8038"/>
+                  </a:moveTo>
+                  <a:lnTo>
+                    <a:pt x="600" y="8038"/>
+                  </a:lnTo>
+                  <a:lnTo>
+                    <a:pt x="600" y="592"/>
+                  </a:lnTo>
+                  <a:lnTo>
+                    <a:pt x="14748" y="592"/>
+                  </a:lnTo>
+                  <a:lnTo>
+                    <a:pt x="14748" y="8038"/>
+                  </a:lnTo>
+                  <a:close/>
+                </a:path>
+              </a:pathLst>
+            </a:custGeom>
+            <a:solidFill>
+              <a:schemeClr val="bg1"/>
+            </a:solidFill>
+            <a:ln>
+              <a:noFill/>
+            </a:ln>
+          </p:spPr>
+        </p:sp>
+      </p:grpSp>
+      <p:sp>
+        <p:nvSpPr>
+          <p:cNvPr id="2" name="제목 1">
+            <a:extLst>
+              <a:ext uri="{FF2B5EF4-FFF2-40B4-BE49-F238E27FC236}">
+                <a16:creationId xmlns:a16="http://schemas.microsoft.com/office/drawing/2014/main" id="{852C8DA9-0D22-4D1A-8818-4D411232890A}"/>
+              </a:ext>
+            </a:extLst>
+          </p:cNvPr>
+          <p:cNvSpPr>
+            <a:spLocks noGrp="1"/>
+          </p:cNvSpPr>
+          <p:nvPr>
+            <p:ph type="title"/>
+          </p:nvPr>
+        </p:nvSpPr>
+        <p:spPr>
+          <a:xfrm>
+            <a:off x="1154955" y="973668"/>
+            <a:ext cx="3133726" cy="1020232"/>
+          </a:xfrm>
+        </p:spPr>
+        <p:txBody>
+          <a:bodyPr vert="horz" lIns="91440" tIns="45720" rIns="91440" bIns="45720" rtlCol="0" anchor="ctr">
+            <a:normAutofit/>
+          </a:bodyPr>
+          <a:lstStyle/>
+          <a:p>
+            <a:pPr latinLnBrk="0"/>
+            <a:r>
+              <a:rPr lang="ko-KR" altLang="en-US" dirty="0"/>
+              <a:t>진행 상황</a:t>
+            </a:r>
+            <a:endParaRPr lang="ko-KR" altLang="en-US"/>
+          </a:p>
+        </p:txBody>
+      </p:sp>
+      <p:sp>
+        <p:nvSpPr>
+          <p:cNvPr id="11" name="텍스트 개체 틀 10">
+            <a:extLst>
+              <a:ext uri="{FF2B5EF4-FFF2-40B4-BE49-F238E27FC236}">
+                <a16:creationId xmlns:a16="http://schemas.microsoft.com/office/drawing/2014/main" id="{7E8A3318-570D-4932-8B81-D9527347A244}"/>
+              </a:ext>
+            </a:extLst>
+          </p:cNvPr>
+          <p:cNvSpPr>
+            <a:spLocks noGrp="1"/>
+          </p:cNvSpPr>
+          <p:nvPr>
+            <p:ph type="body" sz="half" idx="2"/>
+          </p:nvPr>
+        </p:nvSpPr>
+        <p:spPr>
+          <a:xfrm>
+            <a:off x="1154955" y="2120900"/>
+            <a:ext cx="3133726" cy="3898900"/>
+          </a:xfrm>
+        </p:spPr>
+        <p:txBody>
+          <a:bodyPr vert="horz" lIns="91440" tIns="45720" rIns="91440" bIns="45720" rtlCol="0">
+            <a:normAutofit/>
+          </a:bodyPr>
+          <a:lstStyle/>
+          <a:p>
+            <a:pPr latinLnBrk="0">
+              <a:buFont typeface="Wingdings 3" charset="2"/>
+              <a:buChar char=""/>
+            </a:pPr>
+            <a:r>
+              <a:rPr lang="ko-KR" altLang="en-US" dirty="0">
+                <a:solidFill>
+                  <a:schemeClr val="bg1"/>
+                </a:solidFill>
+              </a:rPr>
+              <a:t>매장 레이아웃 페이지 업데이트</a:t>
+            </a:r>
+            <a:endParaRPr lang="en-US" altLang="ko-KR" dirty="0">
+              <a:solidFill>
+                <a:schemeClr val="bg1"/>
+              </a:solidFill>
+            </a:endParaRPr>
+          </a:p>
+        </p:txBody>
+      </p:sp>
+      <p:pic>
+        <p:nvPicPr>
+          <p:cNvPr id="38" name="내용 개체 틀 5">
+            <a:extLst>
+              <a:ext uri="{FF2B5EF4-FFF2-40B4-BE49-F238E27FC236}">
+                <a16:creationId xmlns:a16="http://schemas.microsoft.com/office/drawing/2014/main" id="{C1A1A6D3-0C02-4E65-BC42-1F64451A374B}"/>
+              </a:ext>
+            </a:extLst>
+          </p:cNvPr>
+          <p:cNvPicPr>
+            <a:picLocks noChangeAspect="1"/>
+          </p:cNvPicPr>
+          <p:nvPr/>
+        </p:nvPicPr>
+        <p:blipFill>
+          <a:blip r:embed="rId3"/>
+          <a:stretch>
+            <a:fillRect/>
+          </a:stretch>
+        </p:blipFill>
+        <p:spPr>
+          <a:xfrm>
+            <a:off x="5194607" y="1513423"/>
+            <a:ext cx="6391533" cy="3831154"/>
+          </a:xfrm>
+          <a:prstGeom prst="rect">
+            <a:avLst/>
+          </a:prstGeom>
+        </p:spPr>
+      </p:pic>
+      <p:sp>
+        <p:nvSpPr>
+          <p:cNvPr id="68" name="Rectangle 67">
+            <a:extLst>
+              <a:ext uri="{FF2B5EF4-FFF2-40B4-BE49-F238E27FC236}">
+                <a16:creationId xmlns:a16="http://schemas.microsoft.com/office/drawing/2014/main" id="{5014FF2D-4863-43AA-82A7-958E9F743951}"/>
+              </a:ext>
+              <a:ext uri="{C183D7F6-B498-43B3-948B-1728B52AA6E4}">
+                <adec:decorative xmlns:adec="http://schemas.microsoft.com/office/drawing/2017/decorative" val="1"/>
+              </a:ext>
+            </a:extLst>
+          </p:cNvPr>
+          <p:cNvSpPr>
+            <a:spLocks noGrp="1" noRot="1" noChangeAspect="1" noMove="1" noResize="1" noEditPoints="1" noAdjustHandles="1" noChangeArrowheads="1" noChangeShapeType="1" noTextEdit="1"/>
+          </p:cNvSpPr>
+          <p:nvPr>
+            <p:extLst>
+              <p:ext uri="{386F3935-93C4-4BCD-93E2-E3B085C9AB24}">
+                <p16:designElem xmlns:p16="http://schemas.microsoft.com/office/powerpoint/2015/main" val="1"/>
+              </p:ext>
+            </p:extLst>
+          </p:nvPr>
+        </p:nvSpPr>
+        <p:spPr>
+          <a:xfrm>
+            <a:off x="10437812" y="0"/>
+            <a:ext cx="685800" cy="1143000"/>
+          </a:xfrm>
+          <a:prstGeom prst="rect">
+            <a:avLst/>
+          </a:prstGeom>
+          <a:solidFill>
+            <a:schemeClr val="accent1"/>
+          </a:solidFill>
+          <a:ln>
+            <a:noFill/>
+          </a:ln>
+        </p:spPr>
+        <p:style>
+          <a:lnRef idx="1">
+            <a:schemeClr val="accent1"/>
+          </a:lnRef>
+          <a:fillRef idx="3">
+            <a:schemeClr val="accent1"/>
+          </a:fillRef>
+          <a:effectRef idx="2">
+            <a:schemeClr val="accent1"/>
+          </a:effectRef>
+          <a:fontRef idx="minor">
+            <a:schemeClr val="lt1"/>
+          </a:fontRef>
+        </p:style>
+      </p:sp>
+      <p:sp>
+        <p:nvSpPr>
+          <p:cNvPr id="4" name="슬라이드 번호 개체 틀 3">
+            <a:extLst>
+              <a:ext uri="{FF2B5EF4-FFF2-40B4-BE49-F238E27FC236}">
+                <a16:creationId xmlns:a16="http://schemas.microsoft.com/office/drawing/2014/main" id="{CC83A95E-2395-43B1-9081-050B199806E8}"/>
+              </a:ext>
+            </a:extLst>
+          </p:cNvPr>
+          <p:cNvSpPr>
+            <a:spLocks noGrp="1"/>
+          </p:cNvSpPr>
+          <p:nvPr>
+            <p:ph type="sldNum" sz="quarter" idx="12"/>
+          </p:nvPr>
+        </p:nvSpPr>
+        <p:spPr>
+          <a:xfrm>
+            <a:off x="10352540" y="295729"/>
+            <a:ext cx="838199" cy="767687"/>
+          </a:xfrm>
+        </p:spPr>
+        <p:txBody>
+          <a:bodyPr vert="horz" lIns="91440" tIns="45720" rIns="91440" bIns="45720" rtlCol="0" anchor="b">
+            <a:normAutofit/>
+          </a:bodyPr>
+          <a:lstStyle/>
+          <a:p>
+            <a:pPr defTabSz="914400">
+              <a:spcAft>
+                <a:spcPts val="600"/>
+              </a:spcAft>
+            </a:pPr>
+            <a:fld id="{D57F1E4F-1CFF-5643-939E-217C01CDF565}" type="slidenum">
+              <a:rPr lang="en-US" smtClean="0"/>
+              <a:pPr defTabSz="914400">
+                <a:spcAft>
+                  <a:spcPts val="600"/>
+                </a:spcAft>
+              </a:pPr>
+              <a:t>11</a:t>
+            </a:fld>
+            <a:endParaRPr lang="en-US"/>
+          </a:p>
+        </p:txBody>
+      </p:sp>
+    </p:spTree>
+    <p:extLst>
+      <p:ext uri="{BB962C8B-B14F-4D97-AF65-F5344CB8AC3E}">
+        <p14:creationId xmlns:p14="http://schemas.microsoft.com/office/powerpoint/2010/main" val="3307227321"/>
+      </p:ext>
+    </p:extLst>
+  </p:cSld>
+  <p:clrMapOvr>
+    <a:masterClrMapping/>
+  </p:clrMapOvr>
+</p:sld>
+</file>
+
+<file path=ppt/slides/slide12.xml><?xml version="1.0" encoding="utf-8"?>
+<p:sld xmlns:a="http://schemas.openxmlformats.org/drawingml/2006/main" xmlns:r="http://schemas.openxmlformats.org/officeDocument/2006/relationships" xmlns:p="http://schemas.openxmlformats.org/presentationml/2006/main">
+  <p:cSld>
+    <p:spTree>
+      <p:nvGrpSpPr>
+        <p:cNvPr id="1" name=""/>
+        <p:cNvGrpSpPr/>
+        <p:nvPr/>
+      </p:nvGrpSpPr>
+      <p:grpSpPr>
+        <a:xfrm>
+          <a:off x="0" y="0"/>
+          <a:ext cx="0" cy="0"/>
+          <a:chOff x="0" y="0"/>
+          <a:chExt cx="0" cy="0"/>
+        </a:xfrm>
+      </p:grpSpPr>
+      <p:sp>
+        <p:nvSpPr>
+          <p:cNvPr id="2" name="제목 1">
+            <a:extLst>
+              <a:ext uri="{FF2B5EF4-FFF2-40B4-BE49-F238E27FC236}">
+                <a16:creationId xmlns:a16="http://schemas.microsoft.com/office/drawing/2014/main" id="{852C8DA9-0D22-4D1A-8818-4D411232890A}"/>
+              </a:ext>
+            </a:extLst>
+          </p:cNvPr>
+          <p:cNvSpPr>
+            <a:spLocks noGrp="1"/>
+          </p:cNvSpPr>
+          <p:nvPr>
+            <p:ph type="title"/>
+          </p:nvPr>
+        </p:nvSpPr>
+        <p:spPr>
+          <a:xfrm>
+            <a:off x="1154955" y="973668"/>
+            <a:ext cx="3133726" cy="1020232"/>
+          </a:xfrm>
+        </p:spPr>
+        <p:txBody>
+          <a:bodyPr vert="horz" lIns="91440" tIns="45720" rIns="91440" bIns="45720" rtlCol="0" anchor="ctr">
+            <a:normAutofit/>
+          </a:bodyPr>
+          <a:lstStyle/>
+          <a:p>
+            <a:pPr latinLnBrk="0"/>
+            <a:r>
+              <a:rPr lang="ko-KR" altLang="en-US"/>
+              <a:t>진행 상황</a:t>
+            </a:r>
+          </a:p>
+        </p:txBody>
+      </p:sp>
+      <p:sp>
+        <p:nvSpPr>
+          <p:cNvPr id="11" name="텍스트 개체 틀 10">
+            <a:extLst>
+              <a:ext uri="{FF2B5EF4-FFF2-40B4-BE49-F238E27FC236}">
+                <a16:creationId xmlns:a16="http://schemas.microsoft.com/office/drawing/2014/main" id="{7E8A3318-570D-4932-8B81-D9527347A244}"/>
+              </a:ext>
+            </a:extLst>
+          </p:cNvPr>
+          <p:cNvSpPr>
+            <a:spLocks noGrp="1"/>
+          </p:cNvSpPr>
+          <p:nvPr>
+            <p:ph type="body" sz="half" idx="2"/>
+          </p:nvPr>
+        </p:nvSpPr>
+        <p:spPr>
+          <a:xfrm>
+            <a:off x="1154955" y="2120900"/>
+            <a:ext cx="3133726" cy="3898900"/>
+          </a:xfrm>
+        </p:spPr>
+        <p:txBody>
+          <a:bodyPr vert="horz" lIns="91440" tIns="45720" rIns="91440" bIns="45720" rtlCol="0">
+            <a:normAutofit/>
+          </a:bodyPr>
+          <a:lstStyle/>
+          <a:p>
+            <a:pPr latinLnBrk="0">
+              <a:buFont typeface="Wingdings 3" charset="2"/>
+              <a:buChar char=""/>
+            </a:pPr>
+            <a:r>
+              <a:rPr lang="ko-KR" altLang="en-US">
+                <a:solidFill>
+                  <a:schemeClr val="bg1"/>
+                </a:solidFill>
+              </a:rPr>
+              <a:t>매장 레이아웃 저장 완료</a:t>
+            </a:r>
+            <a:endParaRPr lang="en-US" altLang="ko-KR" dirty="0">
+              <a:solidFill>
+                <a:schemeClr val="bg1"/>
+              </a:solidFill>
+            </a:endParaRPr>
+          </a:p>
+        </p:txBody>
+      </p:sp>
+      <p:sp>
+        <p:nvSpPr>
+          <p:cNvPr id="4" name="슬라이드 번호 개체 틀 3">
+            <a:extLst>
+              <a:ext uri="{FF2B5EF4-FFF2-40B4-BE49-F238E27FC236}">
+                <a16:creationId xmlns:a16="http://schemas.microsoft.com/office/drawing/2014/main" id="{CC83A95E-2395-43B1-9081-050B199806E8}"/>
+              </a:ext>
+            </a:extLst>
+          </p:cNvPr>
+          <p:cNvSpPr>
+            <a:spLocks noGrp="1"/>
+          </p:cNvSpPr>
+          <p:nvPr>
+            <p:ph type="sldNum" sz="quarter" idx="12"/>
+          </p:nvPr>
+        </p:nvSpPr>
+        <p:spPr>
+          <a:xfrm>
+            <a:off x="10352540" y="295729"/>
+            <a:ext cx="838199" cy="767687"/>
+          </a:xfrm>
+        </p:spPr>
+        <p:txBody>
+          <a:bodyPr vert="horz" lIns="91440" tIns="45720" rIns="91440" bIns="45720" rtlCol="0" anchor="b">
+            <a:normAutofit/>
+          </a:bodyPr>
+          <a:lstStyle/>
+          <a:p>
+            <a:pPr defTabSz="914400">
+              <a:spcAft>
+                <a:spcPts val="600"/>
+              </a:spcAft>
+            </a:pPr>
+            <a:fld id="{D57F1E4F-1CFF-5643-939E-217C01CDF565}" type="slidenum">
+              <a:rPr lang="en-US" smtClean="0"/>
+              <a:pPr defTabSz="914400">
+                <a:spcAft>
+                  <a:spcPts val="600"/>
+                </a:spcAft>
+              </a:pPr>
+              <a:t>12</a:t>
+            </a:fld>
+            <a:endParaRPr lang="en-US"/>
+          </a:p>
+        </p:txBody>
+      </p:sp>
+      <p:pic>
+        <p:nvPicPr>
+          <p:cNvPr id="3" name="그림 2">
+            <a:extLst>
+              <a:ext uri="{FF2B5EF4-FFF2-40B4-BE49-F238E27FC236}">
+                <a16:creationId xmlns:a16="http://schemas.microsoft.com/office/drawing/2014/main" id="{ECC84F46-40A5-4E67-A5A7-B397F5AC51D2}"/>
+              </a:ext>
+            </a:extLst>
+          </p:cNvPr>
+          <p:cNvPicPr>
+            <a:picLocks noChangeAspect="1"/>
+          </p:cNvPicPr>
+          <p:nvPr/>
+        </p:nvPicPr>
+        <p:blipFill>
+          <a:blip r:embed="rId2"/>
+          <a:stretch>
+            <a:fillRect/>
+          </a:stretch>
+        </p:blipFill>
+        <p:spPr>
+          <a:xfrm>
+            <a:off x="676086" y="2936875"/>
+            <a:ext cx="11458575" cy="1133475"/>
+          </a:xfrm>
+          <a:prstGeom prst="rect">
+            <a:avLst/>
+          </a:prstGeom>
+        </p:spPr>
+      </p:pic>
+    </p:spTree>
+    <p:extLst>
+      <p:ext uri="{BB962C8B-B14F-4D97-AF65-F5344CB8AC3E}">
+        <p14:creationId xmlns:p14="http://schemas.microsoft.com/office/powerpoint/2010/main" val="138912582"/>
+      </p:ext>
+    </p:extLst>
+  </p:cSld>
+  <p:clrMapOvr>
+    <a:masterClrMapping/>
+  </p:clrMapOvr>
+</p:sld>
+</file>
+
+<file path=ppt/slides/slide13.xml><?xml version="1.0" encoding="utf-8"?>
+<p:sld xmlns:a="http://schemas.openxmlformats.org/drawingml/2006/main" xmlns:r="http://schemas.openxmlformats.org/officeDocument/2006/relationships" xmlns:p="http://schemas.openxmlformats.org/presentationml/2006/main">
+  <p:cSld>
+    <p:spTree>
+      <p:nvGrpSpPr>
+        <p:cNvPr id="1" name=""/>
+        <p:cNvGrpSpPr/>
+        <p:nvPr/>
+      </p:nvGrpSpPr>
+      <p:grpSpPr>
+        <a:xfrm>
+          <a:off x="0" y="0"/>
+          <a:ext cx="0" cy="0"/>
+          <a:chOff x="0" y="0"/>
+          <a:chExt cx="0" cy="0"/>
+        </a:xfrm>
+      </p:grpSpPr>
+      <p:sp>
+        <p:nvSpPr>
+          <p:cNvPr id="6" name="제목 5">
+            <a:extLst>
+              <a:ext uri="{FF2B5EF4-FFF2-40B4-BE49-F238E27FC236}">
+                <a16:creationId xmlns:a16="http://schemas.microsoft.com/office/drawing/2014/main" id="{1FA6167B-58E2-441C-9A53-2E7A1033D6D3}"/>
+              </a:ext>
+            </a:extLst>
+          </p:cNvPr>
+          <p:cNvSpPr>
+            <a:spLocks noGrp="1"/>
+          </p:cNvSpPr>
+          <p:nvPr>
+            <p:ph type="title"/>
+          </p:nvPr>
+        </p:nvSpPr>
+        <p:spPr/>
+        <p:txBody>
+          <a:bodyPr/>
+          <a:lstStyle/>
+          <a:p>
+            <a:r>
+              <a:rPr lang="ko-KR" altLang="en-US" dirty="0"/>
+              <a:t>진행 상황</a:t>
+            </a:r>
+          </a:p>
+        </p:txBody>
+      </p:sp>
+      <p:sp>
+        <p:nvSpPr>
+          <p:cNvPr id="7" name="내용 개체 틀 6">
+            <a:extLst>
+              <a:ext uri="{FF2B5EF4-FFF2-40B4-BE49-F238E27FC236}">
+                <a16:creationId xmlns:a16="http://schemas.microsoft.com/office/drawing/2014/main" id="{8E661282-F07D-4CC0-B39D-3041EE3F561C}"/>
+              </a:ext>
+            </a:extLst>
+          </p:cNvPr>
+          <p:cNvSpPr>
+            <a:spLocks noGrp="1"/>
+          </p:cNvSpPr>
+          <p:nvPr>
+            <p:ph idx="1"/>
+          </p:nvPr>
+        </p:nvSpPr>
+        <p:spPr/>
+        <p:txBody>
+          <a:bodyPr/>
+          <a:lstStyle/>
+          <a:p>
+            <a:r>
+              <a:rPr lang="ko-KR" altLang="en-US" dirty="0"/>
+              <a:t>안드로이드를 위한 서버 </a:t>
+            </a:r>
+            <a:r>
+              <a:rPr lang="en-US" altLang="ko-KR" dirty="0" err="1"/>
+              <a:t>api</a:t>
+            </a:r>
+            <a:r>
+              <a:rPr lang="en-US" altLang="ko-KR" dirty="0"/>
+              <a:t> </a:t>
+            </a:r>
+            <a:r>
+              <a:rPr lang="ko-KR" altLang="en-US" dirty="0"/>
+              <a:t>구현중</a:t>
+            </a:r>
+            <a:endParaRPr lang="en-US" altLang="ko-KR" dirty="0"/>
+          </a:p>
+          <a:p>
+            <a:pPr lvl="1"/>
+            <a:r>
+              <a:rPr lang="ko-KR" altLang="en-US" dirty="0"/>
+              <a:t>주변 매장 검색</a:t>
+            </a:r>
+            <a:endParaRPr lang="en-US" altLang="ko-KR" dirty="0"/>
+          </a:p>
+          <a:p>
+            <a:pPr lvl="1"/>
+            <a:r>
+              <a:rPr lang="ko-KR" altLang="en-US" dirty="0"/>
+              <a:t>매장 정보</a:t>
+            </a:r>
+            <a:endParaRPr lang="en-US" altLang="ko-KR" dirty="0"/>
+          </a:p>
+          <a:p>
+            <a:pPr lvl="2"/>
+            <a:r>
+              <a:rPr lang="ko-KR" altLang="en-US" dirty="0"/>
+              <a:t>층</a:t>
+            </a:r>
+            <a:r>
+              <a:rPr lang="en-US" altLang="ko-KR" dirty="0"/>
+              <a:t>, </a:t>
+            </a:r>
+            <a:r>
+              <a:rPr lang="ko-KR" altLang="en-US" dirty="0"/>
+              <a:t>매장 구조</a:t>
+            </a:r>
+            <a:r>
+              <a:rPr lang="en-US" altLang="ko-KR" dirty="0"/>
+              <a:t>, </a:t>
+            </a:r>
+            <a:r>
+              <a:rPr lang="ko-KR" altLang="en-US" dirty="0"/>
+              <a:t>상품 리스트 </a:t>
+            </a:r>
+            <a:r>
+              <a:rPr lang="en-US" altLang="ko-KR" dirty="0" err="1"/>
+              <a:t>etc</a:t>
+            </a:r>
+            <a:endParaRPr lang="en-US" altLang="ko-KR" dirty="0"/>
+          </a:p>
+        </p:txBody>
+      </p:sp>
+      <p:sp>
+        <p:nvSpPr>
+          <p:cNvPr id="5" name="슬라이드 번호 개체 틀 4">
+            <a:extLst>
+              <a:ext uri="{FF2B5EF4-FFF2-40B4-BE49-F238E27FC236}">
+                <a16:creationId xmlns:a16="http://schemas.microsoft.com/office/drawing/2014/main" id="{C192BE5A-269A-4384-A555-596B56E557A9}"/>
+              </a:ext>
+            </a:extLst>
+          </p:cNvPr>
+          <p:cNvSpPr>
+            <a:spLocks noGrp="1"/>
+          </p:cNvSpPr>
+          <p:nvPr>
+            <p:ph type="sldNum" sz="quarter" idx="12"/>
+          </p:nvPr>
+        </p:nvSpPr>
+        <p:spPr/>
+        <p:txBody>
+          <a:bodyPr/>
+          <a:lstStyle/>
+          <a:p>
+            <a:fld id="{D57F1E4F-1CFF-5643-939E-217C01CDF565}" type="slidenum">
+              <a:rPr lang="en-US" smtClean="0"/>
+              <a:pPr/>
+              <a:t>13</a:t>
+            </a:fld>
+            <a:endParaRPr lang="en-US" dirty="0"/>
+          </a:p>
+        </p:txBody>
+      </p:sp>
+    </p:spTree>
+    <p:extLst>
+      <p:ext uri="{BB962C8B-B14F-4D97-AF65-F5344CB8AC3E}">
+        <p14:creationId xmlns:p14="http://schemas.microsoft.com/office/powerpoint/2010/main" val="4093404738"/>
+      </p:ext>
+    </p:extLst>
+  </p:cSld>
+  <p:clrMapOvr>
+    <a:masterClrMapping/>
+  </p:clrMapOvr>
+</p:sld>
+</file>
+
+<file path=ppt/slides/slide14.xml><?xml version="1.0" encoding="utf-8"?>
+<p:sld xmlns:a="http://schemas.openxmlformats.org/drawingml/2006/main" xmlns:r="http://schemas.openxmlformats.org/officeDocument/2006/relationships" xmlns:p="http://schemas.openxmlformats.org/presentationml/2006/main">
+  <p:cSld>
+    <p:bg>
+      <p:bgPr>
+        <a:solidFill>
+          <a:schemeClr val="bg1"/>
+        </a:solidFill>
+        <a:effectLst/>
+      </p:bgPr>
+    </p:bg>
+    <p:spTree>
+      <p:nvGrpSpPr>
+        <p:cNvPr id="1" name=""/>
+        <p:cNvGrpSpPr/>
+        <p:nvPr/>
+      </p:nvGrpSpPr>
+      <p:grpSpPr>
+        <a:xfrm>
+          <a:off x="0" y="0"/>
+          <a:ext cx="0" cy="0"/>
+          <a:chOff x="0" y="0"/>
+          <a:chExt cx="0" cy="0"/>
+        </a:xfrm>
+      </p:grpSpPr>
       <p:grpSp>
         <p:nvGrpSpPr>
           <p:cNvPr id="11" name="Group 10">
@@ -18250,7 +21884,7 @@
                   <a:spcPts val="600"/>
                 </a:spcAft>
               </a:pPr>
-              <a:t>10</a:t>
+              <a:t>14</a:t>
             </a:fld>
             <a:endParaRPr lang="en-US"/>
           </a:p>
@@ -18269,7 +21903,7 @@
 </p:sld>
 </file>
 
-<file path=ppt/slides/slide11.xml><?xml version="1.0" encoding="utf-8"?>
+<file path=ppt/slides/slide15.xml><?xml version="1.0" encoding="utf-8"?>
 <p:sld xmlns:a="http://schemas.openxmlformats.org/drawingml/2006/main" xmlns:r="http://schemas.openxmlformats.org/officeDocument/2006/relationships" xmlns:p="http://schemas.openxmlformats.org/presentationml/2006/main">
   <p:cSld>
     <p:bg>
@@ -18956,7 +22590,7 @@
                   <a:spcPts val="600"/>
                 </a:spcAft>
               </a:pPr>
-              <a:t>11</a:t>
+              <a:t>15</a:t>
             </a:fld>
             <a:endParaRPr lang="en-US"/>
           </a:p>
@@ -18975,7 +22609,7 @@
 </p:sld>
 </file>
 
-<file path=ppt/slides/slide12.xml><?xml version="1.0" encoding="utf-8"?>
+<file path=ppt/slides/slide16.xml><?xml version="1.0" encoding="utf-8"?>
 <p:sld xmlns:a="http://schemas.openxmlformats.org/drawingml/2006/main" xmlns:r="http://schemas.openxmlformats.org/officeDocument/2006/relationships" xmlns:p="http://schemas.openxmlformats.org/presentationml/2006/main">
   <p:cSld>
     <p:bg>
@@ -20457,7 +24091,7 @@
                   <a:spcPts val="600"/>
                 </a:spcAft>
               </a:pPr>
-              <a:t>12</a:t>
+              <a:t>16</a:t>
             </a:fld>
             <a:endParaRPr lang="en-US"/>
           </a:p>
@@ -20476,7 +24110,7 @@
 </p:sld>
 </file>
 
-<file path=ppt/slides/slide13.xml><?xml version="1.0" encoding="utf-8"?>
+<file path=ppt/slides/slide17.xml><?xml version="1.0" encoding="utf-8"?>
 <p:sld xmlns:a="http://schemas.openxmlformats.org/drawingml/2006/main" xmlns:r="http://schemas.openxmlformats.org/officeDocument/2006/relationships" xmlns:p="http://schemas.openxmlformats.org/presentationml/2006/main">
   <p:cSld>
     <p:bg>
@@ -20577,7 +24211,7 @@
                   <a:spcPts val="600"/>
                 </a:spcAft>
               </a:pPr>
-              <a:t>13</a:t>
+              <a:t>17</a:t>
             </a:fld>
             <a:endParaRPr lang="en-US"/>
           </a:p>
@@ -20710,7 +24344,7 @@
 </p:sld>
 </file>
 
-<file path=ppt/slides/slide14.xml><?xml version="1.0" encoding="utf-8"?>
+<file path=ppt/slides/slide18.xml><?xml version="1.0" encoding="utf-8"?>
 <p:sld xmlns:a="http://schemas.openxmlformats.org/drawingml/2006/main" xmlns:r="http://schemas.openxmlformats.org/officeDocument/2006/relationships" xmlns:p="http://schemas.openxmlformats.org/presentationml/2006/main">
   <p:cSld>
     <p:spTree>
@@ -20871,7 +24505,7 @@
             <a:fld id="{D57F1E4F-1CFF-5643-939E-217C01CDF565}" type="slidenum">
               <a:rPr lang="en-US" smtClean="0"/>
               <a:pPr/>
-              <a:t>14</a:t>
+              <a:t>18</a:t>
             </a:fld>
             <a:endParaRPr lang="en-US" dirty="0"/>
           </a:p>
@@ -20890,7 +24524,7 @@
 </p:sld>
 </file>
 
-<file path=ppt/slides/slide15.xml><?xml version="1.0" encoding="utf-8"?>
+<file path=ppt/slides/slide19.xml><?xml version="1.0" encoding="utf-8"?>
 <p:sld xmlns:a="http://schemas.openxmlformats.org/drawingml/2006/main" xmlns:r="http://schemas.openxmlformats.org/officeDocument/2006/relationships" xmlns:p="http://schemas.openxmlformats.org/presentationml/2006/main">
   <p:cSld>
     <p:bg>
@@ -21625,7 +25259,7 @@
                   <a:spcPts val="600"/>
                 </a:spcAft>
               </a:pPr>
-              <a:t>15</a:t>
+              <a:t>19</a:t>
             </a:fld>
             <a:endParaRPr lang="en-US">
               <a:latin typeface="+mj-lt"/>
@@ -21729,967 +25363,6 @@
     <p:extLst>
       <p:ext uri="{BB962C8B-B14F-4D97-AF65-F5344CB8AC3E}">
         <p14:creationId xmlns:p14="http://schemas.microsoft.com/office/powerpoint/2010/main" val="3587939667"/>
-      </p:ext>
-    </p:extLst>
-  </p:cSld>
-  <p:clrMapOvr>
-    <a:masterClrMapping/>
-  </p:clrMapOvr>
-</p:sld>
-</file>
-
-<file path=ppt/slides/slide16.xml><?xml version="1.0" encoding="utf-8"?>
-<p:sld xmlns:a="http://schemas.openxmlformats.org/drawingml/2006/main" xmlns:r="http://schemas.openxmlformats.org/officeDocument/2006/relationships" xmlns:p="http://schemas.openxmlformats.org/presentationml/2006/main">
-  <p:cSld>
-    <p:bg>
-      <p:bgPr>
-        <a:solidFill>
-          <a:schemeClr val="bg1"/>
-        </a:solidFill>
-        <a:effectLst/>
-      </p:bgPr>
-    </p:bg>
-    <p:spTree>
-      <p:nvGrpSpPr>
-        <p:cNvPr id="1" name=""/>
-        <p:cNvGrpSpPr/>
-        <p:nvPr/>
-      </p:nvGrpSpPr>
-      <p:grpSpPr>
-        <a:xfrm>
-          <a:off x="0" y="0"/>
-          <a:ext cx="0" cy="0"/>
-          <a:chOff x="0" y="0"/>
-          <a:chExt cx="0" cy="0"/>
-        </a:xfrm>
-      </p:grpSpPr>
-      <p:grpSp>
-        <p:nvGrpSpPr>
-          <p:cNvPr id="26" name="Group 25">
-            <a:extLst>
-              <a:ext uri="{FF2B5EF4-FFF2-40B4-BE49-F238E27FC236}">
-                <a16:creationId xmlns:a16="http://schemas.microsoft.com/office/drawing/2014/main" id="{5A992EA8-A2AE-480C-BFF9-7B134643975C}"/>
-              </a:ext>
-              <a:ext uri="{C183D7F6-B498-43B3-948B-1728B52AA6E4}">
-                <adec:decorative xmlns:adec="http://schemas.microsoft.com/office/drawing/2017/decorative" val="1"/>
-              </a:ext>
-            </a:extLst>
-          </p:cNvPr>
-          <p:cNvGrpSpPr>
-            <a:grpSpLocks noGrp="1" noUngrp="1" noRot="1" noChangeAspect="1" noMove="1" noResize="1"/>
-          </p:cNvGrpSpPr>
-          <p:nvPr>
-            <p:extLst>
-              <p:ext uri="{386F3935-93C4-4BCD-93E2-E3B085C9AB24}">
-                <p16:designElem xmlns:p16="http://schemas.microsoft.com/office/powerpoint/2015/main" val="1"/>
-              </p:ext>
-            </p:extLst>
-          </p:nvPr>
-        </p:nvGrpSpPr>
-        <p:grpSpPr>
-          <a:xfrm>
-            <a:off x="0" y="-2373"/>
-            <a:ext cx="12192000" cy="6867027"/>
-            <a:chOff x="0" y="-2373"/>
-            <a:chExt cx="12192000" cy="6867027"/>
-          </a:xfrm>
-        </p:grpSpPr>
-        <p:sp>
-          <p:nvSpPr>
-            <p:cNvPr id="27" name="Rectangle 26">
-              <a:extLst>
-                <a:ext uri="{FF2B5EF4-FFF2-40B4-BE49-F238E27FC236}">
-                  <a16:creationId xmlns:a16="http://schemas.microsoft.com/office/drawing/2014/main" id="{0F6F97DA-7406-453D-9AB4-28B0891BBFF4}"/>
-                </a:ext>
-                <a:ext uri="{C183D7F6-B498-43B3-948B-1728B52AA6E4}">
-                  <adec:decorative xmlns:adec="http://schemas.microsoft.com/office/drawing/2017/decorative" val="1"/>
-                </a:ext>
-              </a:extLst>
-            </p:cNvPr>
-            <p:cNvSpPr/>
-            <p:nvPr>
-              <p:extLst>
-                <p:ext uri="{386F3935-93C4-4BCD-93E2-E3B085C9AB24}">
-                  <p16:designElem xmlns:p16="http://schemas.microsoft.com/office/powerpoint/2015/main" val="1"/>
-                </p:ext>
-              </p:extLst>
-            </p:nvPr>
-          </p:nvSpPr>
-          <p:spPr>
-            <a:xfrm>
-              <a:off x="0" y="0"/>
-              <a:ext cx="12192000" cy="6858000"/>
-            </a:xfrm>
-            <a:prstGeom prst="rect">
-              <a:avLst/>
-            </a:prstGeom>
-            <a:blipFill>
-              <a:blip r:embed="rId2">
-                <a:duotone>
-                  <a:schemeClr val="dk2">
-                    <a:shade val="62000"/>
-                    <a:hueMod val="108000"/>
-                    <a:satMod val="164000"/>
-                    <a:lumMod val="69000"/>
-                  </a:schemeClr>
-                  <a:schemeClr val="dk2">
-                    <a:tint val="96000"/>
-                    <a:hueMod val="90000"/>
-                    <a:satMod val="130000"/>
-                    <a:lumMod val="134000"/>
-                  </a:schemeClr>
-                </a:duotone>
-              </a:blip>
-              <a:stretch>
-                <a:fillRect/>
-              </a:stretch>
-            </a:blipFill>
-            <a:ln>
-              <a:noFill/>
-            </a:ln>
-          </p:spPr>
-          <p:style>
-            <a:lnRef idx="2">
-              <a:schemeClr val="accent1">
-                <a:shade val="50000"/>
-              </a:schemeClr>
-            </a:lnRef>
-            <a:fillRef idx="1">
-              <a:schemeClr val="accent1"/>
-            </a:fillRef>
-            <a:effectRef idx="0">
-              <a:schemeClr val="accent1"/>
-            </a:effectRef>
-            <a:fontRef idx="minor">
-              <a:schemeClr val="lt1"/>
-            </a:fontRef>
-          </p:style>
-        </p:sp>
-        <p:sp>
-          <p:nvSpPr>
-            <p:cNvPr id="28" name="Oval 27">
-              <a:extLst>
-                <a:ext uri="{FF2B5EF4-FFF2-40B4-BE49-F238E27FC236}">
-                  <a16:creationId xmlns:a16="http://schemas.microsoft.com/office/drawing/2014/main" id="{31D171A9-30C8-4156-8EAF-50888EBE77EC}"/>
-                </a:ext>
-                <a:ext uri="{C183D7F6-B498-43B3-948B-1728B52AA6E4}">
-                  <adec:decorative xmlns:adec="http://schemas.microsoft.com/office/drawing/2017/decorative" val="1"/>
-                </a:ext>
-              </a:extLst>
-            </p:cNvPr>
-            <p:cNvSpPr/>
-            <p:nvPr>
-              <p:extLst>
-                <p:ext uri="{386F3935-93C4-4BCD-93E2-E3B085C9AB24}">
-                  <p16:designElem xmlns:p16="http://schemas.microsoft.com/office/powerpoint/2015/main" val="1"/>
-                </p:ext>
-              </p:extLst>
-            </p:nvPr>
-          </p:nvSpPr>
-          <p:spPr>
-            <a:xfrm>
-              <a:off x="3220" y="2667000"/>
-              <a:ext cx="4191000" cy="4191000"/>
-            </a:xfrm>
-            <a:prstGeom prst="ellipse">
-              <a:avLst/>
-            </a:prstGeom>
-            <a:gradFill flip="none" rotWithShape="1">
-              <a:gsLst>
-                <a:gs pos="0">
-                  <a:schemeClr val="bg2">
-                    <a:lumMod val="40000"/>
-                    <a:lumOff val="60000"/>
-                    <a:alpha val="11000"/>
-                  </a:schemeClr>
-                </a:gs>
-                <a:gs pos="75000">
-                  <a:schemeClr val="bg2">
-                    <a:lumMod val="40000"/>
-                    <a:lumOff val="60000"/>
-                    <a:alpha val="0"/>
-                  </a:schemeClr>
-                </a:gs>
-                <a:gs pos="36000">
-                  <a:schemeClr val="bg2">
-                    <a:lumMod val="40000"/>
-                    <a:lumOff val="60000"/>
-                    <a:alpha val="10000"/>
-                  </a:schemeClr>
-                </a:gs>
-              </a:gsLst>
-              <a:path path="circle">
-                <a:fillToRect l="50000" t="50000" r="50000" b="50000"/>
-              </a:path>
-              <a:tileRect/>
-            </a:gradFill>
-            <a:ln>
-              <a:noFill/>
-            </a:ln>
-            <a:effectLst/>
-          </p:spPr>
-          <p:style>
-            <a:lnRef idx="1">
-              <a:schemeClr val="accent1"/>
-            </a:lnRef>
-            <a:fillRef idx="3">
-              <a:schemeClr val="accent1"/>
-            </a:fillRef>
-            <a:effectRef idx="2">
-              <a:schemeClr val="accent1"/>
-            </a:effectRef>
-            <a:fontRef idx="minor">
-              <a:schemeClr val="lt1"/>
-            </a:fontRef>
-          </p:style>
-        </p:sp>
-        <p:sp>
-          <p:nvSpPr>
-            <p:cNvPr id="29" name="Oval 28">
-              <a:extLst>
-                <a:ext uri="{FF2B5EF4-FFF2-40B4-BE49-F238E27FC236}">
-                  <a16:creationId xmlns:a16="http://schemas.microsoft.com/office/drawing/2014/main" id="{C52A6C74-8DC4-4902-962C-0DAFD7F9B5E3}"/>
-                </a:ext>
-                <a:ext uri="{C183D7F6-B498-43B3-948B-1728B52AA6E4}">
-                  <adec:decorative xmlns:adec="http://schemas.microsoft.com/office/drawing/2017/decorative" val="1"/>
-                </a:ext>
-              </a:extLst>
-            </p:cNvPr>
-            <p:cNvSpPr/>
-            <p:nvPr>
-              <p:extLst>
-                <p:ext uri="{386F3935-93C4-4BCD-93E2-E3B085C9AB24}">
-                  <p16:designElem xmlns:p16="http://schemas.microsoft.com/office/powerpoint/2015/main" val="1"/>
-                </p:ext>
-              </p:extLst>
-            </p:nvPr>
-          </p:nvSpPr>
-          <p:spPr>
-            <a:xfrm>
-              <a:off x="1750" y="2895600"/>
-              <a:ext cx="2362200" cy="2362200"/>
-            </a:xfrm>
-            <a:prstGeom prst="ellipse">
-              <a:avLst/>
-            </a:prstGeom>
-            <a:gradFill flip="none" rotWithShape="1">
-              <a:gsLst>
-                <a:gs pos="0">
-                  <a:schemeClr val="bg2">
-                    <a:lumMod val="40000"/>
-                    <a:lumOff val="60000"/>
-                    <a:alpha val="8000"/>
-                  </a:schemeClr>
-                </a:gs>
-                <a:gs pos="72000">
-                  <a:schemeClr val="bg2">
-                    <a:lumMod val="40000"/>
-                    <a:lumOff val="60000"/>
-                    <a:alpha val="0"/>
-                  </a:schemeClr>
-                </a:gs>
-                <a:gs pos="36000">
-                  <a:schemeClr val="bg2">
-                    <a:lumMod val="40000"/>
-                    <a:lumOff val="60000"/>
-                    <a:alpha val="8000"/>
-                  </a:schemeClr>
-                </a:gs>
-              </a:gsLst>
-              <a:path path="circle">
-                <a:fillToRect l="50000" t="50000" r="50000" b="50000"/>
-              </a:path>
-              <a:tileRect/>
-            </a:gradFill>
-            <a:ln>
-              <a:noFill/>
-            </a:ln>
-            <a:effectLst/>
-          </p:spPr>
-          <p:style>
-            <a:lnRef idx="1">
-              <a:schemeClr val="accent1"/>
-            </a:lnRef>
-            <a:fillRef idx="3">
-              <a:schemeClr val="accent1"/>
-            </a:fillRef>
-            <a:effectRef idx="2">
-              <a:schemeClr val="accent1"/>
-            </a:effectRef>
-            <a:fontRef idx="minor">
-              <a:schemeClr val="lt1"/>
-            </a:fontRef>
-          </p:style>
-        </p:sp>
-        <p:sp>
-          <p:nvSpPr>
-            <p:cNvPr id="30" name="Oval 29">
-              <a:extLst>
-                <a:ext uri="{FF2B5EF4-FFF2-40B4-BE49-F238E27FC236}">
-                  <a16:creationId xmlns:a16="http://schemas.microsoft.com/office/drawing/2014/main" id="{D34C65DE-5132-426E-9E92-81CB9EFF8941}"/>
-                </a:ext>
-                <a:ext uri="{C183D7F6-B498-43B3-948B-1728B52AA6E4}">
-                  <adec:decorative xmlns:adec="http://schemas.microsoft.com/office/drawing/2017/decorative" val="1"/>
-                </a:ext>
-              </a:extLst>
-            </p:cNvPr>
-            <p:cNvSpPr/>
-            <p:nvPr>
-              <p:extLst>
-                <p:ext uri="{386F3935-93C4-4BCD-93E2-E3B085C9AB24}">
-                  <p16:designElem xmlns:p16="http://schemas.microsoft.com/office/powerpoint/2015/main" val="1"/>
-                </p:ext>
-              </p:extLst>
-            </p:nvPr>
-          </p:nvSpPr>
-          <p:spPr>
-            <a:xfrm>
-              <a:off x="8609012" y="1676400"/>
-              <a:ext cx="2819400" cy="2819400"/>
-            </a:xfrm>
-            <a:prstGeom prst="ellipse">
-              <a:avLst/>
-            </a:prstGeom>
-            <a:gradFill flip="none" rotWithShape="1">
-              <a:gsLst>
-                <a:gs pos="0">
-                  <a:schemeClr val="bg2">
-                    <a:lumMod val="40000"/>
-                    <a:lumOff val="60000"/>
-                    <a:alpha val="7000"/>
-                  </a:schemeClr>
-                </a:gs>
-                <a:gs pos="69000">
-                  <a:schemeClr val="bg2">
-                    <a:lumMod val="40000"/>
-                    <a:lumOff val="60000"/>
-                    <a:alpha val="0"/>
-                  </a:schemeClr>
-                </a:gs>
-                <a:gs pos="36000">
-                  <a:schemeClr val="bg2">
-                    <a:lumMod val="40000"/>
-                    <a:lumOff val="60000"/>
-                    <a:alpha val="6000"/>
-                  </a:schemeClr>
-                </a:gs>
-              </a:gsLst>
-              <a:path path="circle">
-                <a:fillToRect l="50000" t="50000" r="50000" b="50000"/>
-              </a:path>
-              <a:tileRect/>
-            </a:gradFill>
-            <a:ln>
-              <a:noFill/>
-            </a:ln>
-            <a:effectLst/>
-          </p:spPr>
-          <p:style>
-            <a:lnRef idx="1">
-              <a:schemeClr val="accent1"/>
-            </a:lnRef>
-            <a:fillRef idx="3">
-              <a:schemeClr val="accent1"/>
-            </a:fillRef>
-            <a:effectRef idx="2">
-              <a:schemeClr val="accent1"/>
-            </a:effectRef>
-            <a:fontRef idx="minor">
-              <a:schemeClr val="lt1"/>
-            </a:fontRef>
-          </p:style>
-        </p:sp>
-        <p:sp>
-          <p:nvSpPr>
-            <p:cNvPr id="31" name="Oval 30">
-              <a:extLst>
-                <a:ext uri="{FF2B5EF4-FFF2-40B4-BE49-F238E27FC236}">
-                  <a16:creationId xmlns:a16="http://schemas.microsoft.com/office/drawing/2014/main" id="{463FE9C4-150E-4C97-A21E-53B7CD261A14}"/>
-                </a:ext>
-                <a:ext uri="{C183D7F6-B498-43B3-948B-1728B52AA6E4}">
-                  <adec:decorative xmlns:adec="http://schemas.microsoft.com/office/drawing/2017/decorative" val="1"/>
-                </a:ext>
-              </a:extLst>
-            </p:cNvPr>
-            <p:cNvSpPr/>
-            <p:nvPr>
-              <p:extLst>
-                <p:ext uri="{386F3935-93C4-4BCD-93E2-E3B085C9AB24}">
-                  <p16:designElem xmlns:p16="http://schemas.microsoft.com/office/powerpoint/2015/main" val="1"/>
-                </p:ext>
-              </p:extLst>
-            </p:nvPr>
-          </p:nvSpPr>
-          <p:spPr>
-            <a:xfrm>
-              <a:off x="7999412" y="-2373"/>
-              <a:ext cx="1600200" cy="1600200"/>
-            </a:xfrm>
-            <a:prstGeom prst="ellipse">
-              <a:avLst/>
-            </a:prstGeom>
-            <a:gradFill flip="none" rotWithShape="1">
-              <a:gsLst>
-                <a:gs pos="0">
-                  <a:schemeClr val="bg2">
-                    <a:lumMod val="40000"/>
-                    <a:lumOff val="60000"/>
-                    <a:alpha val="14000"/>
-                  </a:schemeClr>
-                </a:gs>
-                <a:gs pos="73000">
-                  <a:schemeClr val="bg2">
-                    <a:lumMod val="40000"/>
-                    <a:lumOff val="60000"/>
-                    <a:alpha val="0"/>
-                  </a:schemeClr>
-                </a:gs>
-                <a:gs pos="36000">
-                  <a:schemeClr val="bg2">
-                    <a:lumMod val="40000"/>
-                    <a:lumOff val="60000"/>
-                    <a:alpha val="7000"/>
-                  </a:schemeClr>
-                </a:gs>
-              </a:gsLst>
-              <a:path path="circle">
-                <a:fillToRect l="50000" t="50000" r="50000" b="50000"/>
-              </a:path>
-              <a:tileRect/>
-            </a:gradFill>
-            <a:ln>
-              <a:noFill/>
-            </a:ln>
-            <a:effectLst/>
-          </p:spPr>
-          <p:style>
-            <a:lnRef idx="1">
-              <a:schemeClr val="accent1"/>
-            </a:lnRef>
-            <a:fillRef idx="3">
-              <a:schemeClr val="accent1"/>
-            </a:fillRef>
-            <a:effectRef idx="2">
-              <a:schemeClr val="accent1"/>
-            </a:effectRef>
-            <a:fontRef idx="minor">
-              <a:schemeClr val="lt1"/>
-            </a:fontRef>
-          </p:style>
-        </p:sp>
-        <p:sp>
-          <p:nvSpPr>
-            <p:cNvPr id="32" name="Oval 31">
-              <a:extLst>
-                <a:ext uri="{FF2B5EF4-FFF2-40B4-BE49-F238E27FC236}">
-                  <a16:creationId xmlns:a16="http://schemas.microsoft.com/office/drawing/2014/main" id="{F4DD7FA2-5B3A-4DD2-BA1A-735CC86BAA06}"/>
-                </a:ext>
-                <a:ext uri="{C183D7F6-B498-43B3-948B-1728B52AA6E4}">
-                  <adec:decorative xmlns:adec="http://schemas.microsoft.com/office/drawing/2017/decorative" val="1"/>
-                </a:ext>
-              </a:extLst>
-            </p:cNvPr>
-            <p:cNvSpPr/>
-            <p:nvPr>
-              <p:extLst>
-                <p:ext uri="{386F3935-93C4-4BCD-93E2-E3B085C9AB24}">
-                  <p16:designElem xmlns:p16="http://schemas.microsoft.com/office/powerpoint/2015/main" val="1"/>
-                </p:ext>
-              </p:extLst>
-            </p:nvPr>
-          </p:nvSpPr>
-          <p:spPr>
-            <a:xfrm>
-              <a:off x="8609012" y="5874054"/>
-              <a:ext cx="990600" cy="990600"/>
-            </a:xfrm>
-            <a:prstGeom prst="ellipse">
-              <a:avLst/>
-            </a:prstGeom>
-            <a:gradFill flip="none" rotWithShape="1">
-              <a:gsLst>
-                <a:gs pos="0">
-                  <a:schemeClr val="bg2">
-                    <a:lumMod val="40000"/>
-                    <a:lumOff val="60000"/>
-                    <a:alpha val="14000"/>
-                  </a:schemeClr>
-                </a:gs>
-                <a:gs pos="66000">
-                  <a:schemeClr val="bg2">
-                    <a:lumMod val="40000"/>
-                    <a:lumOff val="60000"/>
-                    <a:alpha val="0"/>
-                  </a:schemeClr>
-                </a:gs>
-                <a:gs pos="36000">
-                  <a:schemeClr val="bg2">
-                    <a:lumMod val="40000"/>
-                    <a:lumOff val="60000"/>
-                    <a:alpha val="7000"/>
-                  </a:schemeClr>
-                </a:gs>
-              </a:gsLst>
-              <a:path path="circle">
-                <a:fillToRect l="50000" t="50000" r="50000" b="50000"/>
-              </a:path>
-              <a:tileRect/>
-            </a:gradFill>
-            <a:ln>
-              <a:noFill/>
-            </a:ln>
-            <a:effectLst/>
-          </p:spPr>
-          <p:style>
-            <a:lnRef idx="1">
-              <a:schemeClr val="accent1"/>
-            </a:lnRef>
-            <a:fillRef idx="3">
-              <a:schemeClr val="accent1"/>
-            </a:fillRef>
-            <a:effectRef idx="2">
-              <a:schemeClr val="accent1"/>
-            </a:effectRef>
-            <a:fontRef idx="minor">
-              <a:schemeClr val="lt1"/>
-            </a:fontRef>
-          </p:style>
-        </p:sp>
-        <p:sp>
-          <p:nvSpPr>
-            <p:cNvPr id="33" name="Freeform 5">
-              <a:extLst>
-                <a:ext uri="{FF2B5EF4-FFF2-40B4-BE49-F238E27FC236}">
-                  <a16:creationId xmlns:a16="http://schemas.microsoft.com/office/drawing/2014/main" id="{B11D6824-D097-439B-9956-5436E5111A9B}"/>
-                </a:ext>
-                <a:ext uri="{C183D7F6-B498-43B3-948B-1728B52AA6E4}">
-                  <adec:decorative xmlns:adec="http://schemas.microsoft.com/office/drawing/2017/decorative" val="1"/>
-                </a:ext>
-              </a:extLst>
-            </p:cNvPr>
-            <p:cNvSpPr>
-              <a:spLocks noEditPoints="1"/>
-            </p:cNvSpPr>
-            <p:nvPr>
-              <p:extLst>
-                <p:ext uri="{386F3935-93C4-4BCD-93E2-E3B085C9AB24}">
-                  <p16:designElem xmlns:p16="http://schemas.microsoft.com/office/powerpoint/2015/main" val="1"/>
-                </p:ext>
-              </p:extLst>
-            </p:nvPr>
-          </p:nvSpPr>
-          <p:spPr bwMode="gray">
-            <a:xfrm>
-              <a:off x="0" y="1587"/>
-              <a:ext cx="12192000" cy="6856413"/>
-            </a:xfrm>
-            <a:custGeom>
-              <a:avLst/>
-              <a:gdLst/>
-              <a:ahLst/>
-              <a:cxnLst/>
-              <a:rect l="0" t="0" r="r" b="b"/>
-              <a:pathLst>
-                <a:path w="15356" h="8638">
-                  <a:moveTo>
-                    <a:pt x="0" y="0"/>
-                  </a:moveTo>
-                  <a:lnTo>
-                    <a:pt x="0" y="8638"/>
-                  </a:lnTo>
-                  <a:lnTo>
-                    <a:pt x="15356" y="8638"/>
-                  </a:lnTo>
-                  <a:lnTo>
-                    <a:pt x="15356" y="0"/>
-                  </a:lnTo>
-                  <a:lnTo>
-                    <a:pt x="0" y="0"/>
-                  </a:lnTo>
-                  <a:close/>
-                  <a:moveTo>
-                    <a:pt x="14748" y="8038"/>
-                  </a:moveTo>
-                  <a:lnTo>
-                    <a:pt x="600" y="8038"/>
-                  </a:lnTo>
-                  <a:lnTo>
-                    <a:pt x="600" y="592"/>
-                  </a:lnTo>
-                  <a:lnTo>
-                    <a:pt x="14748" y="592"/>
-                  </a:lnTo>
-                  <a:lnTo>
-                    <a:pt x="14748" y="8038"/>
-                  </a:lnTo>
-                  <a:close/>
-                </a:path>
-              </a:pathLst>
-            </a:custGeom>
-            <a:solidFill>
-              <a:schemeClr val="bg1"/>
-            </a:solidFill>
-            <a:ln>
-              <a:noFill/>
-            </a:ln>
-          </p:spPr>
-        </p:sp>
-      </p:grpSp>
-      <p:sp>
-        <p:nvSpPr>
-          <p:cNvPr id="35" name="Rectangle 34">
-            <a:extLst>
-              <a:ext uri="{FF2B5EF4-FFF2-40B4-BE49-F238E27FC236}">
-                <a16:creationId xmlns:a16="http://schemas.microsoft.com/office/drawing/2014/main" id="{5669AB50-4CAD-4D10-A09A-A0C01AF9E6F6}"/>
-              </a:ext>
-              <a:ext uri="{C183D7F6-B498-43B3-948B-1728B52AA6E4}">
-                <adec:decorative xmlns:adec="http://schemas.microsoft.com/office/drawing/2017/decorative" val="1"/>
-              </a:ext>
-            </a:extLst>
-          </p:cNvPr>
-          <p:cNvSpPr>
-            <a:spLocks noGrp="1" noRot="1" noChangeAspect="1" noMove="1" noResize="1" noEditPoints="1" noAdjustHandles="1" noChangeArrowheads="1" noChangeShapeType="1" noTextEdit="1"/>
-          </p:cNvSpPr>
-          <p:nvPr>
-            <p:extLst>
-              <p:ext uri="{386F3935-93C4-4BCD-93E2-E3B085C9AB24}">
-                <p16:designElem xmlns:p16="http://schemas.microsoft.com/office/powerpoint/2015/main" val="1"/>
-              </p:ext>
-            </p:extLst>
-          </p:nvPr>
-        </p:nvSpPr>
-        <p:spPr>
-          <a:xfrm>
-            <a:off x="10437812" y="0"/>
-            <a:ext cx="685800" cy="1143000"/>
-          </a:xfrm>
-          <a:prstGeom prst="rect">
-            <a:avLst/>
-          </a:prstGeom>
-          <a:solidFill>
-            <a:schemeClr val="accent1"/>
-          </a:solidFill>
-          <a:ln>
-            <a:noFill/>
-          </a:ln>
-        </p:spPr>
-        <p:style>
-          <a:lnRef idx="1">
-            <a:schemeClr val="accent1"/>
-          </a:lnRef>
-          <a:fillRef idx="3">
-            <a:schemeClr val="accent1"/>
-          </a:fillRef>
-          <a:effectRef idx="2">
-            <a:schemeClr val="accent1"/>
-          </a:effectRef>
-          <a:fontRef idx="minor">
-            <a:schemeClr val="lt1"/>
-          </a:fontRef>
-        </p:style>
-      </p:sp>
-      <p:sp>
-        <p:nvSpPr>
-          <p:cNvPr id="2" name="제목 1">
-            <a:extLst>
-              <a:ext uri="{FF2B5EF4-FFF2-40B4-BE49-F238E27FC236}">
-                <a16:creationId xmlns:a16="http://schemas.microsoft.com/office/drawing/2014/main" id="{8C6C9B06-A720-45A8-8926-A624A9143055}"/>
-              </a:ext>
-            </a:extLst>
-          </p:cNvPr>
-          <p:cNvSpPr>
-            <a:spLocks noGrp="1"/>
-          </p:cNvSpPr>
-          <p:nvPr>
-            <p:ph type="title"/>
-          </p:nvPr>
-        </p:nvSpPr>
-        <p:spPr>
-          <a:xfrm>
-            <a:off x="8160773" y="1113062"/>
-            <a:ext cx="3382297" cy="3281957"/>
-          </a:xfrm>
-        </p:spPr>
-        <p:txBody>
-          <a:bodyPr vert="horz" lIns="91440" tIns="45720" rIns="91440" bIns="45720" rtlCol="0" anchor="b">
-            <a:normAutofit/>
-          </a:bodyPr>
-          <a:lstStyle/>
-          <a:p>
-            <a:pPr latinLnBrk="0"/>
-            <a:r>
-              <a:rPr lang="ko-KR" altLang="en-US" sz="5400" b="0" i="0" kern="1200" dirty="0">
-                <a:solidFill>
-                  <a:schemeClr val="bg2"/>
-                </a:solidFill>
-                <a:latin typeface="+mj-lt"/>
-                <a:ea typeface="+mj-ea"/>
-                <a:cs typeface="+mj-cs"/>
-              </a:rPr>
-              <a:t>전체 일정</a:t>
-            </a:r>
-          </a:p>
-        </p:txBody>
-      </p:sp>
-      <p:sp>
-        <p:nvSpPr>
-          <p:cNvPr id="4" name="슬라이드 번호 개체 틀 3">
-            <a:extLst>
-              <a:ext uri="{FF2B5EF4-FFF2-40B4-BE49-F238E27FC236}">
-                <a16:creationId xmlns:a16="http://schemas.microsoft.com/office/drawing/2014/main" id="{9D1A659F-7ED5-469E-AD8C-7EF7707ED99F}"/>
-              </a:ext>
-            </a:extLst>
-          </p:cNvPr>
-          <p:cNvSpPr>
-            <a:spLocks noGrp="1"/>
-          </p:cNvSpPr>
-          <p:nvPr>
-            <p:ph type="sldNum" sz="quarter" idx="12"/>
-          </p:nvPr>
-        </p:nvSpPr>
-        <p:spPr>
-          <a:xfrm>
-            <a:off x="10342708" y="295729"/>
-            <a:ext cx="838199" cy="767687"/>
-          </a:xfrm>
-        </p:spPr>
-        <p:txBody>
-          <a:bodyPr vert="horz" lIns="91440" tIns="45720" rIns="91440" bIns="45720" rtlCol="0" anchor="b">
-            <a:normAutofit/>
-          </a:bodyPr>
-          <a:lstStyle/>
-          <a:p>
-            <a:pPr defTabSz="914400">
-              <a:spcAft>
-                <a:spcPts val="600"/>
-              </a:spcAft>
-            </a:pPr>
-            <a:fld id="{D57F1E4F-1CFF-5643-939E-217C01CDF565}" type="slidenum">
-              <a:rPr lang="en-US" smtClean="0">
-                <a:latin typeface="+mj-lt"/>
-              </a:rPr>
-              <a:pPr defTabSz="914400">
-                <a:spcAft>
-                  <a:spcPts val="600"/>
-                </a:spcAft>
-              </a:pPr>
-              <a:t>16</a:t>
-            </a:fld>
-            <a:endParaRPr lang="en-US">
-              <a:latin typeface="+mj-lt"/>
-            </a:endParaRPr>
-          </a:p>
-        </p:txBody>
-      </p:sp>
-      <p:pic>
-        <p:nvPicPr>
-          <p:cNvPr id="19" name="내용 개체 틀 18">
-            <a:extLst>
-              <a:ext uri="{FF2B5EF4-FFF2-40B4-BE49-F238E27FC236}">
-                <a16:creationId xmlns:a16="http://schemas.microsoft.com/office/drawing/2014/main" id="{59F22AF2-4031-43B8-8AC1-75612331305E}"/>
-              </a:ext>
-            </a:extLst>
-          </p:cNvPr>
-          <p:cNvPicPr>
-            <a:picLocks noGrp="1" noChangeAspect="1"/>
-          </p:cNvPicPr>
-          <p:nvPr>
-            <p:ph idx="1"/>
-          </p:nvPr>
-        </p:nvPicPr>
-        <p:blipFill>
-          <a:blip r:embed="rId3">
-            <a:extLst>
-              <a:ext uri="{28A0092B-C50C-407E-A947-70E740481C1C}">
-                <a14:useLocalDpi xmlns:a14="http://schemas.microsoft.com/office/drawing/2010/main" val="0"/>
-              </a:ext>
-            </a:extLst>
-          </a:blip>
-          <a:stretch>
-            <a:fillRect/>
-          </a:stretch>
-        </p:blipFill>
-        <p:spPr>
-          <a:xfrm>
-            <a:off x="592012" y="1868049"/>
-            <a:ext cx="7700411" cy="3638445"/>
-          </a:xfrm>
-          <a:prstGeom prst="roundRect">
-            <a:avLst>
-              <a:gd name="adj" fmla="val 1858"/>
-            </a:avLst>
-          </a:prstGeom>
-          <a:effectLst>
-            <a:outerShdw blurRad="50800" dist="50800" dir="5400000" algn="tl" rotWithShape="0">
-              <a:srgbClr val="000000">
-                <a:alpha val="43000"/>
-              </a:srgbClr>
-            </a:outerShdw>
-          </a:effectLst>
-        </p:spPr>
-      </p:pic>
-      <p:sp>
-        <p:nvSpPr>
-          <p:cNvPr id="21" name="CustomShape 7">
-            <a:extLst>
-              <a:ext uri="{FF2B5EF4-FFF2-40B4-BE49-F238E27FC236}">
-                <a16:creationId xmlns:a16="http://schemas.microsoft.com/office/drawing/2014/main" id="{543BDE29-3C0C-4D5D-9AA1-299A446ADA36}"/>
-              </a:ext>
-            </a:extLst>
-          </p:cNvPr>
-          <p:cNvSpPr/>
-          <p:nvPr/>
-        </p:nvSpPr>
-        <p:spPr>
-          <a:xfrm>
-            <a:off x="7397185" y="1302503"/>
-            <a:ext cx="504247" cy="558892"/>
-          </a:xfrm>
-          <a:prstGeom prst="downArrow">
-            <a:avLst>
-              <a:gd name="adj1" fmla="val 50000"/>
-              <a:gd name="adj2" fmla="val 50000"/>
-            </a:avLst>
-          </a:prstGeom>
-          <a:solidFill>
-            <a:schemeClr val="accent2"/>
-          </a:solidFill>
-          <a:ln>
-            <a:noFill/>
-          </a:ln>
-        </p:spPr>
-        <p:style>
-          <a:lnRef idx="2">
-            <a:schemeClr val="accent1">
-              <a:shade val="50000"/>
-            </a:schemeClr>
-          </a:lnRef>
-          <a:fillRef idx="1">
-            <a:schemeClr val="accent1"/>
-          </a:fillRef>
-          <a:effectRef idx="0">
-            <a:schemeClr val="accent1"/>
-          </a:effectRef>
-          <a:fontRef idx="minor"/>
-        </p:style>
-      </p:sp>
-    </p:spTree>
-    <p:extLst>
-      <p:ext uri="{BB962C8B-B14F-4D97-AF65-F5344CB8AC3E}">
-        <p14:creationId xmlns:p14="http://schemas.microsoft.com/office/powerpoint/2010/main" val="3478757257"/>
-      </p:ext>
-    </p:extLst>
-  </p:cSld>
-  <p:clrMapOvr>
-    <a:masterClrMapping/>
-  </p:clrMapOvr>
-</p:sld>
-</file>
-
-<file path=ppt/slides/slide17.xml><?xml version="1.0" encoding="utf-8"?>
-<p:sld xmlns:a="http://schemas.openxmlformats.org/drawingml/2006/main" xmlns:r="http://schemas.openxmlformats.org/officeDocument/2006/relationships" xmlns:p="http://schemas.openxmlformats.org/presentationml/2006/main">
-  <p:cSld>
-    <p:spTree>
-      <p:nvGrpSpPr>
-        <p:cNvPr id="1" name=""/>
-        <p:cNvGrpSpPr/>
-        <p:nvPr/>
-      </p:nvGrpSpPr>
-      <p:grpSpPr>
-        <a:xfrm>
-          <a:off x="0" y="0"/>
-          <a:ext cx="0" cy="0"/>
-          <a:chOff x="0" y="0"/>
-          <a:chExt cx="0" cy="0"/>
-        </a:xfrm>
-      </p:grpSpPr>
-      <p:sp>
-        <p:nvSpPr>
-          <p:cNvPr id="2" name="제목 1">
-            <a:extLst>
-              <a:ext uri="{FF2B5EF4-FFF2-40B4-BE49-F238E27FC236}">
-                <a16:creationId xmlns:a16="http://schemas.microsoft.com/office/drawing/2014/main" id="{45824920-0EC6-4BAF-A33C-E094CD622085}"/>
-              </a:ext>
-            </a:extLst>
-          </p:cNvPr>
-          <p:cNvSpPr>
-            <a:spLocks noGrp="1"/>
-          </p:cNvSpPr>
-          <p:nvPr>
-            <p:ph type="title"/>
-          </p:nvPr>
-        </p:nvSpPr>
-        <p:spPr/>
-        <p:txBody>
-          <a:bodyPr/>
-          <a:lstStyle/>
-          <a:p>
-            <a:r>
-              <a:rPr lang="ko-KR" altLang="en-US" dirty="0"/>
-              <a:t>질의응답</a:t>
-            </a:r>
-          </a:p>
-        </p:txBody>
-      </p:sp>
-      <p:sp>
-        <p:nvSpPr>
-          <p:cNvPr id="3" name="내용 개체 틀 2">
-            <a:extLst>
-              <a:ext uri="{FF2B5EF4-FFF2-40B4-BE49-F238E27FC236}">
-                <a16:creationId xmlns:a16="http://schemas.microsoft.com/office/drawing/2014/main" id="{F3EE0794-B04A-474D-81E1-881C07344F12}"/>
-              </a:ext>
-            </a:extLst>
-          </p:cNvPr>
-          <p:cNvSpPr>
-            <a:spLocks noGrp="1"/>
-          </p:cNvSpPr>
-          <p:nvPr>
-            <p:ph idx="1"/>
-          </p:nvPr>
-        </p:nvSpPr>
-        <p:spPr/>
-        <p:txBody>
-          <a:bodyPr/>
-          <a:lstStyle/>
-          <a:p>
-            <a:endParaRPr lang="ko-KR" altLang="en-US"/>
-          </a:p>
-        </p:txBody>
-      </p:sp>
-      <p:sp>
-        <p:nvSpPr>
-          <p:cNvPr id="4" name="슬라이드 번호 개체 틀 3">
-            <a:extLst>
-              <a:ext uri="{FF2B5EF4-FFF2-40B4-BE49-F238E27FC236}">
-                <a16:creationId xmlns:a16="http://schemas.microsoft.com/office/drawing/2014/main" id="{93A5935B-BAE9-426A-B99B-4214D79AB2C9}"/>
-              </a:ext>
-            </a:extLst>
-          </p:cNvPr>
-          <p:cNvSpPr>
-            <a:spLocks noGrp="1"/>
-          </p:cNvSpPr>
-          <p:nvPr>
-            <p:ph type="sldNum" sz="quarter" idx="12"/>
-          </p:nvPr>
-        </p:nvSpPr>
-        <p:spPr/>
-        <p:txBody>
-          <a:bodyPr/>
-          <a:lstStyle/>
-          <a:p>
-            <a:fld id="{D57F1E4F-1CFF-5643-939E-217C01CDF565}" type="slidenum">
-              <a:rPr lang="en-US" smtClean="0"/>
-              <a:pPr/>
-              <a:t>17</a:t>
-            </a:fld>
-            <a:endParaRPr lang="en-US" dirty="0"/>
-          </a:p>
-        </p:txBody>
-      </p:sp>
-    </p:spTree>
-    <p:extLst>
-      <p:ext uri="{BB962C8B-B14F-4D97-AF65-F5344CB8AC3E}">
-        <p14:creationId xmlns:p14="http://schemas.microsoft.com/office/powerpoint/2010/main" val="2120597515"/>
       </p:ext>
     </p:extLst>
   </p:cSld>
@@ -22842,6 +25515,967 @@
     <p:extLst>
       <p:ext uri="{BB962C8B-B14F-4D97-AF65-F5344CB8AC3E}">
         <p14:creationId xmlns:p14="http://schemas.microsoft.com/office/powerpoint/2010/main" val="375594331"/>
+      </p:ext>
+    </p:extLst>
+  </p:cSld>
+  <p:clrMapOvr>
+    <a:masterClrMapping/>
+  </p:clrMapOvr>
+</p:sld>
+</file>
+
+<file path=ppt/slides/slide20.xml><?xml version="1.0" encoding="utf-8"?>
+<p:sld xmlns:a="http://schemas.openxmlformats.org/drawingml/2006/main" xmlns:r="http://schemas.openxmlformats.org/officeDocument/2006/relationships" xmlns:p="http://schemas.openxmlformats.org/presentationml/2006/main">
+  <p:cSld>
+    <p:bg>
+      <p:bgPr>
+        <a:solidFill>
+          <a:schemeClr val="bg1"/>
+        </a:solidFill>
+        <a:effectLst/>
+      </p:bgPr>
+    </p:bg>
+    <p:spTree>
+      <p:nvGrpSpPr>
+        <p:cNvPr id="1" name=""/>
+        <p:cNvGrpSpPr/>
+        <p:nvPr/>
+      </p:nvGrpSpPr>
+      <p:grpSpPr>
+        <a:xfrm>
+          <a:off x="0" y="0"/>
+          <a:ext cx="0" cy="0"/>
+          <a:chOff x="0" y="0"/>
+          <a:chExt cx="0" cy="0"/>
+        </a:xfrm>
+      </p:grpSpPr>
+      <p:grpSp>
+        <p:nvGrpSpPr>
+          <p:cNvPr id="26" name="Group 25">
+            <a:extLst>
+              <a:ext uri="{FF2B5EF4-FFF2-40B4-BE49-F238E27FC236}">
+                <a16:creationId xmlns:a16="http://schemas.microsoft.com/office/drawing/2014/main" id="{5A992EA8-A2AE-480C-BFF9-7B134643975C}"/>
+              </a:ext>
+              <a:ext uri="{C183D7F6-B498-43B3-948B-1728B52AA6E4}">
+                <adec:decorative xmlns:adec="http://schemas.microsoft.com/office/drawing/2017/decorative" val="1"/>
+              </a:ext>
+            </a:extLst>
+          </p:cNvPr>
+          <p:cNvGrpSpPr>
+            <a:grpSpLocks noGrp="1" noUngrp="1" noRot="1" noChangeAspect="1" noMove="1" noResize="1"/>
+          </p:cNvGrpSpPr>
+          <p:nvPr>
+            <p:extLst>
+              <p:ext uri="{386F3935-93C4-4BCD-93E2-E3B085C9AB24}">
+                <p16:designElem xmlns:p16="http://schemas.microsoft.com/office/powerpoint/2015/main" val="1"/>
+              </p:ext>
+            </p:extLst>
+          </p:nvPr>
+        </p:nvGrpSpPr>
+        <p:grpSpPr>
+          <a:xfrm>
+            <a:off x="0" y="-2373"/>
+            <a:ext cx="12192000" cy="6867027"/>
+            <a:chOff x="0" y="-2373"/>
+            <a:chExt cx="12192000" cy="6867027"/>
+          </a:xfrm>
+        </p:grpSpPr>
+        <p:sp>
+          <p:nvSpPr>
+            <p:cNvPr id="27" name="Rectangle 26">
+              <a:extLst>
+                <a:ext uri="{FF2B5EF4-FFF2-40B4-BE49-F238E27FC236}">
+                  <a16:creationId xmlns:a16="http://schemas.microsoft.com/office/drawing/2014/main" id="{0F6F97DA-7406-453D-9AB4-28B0891BBFF4}"/>
+                </a:ext>
+                <a:ext uri="{C183D7F6-B498-43B3-948B-1728B52AA6E4}">
+                  <adec:decorative xmlns:adec="http://schemas.microsoft.com/office/drawing/2017/decorative" val="1"/>
+                </a:ext>
+              </a:extLst>
+            </p:cNvPr>
+            <p:cNvSpPr/>
+            <p:nvPr>
+              <p:extLst>
+                <p:ext uri="{386F3935-93C4-4BCD-93E2-E3B085C9AB24}">
+                  <p16:designElem xmlns:p16="http://schemas.microsoft.com/office/powerpoint/2015/main" val="1"/>
+                </p:ext>
+              </p:extLst>
+            </p:nvPr>
+          </p:nvSpPr>
+          <p:spPr>
+            <a:xfrm>
+              <a:off x="0" y="0"/>
+              <a:ext cx="12192000" cy="6858000"/>
+            </a:xfrm>
+            <a:prstGeom prst="rect">
+              <a:avLst/>
+            </a:prstGeom>
+            <a:blipFill>
+              <a:blip r:embed="rId2">
+                <a:duotone>
+                  <a:schemeClr val="dk2">
+                    <a:shade val="62000"/>
+                    <a:hueMod val="108000"/>
+                    <a:satMod val="164000"/>
+                    <a:lumMod val="69000"/>
+                  </a:schemeClr>
+                  <a:schemeClr val="dk2">
+                    <a:tint val="96000"/>
+                    <a:hueMod val="90000"/>
+                    <a:satMod val="130000"/>
+                    <a:lumMod val="134000"/>
+                  </a:schemeClr>
+                </a:duotone>
+              </a:blip>
+              <a:stretch>
+                <a:fillRect/>
+              </a:stretch>
+            </a:blipFill>
+            <a:ln>
+              <a:noFill/>
+            </a:ln>
+          </p:spPr>
+          <p:style>
+            <a:lnRef idx="2">
+              <a:schemeClr val="accent1">
+                <a:shade val="50000"/>
+              </a:schemeClr>
+            </a:lnRef>
+            <a:fillRef idx="1">
+              <a:schemeClr val="accent1"/>
+            </a:fillRef>
+            <a:effectRef idx="0">
+              <a:schemeClr val="accent1"/>
+            </a:effectRef>
+            <a:fontRef idx="minor">
+              <a:schemeClr val="lt1"/>
+            </a:fontRef>
+          </p:style>
+        </p:sp>
+        <p:sp>
+          <p:nvSpPr>
+            <p:cNvPr id="28" name="Oval 27">
+              <a:extLst>
+                <a:ext uri="{FF2B5EF4-FFF2-40B4-BE49-F238E27FC236}">
+                  <a16:creationId xmlns:a16="http://schemas.microsoft.com/office/drawing/2014/main" id="{31D171A9-30C8-4156-8EAF-50888EBE77EC}"/>
+                </a:ext>
+                <a:ext uri="{C183D7F6-B498-43B3-948B-1728B52AA6E4}">
+                  <adec:decorative xmlns:adec="http://schemas.microsoft.com/office/drawing/2017/decorative" val="1"/>
+                </a:ext>
+              </a:extLst>
+            </p:cNvPr>
+            <p:cNvSpPr/>
+            <p:nvPr>
+              <p:extLst>
+                <p:ext uri="{386F3935-93C4-4BCD-93E2-E3B085C9AB24}">
+                  <p16:designElem xmlns:p16="http://schemas.microsoft.com/office/powerpoint/2015/main" val="1"/>
+                </p:ext>
+              </p:extLst>
+            </p:nvPr>
+          </p:nvSpPr>
+          <p:spPr>
+            <a:xfrm>
+              <a:off x="3220" y="2667000"/>
+              <a:ext cx="4191000" cy="4191000"/>
+            </a:xfrm>
+            <a:prstGeom prst="ellipse">
+              <a:avLst/>
+            </a:prstGeom>
+            <a:gradFill flip="none" rotWithShape="1">
+              <a:gsLst>
+                <a:gs pos="0">
+                  <a:schemeClr val="bg2">
+                    <a:lumMod val="40000"/>
+                    <a:lumOff val="60000"/>
+                    <a:alpha val="11000"/>
+                  </a:schemeClr>
+                </a:gs>
+                <a:gs pos="75000">
+                  <a:schemeClr val="bg2">
+                    <a:lumMod val="40000"/>
+                    <a:lumOff val="60000"/>
+                    <a:alpha val="0"/>
+                  </a:schemeClr>
+                </a:gs>
+                <a:gs pos="36000">
+                  <a:schemeClr val="bg2">
+                    <a:lumMod val="40000"/>
+                    <a:lumOff val="60000"/>
+                    <a:alpha val="10000"/>
+                  </a:schemeClr>
+                </a:gs>
+              </a:gsLst>
+              <a:path path="circle">
+                <a:fillToRect l="50000" t="50000" r="50000" b="50000"/>
+              </a:path>
+              <a:tileRect/>
+            </a:gradFill>
+            <a:ln>
+              <a:noFill/>
+            </a:ln>
+            <a:effectLst/>
+          </p:spPr>
+          <p:style>
+            <a:lnRef idx="1">
+              <a:schemeClr val="accent1"/>
+            </a:lnRef>
+            <a:fillRef idx="3">
+              <a:schemeClr val="accent1"/>
+            </a:fillRef>
+            <a:effectRef idx="2">
+              <a:schemeClr val="accent1"/>
+            </a:effectRef>
+            <a:fontRef idx="minor">
+              <a:schemeClr val="lt1"/>
+            </a:fontRef>
+          </p:style>
+        </p:sp>
+        <p:sp>
+          <p:nvSpPr>
+            <p:cNvPr id="29" name="Oval 28">
+              <a:extLst>
+                <a:ext uri="{FF2B5EF4-FFF2-40B4-BE49-F238E27FC236}">
+                  <a16:creationId xmlns:a16="http://schemas.microsoft.com/office/drawing/2014/main" id="{C52A6C74-8DC4-4902-962C-0DAFD7F9B5E3}"/>
+                </a:ext>
+                <a:ext uri="{C183D7F6-B498-43B3-948B-1728B52AA6E4}">
+                  <adec:decorative xmlns:adec="http://schemas.microsoft.com/office/drawing/2017/decorative" val="1"/>
+                </a:ext>
+              </a:extLst>
+            </p:cNvPr>
+            <p:cNvSpPr/>
+            <p:nvPr>
+              <p:extLst>
+                <p:ext uri="{386F3935-93C4-4BCD-93E2-E3B085C9AB24}">
+                  <p16:designElem xmlns:p16="http://schemas.microsoft.com/office/powerpoint/2015/main" val="1"/>
+                </p:ext>
+              </p:extLst>
+            </p:nvPr>
+          </p:nvSpPr>
+          <p:spPr>
+            <a:xfrm>
+              <a:off x="1750" y="2895600"/>
+              <a:ext cx="2362200" cy="2362200"/>
+            </a:xfrm>
+            <a:prstGeom prst="ellipse">
+              <a:avLst/>
+            </a:prstGeom>
+            <a:gradFill flip="none" rotWithShape="1">
+              <a:gsLst>
+                <a:gs pos="0">
+                  <a:schemeClr val="bg2">
+                    <a:lumMod val="40000"/>
+                    <a:lumOff val="60000"/>
+                    <a:alpha val="8000"/>
+                  </a:schemeClr>
+                </a:gs>
+                <a:gs pos="72000">
+                  <a:schemeClr val="bg2">
+                    <a:lumMod val="40000"/>
+                    <a:lumOff val="60000"/>
+                    <a:alpha val="0"/>
+                  </a:schemeClr>
+                </a:gs>
+                <a:gs pos="36000">
+                  <a:schemeClr val="bg2">
+                    <a:lumMod val="40000"/>
+                    <a:lumOff val="60000"/>
+                    <a:alpha val="8000"/>
+                  </a:schemeClr>
+                </a:gs>
+              </a:gsLst>
+              <a:path path="circle">
+                <a:fillToRect l="50000" t="50000" r="50000" b="50000"/>
+              </a:path>
+              <a:tileRect/>
+            </a:gradFill>
+            <a:ln>
+              <a:noFill/>
+            </a:ln>
+            <a:effectLst/>
+          </p:spPr>
+          <p:style>
+            <a:lnRef idx="1">
+              <a:schemeClr val="accent1"/>
+            </a:lnRef>
+            <a:fillRef idx="3">
+              <a:schemeClr val="accent1"/>
+            </a:fillRef>
+            <a:effectRef idx="2">
+              <a:schemeClr val="accent1"/>
+            </a:effectRef>
+            <a:fontRef idx="minor">
+              <a:schemeClr val="lt1"/>
+            </a:fontRef>
+          </p:style>
+        </p:sp>
+        <p:sp>
+          <p:nvSpPr>
+            <p:cNvPr id="30" name="Oval 29">
+              <a:extLst>
+                <a:ext uri="{FF2B5EF4-FFF2-40B4-BE49-F238E27FC236}">
+                  <a16:creationId xmlns:a16="http://schemas.microsoft.com/office/drawing/2014/main" id="{D34C65DE-5132-426E-9E92-81CB9EFF8941}"/>
+                </a:ext>
+                <a:ext uri="{C183D7F6-B498-43B3-948B-1728B52AA6E4}">
+                  <adec:decorative xmlns:adec="http://schemas.microsoft.com/office/drawing/2017/decorative" val="1"/>
+                </a:ext>
+              </a:extLst>
+            </p:cNvPr>
+            <p:cNvSpPr/>
+            <p:nvPr>
+              <p:extLst>
+                <p:ext uri="{386F3935-93C4-4BCD-93E2-E3B085C9AB24}">
+                  <p16:designElem xmlns:p16="http://schemas.microsoft.com/office/powerpoint/2015/main" val="1"/>
+                </p:ext>
+              </p:extLst>
+            </p:nvPr>
+          </p:nvSpPr>
+          <p:spPr>
+            <a:xfrm>
+              <a:off x="8609012" y="1676400"/>
+              <a:ext cx="2819400" cy="2819400"/>
+            </a:xfrm>
+            <a:prstGeom prst="ellipse">
+              <a:avLst/>
+            </a:prstGeom>
+            <a:gradFill flip="none" rotWithShape="1">
+              <a:gsLst>
+                <a:gs pos="0">
+                  <a:schemeClr val="bg2">
+                    <a:lumMod val="40000"/>
+                    <a:lumOff val="60000"/>
+                    <a:alpha val="7000"/>
+                  </a:schemeClr>
+                </a:gs>
+                <a:gs pos="69000">
+                  <a:schemeClr val="bg2">
+                    <a:lumMod val="40000"/>
+                    <a:lumOff val="60000"/>
+                    <a:alpha val="0"/>
+                  </a:schemeClr>
+                </a:gs>
+                <a:gs pos="36000">
+                  <a:schemeClr val="bg2">
+                    <a:lumMod val="40000"/>
+                    <a:lumOff val="60000"/>
+                    <a:alpha val="6000"/>
+                  </a:schemeClr>
+                </a:gs>
+              </a:gsLst>
+              <a:path path="circle">
+                <a:fillToRect l="50000" t="50000" r="50000" b="50000"/>
+              </a:path>
+              <a:tileRect/>
+            </a:gradFill>
+            <a:ln>
+              <a:noFill/>
+            </a:ln>
+            <a:effectLst/>
+          </p:spPr>
+          <p:style>
+            <a:lnRef idx="1">
+              <a:schemeClr val="accent1"/>
+            </a:lnRef>
+            <a:fillRef idx="3">
+              <a:schemeClr val="accent1"/>
+            </a:fillRef>
+            <a:effectRef idx="2">
+              <a:schemeClr val="accent1"/>
+            </a:effectRef>
+            <a:fontRef idx="minor">
+              <a:schemeClr val="lt1"/>
+            </a:fontRef>
+          </p:style>
+        </p:sp>
+        <p:sp>
+          <p:nvSpPr>
+            <p:cNvPr id="31" name="Oval 30">
+              <a:extLst>
+                <a:ext uri="{FF2B5EF4-FFF2-40B4-BE49-F238E27FC236}">
+                  <a16:creationId xmlns:a16="http://schemas.microsoft.com/office/drawing/2014/main" id="{463FE9C4-150E-4C97-A21E-53B7CD261A14}"/>
+                </a:ext>
+                <a:ext uri="{C183D7F6-B498-43B3-948B-1728B52AA6E4}">
+                  <adec:decorative xmlns:adec="http://schemas.microsoft.com/office/drawing/2017/decorative" val="1"/>
+                </a:ext>
+              </a:extLst>
+            </p:cNvPr>
+            <p:cNvSpPr/>
+            <p:nvPr>
+              <p:extLst>
+                <p:ext uri="{386F3935-93C4-4BCD-93E2-E3B085C9AB24}">
+                  <p16:designElem xmlns:p16="http://schemas.microsoft.com/office/powerpoint/2015/main" val="1"/>
+                </p:ext>
+              </p:extLst>
+            </p:nvPr>
+          </p:nvSpPr>
+          <p:spPr>
+            <a:xfrm>
+              <a:off x="7999412" y="-2373"/>
+              <a:ext cx="1600200" cy="1600200"/>
+            </a:xfrm>
+            <a:prstGeom prst="ellipse">
+              <a:avLst/>
+            </a:prstGeom>
+            <a:gradFill flip="none" rotWithShape="1">
+              <a:gsLst>
+                <a:gs pos="0">
+                  <a:schemeClr val="bg2">
+                    <a:lumMod val="40000"/>
+                    <a:lumOff val="60000"/>
+                    <a:alpha val="14000"/>
+                  </a:schemeClr>
+                </a:gs>
+                <a:gs pos="73000">
+                  <a:schemeClr val="bg2">
+                    <a:lumMod val="40000"/>
+                    <a:lumOff val="60000"/>
+                    <a:alpha val="0"/>
+                  </a:schemeClr>
+                </a:gs>
+                <a:gs pos="36000">
+                  <a:schemeClr val="bg2">
+                    <a:lumMod val="40000"/>
+                    <a:lumOff val="60000"/>
+                    <a:alpha val="7000"/>
+                  </a:schemeClr>
+                </a:gs>
+              </a:gsLst>
+              <a:path path="circle">
+                <a:fillToRect l="50000" t="50000" r="50000" b="50000"/>
+              </a:path>
+              <a:tileRect/>
+            </a:gradFill>
+            <a:ln>
+              <a:noFill/>
+            </a:ln>
+            <a:effectLst/>
+          </p:spPr>
+          <p:style>
+            <a:lnRef idx="1">
+              <a:schemeClr val="accent1"/>
+            </a:lnRef>
+            <a:fillRef idx="3">
+              <a:schemeClr val="accent1"/>
+            </a:fillRef>
+            <a:effectRef idx="2">
+              <a:schemeClr val="accent1"/>
+            </a:effectRef>
+            <a:fontRef idx="minor">
+              <a:schemeClr val="lt1"/>
+            </a:fontRef>
+          </p:style>
+        </p:sp>
+        <p:sp>
+          <p:nvSpPr>
+            <p:cNvPr id="32" name="Oval 31">
+              <a:extLst>
+                <a:ext uri="{FF2B5EF4-FFF2-40B4-BE49-F238E27FC236}">
+                  <a16:creationId xmlns:a16="http://schemas.microsoft.com/office/drawing/2014/main" id="{F4DD7FA2-5B3A-4DD2-BA1A-735CC86BAA06}"/>
+                </a:ext>
+                <a:ext uri="{C183D7F6-B498-43B3-948B-1728B52AA6E4}">
+                  <adec:decorative xmlns:adec="http://schemas.microsoft.com/office/drawing/2017/decorative" val="1"/>
+                </a:ext>
+              </a:extLst>
+            </p:cNvPr>
+            <p:cNvSpPr/>
+            <p:nvPr>
+              <p:extLst>
+                <p:ext uri="{386F3935-93C4-4BCD-93E2-E3B085C9AB24}">
+                  <p16:designElem xmlns:p16="http://schemas.microsoft.com/office/powerpoint/2015/main" val="1"/>
+                </p:ext>
+              </p:extLst>
+            </p:nvPr>
+          </p:nvSpPr>
+          <p:spPr>
+            <a:xfrm>
+              <a:off x="8609012" y="5874054"/>
+              <a:ext cx="990600" cy="990600"/>
+            </a:xfrm>
+            <a:prstGeom prst="ellipse">
+              <a:avLst/>
+            </a:prstGeom>
+            <a:gradFill flip="none" rotWithShape="1">
+              <a:gsLst>
+                <a:gs pos="0">
+                  <a:schemeClr val="bg2">
+                    <a:lumMod val="40000"/>
+                    <a:lumOff val="60000"/>
+                    <a:alpha val="14000"/>
+                  </a:schemeClr>
+                </a:gs>
+                <a:gs pos="66000">
+                  <a:schemeClr val="bg2">
+                    <a:lumMod val="40000"/>
+                    <a:lumOff val="60000"/>
+                    <a:alpha val="0"/>
+                  </a:schemeClr>
+                </a:gs>
+                <a:gs pos="36000">
+                  <a:schemeClr val="bg2">
+                    <a:lumMod val="40000"/>
+                    <a:lumOff val="60000"/>
+                    <a:alpha val="7000"/>
+                  </a:schemeClr>
+                </a:gs>
+              </a:gsLst>
+              <a:path path="circle">
+                <a:fillToRect l="50000" t="50000" r="50000" b="50000"/>
+              </a:path>
+              <a:tileRect/>
+            </a:gradFill>
+            <a:ln>
+              <a:noFill/>
+            </a:ln>
+            <a:effectLst/>
+          </p:spPr>
+          <p:style>
+            <a:lnRef idx="1">
+              <a:schemeClr val="accent1"/>
+            </a:lnRef>
+            <a:fillRef idx="3">
+              <a:schemeClr val="accent1"/>
+            </a:fillRef>
+            <a:effectRef idx="2">
+              <a:schemeClr val="accent1"/>
+            </a:effectRef>
+            <a:fontRef idx="minor">
+              <a:schemeClr val="lt1"/>
+            </a:fontRef>
+          </p:style>
+        </p:sp>
+        <p:sp>
+          <p:nvSpPr>
+            <p:cNvPr id="33" name="Freeform 5">
+              <a:extLst>
+                <a:ext uri="{FF2B5EF4-FFF2-40B4-BE49-F238E27FC236}">
+                  <a16:creationId xmlns:a16="http://schemas.microsoft.com/office/drawing/2014/main" id="{B11D6824-D097-439B-9956-5436E5111A9B}"/>
+                </a:ext>
+                <a:ext uri="{C183D7F6-B498-43B3-948B-1728B52AA6E4}">
+                  <adec:decorative xmlns:adec="http://schemas.microsoft.com/office/drawing/2017/decorative" val="1"/>
+                </a:ext>
+              </a:extLst>
+            </p:cNvPr>
+            <p:cNvSpPr>
+              <a:spLocks noEditPoints="1"/>
+            </p:cNvSpPr>
+            <p:nvPr>
+              <p:extLst>
+                <p:ext uri="{386F3935-93C4-4BCD-93E2-E3B085C9AB24}">
+                  <p16:designElem xmlns:p16="http://schemas.microsoft.com/office/powerpoint/2015/main" val="1"/>
+                </p:ext>
+              </p:extLst>
+            </p:nvPr>
+          </p:nvSpPr>
+          <p:spPr bwMode="gray">
+            <a:xfrm>
+              <a:off x="0" y="1587"/>
+              <a:ext cx="12192000" cy="6856413"/>
+            </a:xfrm>
+            <a:custGeom>
+              <a:avLst/>
+              <a:gdLst/>
+              <a:ahLst/>
+              <a:cxnLst/>
+              <a:rect l="0" t="0" r="r" b="b"/>
+              <a:pathLst>
+                <a:path w="15356" h="8638">
+                  <a:moveTo>
+                    <a:pt x="0" y="0"/>
+                  </a:moveTo>
+                  <a:lnTo>
+                    <a:pt x="0" y="8638"/>
+                  </a:lnTo>
+                  <a:lnTo>
+                    <a:pt x="15356" y="8638"/>
+                  </a:lnTo>
+                  <a:lnTo>
+                    <a:pt x="15356" y="0"/>
+                  </a:lnTo>
+                  <a:lnTo>
+                    <a:pt x="0" y="0"/>
+                  </a:lnTo>
+                  <a:close/>
+                  <a:moveTo>
+                    <a:pt x="14748" y="8038"/>
+                  </a:moveTo>
+                  <a:lnTo>
+                    <a:pt x="600" y="8038"/>
+                  </a:lnTo>
+                  <a:lnTo>
+                    <a:pt x="600" y="592"/>
+                  </a:lnTo>
+                  <a:lnTo>
+                    <a:pt x="14748" y="592"/>
+                  </a:lnTo>
+                  <a:lnTo>
+                    <a:pt x="14748" y="8038"/>
+                  </a:lnTo>
+                  <a:close/>
+                </a:path>
+              </a:pathLst>
+            </a:custGeom>
+            <a:solidFill>
+              <a:schemeClr val="bg1"/>
+            </a:solidFill>
+            <a:ln>
+              <a:noFill/>
+            </a:ln>
+          </p:spPr>
+        </p:sp>
+      </p:grpSp>
+      <p:sp>
+        <p:nvSpPr>
+          <p:cNvPr id="35" name="Rectangle 34">
+            <a:extLst>
+              <a:ext uri="{FF2B5EF4-FFF2-40B4-BE49-F238E27FC236}">
+                <a16:creationId xmlns:a16="http://schemas.microsoft.com/office/drawing/2014/main" id="{5669AB50-4CAD-4D10-A09A-A0C01AF9E6F6}"/>
+              </a:ext>
+              <a:ext uri="{C183D7F6-B498-43B3-948B-1728B52AA6E4}">
+                <adec:decorative xmlns:adec="http://schemas.microsoft.com/office/drawing/2017/decorative" val="1"/>
+              </a:ext>
+            </a:extLst>
+          </p:cNvPr>
+          <p:cNvSpPr>
+            <a:spLocks noGrp="1" noRot="1" noChangeAspect="1" noMove="1" noResize="1" noEditPoints="1" noAdjustHandles="1" noChangeArrowheads="1" noChangeShapeType="1" noTextEdit="1"/>
+          </p:cNvSpPr>
+          <p:nvPr>
+            <p:extLst>
+              <p:ext uri="{386F3935-93C4-4BCD-93E2-E3B085C9AB24}">
+                <p16:designElem xmlns:p16="http://schemas.microsoft.com/office/powerpoint/2015/main" val="1"/>
+              </p:ext>
+            </p:extLst>
+          </p:nvPr>
+        </p:nvSpPr>
+        <p:spPr>
+          <a:xfrm>
+            <a:off x="10437812" y="0"/>
+            <a:ext cx="685800" cy="1143000"/>
+          </a:xfrm>
+          <a:prstGeom prst="rect">
+            <a:avLst/>
+          </a:prstGeom>
+          <a:solidFill>
+            <a:schemeClr val="accent1"/>
+          </a:solidFill>
+          <a:ln>
+            <a:noFill/>
+          </a:ln>
+        </p:spPr>
+        <p:style>
+          <a:lnRef idx="1">
+            <a:schemeClr val="accent1"/>
+          </a:lnRef>
+          <a:fillRef idx="3">
+            <a:schemeClr val="accent1"/>
+          </a:fillRef>
+          <a:effectRef idx="2">
+            <a:schemeClr val="accent1"/>
+          </a:effectRef>
+          <a:fontRef idx="minor">
+            <a:schemeClr val="lt1"/>
+          </a:fontRef>
+        </p:style>
+      </p:sp>
+      <p:sp>
+        <p:nvSpPr>
+          <p:cNvPr id="2" name="제목 1">
+            <a:extLst>
+              <a:ext uri="{FF2B5EF4-FFF2-40B4-BE49-F238E27FC236}">
+                <a16:creationId xmlns:a16="http://schemas.microsoft.com/office/drawing/2014/main" id="{8C6C9B06-A720-45A8-8926-A624A9143055}"/>
+              </a:ext>
+            </a:extLst>
+          </p:cNvPr>
+          <p:cNvSpPr>
+            <a:spLocks noGrp="1"/>
+          </p:cNvSpPr>
+          <p:nvPr>
+            <p:ph type="title"/>
+          </p:nvPr>
+        </p:nvSpPr>
+        <p:spPr>
+          <a:xfrm>
+            <a:off x="8160773" y="1113062"/>
+            <a:ext cx="3382297" cy="3281957"/>
+          </a:xfrm>
+        </p:spPr>
+        <p:txBody>
+          <a:bodyPr vert="horz" lIns="91440" tIns="45720" rIns="91440" bIns="45720" rtlCol="0" anchor="b">
+            <a:normAutofit/>
+          </a:bodyPr>
+          <a:lstStyle/>
+          <a:p>
+            <a:pPr latinLnBrk="0"/>
+            <a:r>
+              <a:rPr lang="ko-KR" altLang="en-US" sz="5400" b="0" i="0" kern="1200" dirty="0">
+                <a:solidFill>
+                  <a:schemeClr val="bg2"/>
+                </a:solidFill>
+                <a:latin typeface="+mj-lt"/>
+                <a:ea typeface="+mj-ea"/>
+                <a:cs typeface="+mj-cs"/>
+              </a:rPr>
+              <a:t>전체 일정</a:t>
+            </a:r>
+          </a:p>
+        </p:txBody>
+      </p:sp>
+      <p:sp>
+        <p:nvSpPr>
+          <p:cNvPr id="4" name="슬라이드 번호 개체 틀 3">
+            <a:extLst>
+              <a:ext uri="{FF2B5EF4-FFF2-40B4-BE49-F238E27FC236}">
+                <a16:creationId xmlns:a16="http://schemas.microsoft.com/office/drawing/2014/main" id="{9D1A659F-7ED5-469E-AD8C-7EF7707ED99F}"/>
+              </a:ext>
+            </a:extLst>
+          </p:cNvPr>
+          <p:cNvSpPr>
+            <a:spLocks noGrp="1"/>
+          </p:cNvSpPr>
+          <p:nvPr>
+            <p:ph type="sldNum" sz="quarter" idx="12"/>
+          </p:nvPr>
+        </p:nvSpPr>
+        <p:spPr>
+          <a:xfrm>
+            <a:off x="10342708" y="295729"/>
+            <a:ext cx="838199" cy="767687"/>
+          </a:xfrm>
+        </p:spPr>
+        <p:txBody>
+          <a:bodyPr vert="horz" lIns="91440" tIns="45720" rIns="91440" bIns="45720" rtlCol="0" anchor="b">
+            <a:normAutofit/>
+          </a:bodyPr>
+          <a:lstStyle/>
+          <a:p>
+            <a:pPr defTabSz="914400">
+              <a:spcAft>
+                <a:spcPts val="600"/>
+              </a:spcAft>
+            </a:pPr>
+            <a:fld id="{D57F1E4F-1CFF-5643-939E-217C01CDF565}" type="slidenum">
+              <a:rPr lang="en-US" smtClean="0">
+                <a:latin typeface="+mj-lt"/>
+              </a:rPr>
+              <a:pPr defTabSz="914400">
+                <a:spcAft>
+                  <a:spcPts val="600"/>
+                </a:spcAft>
+              </a:pPr>
+              <a:t>20</a:t>
+            </a:fld>
+            <a:endParaRPr lang="en-US">
+              <a:latin typeface="+mj-lt"/>
+            </a:endParaRPr>
+          </a:p>
+        </p:txBody>
+      </p:sp>
+      <p:pic>
+        <p:nvPicPr>
+          <p:cNvPr id="19" name="내용 개체 틀 18">
+            <a:extLst>
+              <a:ext uri="{FF2B5EF4-FFF2-40B4-BE49-F238E27FC236}">
+                <a16:creationId xmlns:a16="http://schemas.microsoft.com/office/drawing/2014/main" id="{59F22AF2-4031-43B8-8AC1-75612331305E}"/>
+              </a:ext>
+            </a:extLst>
+          </p:cNvPr>
+          <p:cNvPicPr>
+            <a:picLocks noGrp="1" noChangeAspect="1"/>
+          </p:cNvPicPr>
+          <p:nvPr>
+            <p:ph idx="1"/>
+          </p:nvPr>
+        </p:nvPicPr>
+        <p:blipFill>
+          <a:blip r:embed="rId3">
+            <a:extLst>
+              <a:ext uri="{28A0092B-C50C-407E-A947-70E740481C1C}">
+                <a14:useLocalDpi xmlns:a14="http://schemas.microsoft.com/office/drawing/2010/main" val="0"/>
+              </a:ext>
+            </a:extLst>
+          </a:blip>
+          <a:stretch>
+            <a:fillRect/>
+          </a:stretch>
+        </p:blipFill>
+        <p:spPr>
+          <a:xfrm>
+            <a:off x="592012" y="1868049"/>
+            <a:ext cx="7700411" cy="3638445"/>
+          </a:xfrm>
+          <a:prstGeom prst="roundRect">
+            <a:avLst>
+              <a:gd name="adj" fmla="val 1858"/>
+            </a:avLst>
+          </a:prstGeom>
+          <a:effectLst>
+            <a:outerShdw blurRad="50800" dist="50800" dir="5400000" algn="tl" rotWithShape="0">
+              <a:srgbClr val="000000">
+                <a:alpha val="43000"/>
+              </a:srgbClr>
+            </a:outerShdw>
+          </a:effectLst>
+        </p:spPr>
+      </p:pic>
+      <p:sp>
+        <p:nvSpPr>
+          <p:cNvPr id="21" name="CustomShape 7">
+            <a:extLst>
+              <a:ext uri="{FF2B5EF4-FFF2-40B4-BE49-F238E27FC236}">
+                <a16:creationId xmlns:a16="http://schemas.microsoft.com/office/drawing/2014/main" id="{543BDE29-3C0C-4D5D-9AA1-299A446ADA36}"/>
+              </a:ext>
+            </a:extLst>
+          </p:cNvPr>
+          <p:cNvSpPr/>
+          <p:nvPr/>
+        </p:nvSpPr>
+        <p:spPr>
+          <a:xfrm>
+            <a:off x="7397185" y="1302503"/>
+            <a:ext cx="504247" cy="558892"/>
+          </a:xfrm>
+          <a:prstGeom prst="downArrow">
+            <a:avLst>
+              <a:gd name="adj1" fmla="val 50000"/>
+              <a:gd name="adj2" fmla="val 50000"/>
+            </a:avLst>
+          </a:prstGeom>
+          <a:solidFill>
+            <a:schemeClr val="accent2"/>
+          </a:solidFill>
+          <a:ln>
+            <a:noFill/>
+          </a:ln>
+        </p:spPr>
+        <p:style>
+          <a:lnRef idx="2">
+            <a:schemeClr val="accent1">
+              <a:shade val="50000"/>
+            </a:schemeClr>
+          </a:lnRef>
+          <a:fillRef idx="1">
+            <a:schemeClr val="accent1"/>
+          </a:fillRef>
+          <a:effectRef idx="0">
+            <a:schemeClr val="accent1"/>
+          </a:effectRef>
+          <a:fontRef idx="minor"/>
+        </p:style>
+      </p:sp>
+    </p:spTree>
+    <p:extLst>
+      <p:ext uri="{BB962C8B-B14F-4D97-AF65-F5344CB8AC3E}">
+        <p14:creationId xmlns:p14="http://schemas.microsoft.com/office/powerpoint/2010/main" val="3478757257"/>
+      </p:ext>
+    </p:extLst>
+  </p:cSld>
+  <p:clrMapOvr>
+    <a:masterClrMapping/>
+  </p:clrMapOvr>
+</p:sld>
+</file>
+
+<file path=ppt/slides/slide21.xml><?xml version="1.0" encoding="utf-8"?>
+<p:sld xmlns:a="http://schemas.openxmlformats.org/drawingml/2006/main" xmlns:r="http://schemas.openxmlformats.org/officeDocument/2006/relationships" xmlns:p="http://schemas.openxmlformats.org/presentationml/2006/main">
+  <p:cSld>
+    <p:spTree>
+      <p:nvGrpSpPr>
+        <p:cNvPr id="1" name=""/>
+        <p:cNvGrpSpPr/>
+        <p:nvPr/>
+      </p:nvGrpSpPr>
+      <p:grpSpPr>
+        <a:xfrm>
+          <a:off x="0" y="0"/>
+          <a:ext cx="0" cy="0"/>
+          <a:chOff x="0" y="0"/>
+          <a:chExt cx="0" cy="0"/>
+        </a:xfrm>
+      </p:grpSpPr>
+      <p:sp>
+        <p:nvSpPr>
+          <p:cNvPr id="2" name="제목 1">
+            <a:extLst>
+              <a:ext uri="{FF2B5EF4-FFF2-40B4-BE49-F238E27FC236}">
+                <a16:creationId xmlns:a16="http://schemas.microsoft.com/office/drawing/2014/main" id="{45824920-0EC6-4BAF-A33C-E094CD622085}"/>
+              </a:ext>
+            </a:extLst>
+          </p:cNvPr>
+          <p:cNvSpPr>
+            <a:spLocks noGrp="1"/>
+          </p:cNvSpPr>
+          <p:nvPr>
+            <p:ph type="title"/>
+          </p:nvPr>
+        </p:nvSpPr>
+        <p:spPr/>
+        <p:txBody>
+          <a:bodyPr/>
+          <a:lstStyle/>
+          <a:p>
+            <a:r>
+              <a:rPr lang="ko-KR" altLang="en-US" dirty="0"/>
+              <a:t>질의응답</a:t>
+            </a:r>
+          </a:p>
+        </p:txBody>
+      </p:sp>
+      <p:sp>
+        <p:nvSpPr>
+          <p:cNvPr id="3" name="내용 개체 틀 2">
+            <a:extLst>
+              <a:ext uri="{FF2B5EF4-FFF2-40B4-BE49-F238E27FC236}">
+                <a16:creationId xmlns:a16="http://schemas.microsoft.com/office/drawing/2014/main" id="{F3EE0794-B04A-474D-81E1-881C07344F12}"/>
+              </a:ext>
+            </a:extLst>
+          </p:cNvPr>
+          <p:cNvSpPr>
+            <a:spLocks noGrp="1"/>
+          </p:cNvSpPr>
+          <p:nvPr>
+            <p:ph idx="1"/>
+          </p:nvPr>
+        </p:nvSpPr>
+        <p:spPr/>
+        <p:txBody>
+          <a:bodyPr/>
+          <a:lstStyle/>
+          <a:p>
+            <a:endParaRPr lang="ko-KR" altLang="en-US"/>
+          </a:p>
+        </p:txBody>
+      </p:sp>
+      <p:sp>
+        <p:nvSpPr>
+          <p:cNvPr id="4" name="슬라이드 번호 개체 틀 3">
+            <a:extLst>
+              <a:ext uri="{FF2B5EF4-FFF2-40B4-BE49-F238E27FC236}">
+                <a16:creationId xmlns:a16="http://schemas.microsoft.com/office/drawing/2014/main" id="{93A5935B-BAE9-426A-B99B-4214D79AB2C9}"/>
+              </a:ext>
+            </a:extLst>
+          </p:cNvPr>
+          <p:cNvSpPr>
+            <a:spLocks noGrp="1"/>
+          </p:cNvSpPr>
+          <p:nvPr>
+            <p:ph type="sldNum" sz="quarter" idx="12"/>
+          </p:nvPr>
+        </p:nvSpPr>
+        <p:spPr/>
+        <p:txBody>
+          <a:bodyPr/>
+          <a:lstStyle/>
+          <a:p>
+            <a:fld id="{D57F1E4F-1CFF-5643-939E-217C01CDF565}" type="slidenum">
+              <a:rPr lang="en-US" smtClean="0"/>
+              <a:pPr/>
+              <a:t>21</a:t>
+            </a:fld>
+            <a:endParaRPr lang="en-US" dirty="0"/>
+          </a:p>
+        </p:txBody>
+      </p:sp>
+    </p:spTree>
+    <p:extLst>
+      <p:ext uri="{BB962C8B-B14F-4D97-AF65-F5344CB8AC3E}">
+        <p14:creationId xmlns:p14="http://schemas.microsoft.com/office/powerpoint/2010/main" val="2120597515"/>
       </p:ext>
     </p:extLst>
   </p:cSld>
@@ -29768,6 +33402,447 @@
       </p:grpSpPr>
       <p:sp>
         <p:nvSpPr>
+          <p:cNvPr id="2" name="제목 1">
+            <a:extLst>
+              <a:ext uri="{FF2B5EF4-FFF2-40B4-BE49-F238E27FC236}">
+                <a16:creationId xmlns:a16="http://schemas.microsoft.com/office/drawing/2014/main" id="{46545100-1ADD-4A1A-8606-7D2674E7224A}"/>
+              </a:ext>
+            </a:extLst>
+          </p:cNvPr>
+          <p:cNvSpPr>
+            <a:spLocks noGrp="1"/>
+          </p:cNvSpPr>
+          <p:nvPr>
+            <p:ph type="title"/>
+          </p:nvPr>
+        </p:nvSpPr>
+        <p:spPr/>
+        <p:txBody>
+          <a:bodyPr/>
+          <a:lstStyle/>
+          <a:p>
+            <a:r>
+              <a:rPr lang="ko-KR" altLang="en-US" dirty="0"/>
+              <a:t>진행 상황</a:t>
+            </a:r>
+          </a:p>
+        </p:txBody>
+      </p:sp>
+      <p:sp>
+        <p:nvSpPr>
+          <p:cNvPr id="4" name="슬라이드 번호 개체 틀 3">
+            <a:extLst>
+              <a:ext uri="{FF2B5EF4-FFF2-40B4-BE49-F238E27FC236}">
+                <a16:creationId xmlns:a16="http://schemas.microsoft.com/office/drawing/2014/main" id="{A0209658-E7C4-4222-BFC4-9BC465C04A5D}"/>
+              </a:ext>
+            </a:extLst>
+          </p:cNvPr>
+          <p:cNvSpPr>
+            <a:spLocks noGrp="1"/>
+          </p:cNvSpPr>
+          <p:nvPr>
+            <p:ph type="sldNum" sz="quarter" idx="12"/>
+          </p:nvPr>
+        </p:nvSpPr>
+        <p:spPr/>
+        <p:txBody>
+          <a:bodyPr/>
+          <a:lstStyle/>
+          <a:p>
+            <a:fld id="{D57F1E4F-1CFF-5643-939E-217C01CDF565}" type="slidenum">
+              <a:rPr lang="en-US" smtClean="0"/>
+              <a:pPr/>
+              <a:t>8</a:t>
+            </a:fld>
+            <a:endParaRPr lang="en-US" dirty="0"/>
+          </a:p>
+        </p:txBody>
+      </p:sp>
+      <p:sp>
+        <p:nvSpPr>
+          <p:cNvPr id="5" name="CustomShape 3">
+            <a:extLst>
+              <a:ext uri="{FF2B5EF4-FFF2-40B4-BE49-F238E27FC236}">
+                <a16:creationId xmlns:a16="http://schemas.microsoft.com/office/drawing/2014/main" id="{4641CE59-A8A3-4D2A-9840-6643A55F889E}"/>
+              </a:ext>
+            </a:extLst>
+          </p:cNvPr>
+          <p:cNvSpPr/>
+          <p:nvPr/>
+        </p:nvSpPr>
+        <p:spPr>
+          <a:xfrm>
+            <a:off x="350440" y="3710520"/>
+            <a:ext cx="1383319" cy="2407680"/>
+          </a:xfrm>
+          <a:prstGeom prst="rect">
+            <a:avLst/>
+          </a:prstGeom>
+          <a:noFill/>
+          <a:ln>
+            <a:noFill/>
+          </a:ln>
+        </p:spPr>
+        <p:style>
+          <a:lnRef idx="0">
+            <a:scrgbClr r="0" g="0" b="0"/>
+          </a:lnRef>
+          <a:fillRef idx="0">
+            <a:scrgbClr r="0" g="0" b="0"/>
+          </a:fillRef>
+          <a:effectRef idx="0">
+            <a:scrgbClr r="0" g="0" b="0"/>
+          </a:effectRef>
+          <a:fontRef idx="minor"/>
+        </p:style>
+        <p:txBody>
+          <a:bodyPr lIns="0" tIns="0" rIns="0" bIns="0"/>
+          <a:lstStyle/>
+          <a:p>
+            <a:pPr>
+              <a:lnSpc>
+                <a:spcPts val="18499"/>
+              </a:lnSpc>
+            </a:pPr>
+            <a:endParaRPr lang="en-US" sz="18500" b="0" strike="noStrike" spc="-1" dirty="0">
+              <a:latin typeface="Times New Roman"/>
+            </a:endParaRPr>
+          </a:p>
+        </p:txBody>
+      </p:sp>
+      <p:grpSp>
+        <p:nvGrpSpPr>
+          <p:cNvPr id="15" name="그룹 14">
+            <a:extLst>
+              <a:ext uri="{FF2B5EF4-FFF2-40B4-BE49-F238E27FC236}">
+                <a16:creationId xmlns:a16="http://schemas.microsoft.com/office/drawing/2014/main" id="{4B0454C5-D96F-4E48-9B54-A4F648E22F92}"/>
+              </a:ext>
+            </a:extLst>
+          </p:cNvPr>
+          <p:cNvGrpSpPr/>
+          <p:nvPr/>
+        </p:nvGrpSpPr>
+        <p:grpSpPr>
+          <a:xfrm>
+            <a:off x="718779" y="1658577"/>
+            <a:ext cx="7814942" cy="5199423"/>
+            <a:chOff x="2589779" y="1838314"/>
+            <a:chExt cx="7814942" cy="5199423"/>
+          </a:xfrm>
+        </p:grpSpPr>
+        <p:pic>
+          <p:nvPicPr>
+            <p:cNvPr id="6" name="그림 5">
+              <a:extLst>
+                <a:ext uri="{FF2B5EF4-FFF2-40B4-BE49-F238E27FC236}">
+                  <a16:creationId xmlns:a16="http://schemas.microsoft.com/office/drawing/2014/main" id="{0B88AF75-DCE7-4CB6-AEFF-C0F4F05B2E21}"/>
+                </a:ext>
+              </a:extLst>
+            </p:cNvPr>
+            <p:cNvPicPr>
+              <a:picLocks noChangeAspect="1"/>
+            </p:cNvPicPr>
+            <p:nvPr/>
+          </p:nvPicPr>
+          <p:blipFill>
+            <a:blip r:embed="rId2"/>
+            <a:stretch>
+              <a:fillRect/>
+            </a:stretch>
+          </p:blipFill>
+          <p:spPr>
+            <a:xfrm>
+              <a:off x="3960707" y="1838314"/>
+              <a:ext cx="6444014" cy="5199423"/>
+            </a:xfrm>
+            <a:prstGeom prst="rect">
+              <a:avLst/>
+            </a:prstGeom>
+          </p:spPr>
+        </p:pic>
+        <p:sp>
+          <p:nvSpPr>
+            <p:cNvPr id="7" name="TextBox 6">
+              <a:extLst>
+                <a:ext uri="{FF2B5EF4-FFF2-40B4-BE49-F238E27FC236}">
+                  <a16:creationId xmlns:a16="http://schemas.microsoft.com/office/drawing/2014/main" id="{E25FF24E-0903-4BA2-99BD-6A88D5E55D1D}"/>
+                </a:ext>
+              </a:extLst>
+            </p:cNvPr>
+            <p:cNvSpPr txBox="1"/>
+            <p:nvPr/>
+          </p:nvSpPr>
+          <p:spPr>
+            <a:xfrm>
+              <a:off x="2589779" y="3216298"/>
+              <a:ext cx="1276473" cy="954107"/>
+            </a:xfrm>
+            <a:prstGeom prst="rect">
+              <a:avLst/>
+            </a:prstGeom>
+            <a:noFill/>
+          </p:spPr>
+          <p:txBody>
+            <a:bodyPr wrap="square" rtlCol="0">
+              <a:spAutoFit/>
+            </a:bodyPr>
+            <a:lstStyle/>
+            <a:p>
+              <a:pPr algn="ctr"/>
+              <a:r>
+                <a:rPr lang="ko-KR" altLang="en-US" sz="2800" dirty="0">
+                  <a:solidFill>
+                    <a:srgbClr val="745EA8"/>
+                  </a:solidFill>
+                </a:rPr>
+                <a:t>상품 인덱스</a:t>
+              </a:r>
+            </a:p>
+          </p:txBody>
+        </p:sp>
+        <p:sp>
+          <p:nvSpPr>
+            <p:cNvPr id="8" name="왼쪽 중괄호 7">
+              <a:extLst>
+                <a:ext uri="{FF2B5EF4-FFF2-40B4-BE49-F238E27FC236}">
+                  <a16:creationId xmlns:a16="http://schemas.microsoft.com/office/drawing/2014/main" id="{9FEC6874-FF12-4C10-979D-291FA26B929D}"/>
+                </a:ext>
+              </a:extLst>
+            </p:cNvPr>
+            <p:cNvSpPr/>
+            <p:nvPr/>
+          </p:nvSpPr>
+          <p:spPr>
+            <a:xfrm>
+              <a:off x="4005288" y="3330141"/>
+              <a:ext cx="507178" cy="638339"/>
+            </a:xfrm>
+            <a:prstGeom prst="leftBrace">
+              <a:avLst/>
+            </a:prstGeom>
+          </p:spPr>
+          <p:style>
+            <a:lnRef idx="1">
+              <a:schemeClr val="accent1"/>
+            </a:lnRef>
+            <a:fillRef idx="0">
+              <a:schemeClr val="accent1"/>
+            </a:fillRef>
+            <a:effectRef idx="0">
+              <a:schemeClr val="accent1"/>
+            </a:effectRef>
+            <a:fontRef idx="minor">
+              <a:schemeClr val="tx1"/>
+            </a:fontRef>
+          </p:style>
+          <p:txBody>
+            <a:bodyPr rtlCol="0" anchor="ctr"/>
+            <a:lstStyle/>
+            <a:p>
+              <a:pPr algn="ctr"/>
+              <a:endParaRPr lang="ko-KR" altLang="en-US"/>
+            </a:p>
+          </p:txBody>
+        </p:sp>
+        <p:sp>
+          <p:nvSpPr>
+            <p:cNvPr id="9" name="TextBox 8">
+              <a:extLst>
+                <a:ext uri="{FF2B5EF4-FFF2-40B4-BE49-F238E27FC236}">
+                  <a16:creationId xmlns:a16="http://schemas.microsoft.com/office/drawing/2014/main" id="{9FF49455-740B-49DE-AE3E-9172085D89A5}"/>
+                </a:ext>
+              </a:extLst>
+            </p:cNvPr>
+            <p:cNvSpPr txBox="1"/>
+            <p:nvPr/>
+          </p:nvSpPr>
+          <p:spPr>
+            <a:xfrm>
+              <a:off x="2589780" y="2293430"/>
+              <a:ext cx="1276473" cy="954107"/>
+            </a:xfrm>
+            <a:prstGeom prst="rect">
+              <a:avLst/>
+            </a:prstGeom>
+            <a:noFill/>
+          </p:spPr>
+          <p:txBody>
+            <a:bodyPr wrap="square" rtlCol="0">
+              <a:spAutoFit/>
+            </a:bodyPr>
+            <a:lstStyle/>
+            <a:p>
+              <a:r>
+                <a:rPr lang="ko-KR" altLang="en-US" sz="2800" dirty="0">
+                  <a:solidFill>
+                    <a:srgbClr val="745EA8"/>
+                  </a:solidFill>
+                </a:rPr>
+                <a:t>가판대 인덱스</a:t>
+              </a:r>
+            </a:p>
+          </p:txBody>
+        </p:sp>
+        <p:sp>
+          <p:nvSpPr>
+            <p:cNvPr id="10" name="왼쪽 중괄호 9">
+              <a:extLst>
+                <a:ext uri="{FF2B5EF4-FFF2-40B4-BE49-F238E27FC236}">
+                  <a16:creationId xmlns:a16="http://schemas.microsoft.com/office/drawing/2014/main" id="{3C705353-A5C3-4C40-8EF9-F52D0628FDBB}"/>
+                </a:ext>
+              </a:extLst>
+            </p:cNvPr>
+            <p:cNvSpPr/>
+            <p:nvPr/>
+          </p:nvSpPr>
+          <p:spPr>
+            <a:xfrm>
+              <a:off x="3878729" y="2603500"/>
+              <a:ext cx="538429" cy="280625"/>
+            </a:xfrm>
+            <a:prstGeom prst="leftBrace">
+              <a:avLst/>
+            </a:prstGeom>
+          </p:spPr>
+          <p:style>
+            <a:lnRef idx="1">
+              <a:schemeClr val="accent1"/>
+            </a:lnRef>
+            <a:fillRef idx="0">
+              <a:schemeClr val="accent1"/>
+            </a:fillRef>
+            <a:effectRef idx="0">
+              <a:schemeClr val="accent1"/>
+            </a:effectRef>
+            <a:fontRef idx="minor">
+              <a:schemeClr val="tx1"/>
+            </a:fontRef>
+          </p:style>
+          <p:txBody>
+            <a:bodyPr rtlCol="0" anchor="ctr"/>
+            <a:lstStyle/>
+            <a:p>
+              <a:pPr algn="ctr"/>
+              <a:endParaRPr lang="ko-KR" altLang="en-US"/>
+            </a:p>
+          </p:txBody>
+        </p:sp>
+      </p:grpSp>
+      <p:sp>
+        <p:nvSpPr>
+          <p:cNvPr id="11" name="TextBox 10">
+            <a:extLst>
+              <a:ext uri="{FF2B5EF4-FFF2-40B4-BE49-F238E27FC236}">
+                <a16:creationId xmlns:a16="http://schemas.microsoft.com/office/drawing/2014/main" id="{187FD818-8558-48E6-9EC3-A6B7620946DA}"/>
+              </a:ext>
+            </a:extLst>
+          </p:cNvPr>
+          <p:cNvSpPr txBox="1"/>
+          <p:nvPr/>
+        </p:nvSpPr>
+        <p:spPr>
+          <a:xfrm>
+            <a:off x="8425816" y="4031791"/>
+            <a:ext cx="1771788" cy="523220"/>
+          </a:xfrm>
+          <a:prstGeom prst="rect">
+            <a:avLst/>
+          </a:prstGeom>
+          <a:noFill/>
+        </p:spPr>
+        <p:txBody>
+          <a:bodyPr wrap="square" rtlCol="0">
+            <a:spAutoFit/>
+          </a:bodyPr>
+          <a:lstStyle/>
+          <a:p>
+            <a:r>
+              <a:rPr lang="ko-KR" altLang="en-US" sz="2800" dirty="0">
+                <a:solidFill>
+                  <a:srgbClr val="745EA8"/>
+                </a:solidFill>
+              </a:rPr>
+              <a:t>층 인덱스</a:t>
+            </a:r>
+          </a:p>
+        </p:txBody>
+      </p:sp>
+      <p:sp>
+        <p:nvSpPr>
+          <p:cNvPr id="12" name="왼쪽 중괄호 11">
+            <a:extLst>
+              <a:ext uri="{FF2B5EF4-FFF2-40B4-BE49-F238E27FC236}">
+                <a16:creationId xmlns:a16="http://schemas.microsoft.com/office/drawing/2014/main" id="{DC5830E8-A8EA-4836-B846-55D8C56B8D31}"/>
+              </a:ext>
+            </a:extLst>
+          </p:cNvPr>
+          <p:cNvSpPr/>
+          <p:nvPr/>
+        </p:nvSpPr>
+        <p:spPr>
+          <a:xfrm flipH="1">
+            <a:off x="7894917" y="2014071"/>
+            <a:ext cx="505248" cy="4558661"/>
+          </a:xfrm>
+          <a:prstGeom prst="leftBrace">
+            <a:avLst/>
+          </a:prstGeom>
+        </p:spPr>
+        <p:style>
+          <a:lnRef idx="1">
+            <a:schemeClr val="accent1"/>
+          </a:lnRef>
+          <a:fillRef idx="0">
+            <a:schemeClr val="accent1"/>
+          </a:fillRef>
+          <a:effectRef idx="0">
+            <a:schemeClr val="accent1"/>
+          </a:effectRef>
+          <a:fontRef idx="minor">
+            <a:schemeClr val="tx1"/>
+          </a:fontRef>
+        </p:style>
+        <p:txBody>
+          <a:bodyPr rtlCol="0" anchor="ctr"/>
+          <a:lstStyle/>
+          <a:p>
+            <a:pPr algn="ctr"/>
+            <a:endParaRPr lang="ko-KR" altLang="en-US"/>
+          </a:p>
+        </p:txBody>
+      </p:sp>
+    </p:spTree>
+    <p:extLst>
+      <p:ext uri="{BB962C8B-B14F-4D97-AF65-F5344CB8AC3E}">
+        <p14:creationId xmlns:p14="http://schemas.microsoft.com/office/powerpoint/2010/main" val="1925684622"/>
+      </p:ext>
+    </p:extLst>
+  </p:cSld>
+  <p:clrMapOvr>
+    <a:masterClrMapping/>
+  </p:clrMapOvr>
+</p:sld>
+</file>
+
+<file path=ppt/slides/slide9.xml><?xml version="1.0" encoding="utf-8"?>
+<p:sld xmlns:a="http://schemas.openxmlformats.org/drawingml/2006/main" xmlns:r="http://schemas.openxmlformats.org/officeDocument/2006/relationships" xmlns:p="http://schemas.openxmlformats.org/presentationml/2006/main">
+  <p:cSld>
+    <p:spTree>
+      <p:nvGrpSpPr>
+        <p:cNvPr id="1" name=""/>
+        <p:cNvGrpSpPr/>
+        <p:nvPr/>
+      </p:nvGrpSpPr>
+      <p:grpSpPr>
+        <a:xfrm>
+          <a:off x="0" y="0"/>
+          <a:ext cx="0" cy="0"/>
+          <a:chOff x="0" y="0"/>
+          <a:chExt cx="0" cy="0"/>
+        </a:xfrm>
+      </p:grpSpPr>
+      <p:sp>
+        <p:nvSpPr>
           <p:cNvPr id="4" name="슬라이드 번호 개체 틀 3">
             <a:extLst>
               <a:ext uri="{FF2B5EF4-FFF2-40B4-BE49-F238E27FC236}">
@@ -29790,7 +33865,7 @@
             <a:fld id="{D57F1E4F-1CFF-5643-939E-217C01CDF565}" type="slidenum">
               <a:rPr lang="en-US" smtClean="0"/>
               <a:pPr/>
-              <a:t>8</a:t>
+              <a:t>9</a:t>
             </a:fld>
             <a:endParaRPr lang="en-US" dirty="0"/>
           </a:p>
@@ -30142,7 +34217,7 @@
           <p:nvPr>
             <p:extLst>
               <p:ext uri="{D42A27DB-BD31-4B8C-83A1-F6EECF244321}">
-                <p14:modId xmlns:p14="http://schemas.microsoft.com/office/powerpoint/2010/main" val="2616647020"/>
+                <p14:modId xmlns:p14="http://schemas.microsoft.com/office/powerpoint/2010/main" val="3133526508"/>
               </p:ext>
             </p:extLst>
           </p:nvPr>
@@ -30257,127 +34332,54 @@
           </a:p>
         </p:txBody>
       </p:sp>
+      <p:cxnSp>
+        <p:nvCxnSpPr>
+          <p:cNvPr id="37" name="연결선: 꺾임 36">
+            <a:extLst>
+              <a:ext uri="{FF2B5EF4-FFF2-40B4-BE49-F238E27FC236}">
+                <a16:creationId xmlns:a16="http://schemas.microsoft.com/office/drawing/2014/main" id="{943986FE-481A-45A4-B30C-084C1D28C388}"/>
+              </a:ext>
+            </a:extLst>
+          </p:cNvPr>
+          <p:cNvCxnSpPr>
+            <a:cxnSpLocks/>
+          </p:cNvCxnSpPr>
+          <p:nvPr/>
+        </p:nvCxnSpPr>
+        <p:spPr>
+          <a:xfrm rot="5400000">
+            <a:off x="-51183" y="2265330"/>
+            <a:ext cx="3368659" cy="1949911"/>
+          </a:xfrm>
+          <a:prstGeom prst="bentConnector3">
+            <a:avLst/>
+          </a:prstGeom>
+          <a:ln>
+            <a:solidFill>
+              <a:schemeClr val="tx1"/>
+            </a:solidFill>
+            <a:tailEnd type="triangle"/>
+          </a:ln>
+        </p:spPr>
+        <p:style>
+          <a:lnRef idx="1">
+            <a:schemeClr val="accent1"/>
+          </a:lnRef>
+          <a:fillRef idx="0">
+            <a:schemeClr val="accent1"/>
+          </a:fillRef>
+          <a:effectRef idx="0">
+            <a:schemeClr val="accent1"/>
+          </a:effectRef>
+          <a:fontRef idx="minor">
+            <a:schemeClr val="tx1"/>
+          </a:fontRef>
+        </p:style>
+      </p:cxnSp>
     </p:spTree>
     <p:extLst>
       <p:ext uri="{BB962C8B-B14F-4D97-AF65-F5344CB8AC3E}">
         <p14:creationId xmlns:p14="http://schemas.microsoft.com/office/powerpoint/2010/main" val="4203000746"/>
-      </p:ext>
-    </p:extLst>
-  </p:cSld>
-  <p:clrMapOvr>
-    <a:masterClrMapping/>
-  </p:clrMapOvr>
-</p:sld>
-</file>
-
-<file path=ppt/slides/slide9.xml><?xml version="1.0" encoding="utf-8"?>
-<p:sld xmlns:a="http://schemas.openxmlformats.org/drawingml/2006/main" xmlns:r="http://schemas.openxmlformats.org/officeDocument/2006/relationships" xmlns:p="http://schemas.openxmlformats.org/presentationml/2006/main">
-  <p:cSld>
-    <p:spTree>
-      <p:nvGrpSpPr>
-        <p:cNvPr id="1" name=""/>
-        <p:cNvGrpSpPr/>
-        <p:nvPr/>
-      </p:nvGrpSpPr>
-      <p:grpSpPr>
-        <a:xfrm>
-          <a:off x="0" y="0"/>
-          <a:ext cx="0" cy="0"/>
-          <a:chOff x="0" y="0"/>
-          <a:chExt cx="0" cy="0"/>
-        </a:xfrm>
-      </p:grpSpPr>
-      <p:sp>
-        <p:nvSpPr>
-          <p:cNvPr id="2" name="제목 1">
-            <a:extLst>
-              <a:ext uri="{FF2B5EF4-FFF2-40B4-BE49-F238E27FC236}">
-                <a16:creationId xmlns:a16="http://schemas.microsoft.com/office/drawing/2014/main" id="{852C8DA9-0D22-4D1A-8818-4D411232890A}"/>
-              </a:ext>
-            </a:extLst>
-          </p:cNvPr>
-          <p:cNvSpPr>
-            <a:spLocks noGrp="1"/>
-          </p:cNvSpPr>
-          <p:nvPr>
-            <p:ph type="title"/>
-          </p:nvPr>
-        </p:nvSpPr>
-        <p:spPr/>
-        <p:txBody>
-          <a:bodyPr/>
-          <a:lstStyle/>
-          <a:p>
-            <a:r>
-              <a:rPr lang="ko-KR" altLang="en-US" dirty="0"/>
-              <a:t>층별 매장 레이아웃 설정</a:t>
-            </a:r>
-          </a:p>
-        </p:txBody>
-      </p:sp>
-      <p:pic>
-        <p:nvPicPr>
-          <p:cNvPr id="6" name="내용 개체 틀 5">
-            <a:extLst>
-              <a:ext uri="{FF2B5EF4-FFF2-40B4-BE49-F238E27FC236}">
-                <a16:creationId xmlns:a16="http://schemas.microsoft.com/office/drawing/2014/main" id="{1C727AB2-D7E1-46E8-B01C-36F472840E1E}"/>
-              </a:ext>
-            </a:extLst>
-          </p:cNvPr>
-          <p:cNvPicPr>
-            <a:picLocks noGrp="1" noChangeAspect="1"/>
-          </p:cNvPicPr>
-          <p:nvPr>
-            <p:ph idx="1"/>
-          </p:nvPr>
-        </p:nvPicPr>
-        <p:blipFill>
-          <a:blip r:embed="rId2"/>
-          <a:stretch>
-            <a:fillRect/>
-          </a:stretch>
-        </p:blipFill>
-        <p:spPr>
-          <a:xfrm>
-            <a:off x="2686692" y="2603500"/>
-            <a:ext cx="5699429" cy="3416300"/>
-          </a:xfrm>
-        </p:spPr>
-      </p:pic>
-      <p:sp>
-        <p:nvSpPr>
-          <p:cNvPr id="4" name="슬라이드 번호 개체 틀 3">
-            <a:extLst>
-              <a:ext uri="{FF2B5EF4-FFF2-40B4-BE49-F238E27FC236}">
-                <a16:creationId xmlns:a16="http://schemas.microsoft.com/office/drawing/2014/main" id="{CC83A95E-2395-43B1-9081-050B199806E8}"/>
-              </a:ext>
-            </a:extLst>
-          </p:cNvPr>
-          <p:cNvSpPr>
-            <a:spLocks noGrp="1"/>
-          </p:cNvSpPr>
-          <p:nvPr>
-            <p:ph type="sldNum" sz="quarter" idx="12"/>
-          </p:nvPr>
-        </p:nvSpPr>
-        <p:spPr/>
-        <p:txBody>
-          <a:bodyPr/>
-          <a:lstStyle/>
-          <a:p>
-            <a:fld id="{D57F1E4F-1CFF-5643-939E-217C01CDF565}" type="slidenum">
-              <a:rPr lang="en-US" smtClean="0"/>
-              <a:pPr/>
-              <a:t>9</a:t>
-            </a:fld>
-            <a:endParaRPr lang="en-US" dirty="0"/>
-          </a:p>
-        </p:txBody>
-      </p:sp>
-    </p:spTree>
-    <p:extLst>
-      <p:ext uri="{BB962C8B-B14F-4D97-AF65-F5344CB8AC3E}">
-        <p14:creationId xmlns:p14="http://schemas.microsoft.com/office/powerpoint/2010/main" val="3307227321"/>
       </p:ext>
     </p:extLst>
   </p:cSld>
